--- a/프로젝트4 발표자료.pptx
+++ b/프로젝트4 발표자료.pptx
@@ -169,7 +169,7 @@
           <c:xMode val="edge"/>
           <c:yMode val="edge"/>
           <c:x val="0.21561652323211505"/>
-          <c:y val="3.5052925652167596E-2"/>
+          <c:y val="3.5052925652167624E-2"/>
           <c:w val="0.56664270143175832"/>
           <c:h val="0.84996419432719705"/>
         </c:manualLayout>
@@ -246,8 +246,8 @@
           <c:yMode val="edge"/>
           <c:x val="0.13155743024878788"/>
           <c:y val="0.91016063122365076"/>
-          <c:w val="0.73688497222530802"/>
-          <c:h val="8.9839368776349418E-2"/>
+          <c:w val="0.73688497222530847"/>
+          <c:h val="8.983936877634964E-2"/>
         </c:manualLayout>
       </c:layout>
       <c:txPr>
@@ -1360,6 +1360,14 @@
         </dgm:presLayoutVars>
       </dgm:prSet>
       <dgm:spPr/>
+      <dgm:t>
+        <a:bodyPr/>
+        <a:lstStyle/>
+        <a:p>
+          <a:pPr latinLnBrk="1"/>
+          <a:endParaRPr lang="ko-KR" altLang="en-US"/>
+        </a:p>
+      </dgm:t>
     </dgm:pt>
     <dgm:pt modelId="{6A93514D-93B2-47A8-A49D-CBFC8C765CE7}" type="pres">
       <dgm:prSet presAssocID="{702CDE8C-E596-4202-AAE2-173F58CAAD6A}" presName="boxAndChildren" presStyleCnt="0"/>
@@ -1368,10 +1376,26 @@
     <dgm:pt modelId="{74706865-D2BA-483D-BDB7-B6E00E3DB1FA}" type="pres">
       <dgm:prSet presAssocID="{702CDE8C-E596-4202-AAE2-173F58CAAD6A}" presName="parentTextBox" presStyleLbl="node1" presStyleIdx="0" presStyleCnt="3"/>
       <dgm:spPr/>
+      <dgm:t>
+        <a:bodyPr/>
+        <a:lstStyle/>
+        <a:p>
+          <a:pPr latinLnBrk="1"/>
+          <a:endParaRPr lang="ko-KR" altLang="en-US"/>
+        </a:p>
+      </dgm:t>
     </dgm:pt>
     <dgm:pt modelId="{FD55E909-D2E2-40A1-95B2-20A87473D881}" type="pres">
       <dgm:prSet presAssocID="{702CDE8C-E596-4202-AAE2-173F58CAAD6A}" presName="entireBox" presStyleLbl="node1" presStyleIdx="0" presStyleCnt="3"/>
       <dgm:spPr/>
+      <dgm:t>
+        <a:bodyPr/>
+        <a:lstStyle/>
+        <a:p>
+          <a:pPr latinLnBrk="1"/>
+          <a:endParaRPr lang="ko-KR" altLang="en-US"/>
+        </a:p>
+      </dgm:t>
     </dgm:pt>
     <dgm:pt modelId="{BE1D69AD-F24C-4BE5-8C24-15B99375B0FA}" type="pres">
       <dgm:prSet presAssocID="{702CDE8C-E596-4202-AAE2-173F58CAAD6A}" presName="descendantBox" presStyleCnt="0"/>
@@ -1456,10 +1480,26 @@
     <dgm:pt modelId="{B93E6461-F35F-46C3-B64E-571A68E86BE3}" type="pres">
       <dgm:prSet presAssocID="{B21B89B0-7057-40E6-9A20-9F9188A01B93}" presName="parentTextArrow" presStyleLbl="node1" presStyleIdx="1" presStyleCnt="3"/>
       <dgm:spPr/>
+      <dgm:t>
+        <a:bodyPr/>
+        <a:lstStyle/>
+        <a:p>
+          <a:pPr latinLnBrk="1"/>
+          <a:endParaRPr lang="ko-KR" altLang="en-US"/>
+        </a:p>
+      </dgm:t>
     </dgm:pt>
     <dgm:pt modelId="{EEC548DD-25C6-4D8E-A06C-3F8BFC9C78AE}" type="pres">
       <dgm:prSet presAssocID="{B21B89B0-7057-40E6-9A20-9F9188A01B93}" presName="arrow" presStyleLbl="node1" presStyleIdx="2" presStyleCnt="3"/>
       <dgm:spPr/>
+      <dgm:t>
+        <a:bodyPr/>
+        <a:lstStyle/>
+        <a:p>
+          <a:pPr latinLnBrk="1"/>
+          <a:endParaRPr lang="ko-KR" altLang="en-US"/>
+        </a:p>
+      </dgm:t>
     </dgm:pt>
     <dgm:pt modelId="{55AB6B33-A51F-4D4B-9902-D73972957C53}" type="pres">
       <dgm:prSet presAssocID="{B21B89B0-7057-40E6-9A20-9F9188A01B93}" presName="descendantArrow" presStyleCnt="0"/>
@@ -3477,7 +3517,7 @@
             <a:fld id="{D304B1AF-C8C2-4138-A5D1-0112C9E1B8BB}" type="datetimeFigureOut">
               <a:rPr lang="ko-KR" altLang="en-US" smtClean="0"/>
               <a:pPr/>
-              <a:t>2021-09-15</a:t>
+              <a:t>2021-09-16</a:t>
             </a:fld>
             <a:endParaRPr lang="ko-KR" altLang="en-US"/>
           </a:p>
@@ -3592,7 +3632,7 @@
             <a:fld id="{D304B1AF-C8C2-4138-A5D1-0112C9E1B8BB}" type="datetimeFigureOut">
               <a:rPr lang="ko-KR" altLang="en-US" smtClean="0"/>
               <a:pPr/>
-              <a:t>2021-09-15</a:t>
+              <a:t>2021-09-16</a:t>
             </a:fld>
             <a:endParaRPr lang="ko-KR" altLang="en-US"/>
           </a:p>
@@ -3818,7 +3858,7 @@
             <a:fld id="{D304B1AF-C8C2-4138-A5D1-0112C9E1B8BB}" type="datetimeFigureOut">
               <a:rPr lang="ko-KR" altLang="en-US" smtClean="0"/>
               <a:pPr/>
-              <a:t>2021-09-15</a:t>
+              <a:t>2021-09-16</a:t>
             </a:fld>
             <a:endParaRPr lang="ko-KR" altLang="en-US"/>
           </a:p>
@@ -3933,7 +3973,7 @@
             <a:fld id="{D304B1AF-C8C2-4138-A5D1-0112C9E1B8BB}" type="datetimeFigureOut">
               <a:rPr lang="ko-KR" altLang="en-US" smtClean="0"/>
               <a:pPr/>
-              <a:t>2021-09-15</a:t>
+              <a:t>2021-09-16</a:t>
             </a:fld>
             <a:endParaRPr lang="ko-KR" altLang="en-US"/>
           </a:p>
@@ -4272,7 +4312,7 @@
             <a:fld id="{D304B1AF-C8C2-4138-A5D1-0112C9E1B8BB}" type="datetimeFigureOut">
               <a:rPr lang="ko-KR" altLang="en-US" smtClean="0"/>
               <a:pPr/>
-              <a:t>2021-09-15</a:t>
+              <a:t>2021-09-16</a:t>
             </a:fld>
             <a:endParaRPr lang="ko-KR" altLang="en-US"/>
           </a:p>
@@ -4581,7 +4621,7 @@
             <a:fld id="{D304B1AF-C8C2-4138-A5D1-0112C9E1B8BB}" type="datetimeFigureOut">
               <a:rPr lang="ko-KR" altLang="en-US" smtClean="0"/>
               <a:pPr/>
-              <a:t>2021-09-15</a:t>
+              <a:t>2021-09-16</a:t>
             </a:fld>
             <a:endParaRPr lang="ko-KR" altLang="en-US"/>
           </a:p>
@@ -5618,16 +5658,7 @@
                 </a:solidFill>
                 <a:latin typeface="+mj-lt"/>
               </a:rPr>
-              <a:t>1 )</a:t>
-            </a:r>
-            <a:r>
-              <a:rPr lang="en-US" altLang="ko-KR" sz="2000" dirty="0" smtClean="0">
-                <a:solidFill>
-                  <a:schemeClr val="accent1"/>
-                </a:solidFill>
-                <a:latin typeface="+mj-lt"/>
-              </a:rPr>
-              <a:t> </a:t>
+              <a:t>1 ) </a:t>
             </a:r>
             <a:r>
               <a:rPr lang="ko-KR" altLang="en-US" sz="2000" dirty="0" err="1" smtClean="0">
@@ -5819,7 +5850,7 @@
         <p:spPr>
           <a:xfrm>
             <a:off x="2047874" y="2600324"/>
-            <a:ext cx="3819525" cy="1942198"/>
+            <a:ext cx="3819525" cy="2354491"/>
           </a:xfrm>
           <a:prstGeom prst="rect">
             <a:avLst/>
@@ -5840,38 +5871,14 @@
             <a:r>
               <a:rPr lang="ko-KR" altLang="en-US" sz="1600" b="1" dirty="0" smtClean="0">
                 <a:solidFill>
-                  <a:schemeClr val="bg2">
-                    <a:lumMod val="50000"/>
-                  </a:schemeClr>
+                  <a:schemeClr val="accent1"/>
                 </a:solidFill>
               </a:rPr>
-              <a:t>플레이어의 보</a:t>
-            </a:r>
-            <a:r>
-              <a:rPr lang="ko-KR" altLang="en-US" sz="1600" b="1" dirty="0" smtClean="0">
-                <a:solidFill>
-                  <a:schemeClr val="bg2">
-                    <a:lumMod val="50000"/>
-                  </a:schemeClr>
-                </a:solidFill>
-              </a:rPr>
-              <a:t>유</a:t>
-            </a:r>
-            <a:r>
-              <a:rPr lang="ko-KR" altLang="en-US" sz="1600" b="1" dirty="0" smtClean="0">
-                <a:solidFill>
-                  <a:schemeClr val="bg2">
-                    <a:lumMod val="50000"/>
-                  </a:schemeClr>
-                </a:solidFill>
-              </a:rPr>
-              <a:t>아이템목록 출력</a:t>
+              <a:t>플레이어의 보유아이템목록 출력</a:t>
             </a:r>
             <a:endParaRPr lang="en-US" altLang="ko-KR" sz="1600" b="1" dirty="0" smtClean="0">
               <a:solidFill>
-                <a:schemeClr val="bg2">
-                  <a:lumMod val="50000"/>
-                </a:schemeClr>
+                <a:schemeClr val="accent1"/>
               </a:solidFill>
             </a:endParaRPr>
           </a:p>
@@ -5883,9 +5890,19 @@
             </a:pPr>
             <a:endParaRPr lang="en-US" altLang="ko-KR" sz="1600" b="1" dirty="0" smtClean="0">
               <a:solidFill>
-                <a:schemeClr val="bg2">
-                  <a:lumMod val="50000"/>
-                </a:schemeClr>
+                <a:schemeClr val="accent1"/>
+              </a:solidFill>
+            </a:endParaRPr>
+          </a:p>
+          <a:p>
+            <a:pPr>
+              <a:lnSpc>
+                <a:spcPct val="150000"/>
+              </a:lnSpc>
+            </a:pPr>
+            <a:endParaRPr lang="en-US" altLang="ko-KR" sz="1600" b="1" dirty="0" smtClean="0">
+              <a:solidFill>
+                <a:schemeClr val="accent1"/>
               </a:solidFill>
             </a:endParaRPr>
           </a:p>
@@ -5898,9 +5915,7 @@
             <a:r>
               <a:rPr lang="ko-KR" altLang="en-US" sz="1600" b="1" dirty="0" smtClean="0">
                 <a:solidFill>
-                  <a:schemeClr val="bg2">
-                    <a:lumMod val="50000"/>
-                  </a:schemeClr>
+                  <a:schemeClr val="accent1"/>
                 </a:solidFill>
               </a:rPr>
               <a:t>구매</a:t>
@@ -5908,9 +5923,7 @@
             <a:r>
               <a:rPr lang="en-US" altLang="ko-KR" sz="1600" b="1" dirty="0" smtClean="0">
                 <a:solidFill>
-                  <a:schemeClr val="bg2">
-                    <a:lumMod val="50000"/>
-                  </a:schemeClr>
+                  <a:schemeClr val="accent1"/>
                 </a:solidFill>
               </a:rPr>
               <a:t> </a:t>
@@ -5918,18 +5931,34 @@
             <a:r>
               <a:rPr lang="ko-KR" altLang="en-US" sz="1600" b="1" dirty="0" smtClean="0">
                 <a:solidFill>
-                  <a:schemeClr val="bg2">
-                    <a:lumMod val="50000"/>
-                  </a:schemeClr>
+                  <a:schemeClr val="accent1"/>
                 </a:solidFill>
               </a:rPr>
-              <a:t>또는 강화 시 변경되는 아이템내역저장</a:t>
+              <a:t>또는 강화 시 변경되는 아이템</a:t>
             </a:r>
             <a:endParaRPr lang="en-US" altLang="ko-KR" sz="1600" b="1" dirty="0" smtClean="0">
               <a:solidFill>
-                <a:schemeClr val="bg2">
-                  <a:lumMod val="50000"/>
-                </a:schemeClr>
+                <a:schemeClr val="accent1"/>
+              </a:solidFill>
+            </a:endParaRPr>
+          </a:p>
+          <a:p>
+            <a:pPr>
+              <a:lnSpc>
+                <a:spcPct val="150000"/>
+              </a:lnSpc>
+            </a:pPr>
+            <a:r>
+              <a:rPr lang="ko-KR" altLang="en-US" sz="1600" b="1" dirty="0" smtClean="0">
+                <a:solidFill>
+                  <a:schemeClr val="accent1"/>
+                </a:solidFill>
+              </a:rPr>
+              <a:t>내역저장</a:t>
+            </a:r>
+            <a:endParaRPr lang="en-US" altLang="ko-KR" sz="1600" b="1" dirty="0" smtClean="0">
+              <a:solidFill>
+                <a:schemeClr val="accent1"/>
               </a:solidFill>
             </a:endParaRPr>
           </a:p>
@@ -5983,14 +6012,14 @@
       </p:pic>
       <p:sp>
         <p:nvSpPr>
-          <p:cNvPr id="10" name="아래쪽 화살표 9"/>
+          <p:cNvPr id="9" name="아래쪽 화살표 8"/>
           <p:cNvSpPr/>
           <p:nvPr/>
         </p:nvSpPr>
         <p:spPr>
           <a:xfrm>
-            <a:off x="3495675" y="2990850"/>
-            <a:ext cx="238125" cy="371475"/>
+            <a:off x="3486150" y="3228975"/>
+            <a:ext cx="400050" cy="371475"/>
           </a:xfrm>
           <a:prstGeom prst="downArrow">
             <a:avLst/>
@@ -6099,16 +6128,7 @@
                 </a:solidFill>
                 <a:latin typeface="+mj-lt"/>
               </a:rPr>
-              <a:t>2 )</a:t>
-            </a:r>
-            <a:r>
-              <a:rPr lang="en-US" altLang="ko-KR" sz="2000" dirty="0" smtClean="0">
-                <a:solidFill>
-                  <a:schemeClr val="accent1"/>
-                </a:solidFill>
-                <a:latin typeface="+mj-lt"/>
-              </a:rPr>
-              <a:t> </a:t>
+              <a:t>2 ) </a:t>
             </a:r>
             <a:r>
               <a:rPr lang="ko-KR" altLang="en-US" sz="2000" dirty="0" smtClean="0">
@@ -6117,25 +6137,7 @@
                 </a:solidFill>
                 <a:latin typeface="+mj-lt"/>
               </a:rPr>
-              <a:t>상</a:t>
-            </a:r>
-            <a:r>
-              <a:rPr lang="ko-KR" altLang="en-US" sz="2000" dirty="0" smtClean="0">
-                <a:solidFill>
-                  <a:schemeClr val="accent1"/>
-                </a:solidFill>
-                <a:latin typeface="+mj-lt"/>
-              </a:rPr>
-              <a:t>점</a:t>
-            </a:r>
-            <a:r>
-              <a:rPr lang="ko-KR" altLang="en-US" sz="2000" dirty="0" smtClean="0">
-                <a:solidFill>
-                  <a:schemeClr val="accent1"/>
-                </a:solidFill>
-                <a:latin typeface="+mj-lt"/>
-              </a:rPr>
-              <a:t> 기능</a:t>
+              <a:t>상점 기능</a:t>
             </a:r>
             <a:endParaRPr lang="ko-KR" altLang="en-US" sz="2000" dirty="0">
               <a:solidFill>
@@ -6317,8 +6319,8 @@
         </p:nvSpPr>
         <p:spPr>
           <a:xfrm>
-            <a:off x="2057400" y="2419350"/>
-            <a:ext cx="2952750" cy="1160126"/>
+            <a:off x="2057400" y="2733675"/>
+            <a:ext cx="2952750" cy="1938992"/>
           </a:xfrm>
           <a:prstGeom prst="rect">
             <a:avLst/>
@@ -6339,18 +6341,14 @@
             <a:r>
               <a:rPr lang="ko-KR" altLang="en-US" sz="1600" b="1" dirty="0" smtClean="0">
                 <a:solidFill>
-                  <a:schemeClr val="bg2">
-                    <a:lumMod val="50000"/>
-                  </a:schemeClr>
+                  <a:schemeClr val="accent1"/>
                 </a:solidFill>
               </a:rPr>
               <a:t>플레이어 직업에 따라 분류</a:t>
             </a:r>
             <a:endParaRPr lang="en-US" altLang="ko-KR" sz="1600" b="1" dirty="0" smtClean="0">
               <a:solidFill>
-                <a:schemeClr val="bg2">
-                  <a:lumMod val="50000"/>
-                </a:schemeClr>
+                <a:schemeClr val="accent1"/>
               </a:solidFill>
             </a:endParaRPr>
           </a:p>
@@ -6362,9 +6360,31 @@
             </a:pPr>
             <a:endParaRPr lang="en-US" altLang="ko-KR" sz="1600" b="1" dirty="0" smtClean="0">
               <a:solidFill>
-                <a:schemeClr val="bg2">
-                  <a:lumMod val="50000"/>
-                </a:schemeClr>
+                <a:schemeClr val="accent1"/>
+              </a:solidFill>
+            </a:endParaRPr>
+          </a:p>
+          <a:p>
+            <a:pPr>
+              <a:lnSpc>
+                <a:spcPct val="150000"/>
+              </a:lnSpc>
+            </a:pPr>
+            <a:endParaRPr lang="en-US" altLang="ko-KR" sz="1600" b="1" dirty="0" smtClean="0">
+              <a:solidFill>
+                <a:schemeClr val="accent1"/>
+              </a:solidFill>
+            </a:endParaRPr>
+          </a:p>
+          <a:p>
+            <a:pPr>
+              <a:lnSpc>
+                <a:spcPct val="150000"/>
+              </a:lnSpc>
+            </a:pPr>
+            <a:endParaRPr lang="en-US" altLang="ko-KR" sz="1600" b="1" dirty="0" smtClean="0">
+              <a:solidFill>
+                <a:schemeClr val="accent1"/>
               </a:solidFill>
             </a:endParaRPr>
           </a:p>
@@ -6377,18 +6397,14 @@
             <a:r>
               <a:rPr lang="ko-KR" altLang="en-US" sz="1600" b="1" dirty="0" smtClean="0">
                 <a:solidFill>
-                  <a:schemeClr val="bg2">
-                    <a:lumMod val="50000"/>
-                  </a:schemeClr>
+                  <a:schemeClr val="accent1"/>
                 </a:solidFill>
               </a:rPr>
               <a:t>원하는 아이템을 구매</a:t>
             </a:r>
             <a:endParaRPr lang="en-US" altLang="ko-KR" sz="1600" b="1" dirty="0" smtClean="0">
               <a:solidFill>
-                <a:schemeClr val="bg2">
-                  <a:lumMod val="50000"/>
-                </a:schemeClr>
+                <a:schemeClr val="accent1"/>
               </a:solidFill>
             </a:endParaRPr>
           </a:p>
@@ -6428,14 +6444,14 @@
       </p:pic>
       <p:sp>
         <p:nvSpPr>
-          <p:cNvPr id="9" name="아래쪽 화살표 8"/>
+          <p:cNvPr id="10" name="아래쪽 화살표 9"/>
           <p:cNvSpPr/>
           <p:nvPr/>
         </p:nvSpPr>
         <p:spPr>
           <a:xfrm>
-            <a:off x="3362325" y="2838450"/>
-            <a:ext cx="238125" cy="371475"/>
+            <a:off x="3200400" y="3533775"/>
+            <a:ext cx="400050" cy="371475"/>
           </a:xfrm>
           <a:prstGeom prst="downArrow">
             <a:avLst/>
@@ -6544,16 +6560,7 @@
                 </a:solidFill>
                 <a:latin typeface="+mj-lt"/>
               </a:rPr>
-              <a:t>3 )</a:t>
-            </a:r>
-            <a:r>
-              <a:rPr lang="en-US" altLang="ko-KR" sz="2000" dirty="0" smtClean="0">
-                <a:solidFill>
-                  <a:schemeClr val="accent1"/>
-                </a:solidFill>
-                <a:latin typeface="+mj-lt"/>
-              </a:rPr>
-              <a:t> </a:t>
+              <a:t>3 ) </a:t>
             </a:r>
             <a:r>
               <a:rPr lang="ko-KR" altLang="en-US" sz="2000" dirty="0" smtClean="0">
@@ -6562,25 +6569,7 @@
                 </a:solidFill>
                 <a:latin typeface="+mj-lt"/>
               </a:rPr>
-              <a:t>강</a:t>
-            </a:r>
-            <a:r>
-              <a:rPr lang="ko-KR" altLang="en-US" sz="2000" dirty="0" smtClean="0">
-                <a:solidFill>
-                  <a:schemeClr val="accent1"/>
-                </a:solidFill>
-                <a:latin typeface="+mj-lt"/>
-              </a:rPr>
-              <a:t>화</a:t>
-            </a:r>
-            <a:r>
-              <a:rPr lang="ko-KR" altLang="en-US" sz="2000" dirty="0" smtClean="0">
-                <a:solidFill>
-                  <a:schemeClr val="accent1"/>
-                </a:solidFill>
-                <a:latin typeface="+mj-lt"/>
-              </a:rPr>
-              <a:t> 기능</a:t>
+              <a:t>강화 기능</a:t>
             </a:r>
             <a:endParaRPr lang="ko-KR" altLang="en-US" sz="2000" dirty="0">
               <a:solidFill>
@@ -6763,7 +6752,7 @@
         <p:spPr>
           <a:xfrm>
             <a:off x="2047873" y="2352675"/>
-            <a:ext cx="3962402" cy="2311530"/>
+            <a:ext cx="3962402" cy="3093154"/>
           </a:xfrm>
           <a:prstGeom prst="rect">
             <a:avLst/>
@@ -6784,18 +6773,14 @@
             <a:r>
               <a:rPr lang="ko-KR" altLang="en-US" sz="1600" b="1" dirty="0" smtClean="0">
                 <a:solidFill>
-                  <a:schemeClr val="bg2">
-                    <a:lumMod val="50000"/>
-                  </a:schemeClr>
+                  <a:schemeClr val="accent1"/>
                 </a:solidFill>
               </a:rPr>
               <a:t>강화할 아이템 선택</a:t>
             </a:r>
             <a:endParaRPr lang="en-US" altLang="ko-KR" sz="1600" b="1" dirty="0" smtClean="0">
               <a:solidFill>
-                <a:schemeClr val="bg2">
-                  <a:lumMod val="50000"/>
-                </a:schemeClr>
+                <a:schemeClr val="accent1"/>
               </a:solidFill>
             </a:endParaRPr>
           </a:p>
@@ -6807,9 +6792,19 @@
             </a:pPr>
             <a:endParaRPr lang="en-US" altLang="ko-KR" sz="1600" b="1" dirty="0" smtClean="0">
               <a:solidFill>
-                <a:schemeClr val="bg2">
-                  <a:lumMod val="50000"/>
-                </a:schemeClr>
+                <a:schemeClr val="accent1"/>
+              </a:solidFill>
+            </a:endParaRPr>
+          </a:p>
+          <a:p>
+            <a:pPr>
+              <a:lnSpc>
+                <a:spcPct val="150000"/>
+              </a:lnSpc>
+            </a:pPr>
+            <a:endParaRPr lang="en-US" altLang="ko-KR" sz="1600" b="1" dirty="0" smtClean="0">
+              <a:solidFill>
+                <a:schemeClr val="accent1"/>
               </a:solidFill>
             </a:endParaRPr>
           </a:p>
@@ -6822,18 +6817,14 @@
             <a:r>
               <a:rPr lang="ko-KR" altLang="en-US" sz="1600" b="1" dirty="0" smtClean="0">
                 <a:solidFill>
-                  <a:schemeClr val="bg2">
-                    <a:lumMod val="50000"/>
-                  </a:schemeClr>
+                  <a:schemeClr val="accent1"/>
                 </a:solidFill>
               </a:rPr>
               <a:t>강화할수록 확률을 낮춤</a:t>
             </a:r>
             <a:endParaRPr lang="en-US" altLang="ko-KR" sz="1600" b="1" dirty="0" smtClean="0">
               <a:solidFill>
-                <a:schemeClr val="bg2">
-                  <a:lumMod val="50000"/>
-                </a:schemeClr>
+                <a:schemeClr val="accent1"/>
               </a:solidFill>
             </a:endParaRPr>
           </a:p>
@@ -6845,9 +6836,19 @@
             </a:pPr>
             <a:endParaRPr lang="en-US" altLang="ko-KR" sz="1600" b="1" dirty="0" smtClean="0">
               <a:solidFill>
-                <a:schemeClr val="bg2">
-                  <a:lumMod val="50000"/>
-                </a:schemeClr>
+                <a:schemeClr val="accent1"/>
+              </a:solidFill>
+            </a:endParaRPr>
+          </a:p>
+          <a:p>
+            <a:pPr>
+              <a:lnSpc>
+                <a:spcPct val="150000"/>
+              </a:lnSpc>
+            </a:pPr>
+            <a:endParaRPr lang="en-US" altLang="ko-KR" sz="1600" b="1" dirty="0" smtClean="0">
+              <a:solidFill>
+                <a:schemeClr val="accent1"/>
               </a:solidFill>
             </a:endParaRPr>
           </a:p>
@@ -6860,9 +6861,7 @@
             <a:r>
               <a:rPr lang="ko-KR" altLang="en-US" sz="1600" b="1" dirty="0" smtClean="0">
                 <a:solidFill>
-                  <a:schemeClr val="bg2">
-                    <a:lumMod val="50000"/>
-                  </a:schemeClr>
+                  <a:schemeClr val="accent1"/>
                 </a:solidFill>
               </a:rPr>
               <a:t>실패 시 폭파 </a:t>
@@ -6870,9 +6869,7 @@
             <a:r>
               <a:rPr lang="en-US" altLang="ko-KR" sz="1600" b="1" dirty="0" smtClean="0">
                 <a:solidFill>
-                  <a:schemeClr val="bg2">
-                    <a:lumMod val="50000"/>
-                  </a:schemeClr>
+                  <a:schemeClr val="accent1"/>
                 </a:solidFill>
               </a:rPr>
               <a:t>&amp; </a:t>
@@ -6880,9 +6877,7 @@
             <a:r>
               <a:rPr lang="ko-KR" altLang="en-US" sz="1600" b="1" dirty="0" smtClean="0">
                 <a:solidFill>
-                  <a:schemeClr val="bg2">
-                    <a:lumMod val="50000"/>
-                  </a:schemeClr>
+                  <a:schemeClr val="accent1"/>
                 </a:solidFill>
               </a:rPr>
               <a:t>강화 </a:t>
@@ -6890,9 +6885,7 @@
             <a:r>
               <a:rPr lang="ko-KR" altLang="en-US" sz="1600" b="1" dirty="0" err="1" smtClean="0">
                 <a:solidFill>
-                  <a:schemeClr val="bg2">
-                    <a:lumMod val="50000"/>
-                  </a:schemeClr>
+                  <a:schemeClr val="accent1"/>
                 </a:solidFill>
               </a:rPr>
               <a:t>방어권</a:t>
@@ -6900,18 +6893,14 @@
             <a:r>
               <a:rPr lang="ko-KR" altLang="en-US" sz="1600" b="1" dirty="0" smtClean="0">
                 <a:solidFill>
-                  <a:schemeClr val="bg2">
-                    <a:lumMod val="50000"/>
-                  </a:schemeClr>
+                  <a:schemeClr val="accent1"/>
                 </a:solidFill>
               </a:rPr>
               <a:t> 선택여부</a:t>
             </a:r>
             <a:endParaRPr lang="en-US" altLang="ko-KR" sz="1600" b="1" dirty="0" smtClean="0">
               <a:solidFill>
-                <a:schemeClr val="bg2">
-                  <a:lumMod val="50000"/>
-                </a:schemeClr>
+                <a:schemeClr val="accent1"/>
               </a:solidFill>
             </a:endParaRPr>
           </a:p>
@@ -6928,52 +6917,6 @@
                 </a:schemeClr>
               </a:solidFill>
             </a:endParaRPr>
-          </a:p>
-        </p:txBody>
-      </p:sp>
-      <p:sp>
-        <p:nvSpPr>
-          <p:cNvPr id="9" name="아래쪽 화살표 8"/>
-          <p:cNvSpPr/>
-          <p:nvPr/>
-        </p:nvSpPr>
-        <p:spPr>
-          <a:xfrm>
-            <a:off x="3362325" y="2752725"/>
-            <a:ext cx="238125" cy="371475"/>
-          </a:xfrm>
-          <a:prstGeom prst="downArrow">
-            <a:avLst/>
-          </a:prstGeom>
-          <a:solidFill>
-            <a:schemeClr val="accent2"/>
-          </a:solidFill>
-          <a:ln>
-            <a:noFill/>
-          </a:ln>
-        </p:spPr>
-        <p:style>
-          <a:lnRef idx="2">
-            <a:schemeClr val="accent1">
-              <a:shade val="50000"/>
-            </a:schemeClr>
-          </a:lnRef>
-          <a:fillRef idx="1">
-            <a:schemeClr val="accent1"/>
-          </a:fillRef>
-          <a:effectRef idx="0">
-            <a:schemeClr val="accent1"/>
-          </a:effectRef>
-          <a:fontRef idx="minor">
-            <a:schemeClr val="lt1"/>
-          </a:fontRef>
-        </p:style>
-        <p:txBody>
-          <a:bodyPr rtlCol="0" anchor="ctr"/>
-          <a:lstStyle/>
-          <a:p>
-            <a:pPr algn="ctr"/>
-            <a:endParaRPr lang="ko-KR" altLang="en-US"/>
           </a:p>
         </p:txBody>
       </p:sp>
@@ -7011,14 +6954,60 @@
       </p:pic>
       <p:sp>
         <p:nvSpPr>
-          <p:cNvPr id="10" name="아래쪽 화살표 9"/>
+          <p:cNvPr id="11" name="아래쪽 화살표 10"/>
           <p:cNvSpPr/>
           <p:nvPr/>
         </p:nvSpPr>
         <p:spPr>
           <a:xfrm>
-            <a:off x="3352800" y="3552825"/>
-            <a:ext cx="238125" cy="371475"/>
+            <a:off x="3200400" y="2971800"/>
+            <a:ext cx="400050" cy="371475"/>
+          </a:xfrm>
+          <a:prstGeom prst="downArrow">
+            <a:avLst/>
+          </a:prstGeom>
+          <a:solidFill>
+            <a:schemeClr val="accent2"/>
+          </a:solidFill>
+          <a:ln>
+            <a:noFill/>
+          </a:ln>
+        </p:spPr>
+        <p:style>
+          <a:lnRef idx="2">
+            <a:schemeClr val="accent1">
+              <a:shade val="50000"/>
+            </a:schemeClr>
+          </a:lnRef>
+          <a:fillRef idx="1">
+            <a:schemeClr val="accent1"/>
+          </a:fillRef>
+          <a:effectRef idx="0">
+            <a:schemeClr val="accent1"/>
+          </a:effectRef>
+          <a:fontRef idx="minor">
+            <a:schemeClr val="lt1"/>
+          </a:fontRef>
+        </p:style>
+        <p:txBody>
+          <a:bodyPr rtlCol="0" anchor="ctr"/>
+          <a:lstStyle/>
+          <a:p>
+            <a:pPr algn="ctr"/>
+            <a:endParaRPr lang="ko-KR" altLang="en-US"/>
+          </a:p>
+        </p:txBody>
+      </p:sp>
+      <p:sp>
+        <p:nvSpPr>
+          <p:cNvPr id="12" name="아래쪽 화살표 11"/>
+          <p:cNvSpPr/>
+          <p:nvPr/>
+        </p:nvSpPr>
+        <p:spPr>
+          <a:xfrm>
+            <a:off x="3209925" y="4048125"/>
+            <a:ext cx="400050" cy="371475"/>
           </a:xfrm>
           <a:prstGeom prst="downArrow">
             <a:avLst/>
@@ -7127,25 +7116,7 @@
                 </a:solidFill>
                 <a:latin typeface="+mj-lt"/>
               </a:rPr>
-              <a:t>4</a:t>
-            </a:r>
-            <a:r>
-              <a:rPr lang="en-US" altLang="ko-KR" sz="2000" dirty="0" smtClean="0">
-                <a:solidFill>
-                  <a:schemeClr val="accent1"/>
-                </a:solidFill>
-                <a:latin typeface="+mj-lt"/>
-              </a:rPr>
-              <a:t> )</a:t>
-            </a:r>
-            <a:r>
-              <a:rPr lang="en-US" altLang="ko-KR" sz="2000" dirty="0" smtClean="0">
-                <a:solidFill>
-                  <a:schemeClr val="accent1"/>
-                </a:solidFill>
-                <a:latin typeface="+mj-lt"/>
-              </a:rPr>
-              <a:t> </a:t>
+              <a:t>4 ) </a:t>
             </a:r>
             <a:r>
               <a:rPr lang="ko-KR" altLang="en-US" sz="2000" dirty="0" smtClean="0">
@@ -7336,8 +7307,8 @@
         </p:nvSpPr>
         <p:spPr>
           <a:xfrm>
-            <a:off x="2047873" y="2743200"/>
-            <a:ext cx="3562352" cy="1203535"/>
+            <a:off x="2047873" y="3086100"/>
+            <a:ext cx="2886077" cy="1203535"/>
           </a:xfrm>
           <a:prstGeom prst="rect">
             <a:avLst/>
@@ -7350,50 +7321,63 @@
           </a:bodyPr>
           <a:lstStyle/>
           <a:p>
-            <a:pPr>
-              <a:lnSpc>
-                <a:spcPct val="150000"/>
-              </a:lnSpc>
-            </a:pPr>
             <a:r>
               <a:rPr lang="ko-KR" altLang="en-US" sz="1600" b="1" dirty="0" smtClean="0">
                 <a:solidFill>
-                  <a:schemeClr val="bg2">
-                    <a:lumMod val="50000"/>
-                  </a:schemeClr>
+                  <a:schemeClr val="accent1"/>
                 </a:solidFill>
               </a:rPr>
-              <a:t>플레이어의 강화 성공여부와 </a:t>
+              <a:t>플레이어의 강화 성공여부와</a:t>
             </a:r>
             <a:endParaRPr lang="en-US" altLang="ko-KR" sz="1600" b="1" dirty="0" smtClean="0">
               <a:solidFill>
-                <a:schemeClr val="bg2">
-                  <a:lumMod val="50000"/>
-                </a:schemeClr>
+                <a:schemeClr val="accent1"/>
               </a:solidFill>
             </a:endParaRPr>
           </a:p>
           <a:p>
-            <a:pPr>
-              <a:lnSpc>
-                <a:spcPct val="150000"/>
-              </a:lnSpc>
-            </a:pPr>
             <a:r>
               <a:rPr lang="ko-KR" altLang="en-US" sz="1600" b="1" dirty="0" smtClean="0">
                 <a:solidFill>
-                  <a:schemeClr val="bg2">
-                    <a:lumMod val="50000"/>
-                  </a:schemeClr>
+                  <a:schemeClr val="accent1"/>
+                </a:solidFill>
+              </a:rPr>
+              <a:t> </a:t>
+            </a:r>
+            <a:endParaRPr lang="en-US" altLang="ko-KR" sz="1600" b="1" dirty="0" smtClean="0">
+              <a:solidFill>
+                <a:schemeClr val="accent1"/>
+              </a:solidFill>
+            </a:endParaRPr>
+          </a:p>
+          <a:p>
+            <a:r>
+              <a:rPr lang="ko-KR" altLang="en-US" sz="1600" b="1" dirty="0" smtClean="0">
+                <a:solidFill>
+                  <a:schemeClr val="accent1"/>
+                </a:solidFill>
+              </a:rPr>
+              <a:t>날짜</a:t>
+            </a:r>
+            <a:r>
+              <a:rPr lang="en-US" altLang="ko-KR" sz="1600" b="1" dirty="0" smtClean="0">
+                <a:solidFill>
+                  <a:schemeClr val="accent1"/>
+                </a:solidFill>
+              </a:rPr>
+              <a:t>, </a:t>
+            </a:r>
+            <a:r>
+              <a:rPr lang="ko-KR" altLang="en-US" sz="1600" b="1" dirty="0" smtClean="0">
+                <a:solidFill>
+                  <a:schemeClr val="accent1"/>
                 </a:solidFill>
               </a:rPr>
               <a:t>비용내역을 저장</a:t>
             </a:r>
             <a:endParaRPr lang="en-US" altLang="ko-KR" sz="1600" b="1" dirty="0" smtClean="0">
               <a:solidFill>
-                <a:schemeClr val="bg2">
-                  <a:lumMod val="50000"/>
-                </a:schemeClr>
+                <a:schemeClr val="accent1"/>
               </a:solidFill>
             </a:endParaRPr>
           </a:p>
@@ -7415,7 +7399,7 @@
       </p:sp>
       <p:pic>
         <p:nvPicPr>
-          <p:cNvPr id="5122" name="Picture 2"/>
+          <p:cNvPr id="1026" name="Picture 2"/>
           <p:cNvPicPr>
             <a:picLocks noChangeAspect="1" noChangeArrowheads="1"/>
           </p:cNvPicPr>
@@ -7430,8 +7414,8 @@
         </p:blipFill>
         <p:spPr bwMode="auto">
           <a:xfrm>
-            <a:off x="5962650" y="2833688"/>
-            <a:ext cx="6048375" cy="2162175"/>
+            <a:off x="5862638" y="2762250"/>
+            <a:ext cx="5133975" cy="2324100"/>
           </a:xfrm>
           <a:prstGeom prst="rect">
             <a:avLst/>
@@ -7571,7 +7555,7 @@
                   <a:schemeClr val="accent3"/>
                 </a:solidFill>
               </a:rPr>
-              <a:t>개선 사항</a:t>
+              <a:t>개선할 사항</a:t>
             </a:r>
             <a:endParaRPr lang="en-US" altLang="ko-KR" sz="4400" b="1" dirty="0">
               <a:solidFill>
@@ -8889,7 +8873,7 @@
         <p:spPr>
           <a:xfrm>
             <a:off x="1047318" y="2942055"/>
-            <a:ext cx="2629332" cy="338554"/>
+            <a:ext cx="2629332" cy="830997"/>
           </a:xfrm>
           <a:prstGeom prst="rect">
             <a:avLst/>
@@ -8902,13 +8886,41 @@
           </a:bodyPr>
           <a:lstStyle/>
           <a:p>
+            <a:pPr>
+              <a:lnSpc>
+                <a:spcPct val="150000"/>
+              </a:lnSpc>
+            </a:pPr>
             <a:r>
               <a:rPr lang="ko-KR" altLang="en-US" sz="1600" b="1" dirty="0" smtClean="0">
                 <a:solidFill>
                   <a:schemeClr val="accent1"/>
                 </a:solidFill>
               </a:rPr>
-              <a:t>회원가입기능</a:t>
+              <a:t>플레이어 레벨 </a:t>
+            </a:r>
+            <a:r>
+              <a:rPr lang="en-US" altLang="ko-KR" sz="1600" b="1" dirty="0" smtClean="0">
+                <a:solidFill>
+                  <a:schemeClr val="accent1"/>
+                </a:solidFill>
+              </a:rPr>
+              <a:t>&amp;</a:t>
+            </a:r>
+          </a:p>
+          <a:p>
+            <a:pPr>
+              <a:lnSpc>
+                <a:spcPct val="150000"/>
+              </a:lnSpc>
+            </a:pPr>
+            <a:r>
+              <a:rPr lang="ko-KR" altLang="en-US" sz="1600" b="1" dirty="0" smtClean="0">
+                <a:solidFill>
+                  <a:schemeClr val="accent1"/>
+                </a:solidFill>
+              </a:rPr>
+              <a:t>아이템 레벨 도입</a:t>
             </a:r>
             <a:endParaRPr lang="ko-KR" altLang="en-US" sz="1600" b="1" dirty="0">
               <a:solidFill>
@@ -9205,23 +9217,7 @@
                   <a:schemeClr val="accent1"/>
                 </a:solidFill>
               </a:rPr>
-              <a:t>캐</a:t>
-            </a:r>
-            <a:r>
-              <a:rPr lang="ko-KR" altLang="en-US" sz="1600" b="1" dirty="0" smtClean="0">
-                <a:solidFill>
-                  <a:schemeClr val="accent1"/>
-                </a:solidFill>
-              </a:rPr>
-              <a:t>시</a:t>
-            </a:r>
-            <a:r>
-              <a:rPr lang="ko-KR" altLang="en-US" sz="1600" b="1" dirty="0" smtClean="0">
-                <a:solidFill>
-                  <a:schemeClr val="accent1"/>
-                </a:solidFill>
-              </a:rPr>
-              <a:t>충전기능</a:t>
+              <a:t>캐시충전기능</a:t>
             </a:r>
             <a:endParaRPr lang="ko-KR" altLang="en-US" sz="1600" b="1" dirty="0">
               <a:solidFill>
@@ -19956,16 +19952,7 @@
                 </a:solidFill>
                 <a:latin typeface="+mj-lt"/>
               </a:rPr>
-              <a:t>3</a:t>
-            </a:r>
-            <a:r>
-              <a:rPr lang="en-US" altLang="ko-KR" sz="3600" dirty="0" smtClean="0">
-                <a:solidFill>
-                  <a:schemeClr val="accent1"/>
-                </a:solidFill>
-                <a:latin typeface="+mj-lt"/>
-              </a:rPr>
-              <a:t>. </a:t>
+              <a:t>3. </a:t>
             </a:r>
             <a:r>
               <a:rPr lang="ko-KR" altLang="en-US" sz="3600" dirty="0" smtClean="0">
@@ -19974,7 +19961,7 @@
                 </a:solidFill>
                 <a:latin typeface="+mj-lt"/>
               </a:rPr>
-              <a:t>개선사항</a:t>
+              <a:t>개선할 사항</a:t>
             </a:r>
             <a:endParaRPr lang="ko-KR" altLang="en-US" sz="3600" dirty="0">
               <a:solidFill>
@@ -20112,15 +20099,7 @@
                   <a:schemeClr val="accent3"/>
                 </a:solidFill>
               </a:rPr>
-              <a:t>4</a:t>
-            </a:r>
-            <a:r>
-              <a:rPr lang="en-US" altLang="ko-KR" sz="4400" b="1" dirty="0" smtClean="0">
-                <a:solidFill>
-                  <a:schemeClr val="accent3"/>
-                </a:solidFill>
-              </a:rPr>
-              <a:t>. </a:t>
+              <a:t>4. </a:t>
             </a:r>
             <a:r>
               <a:rPr lang="ko-KR" altLang="en-US" sz="4400" b="1" dirty="0" smtClean="0">
@@ -20988,8 +20967,8 @@
         </p:nvSpPr>
         <p:spPr>
           <a:xfrm>
-            <a:off x="2961095" y="2508330"/>
-            <a:ext cx="3039655" cy="703526"/>
+            <a:off x="2961095" y="1917780"/>
+            <a:ext cx="3182530" cy="738664"/>
           </a:xfrm>
           <a:prstGeom prst="rect">
             <a:avLst/>
@@ -21029,7 +21008,7 @@
                   <a:schemeClr val="accent1"/>
                 </a:solidFill>
               </a:rPr>
-              <a:t>  추가되지 않는 현상발생</a:t>
+              <a:t>  추가되지 않는 현상발생 </a:t>
             </a:r>
             <a:r>
               <a:rPr lang="en-US" altLang="ko-KR" sz="1400" b="1" dirty="0" smtClean="0">
@@ -21101,8 +21080,8 @@
         </p:nvSpPr>
         <p:spPr>
           <a:xfrm>
-            <a:off x="2961095" y="4080848"/>
-            <a:ext cx="3039655" cy="703526"/>
+            <a:off x="2961095" y="5376248"/>
+            <a:ext cx="3182530" cy="738664"/>
           </a:xfrm>
           <a:prstGeom prst="rect">
             <a:avLst/>
@@ -21126,7 +21105,7 @@
                   <a:schemeClr val="accent1"/>
                 </a:solidFill>
               </a:rPr>
-              <a:t>상점클래스 내의 플레이어  관련 </a:t>
+              <a:t>플레이어 변수를 상점 </a:t>
             </a:r>
             <a:r>
               <a:rPr lang="ko-KR" altLang="en-US" sz="1400" b="1" dirty="0" err="1" smtClean="0">
@@ -21134,7 +21113,7 @@
                   <a:schemeClr val="accent1"/>
                 </a:solidFill>
               </a:rPr>
-              <a:t>메소드를</a:t>
+              <a:t>메소드의</a:t>
             </a:r>
             <a:r>
               <a:rPr lang="ko-KR" altLang="en-US" sz="1400" b="1" dirty="0" smtClean="0">
@@ -21142,23 +21121,7 @@
                   <a:schemeClr val="accent1"/>
                 </a:solidFill>
               </a:rPr>
-              <a:t> </a:t>
-            </a:r>
-            <a:r>
-              <a:rPr lang="ko-KR" altLang="en-US" sz="1400" b="1" dirty="0" err="1" smtClean="0">
-                <a:solidFill>
-                  <a:schemeClr val="accent1"/>
-                </a:solidFill>
-              </a:rPr>
-              <a:t>메인실행클래스와</a:t>
-            </a:r>
-            <a:r>
-              <a:rPr lang="ko-KR" altLang="en-US" sz="1400" b="1" dirty="0" smtClean="0">
-                <a:solidFill>
-                  <a:schemeClr val="accent1"/>
-                </a:solidFill>
-              </a:rPr>
-              <a:t> 연결시킴</a:t>
+              <a:t> 매개변수로 전달하여 해결</a:t>
             </a:r>
             <a:endParaRPr lang="en-US" altLang="ko-KR" sz="1400" b="1" dirty="0" smtClean="0">
               <a:solidFill>
@@ -21182,7 +21145,7 @@
         </p:nvSpPr>
         <p:spPr>
           <a:xfrm>
-            <a:off x="2182119" y="2490175"/>
+            <a:off x="2182119" y="1899625"/>
             <a:ext cx="595032" cy="595032"/>
           </a:xfrm>
           <a:prstGeom prst="ellipse">
@@ -21239,7 +21202,7 @@
         </p:nvSpPr>
         <p:spPr>
           <a:xfrm>
-            <a:off x="2182119" y="4062693"/>
+            <a:off x="2182119" y="2986368"/>
             <a:ext cx="595032" cy="595032"/>
           </a:xfrm>
           <a:prstGeom prst="ellipse">
@@ -21274,7 +21237,7 @@
               <a:rPr lang="en-US" altLang="ko-KR" sz="1400" dirty="0" smtClean="0">
                 <a:latin typeface="+mj-lt"/>
               </a:rPr>
-              <a:t>A</a:t>
+              <a:t>s</a:t>
             </a:r>
             <a:endParaRPr lang="ko-KR" altLang="en-US" sz="1400" dirty="0">
               <a:latin typeface="+mj-lt"/>
@@ -21431,16 +21394,7 @@
                 </a:solidFill>
                 <a:latin typeface="+mj-lt"/>
               </a:rPr>
-              <a:t>4</a:t>
-            </a:r>
-            <a:r>
-              <a:rPr lang="en-US" altLang="ko-KR" sz="3600" dirty="0" smtClean="0">
-                <a:solidFill>
-                  <a:schemeClr val="accent1"/>
-                </a:solidFill>
-                <a:latin typeface="+mj-lt"/>
-              </a:rPr>
-              <a:t>. </a:t>
+              <a:t>4. </a:t>
             </a:r>
             <a:r>
               <a:rPr lang="ko-KR" altLang="en-US" sz="3600" dirty="0" smtClean="0">
@@ -21468,8 +21422,8 @@
         </p:nvSpPr>
         <p:spPr>
           <a:xfrm>
-            <a:off x="4133850" y="3305175"/>
-            <a:ext cx="400050" cy="666750"/>
+            <a:off x="4267200" y="2647950"/>
+            <a:ext cx="400050" cy="285750"/>
           </a:xfrm>
           <a:prstGeom prst="downArrow">
             <a:avLst/>
@@ -21503,6 +21457,582 @@
           <a:p>
             <a:pPr algn="ctr"/>
             <a:endParaRPr lang="ko-KR" altLang="en-US"/>
+          </a:p>
+        </p:txBody>
+      </p:sp>
+      <p:sp>
+        <p:nvSpPr>
+          <p:cNvPr id="14" name="TextBox 13">
+            <a:extLst>
+              <a:ext uri="{FF2B5EF4-FFF2-40B4-BE49-F238E27FC236}">
+                <a16:creationId xmlns:a16="http://schemas.microsoft.com/office/drawing/2014/main" xmlns="" id="{23DFAC42-2774-42AB-885D-8D6EB822D83F}"/>
+              </a:ext>
+            </a:extLst>
+          </p:cNvPr>
+          <p:cNvSpPr txBox="1"/>
+          <p:nvPr/>
+        </p:nvSpPr>
+        <p:spPr>
+          <a:xfrm>
+            <a:off x="2970620" y="2994998"/>
+            <a:ext cx="3182530" cy="738664"/>
+          </a:xfrm>
+          <a:prstGeom prst="rect">
+            <a:avLst/>
+          </a:prstGeom>
+          <a:noFill/>
+        </p:spPr>
+        <p:txBody>
+          <a:bodyPr wrap="square" rtlCol="0">
+            <a:spAutoFit/>
+          </a:bodyPr>
+          <a:lstStyle/>
+          <a:p>
+            <a:pPr>
+              <a:lnSpc>
+                <a:spcPct val="150000"/>
+              </a:lnSpc>
+            </a:pPr>
+            <a:r>
+              <a:rPr lang="ko-KR" altLang="en-US" sz="1400" b="1" dirty="0" smtClean="0">
+                <a:solidFill>
+                  <a:schemeClr val="accent1"/>
+                </a:solidFill>
+              </a:rPr>
+              <a:t>상점 </a:t>
+            </a:r>
+            <a:r>
+              <a:rPr lang="ko-KR" altLang="en-US" sz="1400" b="1" dirty="0" err="1" smtClean="0">
+                <a:solidFill>
+                  <a:schemeClr val="accent1"/>
+                </a:solidFill>
+              </a:rPr>
+              <a:t>메소드</a:t>
+            </a:r>
+            <a:r>
+              <a:rPr lang="ko-KR" altLang="en-US" sz="1400" b="1" dirty="0" smtClean="0">
+                <a:solidFill>
+                  <a:schemeClr val="accent1"/>
+                </a:solidFill>
+              </a:rPr>
+              <a:t> 실행 시 플레이어 초기화되는 현상 인지</a:t>
+            </a:r>
+            <a:endParaRPr lang="en-US" altLang="ko-KR" sz="1400" b="1" dirty="0" smtClean="0">
+              <a:solidFill>
+                <a:schemeClr val="accent1"/>
+              </a:solidFill>
+            </a:endParaRPr>
+          </a:p>
+        </p:txBody>
+      </p:sp>
+      <p:sp>
+        <p:nvSpPr>
+          <p:cNvPr id="16" name="아래쪽 화살표 15"/>
+          <p:cNvSpPr/>
+          <p:nvPr/>
+        </p:nvSpPr>
+        <p:spPr>
+          <a:xfrm>
+            <a:off x="4276725" y="3800475"/>
+            <a:ext cx="400050" cy="285750"/>
+          </a:xfrm>
+          <a:prstGeom prst="downArrow">
+            <a:avLst/>
+          </a:prstGeom>
+          <a:solidFill>
+            <a:schemeClr val="accent2"/>
+          </a:solidFill>
+          <a:ln>
+            <a:noFill/>
+          </a:ln>
+        </p:spPr>
+        <p:style>
+          <a:lnRef idx="2">
+            <a:schemeClr val="accent1">
+              <a:shade val="50000"/>
+            </a:schemeClr>
+          </a:lnRef>
+          <a:fillRef idx="1">
+            <a:schemeClr val="accent1"/>
+          </a:fillRef>
+          <a:effectRef idx="0">
+            <a:schemeClr val="accent1"/>
+          </a:effectRef>
+          <a:fontRef idx="minor">
+            <a:schemeClr val="lt1"/>
+          </a:fontRef>
+        </p:style>
+        <p:txBody>
+          <a:bodyPr rtlCol="0" anchor="ctr"/>
+          <a:lstStyle/>
+          <a:p>
+            <a:pPr algn="ctr"/>
+            <a:endParaRPr lang="ko-KR" altLang="en-US"/>
+          </a:p>
+        </p:txBody>
+      </p:sp>
+      <p:sp>
+        <p:nvSpPr>
+          <p:cNvPr id="19" name="TextBox 18">
+            <a:extLst>
+              <a:ext uri="{FF2B5EF4-FFF2-40B4-BE49-F238E27FC236}">
+                <a16:creationId xmlns:a16="http://schemas.microsoft.com/office/drawing/2014/main" xmlns="" id="{23DFAC42-2774-42AB-885D-8D6EB822D83F}"/>
+              </a:ext>
+            </a:extLst>
+          </p:cNvPr>
+          <p:cNvSpPr txBox="1"/>
+          <p:nvPr/>
+        </p:nvSpPr>
+        <p:spPr>
+          <a:xfrm>
+            <a:off x="2951570" y="4309448"/>
+            <a:ext cx="3182530" cy="415498"/>
+          </a:xfrm>
+          <a:prstGeom prst="rect">
+            <a:avLst/>
+          </a:prstGeom>
+          <a:noFill/>
+        </p:spPr>
+        <p:txBody>
+          <a:bodyPr wrap="square" rtlCol="0">
+            <a:spAutoFit/>
+          </a:bodyPr>
+          <a:lstStyle/>
+          <a:p>
+            <a:pPr>
+              <a:lnSpc>
+                <a:spcPct val="150000"/>
+              </a:lnSpc>
+            </a:pPr>
+            <a:r>
+              <a:rPr lang="ko-KR" altLang="en-US" sz="1400" b="1" dirty="0" smtClean="0">
+                <a:solidFill>
+                  <a:schemeClr val="accent1"/>
+                </a:solidFill>
+              </a:rPr>
+              <a:t>상점 </a:t>
+            </a:r>
+            <a:r>
+              <a:rPr lang="ko-KR" altLang="en-US" sz="1400" b="1" dirty="0" err="1" smtClean="0">
+                <a:solidFill>
+                  <a:schemeClr val="accent1"/>
+                </a:solidFill>
+              </a:rPr>
+              <a:t>메소드를</a:t>
+            </a:r>
+            <a:r>
+              <a:rPr lang="ko-KR" altLang="en-US" sz="1400" b="1" dirty="0" smtClean="0">
+                <a:solidFill>
+                  <a:schemeClr val="accent1"/>
+                </a:solidFill>
+              </a:rPr>
+              <a:t> 메인 </a:t>
+            </a:r>
+            <a:r>
+              <a:rPr lang="ko-KR" altLang="en-US" sz="1400" b="1" dirty="0" err="1" smtClean="0">
+                <a:solidFill>
+                  <a:schemeClr val="accent1"/>
+                </a:solidFill>
+              </a:rPr>
+              <a:t>실행부로</a:t>
+            </a:r>
+            <a:r>
+              <a:rPr lang="ko-KR" altLang="en-US" sz="1400" b="1" dirty="0" smtClean="0">
+                <a:solidFill>
+                  <a:schemeClr val="accent1"/>
+                </a:solidFill>
+              </a:rPr>
+              <a:t> 옮김 </a:t>
+            </a:r>
+            <a:endParaRPr lang="en-US" altLang="ko-KR" sz="1400" b="1" dirty="0" smtClean="0">
+              <a:solidFill>
+                <a:schemeClr val="accent1"/>
+              </a:solidFill>
+            </a:endParaRPr>
+          </a:p>
+        </p:txBody>
+      </p:sp>
+      <p:sp>
+        <p:nvSpPr>
+          <p:cNvPr id="20" name="아래쪽 화살표 19"/>
+          <p:cNvSpPr/>
+          <p:nvPr/>
+        </p:nvSpPr>
+        <p:spPr>
+          <a:xfrm>
+            <a:off x="4257675" y="5010150"/>
+            <a:ext cx="400050" cy="285750"/>
+          </a:xfrm>
+          <a:prstGeom prst="downArrow">
+            <a:avLst/>
+          </a:prstGeom>
+          <a:solidFill>
+            <a:schemeClr val="accent2"/>
+          </a:solidFill>
+          <a:ln>
+            <a:noFill/>
+          </a:ln>
+        </p:spPr>
+        <p:style>
+          <a:lnRef idx="2">
+            <a:schemeClr val="accent1">
+              <a:shade val="50000"/>
+            </a:schemeClr>
+          </a:lnRef>
+          <a:fillRef idx="1">
+            <a:schemeClr val="accent1"/>
+          </a:fillRef>
+          <a:effectRef idx="0">
+            <a:schemeClr val="accent1"/>
+          </a:effectRef>
+          <a:fontRef idx="minor">
+            <a:schemeClr val="lt1"/>
+          </a:fontRef>
+        </p:style>
+        <p:txBody>
+          <a:bodyPr rtlCol="0" anchor="ctr"/>
+          <a:lstStyle/>
+          <a:p>
+            <a:pPr algn="ctr"/>
+            <a:endParaRPr lang="ko-KR" altLang="en-US"/>
+          </a:p>
+        </p:txBody>
+      </p:sp>
+      <p:sp>
+        <p:nvSpPr>
+          <p:cNvPr id="24" name="타원 23">
+            <a:extLst>
+              <a:ext uri="{FF2B5EF4-FFF2-40B4-BE49-F238E27FC236}">
+                <a16:creationId xmlns:a16="http://schemas.microsoft.com/office/drawing/2014/main" xmlns="" id="{A7A094B6-ED11-471C-9C56-0F5CE3CBAC58}"/>
+              </a:ext>
+            </a:extLst>
+          </p:cNvPr>
+          <p:cNvSpPr/>
+          <p:nvPr/>
+        </p:nvSpPr>
+        <p:spPr>
+          <a:xfrm>
+            <a:off x="458094" y="4348443"/>
+            <a:ext cx="437256" cy="437256"/>
+          </a:xfrm>
+          <a:prstGeom prst="ellipse">
+            <a:avLst/>
+          </a:prstGeom>
+          <a:solidFill>
+            <a:schemeClr val="accent1"/>
+          </a:solidFill>
+          <a:ln>
+            <a:noFill/>
+          </a:ln>
+        </p:spPr>
+        <p:style>
+          <a:lnRef idx="2">
+            <a:schemeClr val="accent1">
+              <a:shade val="50000"/>
+            </a:schemeClr>
+          </a:lnRef>
+          <a:fillRef idx="1">
+            <a:schemeClr val="accent1"/>
+          </a:fillRef>
+          <a:effectRef idx="0">
+            <a:schemeClr val="accent1"/>
+          </a:effectRef>
+          <a:fontRef idx="minor">
+            <a:schemeClr val="lt1"/>
+          </a:fontRef>
+        </p:style>
+        <p:txBody>
+          <a:bodyPr rtlCol="0" anchor="ctr"/>
+          <a:lstStyle/>
+          <a:p>
+            <a:pPr algn="ctr"/>
+            <a:r>
+              <a:rPr lang="en-US" altLang="ko-KR" sz="1400" dirty="0" smtClean="0">
+                <a:latin typeface="+mj-lt"/>
+              </a:rPr>
+              <a:t>S</a:t>
+            </a:r>
+            <a:endParaRPr lang="ko-KR" altLang="en-US" sz="1400" dirty="0">
+              <a:latin typeface="+mj-lt"/>
+            </a:endParaRPr>
+          </a:p>
+        </p:txBody>
+      </p:sp>
+      <p:sp>
+        <p:nvSpPr>
+          <p:cNvPr id="25" name="타원 24">
+            <a:extLst>
+              <a:ext uri="{FF2B5EF4-FFF2-40B4-BE49-F238E27FC236}">
+                <a16:creationId xmlns:a16="http://schemas.microsoft.com/office/drawing/2014/main" xmlns="" id="{A7A094B6-ED11-471C-9C56-0F5CE3CBAC58}"/>
+              </a:ext>
+            </a:extLst>
+          </p:cNvPr>
+          <p:cNvSpPr/>
+          <p:nvPr/>
+        </p:nvSpPr>
+        <p:spPr>
+          <a:xfrm>
+            <a:off x="1315344" y="4338918"/>
+            <a:ext cx="437256" cy="437256"/>
+          </a:xfrm>
+          <a:prstGeom prst="ellipse">
+            <a:avLst/>
+          </a:prstGeom>
+          <a:solidFill>
+            <a:schemeClr val="accent5"/>
+          </a:solidFill>
+          <a:ln>
+            <a:noFill/>
+          </a:ln>
+        </p:spPr>
+        <p:style>
+          <a:lnRef idx="2">
+            <a:schemeClr val="accent1">
+              <a:shade val="50000"/>
+            </a:schemeClr>
+          </a:lnRef>
+          <a:fillRef idx="1">
+            <a:schemeClr val="accent1"/>
+          </a:fillRef>
+          <a:effectRef idx="0">
+            <a:schemeClr val="accent1"/>
+          </a:effectRef>
+          <a:fontRef idx="minor">
+            <a:schemeClr val="lt1"/>
+          </a:fontRef>
+        </p:style>
+        <p:txBody>
+          <a:bodyPr rtlCol="0" anchor="ctr"/>
+          <a:lstStyle/>
+          <a:p>
+            <a:pPr algn="ctr"/>
+            <a:r>
+              <a:rPr lang="en-US" altLang="ko-KR" sz="1400" dirty="0" smtClean="0">
+                <a:latin typeface="+mj-lt"/>
+              </a:rPr>
+              <a:t>M</a:t>
+            </a:r>
+            <a:endParaRPr lang="ko-KR" altLang="en-US" sz="1400" dirty="0">
+              <a:latin typeface="+mj-lt"/>
+            </a:endParaRPr>
+          </a:p>
+        </p:txBody>
+      </p:sp>
+      <p:sp>
+        <p:nvSpPr>
+          <p:cNvPr id="26" name="타원 25">
+            <a:extLst>
+              <a:ext uri="{FF2B5EF4-FFF2-40B4-BE49-F238E27FC236}">
+                <a16:creationId xmlns:a16="http://schemas.microsoft.com/office/drawing/2014/main" xmlns="" id="{A7A094B6-ED11-471C-9C56-0F5CE3CBAC58}"/>
+              </a:ext>
+            </a:extLst>
+          </p:cNvPr>
+          <p:cNvSpPr/>
+          <p:nvPr/>
+        </p:nvSpPr>
+        <p:spPr>
+          <a:xfrm>
+            <a:off x="2163069" y="4348443"/>
+            <a:ext cx="437256" cy="437256"/>
+          </a:xfrm>
+          <a:prstGeom prst="ellipse">
+            <a:avLst/>
+          </a:prstGeom>
+          <a:solidFill>
+            <a:schemeClr val="accent4">
+              <a:lumMod val="75000"/>
+            </a:schemeClr>
+          </a:solidFill>
+          <a:ln>
+            <a:noFill/>
+          </a:ln>
+        </p:spPr>
+        <p:style>
+          <a:lnRef idx="2">
+            <a:schemeClr val="accent1">
+              <a:shade val="50000"/>
+            </a:schemeClr>
+          </a:lnRef>
+          <a:fillRef idx="1">
+            <a:schemeClr val="accent1"/>
+          </a:fillRef>
+          <a:effectRef idx="0">
+            <a:schemeClr val="accent1"/>
+          </a:effectRef>
+          <a:fontRef idx="minor">
+            <a:schemeClr val="lt1"/>
+          </a:fontRef>
+        </p:style>
+        <p:txBody>
+          <a:bodyPr rtlCol="0" anchor="ctr"/>
+          <a:lstStyle/>
+          <a:p>
+            <a:pPr algn="ctr"/>
+            <a:r>
+              <a:rPr lang="en-US" altLang="ko-KR" sz="1400" dirty="0" smtClean="0">
+                <a:latin typeface="+mj-lt"/>
+              </a:rPr>
+              <a:t>P</a:t>
+            </a:r>
+            <a:endParaRPr lang="ko-KR" altLang="en-US" sz="1400" dirty="0">
+              <a:latin typeface="+mj-lt"/>
+            </a:endParaRPr>
+          </a:p>
+        </p:txBody>
+      </p:sp>
+      <p:cxnSp>
+        <p:nvCxnSpPr>
+          <p:cNvPr id="30" name="꺾인 연결선 29"/>
+          <p:cNvCxnSpPr>
+            <a:stCxn id="25" idx="0"/>
+            <a:endCxn id="26" idx="0"/>
+          </p:cNvCxnSpPr>
+          <p:nvPr/>
+        </p:nvCxnSpPr>
+        <p:spPr>
+          <a:xfrm rot="16200000" flipH="1">
+            <a:off x="1953071" y="3919818"/>
+            <a:ext cx="9525" cy="847725"/>
+          </a:xfrm>
+          <a:prstGeom prst="bentConnector3">
+            <a:avLst>
+              <a:gd name="adj1" fmla="val -2400000"/>
+            </a:avLst>
+          </a:prstGeom>
+          <a:ln w="25400">
+            <a:solidFill>
+              <a:srgbClr val="C00000"/>
+            </a:solidFill>
+          </a:ln>
+        </p:spPr>
+        <p:style>
+          <a:lnRef idx="1">
+            <a:schemeClr val="accent1"/>
+          </a:lnRef>
+          <a:fillRef idx="0">
+            <a:schemeClr val="accent1"/>
+          </a:fillRef>
+          <a:effectRef idx="0">
+            <a:schemeClr val="accent1"/>
+          </a:effectRef>
+          <a:fontRef idx="minor">
+            <a:schemeClr val="tx1"/>
+          </a:fontRef>
+        </p:style>
+      </p:cxnSp>
+      <p:cxnSp>
+        <p:nvCxnSpPr>
+          <p:cNvPr id="32" name="꺾인 연결선 31"/>
+          <p:cNvCxnSpPr>
+            <a:stCxn id="24" idx="4"/>
+            <a:endCxn id="25" idx="4"/>
+          </p:cNvCxnSpPr>
+          <p:nvPr/>
+        </p:nvCxnSpPr>
+        <p:spPr>
+          <a:xfrm rot="5400000" flipH="1" flipV="1">
+            <a:off x="1100584" y="4352312"/>
+            <a:ext cx="9525" cy="857250"/>
+          </a:xfrm>
+          <a:prstGeom prst="bentConnector3">
+            <a:avLst>
+              <a:gd name="adj1" fmla="val -2400000"/>
+            </a:avLst>
+          </a:prstGeom>
+          <a:ln w="25400">
+            <a:solidFill>
+              <a:schemeClr val="accent1"/>
+            </a:solidFill>
+          </a:ln>
+        </p:spPr>
+        <p:style>
+          <a:lnRef idx="1">
+            <a:schemeClr val="accent1"/>
+          </a:lnRef>
+          <a:fillRef idx="0">
+            <a:schemeClr val="accent1"/>
+          </a:fillRef>
+          <a:effectRef idx="0">
+            <a:schemeClr val="accent1"/>
+          </a:effectRef>
+          <a:fontRef idx="minor">
+            <a:schemeClr val="tx1"/>
+          </a:fontRef>
+        </p:style>
+      </p:cxnSp>
+      <p:sp>
+        <p:nvSpPr>
+          <p:cNvPr id="33" name="TextBox 32"/>
+          <p:cNvSpPr txBox="1"/>
+          <p:nvPr/>
+        </p:nvSpPr>
+        <p:spPr>
+          <a:xfrm>
+            <a:off x="552450" y="3067050"/>
+            <a:ext cx="968535" cy="769441"/>
+          </a:xfrm>
+          <a:prstGeom prst="rect">
+            <a:avLst/>
+          </a:prstGeom>
+          <a:noFill/>
+        </p:spPr>
+        <p:txBody>
+          <a:bodyPr wrap="none" rtlCol="0">
+            <a:spAutoFit/>
+          </a:bodyPr>
+          <a:lstStyle/>
+          <a:p>
+            <a:r>
+              <a:rPr lang="en-US" altLang="ko-KR" sz="4400" b="1" dirty="0" smtClean="0">
+                <a:solidFill>
+                  <a:srgbClr val="C00000"/>
+                </a:solidFill>
+              </a:rPr>
+              <a:t>???</a:t>
+            </a:r>
+            <a:endParaRPr lang="ko-KR" altLang="en-US" sz="4400" b="1" dirty="0">
+              <a:solidFill>
+                <a:srgbClr val="C00000"/>
+              </a:solidFill>
+            </a:endParaRPr>
+          </a:p>
+        </p:txBody>
+      </p:sp>
+      <p:sp>
+        <p:nvSpPr>
+          <p:cNvPr id="34" name="TextBox 33"/>
+          <p:cNvSpPr txBox="1"/>
+          <p:nvPr/>
+        </p:nvSpPr>
+        <p:spPr>
+          <a:xfrm>
+            <a:off x="2019300" y="5362575"/>
+            <a:ext cx="737702" cy="769441"/>
+          </a:xfrm>
+          <a:prstGeom prst="rect">
+            <a:avLst/>
+          </a:prstGeom>
+          <a:noFill/>
+        </p:spPr>
+        <p:txBody>
+          <a:bodyPr wrap="none" rtlCol="0">
+            <a:spAutoFit/>
+          </a:bodyPr>
+          <a:lstStyle/>
+          <a:p>
+            <a:r>
+              <a:rPr lang="en-US" altLang="ko-KR" sz="4400" b="1" dirty="0" smtClean="0">
+                <a:solidFill>
+                  <a:srgbClr val="C00000"/>
+                </a:solidFill>
+              </a:rPr>
+              <a:t>!!!</a:t>
+            </a:r>
+            <a:endParaRPr lang="ko-KR" altLang="en-US" sz="4400" b="1" dirty="0">
+              <a:solidFill>
+                <a:srgbClr val="C00000"/>
+              </a:solidFill>
+            </a:endParaRPr>
           </a:p>
         </p:txBody>
       </p:sp>
@@ -22276,15 +22806,7 @@
                   <a:schemeClr val="bg1"/>
                 </a:solidFill>
               </a:rPr>
-              <a:t>기회부여</a:t>
-            </a:r>
-            <a:r>
-              <a:rPr lang="ko-KR" altLang="en-US" sz="1400" b="1" dirty="0" smtClean="0">
-                <a:solidFill>
-                  <a:schemeClr val="bg1"/>
-                </a:solidFill>
-              </a:rPr>
-              <a:t>기능구현의 </a:t>
+              <a:t>기회부여기능구현의 </a:t>
             </a:r>
             <a:r>
               <a:rPr lang="en-US" altLang="ko-KR" sz="1400" b="1" dirty="0" smtClean="0">
@@ -26967,15 +27489,7 @@
                   <a:schemeClr val="bg1"/>
                 </a:solidFill>
               </a:rPr>
-              <a:t>생성된 객체의</a:t>
-            </a:r>
-            <a:r>
-              <a:rPr lang="ko-KR" altLang="en-US" sz="1400" b="1" dirty="0" smtClean="0">
-                <a:solidFill>
-                  <a:schemeClr val="bg1"/>
-                </a:solidFill>
-              </a:rPr>
-              <a:t> </a:t>
+              <a:t>생성된 객체의 </a:t>
             </a:r>
             <a:endParaRPr lang="en-US" altLang="ko-KR" sz="1400" b="1" dirty="0" smtClean="0">
               <a:solidFill>
@@ -27040,16 +27554,7 @@
                 </a:solidFill>
                 <a:latin typeface="+mj-lt"/>
               </a:rPr>
-              <a:t>류재</a:t>
-            </a:r>
-            <a:r>
-              <a:rPr lang="ko-KR" altLang="en-US" sz="2800" dirty="0" smtClean="0">
-                <a:solidFill>
-                  <a:schemeClr val="bg1"/>
-                </a:solidFill>
-                <a:latin typeface="+mj-lt"/>
-              </a:rPr>
-              <a:t>영</a:t>
+              <a:t>류재영</a:t>
             </a:r>
             <a:endParaRPr lang="ko-KR" altLang="en-US" sz="2800" dirty="0">
               <a:solidFill>
@@ -27178,15 +27683,7 @@
                   <a:schemeClr val="accent3"/>
                 </a:solidFill>
               </a:rPr>
-              <a:t>6</a:t>
-            </a:r>
-            <a:r>
-              <a:rPr lang="en-US" altLang="ko-KR" sz="4400" b="1" dirty="0" smtClean="0">
-                <a:solidFill>
-                  <a:schemeClr val="accent3"/>
-                </a:solidFill>
-              </a:rPr>
-              <a:t>. Q &amp; A</a:t>
+              <a:t>6. Q &amp; A</a:t>
             </a:r>
             <a:endParaRPr lang="en-US" altLang="ko-KR" sz="4400" b="1" dirty="0">
               <a:solidFill>
@@ -28473,16 +28970,7 @@
                 </a:solidFill>
                 <a:latin typeface="+mj-lt"/>
               </a:rPr>
-              <a:t>팀</a:t>
-            </a:r>
-            <a:r>
-              <a:rPr lang="ko-KR" altLang="en-US" sz="2400" b="1" dirty="0" smtClean="0">
-                <a:solidFill>
-                  <a:schemeClr val="bg1"/>
-                </a:solidFill>
-                <a:latin typeface="+mj-lt"/>
-              </a:rPr>
-              <a:t>원 소개</a:t>
+              <a:t>팀원 소개</a:t>
             </a:r>
             <a:endParaRPr lang="en-US" altLang="ko-KR" sz="2400" b="1" dirty="0" smtClean="0">
               <a:solidFill>
@@ -28620,7 +29108,7 @@
                 </a:solidFill>
                 <a:latin typeface="+mj-lt"/>
               </a:rPr>
-              <a:t>개선 사항</a:t>
+              <a:t>개선할 사항</a:t>
             </a:r>
             <a:endParaRPr lang="en-US" altLang="ko-KR" sz="2400" b="1" dirty="0" smtClean="0">
               <a:solidFill>
@@ -29134,15 +29622,7 @@
                   <a:schemeClr val="accent3"/>
                 </a:solidFill>
               </a:rPr>
-              <a:t>팀</a:t>
-            </a:r>
-            <a:r>
-              <a:rPr lang="ko-KR" altLang="en-US" sz="4400" b="1" dirty="0" smtClean="0">
-                <a:solidFill>
-                  <a:schemeClr val="accent3"/>
-                </a:solidFill>
-              </a:rPr>
-              <a:t>원 소개</a:t>
+              <a:t>팀원 소개</a:t>
             </a:r>
             <a:endParaRPr lang="en-US" altLang="ko-KR" sz="4400" b="1" dirty="0">
               <a:solidFill>
@@ -30324,16 +30804,7 @@
                 </a:solidFill>
                 <a:latin typeface="+mj-lt"/>
               </a:rPr>
-              <a:t>팀</a:t>
-            </a:r>
-            <a:r>
-              <a:rPr lang="ko-KR" altLang="en-US" sz="3600" dirty="0" smtClean="0">
-                <a:solidFill>
-                  <a:schemeClr val="accent1"/>
-                </a:solidFill>
-                <a:latin typeface="+mj-lt"/>
-              </a:rPr>
-              <a:t>원 소개</a:t>
+              <a:t>팀원 소개</a:t>
             </a:r>
             <a:endParaRPr lang="ko-KR" altLang="en-US" sz="3600" dirty="0">
               <a:solidFill>
@@ -30539,15 +31010,7 @@
                   <a:schemeClr val="bg1"/>
                 </a:solidFill>
               </a:rPr>
-              <a:t>디버깅작</a:t>
-            </a:r>
-            <a:r>
-              <a:rPr lang="ko-KR" altLang="en-US" sz="1400" b="1" dirty="0" smtClean="0">
-                <a:solidFill>
-                  <a:schemeClr val="bg1"/>
-                </a:solidFill>
-              </a:rPr>
-              <a:t>업</a:t>
+              <a:t>디버깅작업</a:t>
             </a:r>
             <a:endParaRPr lang="en-US" altLang="ko-KR" sz="1400" b="1" dirty="0" smtClean="0">
               <a:solidFill>
@@ -30717,15 +31180,7 @@
                   <a:schemeClr val="bg1"/>
                 </a:solidFill>
               </a:rPr>
-              <a:t>디버깅작</a:t>
-            </a:r>
-            <a:r>
-              <a:rPr lang="ko-KR" altLang="en-US" sz="1400" b="1" dirty="0" smtClean="0">
-                <a:solidFill>
-                  <a:schemeClr val="bg1"/>
-                </a:solidFill>
-              </a:rPr>
-              <a:t>업</a:t>
+              <a:t>디버깅작업</a:t>
             </a:r>
             <a:endParaRPr lang="en-US" altLang="ko-KR" sz="1400" b="1" dirty="0" smtClean="0">
               <a:solidFill>
@@ -35383,16 +35838,7 @@
                 </a:solidFill>
                 <a:latin typeface="+mj-lt"/>
               </a:rPr>
-              <a:t>류재</a:t>
-            </a:r>
-            <a:r>
-              <a:rPr lang="ko-KR" altLang="en-US" sz="2800" dirty="0" smtClean="0">
-                <a:solidFill>
-                  <a:schemeClr val="bg1"/>
-                </a:solidFill>
-                <a:latin typeface="+mj-lt"/>
-              </a:rPr>
-              <a:t>영</a:t>
+              <a:t>류재영</a:t>
             </a:r>
             <a:endParaRPr lang="ko-KR" altLang="en-US" sz="2800" dirty="0">
               <a:solidFill>
@@ -36381,27 +36827,7 @@
                 <a:ea typeface="맑은 고딕" pitchFamily="50" charset="-127"/>
                 <a:cs typeface="Calibri" panose="020F0502020204030204" pitchFamily="34" charset="0"/>
               </a:rPr>
-              <a:t>안전한 </a:t>
-            </a:r>
-            <a:r>
-              <a:rPr lang="ko-KR" altLang="en-US" sz="1200" b="1" dirty="0" err="1" smtClean="0">
-                <a:solidFill>
-                  <a:schemeClr val="bg1"/>
-                </a:solidFill>
-                <a:ea typeface="맑은 고딕" pitchFamily="50" charset="-127"/>
-                <a:cs typeface="Calibri" panose="020F0502020204030204" pitchFamily="34" charset="0"/>
-              </a:rPr>
-              <a:t>사이버머니와</a:t>
-            </a:r>
-            <a:r>
-              <a:rPr lang="ko-KR" altLang="en-US" sz="1200" b="1" dirty="0" smtClean="0">
-                <a:solidFill>
-                  <a:schemeClr val="bg1"/>
-                </a:solidFill>
-                <a:ea typeface="맑은 고딕" pitchFamily="50" charset="-127"/>
-                <a:cs typeface="Calibri" panose="020F0502020204030204" pitchFamily="34" charset="0"/>
-              </a:rPr>
-              <a:t> 아이템사용</a:t>
+              <a:t>저렴한 비용</a:t>
             </a:r>
             <a:endParaRPr lang="en-US" altLang="ko" sz="1200" b="1" dirty="0">
               <a:solidFill>
@@ -36545,7 +36971,15 @@
                 <a:spcPct val="150000"/>
               </a:lnSpc>
             </a:pPr>
-            <a:endParaRPr lang="en-US" altLang="ko-KR" sz="1600" dirty="0" smtClean="0">
+            <a:r>
+              <a:rPr lang="ko-KR" altLang="en-US" sz="1600" b="1" dirty="0" smtClean="0">
+                <a:solidFill>
+                  <a:schemeClr val="accent1"/>
+                </a:solidFill>
+              </a:rPr>
+              <a:t>현금결제를 유도하는 게임시장의 </a:t>
+            </a:r>
+            <a:endParaRPr lang="en-US" altLang="ko-KR" sz="1600" b="1" dirty="0" smtClean="0">
               <a:solidFill>
                 <a:schemeClr val="accent1"/>
               </a:solidFill>
@@ -36558,70 +36992,14 @@
               </a:lnSpc>
             </a:pPr>
             <a:r>
-              <a:rPr lang="ko-KR" altLang="en-US" sz="1600" dirty="0" smtClean="0">
+              <a:rPr lang="ko-KR" altLang="en-US" sz="1600" b="1" dirty="0" smtClean="0">
                 <a:solidFill>
                   <a:schemeClr val="accent1"/>
                 </a:solidFill>
               </a:rPr>
-              <a:t>오프라인상의  </a:t>
+              <a:t>고질적인 악습을 탈피하고자 기획</a:t>
             </a:r>
-            <a:r>
-              <a:rPr lang="ko-KR" altLang="en-US" sz="1600" dirty="0" err="1" smtClean="0">
-                <a:solidFill>
-                  <a:schemeClr val="accent1"/>
-                </a:solidFill>
-              </a:rPr>
-              <a:t>확률성</a:t>
-            </a:r>
-            <a:r>
-              <a:rPr lang="ko-KR" altLang="en-US" sz="1600" dirty="0" smtClean="0">
-                <a:solidFill>
-                  <a:schemeClr val="accent1"/>
-                </a:solidFill>
-              </a:rPr>
-              <a:t> 도박으로 인한 </a:t>
-            </a:r>
-            <a:endParaRPr lang="en-US" altLang="ko-KR" sz="1600" dirty="0" smtClean="0">
-              <a:solidFill>
-                <a:schemeClr val="accent1"/>
-              </a:solidFill>
-            </a:endParaRPr>
-          </a:p>
-          <a:p>
-            <a:pPr>
-              <a:lnSpc>
-                <a:spcPct val="150000"/>
-              </a:lnSpc>
-            </a:pPr>
-            <a:r>
-              <a:rPr lang="ko-KR" altLang="en-US" sz="1600" dirty="0" smtClean="0">
-                <a:solidFill>
-                  <a:schemeClr val="accent1"/>
-                </a:solidFill>
-              </a:rPr>
-              <a:t>자산 및 정신적 피해예방 목적</a:t>
-            </a:r>
-            <a:endParaRPr lang="en-US" altLang="ko-KR" sz="1600" dirty="0" smtClean="0">
-              <a:solidFill>
-                <a:schemeClr val="accent1"/>
-              </a:solidFill>
-            </a:endParaRPr>
-          </a:p>
-          <a:p>
-            <a:pPr>
-              <a:lnSpc>
-                <a:spcPct val="150000"/>
-              </a:lnSpc>
-            </a:pPr>
-            <a:r>
-              <a:rPr lang="ko-KR" altLang="en-US" sz="1100" dirty="0" smtClean="0">
-                <a:solidFill>
-                  <a:schemeClr val="accent1"/>
-                </a:solidFill>
-              </a:rPr>
-              <a:t> </a:t>
-            </a:r>
-            <a:endParaRPr lang="en-US" altLang="ko" sz="1100" dirty="0">
+            <a:endParaRPr lang="en-US" altLang="ko" sz="1600" b="1" dirty="0">
               <a:solidFill>
                 <a:schemeClr val="accent1"/>
               </a:solidFill>
@@ -36738,27 +37116,7 @@
                 <a:ea typeface="맑은 고딕" pitchFamily="50" charset="-127"/>
                 <a:cs typeface="Calibri" panose="020F0502020204030204" pitchFamily="34" charset="0"/>
               </a:rPr>
-              <a:t>공</a:t>
-            </a:r>
-            <a:r>
-              <a:rPr lang="ko-KR" altLang="en-US" sz="1200" b="1" dirty="0" smtClean="0">
-                <a:solidFill>
-                  <a:schemeClr val="bg1"/>
-                </a:solidFill>
-                <a:ea typeface="맑은 고딕" pitchFamily="50" charset="-127"/>
-                <a:cs typeface="Calibri" panose="020F0502020204030204" pitchFamily="34" charset="0"/>
-              </a:rPr>
-              <a:t>정한</a:t>
-            </a:r>
-            <a:r>
-              <a:rPr lang="ko-KR" altLang="en-US" sz="1200" b="1" dirty="0" smtClean="0">
-                <a:solidFill>
-                  <a:schemeClr val="bg1"/>
-                </a:solidFill>
-                <a:ea typeface="맑은 고딕" pitchFamily="50" charset="-127"/>
-                <a:cs typeface="Calibri" panose="020F0502020204030204" pitchFamily="34" charset="0"/>
-              </a:rPr>
-              <a:t> 확률</a:t>
+              <a:t>적정한 확률분배</a:t>
             </a:r>
             <a:endParaRPr lang="en-US" altLang="ko" sz="1200" b="1" dirty="0">
               <a:solidFill>
@@ -37411,16 +37769,7 @@
                 </a:solidFill>
                 <a:latin typeface="+mj-lt"/>
               </a:rPr>
-              <a:t>2</a:t>
-            </a:r>
-            <a:r>
-              <a:rPr lang="en-US" altLang="ko-KR" sz="3600" dirty="0" smtClean="0">
-                <a:solidFill>
-                  <a:schemeClr val="accent1"/>
-                </a:solidFill>
-                <a:latin typeface="+mj-lt"/>
-              </a:rPr>
-              <a:t>. </a:t>
+              <a:t>2. </a:t>
             </a:r>
             <a:r>
               <a:rPr lang="ko-KR" altLang="en-US" sz="3600" dirty="0" smtClean="0">
@@ -38423,16 +38772,7 @@
                 </a:solidFill>
                 <a:latin typeface="+mj-lt"/>
               </a:rPr>
-              <a:t>3</a:t>
-            </a:r>
-            <a:r>
-              <a:rPr lang="en-US" altLang="ko-KR" sz="3600" dirty="0" smtClean="0">
-                <a:solidFill>
-                  <a:schemeClr val="accent1"/>
-                </a:solidFill>
-                <a:latin typeface="+mj-lt"/>
-              </a:rPr>
-              <a:t>. </a:t>
+              <a:t>3. </a:t>
             </a:r>
             <a:r>
               <a:rPr lang="ko-KR" altLang="en-US" sz="3600" dirty="0" smtClean="0">
@@ -38994,34 +39334,7 @@
                 </a:solidFill>
                 <a:latin typeface="+mj-lt"/>
               </a:rPr>
-              <a:t>0</a:t>
-            </a:r>
-            <a:r>
-              <a:rPr lang="en-US" altLang="ko-KR" sz="2000" dirty="0" smtClean="0">
-                <a:solidFill>
-                  <a:schemeClr val="accent1"/>
-                </a:solidFill>
-                <a:latin typeface="+mj-lt"/>
-              </a:rPr>
-              <a:t> </a:t>
-            </a:r>
-            <a:r>
-              <a:rPr lang="en-US" altLang="ko-KR" sz="2000" dirty="0" smtClean="0">
-                <a:solidFill>
-                  <a:schemeClr val="accent1"/>
-                </a:solidFill>
-                <a:latin typeface="+mj-lt"/>
-              </a:rPr>
-              <a:t>)</a:t>
-            </a:r>
-            <a:r>
-              <a:rPr lang="en-US" altLang="ko-KR" sz="2000" dirty="0" smtClean="0">
-                <a:solidFill>
-                  <a:schemeClr val="accent1"/>
-                </a:solidFill>
-                <a:latin typeface="+mj-lt"/>
-              </a:rPr>
-              <a:t> </a:t>
+              <a:t>0 ) </a:t>
             </a:r>
             <a:r>
               <a:rPr lang="ko-KR" altLang="en-US" sz="2000" dirty="0" smtClean="0">
@@ -39213,12 +39526,15 @@
         <p:spPr>
           <a:xfrm>
             <a:off x="2133600" y="2438400"/>
-            <a:ext cx="2819400" cy="2637453"/>
+            <a:ext cx="2819400" cy="3416320"/>
           </a:xfrm>
           <a:prstGeom prst="rect">
             <a:avLst/>
           </a:prstGeom>
           <a:noFill/>
+          <a:ln>
+            <a:noFill/>
+          </a:ln>
         </p:spPr>
         <p:txBody>
           <a:bodyPr wrap="square" rtlCol="0">
@@ -39234,18 +39550,14 @@
             <a:r>
               <a:rPr lang="ko-KR" altLang="en-US" sz="1600" b="1" dirty="0" smtClean="0">
                 <a:solidFill>
-                  <a:schemeClr val="bg2">
-                    <a:lumMod val="50000"/>
-                  </a:schemeClr>
+                  <a:schemeClr val="accent1"/>
                 </a:solidFill>
               </a:rPr>
               <a:t>기존 플레이어의 </a:t>
             </a:r>
             <a:endParaRPr lang="en-US" altLang="ko-KR" sz="1600" b="1" dirty="0" smtClean="0">
               <a:solidFill>
-                <a:schemeClr val="bg2">
-                  <a:lumMod val="50000"/>
-                </a:schemeClr>
+                <a:schemeClr val="accent1"/>
               </a:solidFill>
             </a:endParaRPr>
           </a:p>
@@ -39258,9 +39570,7 @@
             <a:r>
               <a:rPr lang="ko-KR" altLang="en-US" sz="1600" b="1" dirty="0" smtClean="0">
                 <a:solidFill>
-                  <a:schemeClr val="bg2">
-                    <a:lumMod val="50000"/>
-                  </a:schemeClr>
+                  <a:schemeClr val="accent1"/>
                 </a:solidFill>
               </a:rPr>
               <a:t>아이디</a:t>
@@ -39268,38 +39578,22 @@
             <a:r>
               <a:rPr lang="en-US" altLang="ko-KR" sz="1600" b="1" dirty="0" smtClean="0">
                 <a:solidFill>
-                  <a:schemeClr val="bg2">
-                    <a:lumMod val="50000"/>
-                  </a:schemeClr>
+                  <a:schemeClr val="accent1"/>
                 </a:solidFill>
               </a:rPr>
-              <a:t> </a:t>
-            </a:r>
-            <a:r>
-              <a:rPr lang="en-US" altLang="ko-KR" sz="1600" b="1" dirty="0" smtClean="0">
-                <a:solidFill>
-                  <a:schemeClr val="bg2">
-                    <a:lumMod val="50000"/>
-                  </a:schemeClr>
-                </a:solidFill>
-              </a:rPr>
-              <a:t>&amp; </a:t>
+              <a:t> &amp; </a:t>
             </a:r>
             <a:r>
               <a:rPr lang="ko-KR" altLang="en-US" sz="1600" b="1" dirty="0" smtClean="0">
                 <a:solidFill>
-                  <a:schemeClr val="bg2">
-                    <a:lumMod val="50000"/>
-                  </a:schemeClr>
+                  <a:schemeClr val="accent1"/>
                 </a:solidFill>
               </a:rPr>
               <a:t>비밀번호를 입력</a:t>
             </a:r>
             <a:endParaRPr lang="en-US" altLang="ko-KR" sz="1600" b="1" dirty="0" smtClean="0">
               <a:solidFill>
-                <a:schemeClr val="bg2">
-                  <a:lumMod val="50000"/>
-                </a:schemeClr>
+                <a:schemeClr val="accent1"/>
               </a:solidFill>
             </a:endParaRPr>
           </a:p>
@@ -39312,9 +39606,7 @@
             <a:r>
               <a:rPr lang="en-US" altLang="ko-KR" sz="1600" b="1" dirty="0" smtClean="0">
                 <a:solidFill>
-                  <a:schemeClr val="bg2">
-                    <a:lumMod val="50000"/>
-                  </a:schemeClr>
+                  <a:schemeClr val="accent1"/>
                 </a:solidFill>
               </a:rPr>
               <a:t>                   </a:t>
@@ -39326,55 +39618,9 @@
                 <a:spcPct val="150000"/>
               </a:lnSpc>
             </a:pPr>
-            <a:r>
-              <a:rPr lang="ko-KR" altLang="en-US" sz="1600" b="1" dirty="0" smtClean="0">
-                <a:solidFill>
-                  <a:schemeClr val="bg2">
-                    <a:lumMod val="50000"/>
-                  </a:schemeClr>
-                </a:solidFill>
-              </a:rPr>
-              <a:t>아이템 </a:t>
-            </a:r>
-            <a:r>
-              <a:rPr lang="ko-KR" altLang="en-US" sz="1600" b="1" dirty="0" smtClean="0">
-                <a:solidFill>
-                  <a:schemeClr val="bg2">
-                    <a:lumMod val="50000"/>
-                  </a:schemeClr>
-                </a:solidFill>
-              </a:rPr>
-              <a:t>강화 </a:t>
-            </a:r>
-            <a:r>
-              <a:rPr lang="ko-KR" altLang="en-US" sz="1600" b="1" dirty="0" smtClean="0">
-                <a:solidFill>
-                  <a:schemeClr val="bg2">
-                    <a:lumMod val="50000"/>
-                  </a:schemeClr>
-                </a:solidFill>
-              </a:rPr>
-              <a:t>시스템접속</a:t>
-            </a:r>
             <a:endParaRPr lang="en-US" altLang="ko-KR" sz="1600" b="1" dirty="0" smtClean="0">
               <a:solidFill>
-                <a:schemeClr val="bg2">
-                  <a:lumMod val="50000"/>
-                </a:schemeClr>
-              </a:solidFill>
-            </a:endParaRPr>
-          </a:p>
-          <a:p>
-            <a:pPr>
-              <a:lnSpc>
-                <a:spcPct val="150000"/>
-              </a:lnSpc>
-            </a:pPr>
-            <a:endParaRPr lang="en-US" altLang="ko-KR" sz="1600" b="1" dirty="0" smtClean="0">
-              <a:solidFill>
-                <a:schemeClr val="bg2">
-                  <a:lumMod val="50000"/>
-                </a:schemeClr>
+                <a:schemeClr val="accent1"/>
               </a:solidFill>
             </a:endParaRPr>
           </a:p>
@@ -39387,38 +39633,58 @@
             <a:r>
               <a:rPr lang="ko-KR" altLang="en-US" sz="1600" b="1" dirty="0" smtClean="0">
                 <a:solidFill>
-                  <a:schemeClr val="bg2">
-                    <a:lumMod val="50000"/>
-                  </a:schemeClr>
+                  <a:schemeClr val="accent1"/>
                 </a:solidFill>
               </a:rPr>
-              <a:t>메인 메뉴를 통해 자신이 </a:t>
+              <a:t>아이템 강화 시스템접속</a:t>
             </a:r>
+            <a:endParaRPr lang="en-US" altLang="ko-KR" sz="1600" b="1" dirty="0" smtClean="0">
+              <a:solidFill>
+                <a:schemeClr val="accent1"/>
+              </a:solidFill>
+            </a:endParaRPr>
+          </a:p>
+          <a:p>
+            <a:pPr>
+              <a:lnSpc>
+                <a:spcPct val="150000"/>
+              </a:lnSpc>
+            </a:pPr>
+            <a:endParaRPr lang="en-US" altLang="ko-KR" sz="1600" b="1" dirty="0" smtClean="0">
+              <a:solidFill>
+                <a:schemeClr val="accent1"/>
+              </a:solidFill>
+            </a:endParaRPr>
+          </a:p>
+          <a:p>
+            <a:pPr>
+              <a:lnSpc>
+                <a:spcPct val="150000"/>
+              </a:lnSpc>
+            </a:pPr>
+            <a:endParaRPr lang="en-US" altLang="ko-KR" sz="1600" b="1" dirty="0" smtClean="0">
+              <a:solidFill>
+                <a:schemeClr val="accent1"/>
+              </a:solidFill>
+            </a:endParaRPr>
+          </a:p>
+          <a:p>
+            <a:pPr>
+              <a:lnSpc>
+                <a:spcPct val="150000"/>
+              </a:lnSpc>
+            </a:pPr>
             <a:r>
               <a:rPr lang="ko-KR" altLang="en-US" sz="1600" b="1" dirty="0" smtClean="0">
                 <a:solidFill>
-                  <a:schemeClr val="bg2">
-                    <a:lumMod val="50000"/>
-                  </a:schemeClr>
+                  <a:schemeClr val="accent1"/>
                 </a:solidFill>
               </a:rPr>
-              <a:t>원하는 메뉴로 </a:t>
-            </a:r>
-            <a:r>
-              <a:rPr lang="ko-KR" altLang="en-US" sz="1600" b="1" dirty="0" smtClean="0">
-                <a:solidFill>
-                  <a:schemeClr val="bg2">
-                    <a:lumMod val="50000"/>
-                  </a:schemeClr>
-                </a:solidFill>
-              </a:rPr>
-              <a:t>이동</a:t>
+              <a:t>메인 메뉴를 통해 자신이 원하는 메뉴로 이동</a:t>
             </a:r>
             <a:endParaRPr lang="ko-KR" altLang="en-US" sz="1600" b="1" dirty="0">
               <a:solidFill>
-                <a:schemeClr val="bg2">
-                  <a:lumMod val="50000"/>
-                </a:schemeClr>
+                <a:schemeClr val="accent1"/>
               </a:solidFill>
             </a:endParaRPr>
           </a:p>
@@ -39496,8 +39762,8 @@
         </p:nvSpPr>
         <p:spPr>
           <a:xfrm>
-            <a:off x="3362325" y="3276600"/>
-            <a:ext cx="238125" cy="371475"/>
+            <a:off x="3200400" y="3438525"/>
+            <a:ext cx="400050" cy="371475"/>
           </a:xfrm>
           <a:prstGeom prst="downArrow">
             <a:avLst/>
@@ -39542,8 +39808,8 @@
         </p:nvSpPr>
         <p:spPr>
           <a:xfrm>
-            <a:off x="3371850" y="3990975"/>
-            <a:ext cx="238125" cy="371475"/>
+            <a:off x="3209925" y="4514850"/>
+            <a:ext cx="400050" cy="371475"/>
           </a:xfrm>
           <a:prstGeom prst="downArrow">
             <a:avLst/>

--- a/프로젝트4 발표자료.pptx
+++ b/프로젝트4 발표자료.pptx
@@ -150,7 +150,7 @@
   </p:defaultTextStyle>
   <p:extLst>
     <p:ext uri="{EFAFB233-063F-42B5-8137-9DF3F51BA10A}">
-      <p15:sldGuideLst xmlns:p15="http://schemas.microsoft.com/office/powerpoint/2012/main" xmlns=""/>
+      <p15:sldGuideLst xmlns="" xmlns:p15="http://schemas.microsoft.com/office/powerpoint/2012/main"/>
     </p:ext>
   </p:extLst>
 </p:presentation>
@@ -169,7 +169,7 @@
           <c:xMode val="edge"/>
           <c:yMode val="edge"/>
           <c:x val="0.21561652323211505"/>
-          <c:y val="3.5052925652167624E-2"/>
+          <c:y val="3.5052925652167631E-2"/>
           <c:w val="0.56664270143175832"/>
           <c:h val="0.84996419432719705"/>
         </c:manualLayout>
@@ -246,8 +246,8 @@
           <c:yMode val="edge"/>
           <c:x val="0.13155743024878788"/>
           <c:y val="0.91016063122365076"/>
-          <c:w val="0.73688497222530847"/>
-          <c:h val="8.983936877634964E-2"/>
+          <c:w val="0.73688497222530869"/>
+          <c:h val="8.9839368776349696E-2"/>
         </c:manualLayout>
       </c:layout>
       <c:txPr>
@@ -3498,7 +3498,7 @@
           <p:cNvPr id="4" name="날짜 개체 틀 3">
             <a:extLst>
               <a:ext uri="{FF2B5EF4-FFF2-40B4-BE49-F238E27FC236}">
-                <a16:creationId xmlns:a16="http://schemas.microsoft.com/office/drawing/2014/main" xmlns="" id="{CE7E061C-06DC-4028-99AD-5F8BE33B951F}"/>
+                <a16:creationId xmlns="" xmlns:a16="http://schemas.microsoft.com/office/drawing/2014/main" id="{CE7E061C-06DC-4028-99AD-5F8BE33B951F}"/>
               </a:ext>
             </a:extLst>
           </p:cNvPr>
@@ -3528,7 +3528,7 @@
           <p:cNvPr id="5" name="바닥글 개체 틀 4">
             <a:extLst>
               <a:ext uri="{FF2B5EF4-FFF2-40B4-BE49-F238E27FC236}">
-                <a16:creationId xmlns:a16="http://schemas.microsoft.com/office/drawing/2014/main" xmlns="" id="{40E46E35-624A-451A-93A5-55D8060C8B72}"/>
+                <a16:creationId xmlns="" xmlns:a16="http://schemas.microsoft.com/office/drawing/2014/main" id="{40E46E35-624A-451A-93A5-55D8060C8B72}"/>
               </a:ext>
             </a:extLst>
           </p:cNvPr>
@@ -3553,7 +3553,7 @@
           <p:cNvPr id="6" name="슬라이드 번호 개체 틀 5">
             <a:extLst>
               <a:ext uri="{FF2B5EF4-FFF2-40B4-BE49-F238E27FC236}">
-                <a16:creationId xmlns:a16="http://schemas.microsoft.com/office/drawing/2014/main" xmlns="" id="{9AA237F4-2681-4876-A287-0D1F1513943C}"/>
+                <a16:creationId xmlns="" xmlns:a16="http://schemas.microsoft.com/office/drawing/2014/main" id="{9AA237F4-2681-4876-A287-0D1F1513943C}"/>
               </a:ext>
             </a:extLst>
           </p:cNvPr>
@@ -3581,7 +3581,7 @@
     </p:spTree>
     <p:extLst>
       <p:ext uri="{BB962C8B-B14F-4D97-AF65-F5344CB8AC3E}">
-        <p14:creationId xmlns:p14="http://schemas.microsoft.com/office/powerpoint/2010/main" xmlns="" val="3527490412"/>
+        <p14:creationId xmlns="" xmlns:p14="http://schemas.microsoft.com/office/powerpoint/2010/main" val="3527490412"/>
       </p:ext>
     </p:extLst>
   </p:cSld>
@@ -3613,7 +3613,7 @@
           <p:cNvPr id="4" name="날짜 개체 틀 3">
             <a:extLst>
               <a:ext uri="{FF2B5EF4-FFF2-40B4-BE49-F238E27FC236}">
-                <a16:creationId xmlns:a16="http://schemas.microsoft.com/office/drawing/2014/main" xmlns="" id="{CE7E061C-06DC-4028-99AD-5F8BE33B951F}"/>
+                <a16:creationId xmlns="" xmlns:a16="http://schemas.microsoft.com/office/drawing/2014/main" id="{CE7E061C-06DC-4028-99AD-5F8BE33B951F}"/>
               </a:ext>
             </a:extLst>
           </p:cNvPr>
@@ -3643,7 +3643,7 @@
           <p:cNvPr id="5" name="바닥글 개체 틀 4">
             <a:extLst>
               <a:ext uri="{FF2B5EF4-FFF2-40B4-BE49-F238E27FC236}">
-                <a16:creationId xmlns:a16="http://schemas.microsoft.com/office/drawing/2014/main" xmlns="" id="{40E46E35-624A-451A-93A5-55D8060C8B72}"/>
+                <a16:creationId xmlns="" xmlns:a16="http://schemas.microsoft.com/office/drawing/2014/main" id="{40E46E35-624A-451A-93A5-55D8060C8B72}"/>
               </a:ext>
             </a:extLst>
           </p:cNvPr>
@@ -3668,7 +3668,7 @@
           <p:cNvPr id="6" name="슬라이드 번호 개체 틀 5">
             <a:extLst>
               <a:ext uri="{FF2B5EF4-FFF2-40B4-BE49-F238E27FC236}">
-                <a16:creationId xmlns:a16="http://schemas.microsoft.com/office/drawing/2014/main" xmlns="" id="{9AA237F4-2681-4876-A287-0D1F1513943C}"/>
+                <a16:creationId xmlns="" xmlns:a16="http://schemas.microsoft.com/office/drawing/2014/main" id="{9AA237F4-2681-4876-A287-0D1F1513943C}"/>
               </a:ext>
             </a:extLst>
           </p:cNvPr>
@@ -3698,7 +3698,7 @@
           <p:cNvPr id="11" name="그림 개체 틀 10">
             <a:extLst>
               <a:ext uri="{FF2B5EF4-FFF2-40B4-BE49-F238E27FC236}">
-                <a16:creationId xmlns:a16="http://schemas.microsoft.com/office/drawing/2014/main" xmlns="" id="{C2FCC631-E81F-431E-BA66-DD4A4BD7D6C8}"/>
+                <a16:creationId xmlns="" xmlns:a16="http://schemas.microsoft.com/office/drawing/2014/main" id="{C2FCC631-E81F-431E-BA66-DD4A4BD7D6C8}"/>
               </a:ext>
             </a:extLst>
           </p:cNvPr>
@@ -3807,7 +3807,7 @@
     </p:spTree>
     <p:extLst>
       <p:ext uri="{BB962C8B-B14F-4D97-AF65-F5344CB8AC3E}">
-        <p14:creationId xmlns:p14="http://schemas.microsoft.com/office/powerpoint/2010/main" xmlns="" val="2962773441"/>
+        <p14:creationId xmlns="" xmlns:p14="http://schemas.microsoft.com/office/powerpoint/2010/main" val="2962773441"/>
       </p:ext>
     </p:extLst>
   </p:cSld>
@@ -3839,7 +3839,7 @@
           <p:cNvPr id="4" name="날짜 개체 틀 3">
             <a:extLst>
               <a:ext uri="{FF2B5EF4-FFF2-40B4-BE49-F238E27FC236}">
-                <a16:creationId xmlns:a16="http://schemas.microsoft.com/office/drawing/2014/main" xmlns="" id="{CE7E061C-06DC-4028-99AD-5F8BE33B951F}"/>
+                <a16:creationId xmlns="" xmlns:a16="http://schemas.microsoft.com/office/drawing/2014/main" id="{CE7E061C-06DC-4028-99AD-5F8BE33B951F}"/>
               </a:ext>
             </a:extLst>
           </p:cNvPr>
@@ -3869,7 +3869,7 @@
           <p:cNvPr id="5" name="바닥글 개체 틀 4">
             <a:extLst>
               <a:ext uri="{FF2B5EF4-FFF2-40B4-BE49-F238E27FC236}">
-                <a16:creationId xmlns:a16="http://schemas.microsoft.com/office/drawing/2014/main" xmlns="" id="{40E46E35-624A-451A-93A5-55D8060C8B72}"/>
+                <a16:creationId xmlns="" xmlns:a16="http://schemas.microsoft.com/office/drawing/2014/main" id="{40E46E35-624A-451A-93A5-55D8060C8B72}"/>
               </a:ext>
             </a:extLst>
           </p:cNvPr>
@@ -3894,7 +3894,7 @@
           <p:cNvPr id="6" name="슬라이드 번호 개체 틀 5">
             <a:extLst>
               <a:ext uri="{FF2B5EF4-FFF2-40B4-BE49-F238E27FC236}">
-                <a16:creationId xmlns:a16="http://schemas.microsoft.com/office/drawing/2014/main" xmlns="" id="{9AA237F4-2681-4876-A287-0D1F1513943C}"/>
+                <a16:creationId xmlns="" xmlns:a16="http://schemas.microsoft.com/office/drawing/2014/main" id="{9AA237F4-2681-4876-A287-0D1F1513943C}"/>
               </a:ext>
             </a:extLst>
           </p:cNvPr>
@@ -3922,7 +3922,7 @@
     </p:spTree>
     <p:extLst>
       <p:ext uri="{BB962C8B-B14F-4D97-AF65-F5344CB8AC3E}">
-        <p14:creationId xmlns:p14="http://schemas.microsoft.com/office/powerpoint/2010/main" xmlns="" val="224343514"/>
+        <p14:creationId xmlns="" xmlns:p14="http://schemas.microsoft.com/office/powerpoint/2010/main" val="224343514"/>
       </p:ext>
     </p:extLst>
   </p:cSld>
@@ -3954,7 +3954,7 @@
           <p:cNvPr id="4" name="날짜 개체 틀 3">
             <a:extLst>
               <a:ext uri="{FF2B5EF4-FFF2-40B4-BE49-F238E27FC236}">
-                <a16:creationId xmlns:a16="http://schemas.microsoft.com/office/drawing/2014/main" xmlns="" id="{CE7E061C-06DC-4028-99AD-5F8BE33B951F}"/>
+                <a16:creationId xmlns="" xmlns:a16="http://schemas.microsoft.com/office/drawing/2014/main" id="{CE7E061C-06DC-4028-99AD-5F8BE33B951F}"/>
               </a:ext>
             </a:extLst>
           </p:cNvPr>
@@ -3984,7 +3984,7 @@
           <p:cNvPr id="5" name="바닥글 개체 틀 4">
             <a:extLst>
               <a:ext uri="{FF2B5EF4-FFF2-40B4-BE49-F238E27FC236}">
-                <a16:creationId xmlns:a16="http://schemas.microsoft.com/office/drawing/2014/main" xmlns="" id="{40E46E35-624A-451A-93A5-55D8060C8B72}"/>
+                <a16:creationId xmlns="" xmlns:a16="http://schemas.microsoft.com/office/drawing/2014/main" id="{40E46E35-624A-451A-93A5-55D8060C8B72}"/>
               </a:ext>
             </a:extLst>
           </p:cNvPr>
@@ -4009,7 +4009,7 @@
           <p:cNvPr id="6" name="슬라이드 번호 개체 틀 5">
             <a:extLst>
               <a:ext uri="{FF2B5EF4-FFF2-40B4-BE49-F238E27FC236}">
-                <a16:creationId xmlns:a16="http://schemas.microsoft.com/office/drawing/2014/main" xmlns="" id="{9AA237F4-2681-4876-A287-0D1F1513943C}"/>
+                <a16:creationId xmlns="" xmlns:a16="http://schemas.microsoft.com/office/drawing/2014/main" id="{9AA237F4-2681-4876-A287-0D1F1513943C}"/>
               </a:ext>
             </a:extLst>
           </p:cNvPr>
@@ -4039,7 +4039,7 @@
           <p:cNvPr id="8" name="그림 개체 틀 7">
             <a:extLst>
               <a:ext uri="{FF2B5EF4-FFF2-40B4-BE49-F238E27FC236}">
-                <a16:creationId xmlns:a16="http://schemas.microsoft.com/office/drawing/2014/main" xmlns="" id="{807BE653-7B88-4A19-AF84-1DFA309FF2B3}"/>
+                <a16:creationId xmlns="" xmlns:a16="http://schemas.microsoft.com/office/drawing/2014/main" id="{807BE653-7B88-4A19-AF84-1DFA309FF2B3}"/>
               </a:ext>
             </a:extLst>
           </p:cNvPr>
@@ -4123,7 +4123,7 @@
     </p:spTree>
     <p:extLst>
       <p:ext uri="{BB962C8B-B14F-4D97-AF65-F5344CB8AC3E}">
-        <p14:creationId xmlns:p14="http://schemas.microsoft.com/office/powerpoint/2010/main" xmlns="" val="3108698762"/>
+        <p14:creationId xmlns="" xmlns:p14="http://schemas.microsoft.com/office/powerpoint/2010/main" val="3108698762"/>
       </p:ext>
     </p:extLst>
   </p:cSld>
@@ -4163,7 +4163,7 @@
           <p:cNvPr id="13" name="자유형: 도형 12">
             <a:extLst>
               <a:ext uri="{FF2B5EF4-FFF2-40B4-BE49-F238E27FC236}">
-                <a16:creationId xmlns:a16="http://schemas.microsoft.com/office/drawing/2014/main" xmlns="" id="{2C0FCC2B-44AD-4583-AD11-3D732A74E0A1}"/>
+                <a16:creationId xmlns="" xmlns:a16="http://schemas.microsoft.com/office/drawing/2014/main" id="{2C0FCC2B-44AD-4583-AD11-3D732A74E0A1}"/>
               </a:ext>
             </a:extLst>
           </p:cNvPr>
@@ -4293,7 +4293,7 @@
           <p:cNvPr id="4" name="날짜 개체 틀 3">
             <a:extLst>
               <a:ext uri="{FF2B5EF4-FFF2-40B4-BE49-F238E27FC236}">
-                <a16:creationId xmlns:a16="http://schemas.microsoft.com/office/drawing/2014/main" xmlns="" id="{CE7E061C-06DC-4028-99AD-5F8BE33B951F}"/>
+                <a16:creationId xmlns="" xmlns:a16="http://schemas.microsoft.com/office/drawing/2014/main" id="{CE7E061C-06DC-4028-99AD-5F8BE33B951F}"/>
               </a:ext>
             </a:extLst>
           </p:cNvPr>
@@ -4323,7 +4323,7 @@
           <p:cNvPr id="5" name="바닥글 개체 틀 4">
             <a:extLst>
               <a:ext uri="{FF2B5EF4-FFF2-40B4-BE49-F238E27FC236}">
-                <a16:creationId xmlns:a16="http://schemas.microsoft.com/office/drawing/2014/main" xmlns="" id="{40E46E35-624A-451A-93A5-55D8060C8B72}"/>
+                <a16:creationId xmlns="" xmlns:a16="http://schemas.microsoft.com/office/drawing/2014/main" id="{40E46E35-624A-451A-93A5-55D8060C8B72}"/>
               </a:ext>
             </a:extLst>
           </p:cNvPr>
@@ -4348,7 +4348,7 @@
           <p:cNvPr id="6" name="슬라이드 번호 개체 틀 5">
             <a:extLst>
               <a:ext uri="{FF2B5EF4-FFF2-40B4-BE49-F238E27FC236}">
-                <a16:creationId xmlns:a16="http://schemas.microsoft.com/office/drawing/2014/main" xmlns="" id="{9AA237F4-2681-4876-A287-0D1F1513943C}"/>
+                <a16:creationId xmlns="" xmlns:a16="http://schemas.microsoft.com/office/drawing/2014/main" id="{9AA237F4-2681-4876-A287-0D1F1513943C}"/>
               </a:ext>
             </a:extLst>
           </p:cNvPr>
@@ -4378,7 +4378,7 @@
           <p:cNvPr id="2" name="그림 1">
             <a:extLst>
               <a:ext uri="{FF2B5EF4-FFF2-40B4-BE49-F238E27FC236}">
-                <a16:creationId xmlns:a16="http://schemas.microsoft.com/office/drawing/2014/main" xmlns="" id="{F97AEAFB-37AC-4A25-AFCF-890A7AB5AB29}"/>
+                <a16:creationId xmlns="" xmlns:a16="http://schemas.microsoft.com/office/drawing/2014/main" id="{F97AEAFB-37AC-4A25-AFCF-890A7AB5AB29}"/>
               </a:ext>
             </a:extLst>
           </p:cNvPr>
@@ -4391,7 +4391,7 @@
           <a:blip r:embed="rId2" cstate="print">
             <a:extLst>
               <a:ext uri="{28A0092B-C50C-407E-A947-70E740481C1C}">
-                <a14:useLocalDpi xmlns:a14="http://schemas.microsoft.com/office/drawing/2010/main" xmlns="" val="0"/>
+                <a14:useLocalDpi xmlns="" xmlns:a14="http://schemas.microsoft.com/office/drawing/2010/main" val="0"/>
               </a:ext>
             </a:extLst>
           </a:blip>
@@ -4414,7 +4414,7 @@
           <p:cNvPr id="9" name="그림 개체 틀 8">
             <a:extLst>
               <a:ext uri="{FF2B5EF4-FFF2-40B4-BE49-F238E27FC236}">
-                <a16:creationId xmlns:a16="http://schemas.microsoft.com/office/drawing/2014/main" xmlns="" id="{B6E075A3-B93C-4454-BA3F-5B6583724E6C}"/>
+                <a16:creationId xmlns="" xmlns:a16="http://schemas.microsoft.com/office/drawing/2014/main" id="{B6E075A3-B93C-4454-BA3F-5B6583724E6C}"/>
               </a:ext>
             </a:extLst>
           </p:cNvPr>
@@ -4442,7 +4442,7 @@
     </p:spTree>
     <p:extLst>
       <p:ext uri="{BB962C8B-B14F-4D97-AF65-F5344CB8AC3E}">
-        <p14:creationId xmlns:p14="http://schemas.microsoft.com/office/powerpoint/2010/main" xmlns="" val="3466895223"/>
+        <p14:creationId xmlns="" xmlns:p14="http://schemas.microsoft.com/office/powerpoint/2010/main" val="3466895223"/>
       </p:ext>
     </p:extLst>
   </p:cSld>
@@ -4479,7 +4479,7 @@
           <p:cNvPr id="2" name="제목 개체 틀 1">
             <a:extLst>
               <a:ext uri="{FF2B5EF4-FFF2-40B4-BE49-F238E27FC236}">
-                <a16:creationId xmlns:a16="http://schemas.microsoft.com/office/drawing/2014/main" xmlns="" id="{ED8CF90E-749A-4651-A2B9-0EB710CD5F6B}"/>
+                <a16:creationId xmlns="" xmlns:a16="http://schemas.microsoft.com/office/drawing/2014/main" id="{ED8CF90E-749A-4651-A2B9-0EB710CD5F6B}"/>
               </a:ext>
             </a:extLst>
           </p:cNvPr>
@@ -4517,7 +4517,7 @@
           <p:cNvPr id="3" name="텍스트 개체 틀 2">
             <a:extLst>
               <a:ext uri="{FF2B5EF4-FFF2-40B4-BE49-F238E27FC236}">
-                <a16:creationId xmlns:a16="http://schemas.microsoft.com/office/drawing/2014/main" xmlns="" id="{A328B16E-308F-49C0-A6B2-3F7F5BD7220D}"/>
+                <a16:creationId xmlns="" xmlns:a16="http://schemas.microsoft.com/office/drawing/2014/main" id="{A328B16E-308F-49C0-A6B2-3F7F5BD7220D}"/>
               </a:ext>
             </a:extLst>
           </p:cNvPr>
@@ -4584,7 +4584,7 @@
           <p:cNvPr id="4" name="날짜 개체 틀 3">
             <a:extLst>
               <a:ext uri="{FF2B5EF4-FFF2-40B4-BE49-F238E27FC236}">
-                <a16:creationId xmlns:a16="http://schemas.microsoft.com/office/drawing/2014/main" xmlns="" id="{B8D3D497-0D06-4883-A8C6-0730A60743EA}"/>
+                <a16:creationId xmlns="" xmlns:a16="http://schemas.microsoft.com/office/drawing/2014/main" id="{B8D3D497-0D06-4883-A8C6-0730A60743EA}"/>
               </a:ext>
             </a:extLst>
           </p:cNvPr>
@@ -4632,7 +4632,7 @@
           <p:cNvPr id="5" name="바닥글 개체 틀 4">
             <a:extLst>
               <a:ext uri="{FF2B5EF4-FFF2-40B4-BE49-F238E27FC236}">
-                <a16:creationId xmlns:a16="http://schemas.microsoft.com/office/drawing/2014/main" xmlns="" id="{79767552-7C89-47F4-A0BB-CB244A0D0AD5}"/>
+                <a16:creationId xmlns="" xmlns:a16="http://schemas.microsoft.com/office/drawing/2014/main" id="{79767552-7C89-47F4-A0BB-CB244A0D0AD5}"/>
               </a:ext>
             </a:extLst>
           </p:cNvPr>
@@ -4675,7 +4675,7 @@
           <p:cNvPr id="6" name="슬라이드 번호 개체 틀 5">
             <a:extLst>
               <a:ext uri="{FF2B5EF4-FFF2-40B4-BE49-F238E27FC236}">
-                <a16:creationId xmlns:a16="http://schemas.microsoft.com/office/drawing/2014/main" xmlns="" id="{DF2342C2-99C8-4FDD-A6A2-7A2899B02443}"/>
+                <a16:creationId xmlns="" xmlns:a16="http://schemas.microsoft.com/office/drawing/2014/main" id="{DF2342C2-99C8-4FDD-A6A2-7A2899B02443}"/>
               </a:ext>
             </a:extLst>
           </p:cNvPr>
@@ -4721,7 +4721,7 @@
     </p:spTree>
     <p:extLst>
       <p:ext uri="{BB962C8B-B14F-4D97-AF65-F5344CB8AC3E}">
-        <p14:creationId xmlns:p14="http://schemas.microsoft.com/office/powerpoint/2010/main" xmlns="" val="2276262285"/>
+        <p14:creationId xmlns="" xmlns:p14="http://schemas.microsoft.com/office/powerpoint/2010/main" val="2276262285"/>
       </p:ext>
     </p:extLst>
   </p:cSld>
@@ -5046,7 +5046,7 @@
           <p:cNvPr id="5" name="평행 사변형 4">
             <a:extLst>
               <a:ext uri="{FF2B5EF4-FFF2-40B4-BE49-F238E27FC236}">
-                <a16:creationId xmlns:a16="http://schemas.microsoft.com/office/drawing/2014/main" xmlns="" id="{6485ED5A-84CB-4402-8220-F89777E14283}"/>
+                <a16:creationId xmlns="" xmlns:a16="http://schemas.microsoft.com/office/drawing/2014/main" id="{6485ED5A-84CB-4402-8220-F89777E14283}"/>
               </a:ext>
             </a:extLst>
           </p:cNvPr>
@@ -5100,7 +5100,7 @@
           <p:cNvPr id="9" name="자유형: 도형 8">
             <a:extLst>
               <a:ext uri="{FF2B5EF4-FFF2-40B4-BE49-F238E27FC236}">
-                <a16:creationId xmlns:a16="http://schemas.microsoft.com/office/drawing/2014/main" xmlns="" id="{F2B3B030-2988-4B1B-80FF-8616EEBC1FD1}"/>
+                <a16:creationId xmlns="" xmlns:a16="http://schemas.microsoft.com/office/drawing/2014/main" id="{F2B3B030-2988-4B1B-80FF-8616EEBC1FD1}"/>
               </a:ext>
             </a:extLst>
           </p:cNvPr>
@@ -5214,7 +5214,7 @@
           <p:cNvPr id="11" name="자유형: 도형 10">
             <a:extLst>
               <a:ext uri="{FF2B5EF4-FFF2-40B4-BE49-F238E27FC236}">
-                <a16:creationId xmlns:a16="http://schemas.microsoft.com/office/drawing/2014/main" xmlns="" id="{743311FF-186C-43E3-A921-3B1ED6CE62C5}"/>
+                <a16:creationId xmlns="" xmlns:a16="http://schemas.microsoft.com/office/drawing/2014/main" id="{743311FF-186C-43E3-A921-3B1ED6CE62C5}"/>
               </a:ext>
             </a:extLst>
           </p:cNvPr>
@@ -5311,7 +5311,7 @@
           <p:cNvPr id="12" name="TextBox 11">
             <a:extLst>
               <a:ext uri="{FF2B5EF4-FFF2-40B4-BE49-F238E27FC236}">
-                <a16:creationId xmlns:a16="http://schemas.microsoft.com/office/drawing/2014/main" xmlns="" id="{A39AB8D9-FB02-42AE-81BB-8B014F54FCE0}"/>
+                <a16:creationId xmlns="" xmlns:a16="http://schemas.microsoft.com/office/drawing/2014/main" id="{A39AB8D9-FB02-42AE-81BB-8B014F54FCE0}"/>
               </a:ext>
             </a:extLst>
           </p:cNvPr>
@@ -5370,7 +5370,7 @@
           <p:cNvPr id="36" name="자유형: 도형 35">
             <a:extLst>
               <a:ext uri="{FF2B5EF4-FFF2-40B4-BE49-F238E27FC236}">
-                <a16:creationId xmlns:a16="http://schemas.microsoft.com/office/drawing/2014/main" xmlns="" id="{30673B00-834C-4D9A-BED1-D7C5C3C3566F}"/>
+                <a16:creationId xmlns="" xmlns:a16="http://schemas.microsoft.com/office/drawing/2014/main" id="{30673B00-834C-4D9A-BED1-D7C5C3C3566F}"/>
               </a:ext>
             </a:extLst>
           </p:cNvPr>
@@ -5457,7 +5457,7 @@
           <p:cNvPr id="37" name="평행 사변형 36">
             <a:extLst>
               <a:ext uri="{FF2B5EF4-FFF2-40B4-BE49-F238E27FC236}">
-                <a16:creationId xmlns:a16="http://schemas.microsoft.com/office/drawing/2014/main" xmlns="" id="{95E2EF5A-5447-41CD-9AD3-A7C380679B12}"/>
+                <a16:creationId xmlns="" xmlns:a16="http://schemas.microsoft.com/office/drawing/2014/main" id="{95E2EF5A-5447-41CD-9AD3-A7C380679B12}"/>
               </a:ext>
             </a:extLst>
           </p:cNvPr>
@@ -5511,7 +5511,7 @@
           <p:cNvPr id="62" name="TextBox 61">
             <a:extLst>
               <a:ext uri="{FF2B5EF4-FFF2-40B4-BE49-F238E27FC236}">
-                <a16:creationId xmlns:a16="http://schemas.microsoft.com/office/drawing/2014/main" xmlns="" id="{292663E0-011D-4E2B-B47E-218CD437042A}"/>
+                <a16:creationId xmlns="" xmlns:a16="http://schemas.microsoft.com/office/drawing/2014/main" id="{292663E0-011D-4E2B-B47E-218CD437042A}"/>
               </a:ext>
             </a:extLst>
           </p:cNvPr>
@@ -5589,7 +5589,7 @@
     </p:spTree>
     <p:extLst>
       <p:ext uri="{BB962C8B-B14F-4D97-AF65-F5344CB8AC3E}">
-        <p14:creationId xmlns:p14="http://schemas.microsoft.com/office/powerpoint/2010/main" xmlns="" val="163262442"/>
+        <p14:creationId xmlns="" xmlns:p14="http://schemas.microsoft.com/office/powerpoint/2010/main" val="163262442"/>
       </p:ext>
     </p:extLst>
   </p:cSld>
@@ -5628,7 +5628,7 @@
           <p:cNvPr id="21" name="TextBox 20">
             <a:extLst>
               <a:ext uri="{FF2B5EF4-FFF2-40B4-BE49-F238E27FC236}">
-                <a16:creationId xmlns:a16="http://schemas.microsoft.com/office/drawing/2014/main" xmlns="" id="{5E549F9D-38D0-4043-A463-70B5F6791EE2}"/>
+                <a16:creationId xmlns="" xmlns:a16="http://schemas.microsoft.com/office/drawing/2014/main" id="{5E549F9D-38D0-4043-A463-70B5F6791EE2}"/>
               </a:ext>
             </a:extLst>
           </p:cNvPr>
@@ -5683,7 +5683,7 @@
           <p:cNvPr id="23" name="평행 사변형 22">
             <a:extLst>
               <a:ext uri="{FF2B5EF4-FFF2-40B4-BE49-F238E27FC236}">
-                <a16:creationId xmlns:a16="http://schemas.microsoft.com/office/drawing/2014/main" xmlns="" id="{14AD1029-81C5-4182-9216-4BEF0CF7D760}"/>
+                <a16:creationId xmlns="" xmlns:a16="http://schemas.microsoft.com/office/drawing/2014/main" id="{14AD1029-81C5-4182-9216-4BEF0CF7D760}"/>
               </a:ext>
             </a:extLst>
           </p:cNvPr>
@@ -5737,7 +5737,7 @@
           <p:cNvPr id="24" name="평행 사변형 23">
             <a:extLst>
               <a:ext uri="{FF2B5EF4-FFF2-40B4-BE49-F238E27FC236}">
-                <a16:creationId xmlns:a16="http://schemas.microsoft.com/office/drawing/2014/main" xmlns="" id="{00E6DD0A-B90E-46B4-A996-050B9DD266C1}"/>
+                <a16:creationId xmlns="" xmlns:a16="http://schemas.microsoft.com/office/drawing/2014/main" id="{00E6DD0A-B90E-46B4-A996-050B9DD266C1}"/>
               </a:ext>
             </a:extLst>
           </p:cNvPr>
@@ -5791,7 +5791,7 @@
           <p:cNvPr id="25" name="TextBox 24">
             <a:extLst>
               <a:ext uri="{FF2B5EF4-FFF2-40B4-BE49-F238E27FC236}">
-                <a16:creationId xmlns:a16="http://schemas.microsoft.com/office/drawing/2014/main" xmlns="" id="{269FE0EF-38E0-4B41-9E67-BFA233F92B3F}"/>
+                <a16:creationId xmlns="" xmlns:a16="http://schemas.microsoft.com/office/drawing/2014/main" id="{269FE0EF-38E0-4B41-9E67-BFA233F92B3F}"/>
               </a:ext>
             </a:extLst>
           </p:cNvPr>
@@ -6059,7 +6059,7 @@
     </p:spTree>
     <p:extLst>
       <p:ext uri="{BB962C8B-B14F-4D97-AF65-F5344CB8AC3E}">
-        <p14:creationId xmlns:p14="http://schemas.microsoft.com/office/powerpoint/2010/main" xmlns="" val="1993388007"/>
+        <p14:creationId xmlns="" xmlns:p14="http://schemas.microsoft.com/office/powerpoint/2010/main" val="1993388007"/>
       </p:ext>
     </p:extLst>
   </p:cSld>
@@ -6098,7 +6098,7 @@
           <p:cNvPr id="21" name="TextBox 20">
             <a:extLst>
               <a:ext uri="{FF2B5EF4-FFF2-40B4-BE49-F238E27FC236}">
-                <a16:creationId xmlns:a16="http://schemas.microsoft.com/office/drawing/2014/main" xmlns="" id="{5E549F9D-38D0-4043-A463-70B5F6791EE2}"/>
+                <a16:creationId xmlns="" xmlns:a16="http://schemas.microsoft.com/office/drawing/2014/main" id="{5E549F9D-38D0-4043-A463-70B5F6791EE2}"/>
               </a:ext>
             </a:extLst>
           </p:cNvPr>
@@ -6153,7 +6153,7 @@
           <p:cNvPr id="23" name="평행 사변형 22">
             <a:extLst>
               <a:ext uri="{FF2B5EF4-FFF2-40B4-BE49-F238E27FC236}">
-                <a16:creationId xmlns:a16="http://schemas.microsoft.com/office/drawing/2014/main" xmlns="" id="{14AD1029-81C5-4182-9216-4BEF0CF7D760}"/>
+                <a16:creationId xmlns="" xmlns:a16="http://schemas.microsoft.com/office/drawing/2014/main" id="{14AD1029-81C5-4182-9216-4BEF0CF7D760}"/>
               </a:ext>
             </a:extLst>
           </p:cNvPr>
@@ -6207,7 +6207,7 @@
           <p:cNvPr id="24" name="평행 사변형 23">
             <a:extLst>
               <a:ext uri="{FF2B5EF4-FFF2-40B4-BE49-F238E27FC236}">
-                <a16:creationId xmlns:a16="http://schemas.microsoft.com/office/drawing/2014/main" xmlns="" id="{00E6DD0A-B90E-46B4-A996-050B9DD266C1}"/>
+                <a16:creationId xmlns="" xmlns:a16="http://schemas.microsoft.com/office/drawing/2014/main" id="{00E6DD0A-B90E-46B4-A996-050B9DD266C1}"/>
               </a:ext>
             </a:extLst>
           </p:cNvPr>
@@ -6261,7 +6261,7 @@
           <p:cNvPr id="25" name="TextBox 24">
             <a:extLst>
               <a:ext uri="{FF2B5EF4-FFF2-40B4-BE49-F238E27FC236}">
-                <a16:creationId xmlns:a16="http://schemas.microsoft.com/office/drawing/2014/main" xmlns="" id="{269FE0EF-38E0-4B41-9E67-BFA233F92B3F}"/>
+                <a16:creationId xmlns="" xmlns:a16="http://schemas.microsoft.com/office/drawing/2014/main" id="{269FE0EF-38E0-4B41-9E67-BFA233F92B3F}"/>
               </a:ext>
             </a:extLst>
           </p:cNvPr>
@@ -6491,7 +6491,7 @@
     </p:spTree>
     <p:extLst>
       <p:ext uri="{BB962C8B-B14F-4D97-AF65-F5344CB8AC3E}">
-        <p14:creationId xmlns:p14="http://schemas.microsoft.com/office/powerpoint/2010/main" xmlns="" val="1993388007"/>
+        <p14:creationId xmlns="" xmlns:p14="http://schemas.microsoft.com/office/powerpoint/2010/main" val="1993388007"/>
       </p:ext>
     </p:extLst>
   </p:cSld>
@@ -6530,7 +6530,7 @@
           <p:cNvPr id="21" name="TextBox 20">
             <a:extLst>
               <a:ext uri="{FF2B5EF4-FFF2-40B4-BE49-F238E27FC236}">
-                <a16:creationId xmlns:a16="http://schemas.microsoft.com/office/drawing/2014/main" xmlns="" id="{5E549F9D-38D0-4043-A463-70B5F6791EE2}"/>
+                <a16:creationId xmlns="" xmlns:a16="http://schemas.microsoft.com/office/drawing/2014/main" id="{5E549F9D-38D0-4043-A463-70B5F6791EE2}"/>
               </a:ext>
             </a:extLst>
           </p:cNvPr>
@@ -6585,7 +6585,7 @@
           <p:cNvPr id="23" name="평행 사변형 22">
             <a:extLst>
               <a:ext uri="{FF2B5EF4-FFF2-40B4-BE49-F238E27FC236}">
-                <a16:creationId xmlns:a16="http://schemas.microsoft.com/office/drawing/2014/main" xmlns="" id="{14AD1029-81C5-4182-9216-4BEF0CF7D760}"/>
+                <a16:creationId xmlns="" xmlns:a16="http://schemas.microsoft.com/office/drawing/2014/main" id="{14AD1029-81C5-4182-9216-4BEF0CF7D760}"/>
               </a:ext>
             </a:extLst>
           </p:cNvPr>
@@ -6639,7 +6639,7 @@
           <p:cNvPr id="24" name="평행 사변형 23">
             <a:extLst>
               <a:ext uri="{FF2B5EF4-FFF2-40B4-BE49-F238E27FC236}">
-                <a16:creationId xmlns:a16="http://schemas.microsoft.com/office/drawing/2014/main" xmlns="" id="{00E6DD0A-B90E-46B4-A996-050B9DD266C1}"/>
+                <a16:creationId xmlns="" xmlns:a16="http://schemas.microsoft.com/office/drawing/2014/main" id="{00E6DD0A-B90E-46B4-A996-050B9DD266C1}"/>
               </a:ext>
             </a:extLst>
           </p:cNvPr>
@@ -6693,7 +6693,7 @@
           <p:cNvPr id="25" name="TextBox 24">
             <a:extLst>
               <a:ext uri="{FF2B5EF4-FFF2-40B4-BE49-F238E27FC236}">
-                <a16:creationId xmlns:a16="http://schemas.microsoft.com/office/drawing/2014/main" xmlns="" id="{269FE0EF-38E0-4B41-9E67-BFA233F92B3F}"/>
+                <a16:creationId xmlns="" xmlns:a16="http://schemas.microsoft.com/office/drawing/2014/main" id="{269FE0EF-38E0-4B41-9E67-BFA233F92B3F}"/>
               </a:ext>
             </a:extLst>
           </p:cNvPr>
@@ -7047,7 +7047,7 @@
     </p:spTree>
     <p:extLst>
       <p:ext uri="{BB962C8B-B14F-4D97-AF65-F5344CB8AC3E}">
-        <p14:creationId xmlns:p14="http://schemas.microsoft.com/office/powerpoint/2010/main" xmlns="" val="1993388007"/>
+        <p14:creationId xmlns="" xmlns:p14="http://schemas.microsoft.com/office/powerpoint/2010/main" val="1993388007"/>
       </p:ext>
     </p:extLst>
   </p:cSld>
@@ -7086,7 +7086,7 @@
           <p:cNvPr id="21" name="TextBox 20">
             <a:extLst>
               <a:ext uri="{FF2B5EF4-FFF2-40B4-BE49-F238E27FC236}">
-                <a16:creationId xmlns:a16="http://schemas.microsoft.com/office/drawing/2014/main" xmlns="" id="{5E549F9D-38D0-4043-A463-70B5F6791EE2}"/>
+                <a16:creationId xmlns="" xmlns:a16="http://schemas.microsoft.com/office/drawing/2014/main" id="{5E549F9D-38D0-4043-A463-70B5F6791EE2}"/>
               </a:ext>
             </a:extLst>
           </p:cNvPr>
@@ -7141,7 +7141,7 @@
           <p:cNvPr id="23" name="평행 사변형 22">
             <a:extLst>
               <a:ext uri="{FF2B5EF4-FFF2-40B4-BE49-F238E27FC236}">
-                <a16:creationId xmlns:a16="http://schemas.microsoft.com/office/drawing/2014/main" xmlns="" id="{14AD1029-81C5-4182-9216-4BEF0CF7D760}"/>
+                <a16:creationId xmlns="" xmlns:a16="http://schemas.microsoft.com/office/drawing/2014/main" id="{14AD1029-81C5-4182-9216-4BEF0CF7D760}"/>
               </a:ext>
             </a:extLst>
           </p:cNvPr>
@@ -7195,7 +7195,7 @@
           <p:cNvPr id="24" name="평행 사변형 23">
             <a:extLst>
               <a:ext uri="{FF2B5EF4-FFF2-40B4-BE49-F238E27FC236}">
-                <a16:creationId xmlns:a16="http://schemas.microsoft.com/office/drawing/2014/main" xmlns="" id="{00E6DD0A-B90E-46B4-A996-050B9DD266C1}"/>
+                <a16:creationId xmlns="" xmlns:a16="http://schemas.microsoft.com/office/drawing/2014/main" id="{00E6DD0A-B90E-46B4-A996-050B9DD266C1}"/>
               </a:ext>
             </a:extLst>
           </p:cNvPr>
@@ -7249,7 +7249,7 @@
           <p:cNvPr id="25" name="TextBox 24">
             <a:extLst>
               <a:ext uri="{FF2B5EF4-FFF2-40B4-BE49-F238E27FC236}">
-                <a16:creationId xmlns:a16="http://schemas.microsoft.com/office/drawing/2014/main" xmlns="" id="{269FE0EF-38E0-4B41-9E67-BFA233F92B3F}"/>
+                <a16:creationId xmlns="" xmlns:a16="http://schemas.microsoft.com/office/drawing/2014/main" id="{269FE0EF-38E0-4B41-9E67-BFA233F92B3F}"/>
               </a:ext>
             </a:extLst>
           </p:cNvPr>
@@ -7432,7 +7432,7 @@
     </p:spTree>
     <p:extLst>
       <p:ext uri="{BB962C8B-B14F-4D97-AF65-F5344CB8AC3E}">
-        <p14:creationId xmlns:p14="http://schemas.microsoft.com/office/powerpoint/2010/main" xmlns="" val="1993388007"/>
+        <p14:creationId xmlns="" xmlns:p14="http://schemas.microsoft.com/office/powerpoint/2010/main" val="1993388007"/>
       </p:ext>
     </p:extLst>
   </p:cSld>
@@ -7471,7 +7471,7 @@
           <p:cNvPr id="4" name="TextBox 3">
             <a:extLst>
               <a:ext uri="{FF2B5EF4-FFF2-40B4-BE49-F238E27FC236}">
-                <a16:creationId xmlns:a16="http://schemas.microsoft.com/office/drawing/2014/main" xmlns="" id="{AF15595A-4DC1-4D06-B4D9-43DA2F5E6601}"/>
+                <a16:creationId xmlns="" xmlns:a16="http://schemas.microsoft.com/office/drawing/2014/main" id="{AF15595A-4DC1-4D06-B4D9-43DA2F5E6601}"/>
               </a:ext>
             </a:extLst>
           </p:cNvPr>
@@ -7518,7 +7518,7 @@
           <p:cNvPr id="6" name="TextBox 5">
             <a:extLst>
               <a:ext uri="{FF2B5EF4-FFF2-40B4-BE49-F238E27FC236}">
-                <a16:creationId xmlns:a16="http://schemas.microsoft.com/office/drawing/2014/main" xmlns="" id="{F3529106-B869-4FB1-A9B3-16280FCA314C}"/>
+                <a16:creationId xmlns="" xmlns:a16="http://schemas.microsoft.com/office/drawing/2014/main" id="{F3529106-B869-4FB1-A9B3-16280FCA314C}"/>
               </a:ext>
             </a:extLst>
           </p:cNvPr>
@@ -7570,7 +7570,7 @@
           <p:cNvPr id="2" name="그룹 22">
             <a:extLst>
               <a:ext uri="{FF2B5EF4-FFF2-40B4-BE49-F238E27FC236}">
-                <a16:creationId xmlns:a16="http://schemas.microsoft.com/office/drawing/2014/main" xmlns="" id="{D823FFAC-3A03-4EC8-9678-216D3E80497D}"/>
+                <a16:creationId xmlns="" xmlns:a16="http://schemas.microsoft.com/office/drawing/2014/main" id="{D823FFAC-3A03-4EC8-9678-216D3E80497D}"/>
               </a:ext>
             </a:extLst>
           </p:cNvPr>
@@ -7590,7 +7590,7 @@
             <p:cNvPr id="10" name="Google Shape;408;p21">
               <a:extLst>
                 <a:ext uri="{FF2B5EF4-FFF2-40B4-BE49-F238E27FC236}">
-                  <a16:creationId xmlns:a16="http://schemas.microsoft.com/office/drawing/2014/main" xmlns="" id="{3BD6E8B1-EB00-4486-8D71-6EFF022DE541}"/>
+                  <a16:creationId xmlns="" xmlns:a16="http://schemas.microsoft.com/office/drawing/2014/main" id="{3BD6E8B1-EB00-4486-8D71-6EFF022DE541}"/>
                 </a:ext>
               </a:extLst>
             </p:cNvPr>
@@ -7657,7 +7657,7 @@
             <p:cNvPr id="12" name="Google Shape;409;p21">
               <a:extLst>
                 <a:ext uri="{FF2B5EF4-FFF2-40B4-BE49-F238E27FC236}">
-                  <a16:creationId xmlns:a16="http://schemas.microsoft.com/office/drawing/2014/main" xmlns="" id="{BF0B9D7B-24F6-4EC0-A96E-9BDCA994F11C}"/>
+                  <a16:creationId xmlns="" xmlns:a16="http://schemas.microsoft.com/office/drawing/2014/main" id="{BF0B9D7B-24F6-4EC0-A96E-9BDCA994F11C}"/>
                 </a:ext>
               </a:extLst>
             </p:cNvPr>
@@ -7720,7 +7720,7 @@
           <p:cNvPr id="3" name="그룹 21">
             <a:extLst>
               <a:ext uri="{FF2B5EF4-FFF2-40B4-BE49-F238E27FC236}">
-                <a16:creationId xmlns:a16="http://schemas.microsoft.com/office/drawing/2014/main" xmlns="" id="{8AFF46A9-D6EC-4190-9870-942BE436CE76}"/>
+                <a16:creationId xmlns="" xmlns:a16="http://schemas.microsoft.com/office/drawing/2014/main" id="{8AFF46A9-D6EC-4190-9870-942BE436CE76}"/>
               </a:ext>
             </a:extLst>
           </p:cNvPr>
@@ -7740,7 +7740,7 @@
             <p:cNvPr id="14" name="Google Shape;408;p21">
               <a:extLst>
                 <a:ext uri="{FF2B5EF4-FFF2-40B4-BE49-F238E27FC236}">
-                  <a16:creationId xmlns:a16="http://schemas.microsoft.com/office/drawing/2014/main" xmlns="" id="{FD52CC8C-FA46-4D8D-93F1-3764DFEEFD99}"/>
+                  <a16:creationId xmlns="" xmlns:a16="http://schemas.microsoft.com/office/drawing/2014/main" id="{FD52CC8C-FA46-4D8D-93F1-3764DFEEFD99}"/>
                 </a:ext>
               </a:extLst>
             </p:cNvPr>
@@ -7791,7 +7791,7 @@
             <p:cNvPr id="16" name="Google Shape;409;p21">
               <a:extLst>
                 <a:ext uri="{FF2B5EF4-FFF2-40B4-BE49-F238E27FC236}">
-                  <a16:creationId xmlns:a16="http://schemas.microsoft.com/office/drawing/2014/main" xmlns="" id="{2D374D68-434C-4123-80F6-6F87E34140A7}"/>
+                  <a16:creationId xmlns="" xmlns:a16="http://schemas.microsoft.com/office/drawing/2014/main" id="{2D374D68-434C-4123-80F6-6F87E34140A7}"/>
                 </a:ext>
               </a:extLst>
             </p:cNvPr>
@@ -7838,7 +7838,7 @@
           <p:cNvPr id="5" name="그룹 20">
             <a:extLst>
               <a:ext uri="{FF2B5EF4-FFF2-40B4-BE49-F238E27FC236}">
-                <a16:creationId xmlns:a16="http://schemas.microsoft.com/office/drawing/2014/main" xmlns="" id="{3A621151-F292-417B-9F0E-F08EC08AB05D}"/>
+                <a16:creationId xmlns="" xmlns:a16="http://schemas.microsoft.com/office/drawing/2014/main" id="{3A621151-F292-417B-9F0E-F08EC08AB05D}"/>
               </a:ext>
             </a:extLst>
           </p:cNvPr>
@@ -7858,7 +7858,7 @@
             <p:cNvPr id="18" name="Google Shape;408;p21">
               <a:extLst>
                 <a:ext uri="{FF2B5EF4-FFF2-40B4-BE49-F238E27FC236}">
-                  <a16:creationId xmlns:a16="http://schemas.microsoft.com/office/drawing/2014/main" xmlns="" id="{492A18C1-E6D2-4D50-B0FA-2149EF4A5775}"/>
+                  <a16:creationId xmlns="" xmlns:a16="http://schemas.microsoft.com/office/drawing/2014/main" id="{492A18C1-E6D2-4D50-B0FA-2149EF4A5775}"/>
                 </a:ext>
               </a:extLst>
             </p:cNvPr>
@@ -7909,7 +7909,7 @@
             <p:cNvPr id="20" name="Google Shape;409;p21">
               <a:extLst>
                 <a:ext uri="{FF2B5EF4-FFF2-40B4-BE49-F238E27FC236}">
-                  <a16:creationId xmlns:a16="http://schemas.microsoft.com/office/drawing/2014/main" xmlns="" id="{B6C65D2E-2696-4FF7-B653-B19DE6236D5F}"/>
+                  <a16:creationId xmlns="" xmlns:a16="http://schemas.microsoft.com/office/drawing/2014/main" id="{B6C65D2E-2696-4FF7-B653-B19DE6236D5F}"/>
                 </a:ext>
               </a:extLst>
             </p:cNvPr>
@@ -7961,7 +7961,7 @@
           <p:cNvPr id="26" name="평행 사변형 25">
             <a:extLst>
               <a:ext uri="{FF2B5EF4-FFF2-40B4-BE49-F238E27FC236}">
-                <a16:creationId xmlns:a16="http://schemas.microsoft.com/office/drawing/2014/main" xmlns="" id="{ACA7FA6B-0F6F-482A-86A1-4A525FE8B044}"/>
+                <a16:creationId xmlns="" xmlns:a16="http://schemas.microsoft.com/office/drawing/2014/main" id="{ACA7FA6B-0F6F-482A-86A1-4A525FE8B044}"/>
               </a:ext>
             </a:extLst>
           </p:cNvPr>
@@ -8017,7 +8017,7 @@
           <p:cNvPr id="32" name="자유형: 도형 31">
             <a:extLst>
               <a:ext uri="{FF2B5EF4-FFF2-40B4-BE49-F238E27FC236}">
-                <a16:creationId xmlns:a16="http://schemas.microsoft.com/office/drawing/2014/main" xmlns="" id="{74AD1E48-C50E-4CC7-9772-D0781285D505}"/>
+                <a16:creationId xmlns="" xmlns:a16="http://schemas.microsoft.com/office/drawing/2014/main" id="{74AD1E48-C50E-4CC7-9772-D0781285D505}"/>
               </a:ext>
             </a:extLst>
           </p:cNvPr>
@@ -8123,7 +8123,7 @@
           <p:cNvPr id="30" name="평행 사변형 29">
             <a:extLst>
               <a:ext uri="{FF2B5EF4-FFF2-40B4-BE49-F238E27FC236}">
-                <a16:creationId xmlns:a16="http://schemas.microsoft.com/office/drawing/2014/main" xmlns="" id="{F542A857-1C49-43D5-AD61-20B450FA4CF7}"/>
+                <a16:creationId xmlns="" xmlns:a16="http://schemas.microsoft.com/office/drawing/2014/main" id="{F542A857-1C49-43D5-AD61-20B450FA4CF7}"/>
               </a:ext>
             </a:extLst>
           </p:cNvPr>
@@ -8175,7 +8175,7 @@
     </p:spTree>
     <p:extLst>
       <p:ext uri="{BB962C8B-B14F-4D97-AF65-F5344CB8AC3E}">
-        <p14:creationId xmlns:p14="http://schemas.microsoft.com/office/powerpoint/2010/main" xmlns="" val="3426563175"/>
+        <p14:creationId xmlns="" xmlns:p14="http://schemas.microsoft.com/office/powerpoint/2010/main" val="3426563175"/>
       </p:ext>
     </p:extLst>
   </p:cSld>
@@ -8214,7 +8214,7 @@
           <p:cNvPr id="4" name="자유형 13">
             <a:extLst>
               <a:ext uri="{FF2B5EF4-FFF2-40B4-BE49-F238E27FC236}">
-                <a16:creationId xmlns:a16="http://schemas.microsoft.com/office/drawing/2014/main" xmlns="" id="{21D2C57A-DF9D-4CB1-9BC4-698CD5F067CE}"/>
+                <a16:creationId xmlns="" xmlns:a16="http://schemas.microsoft.com/office/drawing/2014/main" id="{21D2C57A-DF9D-4CB1-9BC4-698CD5F067CE}"/>
               </a:ext>
             </a:extLst>
           </p:cNvPr>
@@ -8378,7 +8378,7 @@
           <p:cNvPr id="6" name="자유형 11">
             <a:extLst>
               <a:ext uri="{FF2B5EF4-FFF2-40B4-BE49-F238E27FC236}">
-                <a16:creationId xmlns:a16="http://schemas.microsoft.com/office/drawing/2014/main" xmlns="" id="{1C6A2B20-0E4E-4E45-AABE-A02138A4679C}"/>
+                <a16:creationId xmlns="" xmlns:a16="http://schemas.microsoft.com/office/drawing/2014/main" id="{1C6A2B20-0E4E-4E45-AABE-A02138A4679C}"/>
               </a:ext>
             </a:extLst>
           </p:cNvPr>
@@ -8545,7 +8545,7 @@
           <p:cNvPr id="8" name="자유형 12">
             <a:extLst>
               <a:ext uri="{FF2B5EF4-FFF2-40B4-BE49-F238E27FC236}">
-                <a16:creationId xmlns:a16="http://schemas.microsoft.com/office/drawing/2014/main" xmlns="" id="{DB6C9495-25D5-49AF-9DC3-3504E69A720F}"/>
+                <a16:creationId xmlns="" xmlns:a16="http://schemas.microsoft.com/office/drawing/2014/main" id="{DB6C9495-25D5-49AF-9DC3-3504E69A720F}"/>
               </a:ext>
             </a:extLst>
           </p:cNvPr>
@@ -8696,7 +8696,7 @@
           <p:cNvPr id="10" name="자유형 10">
             <a:extLst>
               <a:ext uri="{FF2B5EF4-FFF2-40B4-BE49-F238E27FC236}">
-                <a16:creationId xmlns:a16="http://schemas.microsoft.com/office/drawing/2014/main" xmlns="" id="{37AD5504-C67D-455D-B9A6-1712F9398EC2}"/>
+                <a16:creationId xmlns="" xmlns:a16="http://schemas.microsoft.com/office/drawing/2014/main" id="{37AD5504-C67D-455D-B9A6-1712F9398EC2}"/>
               </a:ext>
             </a:extLst>
           </p:cNvPr>
@@ -8863,7 +8863,7 @@
           <p:cNvPr id="17" name="TextBox 16">
             <a:extLst>
               <a:ext uri="{FF2B5EF4-FFF2-40B4-BE49-F238E27FC236}">
-                <a16:creationId xmlns:a16="http://schemas.microsoft.com/office/drawing/2014/main" xmlns="" id="{D4EC80C5-CB0B-4E04-B546-E1E1ED962D15}"/>
+                <a16:creationId xmlns="" xmlns:a16="http://schemas.microsoft.com/office/drawing/2014/main" id="{D4EC80C5-CB0B-4E04-B546-E1E1ED962D15}"/>
               </a:ext>
             </a:extLst>
           </p:cNvPr>
@@ -8935,7 +8935,7 @@
           <p:cNvPr id="19" name="TextBox 18">
             <a:extLst>
               <a:ext uri="{FF2B5EF4-FFF2-40B4-BE49-F238E27FC236}">
-                <a16:creationId xmlns:a16="http://schemas.microsoft.com/office/drawing/2014/main" xmlns="" id="{7734B8DA-3254-4E7E-9397-EB828D39FA7A}"/>
+                <a16:creationId xmlns="" xmlns:a16="http://schemas.microsoft.com/office/drawing/2014/main" id="{7734B8DA-3254-4E7E-9397-EB828D39FA7A}"/>
               </a:ext>
             </a:extLst>
           </p:cNvPr>
@@ -8981,7 +8981,7 @@
           <p:cNvPr id="21" name="TextBox 20">
             <a:extLst>
               <a:ext uri="{FF2B5EF4-FFF2-40B4-BE49-F238E27FC236}">
-                <a16:creationId xmlns:a16="http://schemas.microsoft.com/office/drawing/2014/main" xmlns="" id="{64EEFE16-EAE0-4300-AFC6-0D7B7E019494}"/>
+                <a16:creationId xmlns="" xmlns:a16="http://schemas.microsoft.com/office/drawing/2014/main" id="{64EEFE16-EAE0-4300-AFC6-0D7B7E019494}"/>
               </a:ext>
             </a:extLst>
           </p:cNvPr>
@@ -9025,7 +9025,7 @@
           <p:cNvPr id="22" name="TextBox 21">
             <a:extLst>
               <a:ext uri="{FF2B5EF4-FFF2-40B4-BE49-F238E27FC236}">
-                <a16:creationId xmlns:a16="http://schemas.microsoft.com/office/drawing/2014/main" xmlns="" id="{76AE0943-D896-4108-806C-11BA1150C133}"/>
+                <a16:creationId xmlns="" xmlns:a16="http://schemas.microsoft.com/office/drawing/2014/main" id="{76AE0943-D896-4108-806C-11BA1150C133}"/>
               </a:ext>
             </a:extLst>
           </p:cNvPr>
@@ -9071,7 +9071,7 @@
           <p:cNvPr id="24" name="TextBox 23">
             <a:extLst>
               <a:ext uri="{FF2B5EF4-FFF2-40B4-BE49-F238E27FC236}">
-                <a16:creationId xmlns:a16="http://schemas.microsoft.com/office/drawing/2014/main" xmlns="" id="{BB88C254-EA38-4F20-B86B-9FD53045FA1E}"/>
+                <a16:creationId xmlns="" xmlns:a16="http://schemas.microsoft.com/office/drawing/2014/main" id="{BB88C254-EA38-4F20-B86B-9FD53045FA1E}"/>
               </a:ext>
             </a:extLst>
           </p:cNvPr>
@@ -9140,7 +9140,7 @@
           <p:cNvPr id="25" name="TextBox 24">
             <a:extLst>
               <a:ext uri="{FF2B5EF4-FFF2-40B4-BE49-F238E27FC236}">
-                <a16:creationId xmlns:a16="http://schemas.microsoft.com/office/drawing/2014/main" xmlns="" id="{A72F33F9-8BBD-49BC-8EF2-8418FE22CC30}"/>
+                <a16:creationId xmlns="" xmlns:a16="http://schemas.microsoft.com/office/drawing/2014/main" id="{A72F33F9-8BBD-49BC-8EF2-8418FE22CC30}"/>
               </a:ext>
             </a:extLst>
           </p:cNvPr>
@@ -9187,7 +9187,7 @@
           <p:cNvPr id="27" name="TextBox 26">
             <a:extLst>
               <a:ext uri="{FF2B5EF4-FFF2-40B4-BE49-F238E27FC236}">
-                <a16:creationId xmlns:a16="http://schemas.microsoft.com/office/drawing/2014/main" xmlns="" id="{28297C98-CC77-4748-8BC4-818396B8603A}"/>
+                <a16:creationId xmlns="" xmlns:a16="http://schemas.microsoft.com/office/drawing/2014/main" id="{28297C98-CC77-4748-8BC4-818396B8603A}"/>
               </a:ext>
             </a:extLst>
           </p:cNvPr>
@@ -9232,7 +9232,7 @@
           <p:cNvPr id="28" name="TextBox 27">
             <a:extLst>
               <a:ext uri="{FF2B5EF4-FFF2-40B4-BE49-F238E27FC236}">
-                <a16:creationId xmlns:a16="http://schemas.microsoft.com/office/drawing/2014/main" xmlns="" id="{51601B97-C259-4C95-892D-446539F00E99}"/>
+                <a16:creationId xmlns="" xmlns:a16="http://schemas.microsoft.com/office/drawing/2014/main" id="{51601B97-C259-4C95-892D-446539F00E99}"/>
               </a:ext>
             </a:extLst>
           </p:cNvPr>
@@ -9279,7 +9279,7 @@
           <p:cNvPr id="2" name="그룹 28">
             <a:extLst>
               <a:ext uri="{FF2B5EF4-FFF2-40B4-BE49-F238E27FC236}">
-                <a16:creationId xmlns:a16="http://schemas.microsoft.com/office/drawing/2014/main" xmlns="" id="{841BACBC-7F99-44F3-9B7C-AF7CDD5289AC}"/>
+                <a16:creationId xmlns="" xmlns:a16="http://schemas.microsoft.com/office/drawing/2014/main" id="{841BACBC-7F99-44F3-9B7C-AF7CDD5289AC}"/>
               </a:ext>
             </a:extLst>
           </p:cNvPr>
@@ -9302,7 +9302,7 @@
             <p:cNvPr id="30" name="Freeform 269">
               <a:extLst>
                 <a:ext uri="{FF2B5EF4-FFF2-40B4-BE49-F238E27FC236}">
-                  <a16:creationId xmlns:a16="http://schemas.microsoft.com/office/drawing/2014/main" xmlns="" id="{FB1C7626-412A-40A5-BD5F-78FF4B2E4928}"/>
+                  <a16:creationId xmlns="" xmlns:a16="http://schemas.microsoft.com/office/drawing/2014/main" id="{FB1C7626-412A-40A5-BD5F-78FF4B2E4928}"/>
                 </a:ext>
               </a:extLst>
             </p:cNvPr>
@@ -9424,7 +9424,7 @@
             </a:ln>
             <a:extLst>
               <a:ext uri="{91240B29-F687-4F45-9708-019B960494DF}">
-                <a14:hiddenLine xmlns:a14="http://schemas.microsoft.com/office/drawing/2010/main" xmlns="" w="9525">
+                <a14:hiddenLine xmlns="" xmlns:a14="http://schemas.microsoft.com/office/drawing/2010/main" w="9525">
                   <a:solidFill>
                     <a:srgbClr val="000000"/>
                   </a:solidFill>
@@ -9452,7 +9452,7 @@
             <p:cNvPr id="31" name="Freeform 270">
               <a:extLst>
                 <a:ext uri="{FF2B5EF4-FFF2-40B4-BE49-F238E27FC236}">
-                  <a16:creationId xmlns:a16="http://schemas.microsoft.com/office/drawing/2014/main" xmlns="" id="{B51F8AA3-FF55-46DF-A85B-C0BAFD9FC40E}"/>
+                  <a16:creationId xmlns="" xmlns:a16="http://schemas.microsoft.com/office/drawing/2014/main" id="{B51F8AA3-FF55-46DF-A85B-C0BAFD9FC40E}"/>
                 </a:ext>
               </a:extLst>
             </p:cNvPr>
@@ -9572,7 +9572,7 @@
             </a:ln>
             <a:extLst>
               <a:ext uri="{91240B29-F687-4F45-9708-019B960494DF}">
-                <a14:hiddenLine xmlns:a14="http://schemas.microsoft.com/office/drawing/2010/main" xmlns="" w="9525">
+                <a14:hiddenLine xmlns="" xmlns:a14="http://schemas.microsoft.com/office/drawing/2010/main" w="9525">
                   <a:solidFill>
                     <a:srgbClr val="000000"/>
                   </a:solidFill>
@@ -9600,7 +9600,7 @@
             <p:cNvPr id="32" name="Freeform 271">
               <a:extLst>
                 <a:ext uri="{FF2B5EF4-FFF2-40B4-BE49-F238E27FC236}">
-                  <a16:creationId xmlns:a16="http://schemas.microsoft.com/office/drawing/2014/main" xmlns="" id="{AB7FBB16-5856-4716-A1BA-68B6AE023836}"/>
+                  <a16:creationId xmlns="" xmlns:a16="http://schemas.microsoft.com/office/drawing/2014/main" id="{AB7FBB16-5856-4716-A1BA-68B6AE023836}"/>
                 </a:ext>
               </a:extLst>
             </p:cNvPr>
@@ -9731,7 +9731,7 @@
             </a:ln>
             <a:extLst>
               <a:ext uri="{91240B29-F687-4F45-9708-019B960494DF}">
-                <a14:hiddenLine xmlns:a14="http://schemas.microsoft.com/office/drawing/2010/main" xmlns="" w="9525">
+                <a14:hiddenLine xmlns="" xmlns:a14="http://schemas.microsoft.com/office/drawing/2010/main" w="9525">
                   <a:solidFill>
                     <a:srgbClr val="000000"/>
                   </a:solidFill>
@@ -9759,7 +9759,7 @@
             <p:cNvPr id="33" name="Freeform 272">
               <a:extLst>
                 <a:ext uri="{FF2B5EF4-FFF2-40B4-BE49-F238E27FC236}">
-                  <a16:creationId xmlns:a16="http://schemas.microsoft.com/office/drawing/2014/main" xmlns="" id="{F9BF7DAE-CE7A-49CC-9A81-C4C504C564AE}"/>
+                  <a16:creationId xmlns="" xmlns:a16="http://schemas.microsoft.com/office/drawing/2014/main" id="{F9BF7DAE-CE7A-49CC-9A81-C4C504C564AE}"/>
                 </a:ext>
               </a:extLst>
             </p:cNvPr>
@@ -10210,7 +10210,7 @@
             </a:ln>
             <a:extLst>
               <a:ext uri="{91240B29-F687-4F45-9708-019B960494DF}">
-                <a14:hiddenLine xmlns:a14="http://schemas.microsoft.com/office/drawing/2010/main" xmlns="" w="9525">
+                <a14:hiddenLine xmlns="" xmlns:a14="http://schemas.microsoft.com/office/drawing/2010/main" w="9525">
                   <a:solidFill>
                     <a:srgbClr val="000000"/>
                   </a:solidFill>
@@ -10238,7 +10238,7 @@
             <p:cNvPr id="34" name="Rectangle 273">
               <a:extLst>
                 <a:ext uri="{FF2B5EF4-FFF2-40B4-BE49-F238E27FC236}">
-                  <a16:creationId xmlns:a16="http://schemas.microsoft.com/office/drawing/2014/main" xmlns="" id="{31F6E023-AFBD-4522-A721-ADECB63A0419}"/>
+                  <a16:creationId xmlns="" xmlns:a16="http://schemas.microsoft.com/office/drawing/2014/main" id="{31F6E023-AFBD-4522-A721-ADECB63A0419}"/>
                 </a:ext>
               </a:extLst>
             </p:cNvPr>
@@ -10261,7 +10261,7 @@
             </a:ln>
             <a:extLst>
               <a:ext uri="{91240B29-F687-4F45-9708-019B960494DF}">
-                <a14:hiddenLine xmlns:a14="http://schemas.microsoft.com/office/drawing/2010/main" xmlns="" w="9525">
+                <a14:hiddenLine xmlns="" xmlns:a14="http://schemas.microsoft.com/office/drawing/2010/main" w="9525">
                   <a:solidFill>
                     <a:srgbClr val="000000"/>
                   </a:solidFill>
@@ -10289,7 +10289,7 @@
             <p:cNvPr id="35" name="Freeform 276">
               <a:extLst>
                 <a:ext uri="{FF2B5EF4-FFF2-40B4-BE49-F238E27FC236}">
-                  <a16:creationId xmlns:a16="http://schemas.microsoft.com/office/drawing/2014/main" xmlns="" id="{12D72E29-19D4-4886-BDF3-970851BC4AAD}"/>
+                  <a16:creationId xmlns="" xmlns:a16="http://schemas.microsoft.com/office/drawing/2014/main" id="{12D72E29-19D4-4886-BDF3-970851BC4AAD}"/>
                 </a:ext>
               </a:extLst>
             </p:cNvPr>
@@ -10420,7 +10420,7 @@
             </a:ln>
             <a:extLst>
               <a:ext uri="{91240B29-F687-4F45-9708-019B960494DF}">
-                <a14:hiddenLine xmlns:a14="http://schemas.microsoft.com/office/drawing/2010/main" xmlns="" w="9525">
+                <a14:hiddenLine xmlns="" xmlns:a14="http://schemas.microsoft.com/office/drawing/2010/main" w="9525">
                   <a:solidFill>
                     <a:srgbClr val="000000"/>
                   </a:solidFill>
@@ -10448,7 +10448,7 @@
             <p:cNvPr id="36" name="Rectangle 277">
               <a:extLst>
                 <a:ext uri="{FF2B5EF4-FFF2-40B4-BE49-F238E27FC236}">
-                  <a16:creationId xmlns:a16="http://schemas.microsoft.com/office/drawing/2014/main" xmlns="" id="{314FFEE2-21E7-49B9-8515-72B811B4A464}"/>
+                  <a16:creationId xmlns="" xmlns:a16="http://schemas.microsoft.com/office/drawing/2014/main" id="{314FFEE2-21E7-49B9-8515-72B811B4A464}"/>
                 </a:ext>
               </a:extLst>
             </p:cNvPr>
@@ -10471,7 +10471,7 @@
             </a:ln>
             <a:extLst>
               <a:ext uri="{91240B29-F687-4F45-9708-019B960494DF}">
-                <a14:hiddenLine xmlns:a14="http://schemas.microsoft.com/office/drawing/2010/main" xmlns="" w="9525">
+                <a14:hiddenLine xmlns="" xmlns:a14="http://schemas.microsoft.com/office/drawing/2010/main" w="9525">
                   <a:solidFill>
                     <a:srgbClr val="000000"/>
                   </a:solidFill>
@@ -10499,7 +10499,7 @@
             <p:cNvPr id="37" name="Freeform 278">
               <a:extLst>
                 <a:ext uri="{FF2B5EF4-FFF2-40B4-BE49-F238E27FC236}">
-                  <a16:creationId xmlns:a16="http://schemas.microsoft.com/office/drawing/2014/main" xmlns="" id="{F81662CF-AE34-4549-A318-F43111207941}"/>
+                  <a16:creationId xmlns="" xmlns:a16="http://schemas.microsoft.com/office/drawing/2014/main" id="{F81662CF-AE34-4549-A318-F43111207941}"/>
                 </a:ext>
               </a:extLst>
             </p:cNvPr>
@@ -10700,7 +10700,7 @@
             </a:ln>
             <a:extLst>
               <a:ext uri="{91240B29-F687-4F45-9708-019B960494DF}">
-                <a14:hiddenLine xmlns:a14="http://schemas.microsoft.com/office/drawing/2010/main" xmlns="" w="9525">
+                <a14:hiddenLine xmlns="" xmlns:a14="http://schemas.microsoft.com/office/drawing/2010/main" w="9525">
                   <a:solidFill>
                     <a:srgbClr val="000000"/>
                   </a:solidFill>
@@ -10728,7 +10728,7 @@
             <p:cNvPr id="38" name="Rectangle 279">
               <a:extLst>
                 <a:ext uri="{FF2B5EF4-FFF2-40B4-BE49-F238E27FC236}">
-                  <a16:creationId xmlns:a16="http://schemas.microsoft.com/office/drawing/2014/main" xmlns="" id="{2E8D9A8A-E3D5-470C-84DC-F5FE45A59057}"/>
+                  <a16:creationId xmlns="" xmlns:a16="http://schemas.microsoft.com/office/drawing/2014/main" id="{2E8D9A8A-E3D5-470C-84DC-F5FE45A59057}"/>
                 </a:ext>
               </a:extLst>
             </p:cNvPr>
@@ -10751,7 +10751,7 @@
             </a:ln>
             <a:extLst>
               <a:ext uri="{91240B29-F687-4F45-9708-019B960494DF}">
-                <a14:hiddenLine xmlns:a14="http://schemas.microsoft.com/office/drawing/2010/main" xmlns="" w="9525">
+                <a14:hiddenLine xmlns="" xmlns:a14="http://schemas.microsoft.com/office/drawing/2010/main" w="9525">
                   <a:solidFill>
                     <a:srgbClr val="000000"/>
                   </a:solidFill>
@@ -10779,7 +10779,7 @@
             <p:cNvPr id="39" name="Rectangle 280">
               <a:extLst>
                 <a:ext uri="{FF2B5EF4-FFF2-40B4-BE49-F238E27FC236}">
-                  <a16:creationId xmlns:a16="http://schemas.microsoft.com/office/drawing/2014/main" xmlns="" id="{E6DACFC7-FBA9-4CFD-9598-B3DFA1CCEBE2}"/>
+                  <a16:creationId xmlns="" xmlns:a16="http://schemas.microsoft.com/office/drawing/2014/main" id="{E6DACFC7-FBA9-4CFD-9598-B3DFA1CCEBE2}"/>
                 </a:ext>
               </a:extLst>
             </p:cNvPr>
@@ -10802,7 +10802,7 @@
             </a:ln>
             <a:extLst>
               <a:ext uri="{91240B29-F687-4F45-9708-019B960494DF}">
-                <a14:hiddenLine xmlns:a14="http://schemas.microsoft.com/office/drawing/2010/main" xmlns="" w="9525">
+                <a14:hiddenLine xmlns="" xmlns:a14="http://schemas.microsoft.com/office/drawing/2010/main" w="9525">
                   <a:solidFill>
                     <a:srgbClr val="000000"/>
                   </a:solidFill>
@@ -10830,7 +10830,7 @@
             <p:cNvPr id="40" name="Freeform 281">
               <a:extLst>
                 <a:ext uri="{FF2B5EF4-FFF2-40B4-BE49-F238E27FC236}">
-                  <a16:creationId xmlns:a16="http://schemas.microsoft.com/office/drawing/2014/main" xmlns="" id="{AF157FA9-864C-40FC-AFC7-BE39C32B65CF}"/>
+                  <a16:creationId xmlns="" xmlns:a16="http://schemas.microsoft.com/office/drawing/2014/main" id="{AF157FA9-864C-40FC-AFC7-BE39C32B65CF}"/>
                 </a:ext>
               </a:extLst>
             </p:cNvPr>
@@ -10930,7 +10930,7 @@
             </a:ln>
             <a:extLst>
               <a:ext uri="{91240B29-F687-4F45-9708-019B960494DF}">
-                <a14:hiddenLine xmlns:a14="http://schemas.microsoft.com/office/drawing/2010/main" xmlns="" w="9525">
+                <a14:hiddenLine xmlns="" xmlns:a14="http://schemas.microsoft.com/office/drawing/2010/main" w="9525">
                   <a:solidFill>
                     <a:srgbClr val="000000"/>
                   </a:solidFill>
@@ -10958,7 +10958,7 @@
             <p:cNvPr id="41" name="Freeform 282">
               <a:extLst>
                 <a:ext uri="{FF2B5EF4-FFF2-40B4-BE49-F238E27FC236}">
-                  <a16:creationId xmlns:a16="http://schemas.microsoft.com/office/drawing/2014/main" xmlns="" id="{8C274F38-C69D-47AD-85B5-1EC1EAD44EDB}"/>
+                  <a16:creationId xmlns="" xmlns:a16="http://schemas.microsoft.com/office/drawing/2014/main" id="{8C274F38-C69D-47AD-85B5-1EC1EAD44EDB}"/>
                 </a:ext>
               </a:extLst>
             </p:cNvPr>
@@ -11058,7 +11058,7 @@
             </a:ln>
             <a:extLst>
               <a:ext uri="{91240B29-F687-4F45-9708-019B960494DF}">
-                <a14:hiddenLine xmlns:a14="http://schemas.microsoft.com/office/drawing/2010/main" xmlns="" w="9525">
+                <a14:hiddenLine xmlns="" xmlns:a14="http://schemas.microsoft.com/office/drawing/2010/main" w="9525">
                   <a:solidFill>
                     <a:srgbClr val="000000"/>
                   </a:solidFill>
@@ -11086,7 +11086,7 @@
             <p:cNvPr id="42" name="Freeform 283">
               <a:extLst>
                 <a:ext uri="{FF2B5EF4-FFF2-40B4-BE49-F238E27FC236}">
-                  <a16:creationId xmlns:a16="http://schemas.microsoft.com/office/drawing/2014/main" xmlns="" id="{C02FCBD4-23A5-4C7C-9591-C9D22C09B6E5}"/>
+                  <a16:creationId xmlns="" xmlns:a16="http://schemas.microsoft.com/office/drawing/2014/main" id="{C02FCBD4-23A5-4C7C-9591-C9D22C09B6E5}"/>
                 </a:ext>
               </a:extLst>
             </p:cNvPr>
@@ -11186,7 +11186,7 @@
             </a:ln>
             <a:extLst>
               <a:ext uri="{91240B29-F687-4F45-9708-019B960494DF}">
-                <a14:hiddenLine xmlns:a14="http://schemas.microsoft.com/office/drawing/2010/main" xmlns="" w="9525">
+                <a14:hiddenLine xmlns="" xmlns:a14="http://schemas.microsoft.com/office/drawing/2010/main" w="9525">
                   <a:solidFill>
                     <a:srgbClr val="000000"/>
                   </a:solidFill>
@@ -11214,7 +11214,7 @@
             <p:cNvPr id="43" name="Freeform 284">
               <a:extLst>
                 <a:ext uri="{FF2B5EF4-FFF2-40B4-BE49-F238E27FC236}">
-                  <a16:creationId xmlns:a16="http://schemas.microsoft.com/office/drawing/2014/main" xmlns="" id="{8C469944-2A9A-4CC0-A2A0-5AB6CFAB1579}"/>
+                  <a16:creationId xmlns="" xmlns:a16="http://schemas.microsoft.com/office/drawing/2014/main" id="{8C469944-2A9A-4CC0-A2A0-5AB6CFAB1579}"/>
                 </a:ext>
               </a:extLst>
             </p:cNvPr>
@@ -11314,7 +11314,7 @@
             </a:ln>
             <a:extLst>
               <a:ext uri="{91240B29-F687-4F45-9708-019B960494DF}">
-                <a14:hiddenLine xmlns:a14="http://schemas.microsoft.com/office/drawing/2010/main" xmlns="" w="9525">
+                <a14:hiddenLine xmlns="" xmlns:a14="http://schemas.microsoft.com/office/drawing/2010/main" w="9525">
                   <a:solidFill>
                     <a:srgbClr val="000000"/>
                   </a:solidFill>
@@ -11342,7 +11342,7 @@
             <p:cNvPr id="44" name="Freeform 285">
               <a:extLst>
                 <a:ext uri="{FF2B5EF4-FFF2-40B4-BE49-F238E27FC236}">
-                  <a16:creationId xmlns:a16="http://schemas.microsoft.com/office/drawing/2014/main" xmlns="" id="{CEC5A50C-39C3-4F11-9176-69F6ACB22B44}"/>
+                  <a16:creationId xmlns="" xmlns:a16="http://schemas.microsoft.com/office/drawing/2014/main" id="{CEC5A50C-39C3-4F11-9176-69F6ACB22B44}"/>
                 </a:ext>
               </a:extLst>
             </p:cNvPr>
@@ -11464,7 +11464,7 @@
             </a:ln>
             <a:extLst>
               <a:ext uri="{91240B29-F687-4F45-9708-019B960494DF}">
-                <a14:hiddenLine xmlns:a14="http://schemas.microsoft.com/office/drawing/2010/main" xmlns="" w="9525">
+                <a14:hiddenLine xmlns="" xmlns:a14="http://schemas.microsoft.com/office/drawing/2010/main" w="9525">
                   <a:solidFill>
                     <a:srgbClr val="000000"/>
                   </a:solidFill>
@@ -11492,7 +11492,7 @@
             <p:cNvPr id="45" name="Freeform 286">
               <a:extLst>
                 <a:ext uri="{FF2B5EF4-FFF2-40B4-BE49-F238E27FC236}">
-                  <a16:creationId xmlns:a16="http://schemas.microsoft.com/office/drawing/2014/main" xmlns="" id="{E99D016F-2260-4A25-8D83-44376A74DFDA}"/>
+                  <a16:creationId xmlns="" xmlns:a16="http://schemas.microsoft.com/office/drawing/2014/main" id="{E99D016F-2260-4A25-8D83-44376A74DFDA}"/>
                 </a:ext>
               </a:extLst>
             </p:cNvPr>
@@ -11614,7 +11614,7 @@
             </a:ln>
             <a:extLst>
               <a:ext uri="{91240B29-F687-4F45-9708-019B960494DF}">
-                <a14:hiddenLine xmlns:a14="http://schemas.microsoft.com/office/drawing/2010/main" xmlns="" w="9525">
+                <a14:hiddenLine xmlns="" xmlns:a14="http://schemas.microsoft.com/office/drawing/2010/main" w="9525">
                   <a:solidFill>
                     <a:srgbClr val="000000"/>
                   </a:solidFill>
@@ -11642,7 +11642,7 @@
             <p:cNvPr id="46" name="Freeform 287">
               <a:extLst>
                 <a:ext uri="{FF2B5EF4-FFF2-40B4-BE49-F238E27FC236}">
-                  <a16:creationId xmlns:a16="http://schemas.microsoft.com/office/drawing/2014/main" xmlns="" id="{EDD61AE2-4CA8-4D20-AD55-5E23E9416A7C}"/>
+                  <a16:creationId xmlns="" xmlns:a16="http://schemas.microsoft.com/office/drawing/2014/main" id="{EDD61AE2-4CA8-4D20-AD55-5E23E9416A7C}"/>
                 </a:ext>
               </a:extLst>
             </p:cNvPr>
@@ -11764,7 +11764,7 @@
             </a:ln>
             <a:extLst>
               <a:ext uri="{91240B29-F687-4F45-9708-019B960494DF}">
-                <a14:hiddenLine xmlns:a14="http://schemas.microsoft.com/office/drawing/2010/main" xmlns="" w="9525">
+                <a14:hiddenLine xmlns="" xmlns:a14="http://schemas.microsoft.com/office/drawing/2010/main" w="9525">
                   <a:solidFill>
                     <a:srgbClr val="000000"/>
                   </a:solidFill>
@@ -11793,7 +11793,7 @@
           <p:cNvPr id="3" name="Group 77">
             <a:extLst>
               <a:ext uri="{FF2B5EF4-FFF2-40B4-BE49-F238E27FC236}">
-                <a16:creationId xmlns:a16="http://schemas.microsoft.com/office/drawing/2014/main" xmlns="" id="{2E77D315-A2E2-45B3-A67C-35E0447E637F}"/>
+                <a16:creationId xmlns="" xmlns:a16="http://schemas.microsoft.com/office/drawing/2014/main" id="{2E77D315-A2E2-45B3-A67C-35E0447E637F}"/>
               </a:ext>
             </a:extLst>
           </p:cNvPr>
@@ -11818,7 +11818,7 @@
             <p:cNvPr id="48" name="Rectangle 78">
               <a:extLst>
                 <a:ext uri="{FF2B5EF4-FFF2-40B4-BE49-F238E27FC236}">
-                  <a16:creationId xmlns:a16="http://schemas.microsoft.com/office/drawing/2014/main" xmlns="" id="{525682E6-494F-40AA-AC6E-C574DC5931BC}"/>
+                  <a16:creationId xmlns="" xmlns:a16="http://schemas.microsoft.com/office/drawing/2014/main" id="{525682E6-494F-40AA-AC6E-C574DC5931BC}"/>
                 </a:ext>
               </a:extLst>
             </p:cNvPr>
@@ -11841,7 +11841,7 @@
             </a:ln>
             <a:extLst>
               <a:ext uri="{91240B29-F687-4F45-9708-019B960494DF}">
-                <a14:hiddenLine xmlns:a14="http://schemas.microsoft.com/office/drawing/2010/main" xmlns="" w="9525">
+                <a14:hiddenLine xmlns="" xmlns:a14="http://schemas.microsoft.com/office/drawing/2010/main" w="9525">
                   <a:solidFill>
                     <a:srgbClr val="000000"/>
                   </a:solidFill>
@@ -11869,7 +11869,7 @@
             <p:cNvPr id="49" name="Freeform 79">
               <a:extLst>
                 <a:ext uri="{FF2B5EF4-FFF2-40B4-BE49-F238E27FC236}">
-                  <a16:creationId xmlns:a16="http://schemas.microsoft.com/office/drawing/2014/main" xmlns="" id="{5AFF80A5-E804-4BAE-BA8A-CF28C5F16DF5}"/>
+                  <a16:creationId xmlns="" xmlns:a16="http://schemas.microsoft.com/office/drawing/2014/main" id="{5AFF80A5-E804-4BAE-BA8A-CF28C5F16DF5}"/>
                 </a:ext>
               </a:extLst>
             </p:cNvPr>
@@ -12100,7 +12100,7 @@
             </a:ln>
             <a:extLst>
               <a:ext uri="{91240B29-F687-4F45-9708-019B960494DF}">
-                <a14:hiddenLine xmlns:a14="http://schemas.microsoft.com/office/drawing/2010/main" xmlns="" w="9525">
+                <a14:hiddenLine xmlns="" xmlns:a14="http://schemas.microsoft.com/office/drawing/2010/main" w="9525">
                   <a:solidFill>
                     <a:srgbClr val="000000"/>
                   </a:solidFill>
@@ -12128,7 +12128,7 @@
             <p:cNvPr id="50" name="Oval 80">
               <a:extLst>
                 <a:ext uri="{FF2B5EF4-FFF2-40B4-BE49-F238E27FC236}">
-                  <a16:creationId xmlns:a16="http://schemas.microsoft.com/office/drawing/2014/main" xmlns="" id="{FE695571-54F3-443F-BBA0-1D4E14306CD4}"/>
+                  <a16:creationId xmlns="" xmlns:a16="http://schemas.microsoft.com/office/drawing/2014/main" id="{FE695571-54F3-443F-BBA0-1D4E14306CD4}"/>
                 </a:ext>
               </a:extLst>
             </p:cNvPr>
@@ -12151,7 +12151,7 @@
             </a:ln>
             <a:extLst>
               <a:ext uri="{91240B29-F687-4F45-9708-019B960494DF}">
-                <a14:hiddenLine xmlns:a14="http://schemas.microsoft.com/office/drawing/2010/main" xmlns="" w="9525">
+                <a14:hiddenLine xmlns="" xmlns:a14="http://schemas.microsoft.com/office/drawing/2010/main" w="9525">
                   <a:solidFill>
                     <a:srgbClr val="000000"/>
                   </a:solidFill>
@@ -12179,7 +12179,7 @@
             <p:cNvPr id="51" name="Freeform 81">
               <a:extLst>
                 <a:ext uri="{FF2B5EF4-FFF2-40B4-BE49-F238E27FC236}">
-                  <a16:creationId xmlns:a16="http://schemas.microsoft.com/office/drawing/2014/main" xmlns="" id="{C4B75F0C-BC70-48E6-85EC-94147B9E6950}"/>
+                  <a16:creationId xmlns="" xmlns:a16="http://schemas.microsoft.com/office/drawing/2014/main" id="{C4B75F0C-BC70-48E6-85EC-94147B9E6950}"/>
                 </a:ext>
               </a:extLst>
             </p:cNvPr>
@@ -12346,7 +12346,7 @@
             </a:ln>
             <a:extLst>
               <a:ext uri="{91240B29-F687-4F45-9708-019B960494DF}">
-                <a14:hiddenLine xmlns:a14="http://schemas.microsoft.com/office/drawing/2010/main" xmlns="" w="9525">
+                <a14:hiddenLine xmlns="" xmlns:a14="http://schemas.microsoft.com/office/drawing/2010/main" w="9525">
                   <a:solidFill>
                     <a:srgbClr val="000000"/>
                   </a:solidFill>
@@ -12374,7 +12374,7 @@
             <p:cNvPr id="52" name="Freeform 82">
               <a:extLst>
                 <a:ext uri="{FF2B5EF4-FFF2-40B4-BE49-F238E27FC236}">
-                  <a16:creationId xmlns:a16="http://schemas.microsoft.com/office/drawing/2014/main" xmlns="" id="{76147E6D-AC63-4331-8DC7-DEFBEB2BC8C4}"/>
+                  <a16:creationId xmlns="" xmlns:a16="http://schemas.microsoft.com/office/drawing/2014/main" id="{76147E6D-AC63-4331-8DC7-DEFBEB2BC8C4}"/>
                 </a:ext>
               </a:extLst>
             </p:cNvPr>
@@ -12474,7 +12474,7 @@
             </a:ln>
             <a:extLst>
               <a:ext uri="{91240B29-F687-4F45-9708-019B960494DF}">
-                <a14:hiddenLine xmlns:a14="http://schemas.microsoft.com/office/drawing/2010/main" xmlns="" w="9525">
+                <a14:hiddenLine xmlns="" xmlns:a14="http://schemas.microsoft.com/office/drawing/2010/main" w="9525">
                   <a:solidFill>
                     <a:srgbClr val="000000"/>
                   </a:solidFill>
@@ -12502,7 +12502,7 @@
             <p:cNvPr id="53" name="Line 83">
               <a:extLst>
                 <a:ext uri="{FF2B5EF4-FFF2-40B4-BE49-F238E27FC236}">
-                  <a16:creationId xmlns:a16="http://schemas.microsoft.com/office/drawing/2014/main" xmlns="" id="{3DF9CD36-1E07-440E-B2DC-3AFC38529A89}"/>
+                  <a16:creationId xmlns="" xmlns:a16="http://schemas.microsoft.com/office/drawing/2014/main" id="{3DF9CD36-1E07-440E-B2DC-3AFC38529A89}"/>
                 </a:ext>
               </a:extLst>
             </p:cNvPr>
@@ -12547,7 +12547,7 @@
             <p:cNvPr id="54" name="Line 84">
               <a:extLst>
                 <a:ext uri="{FF2B5EF4-FFF2-40B4-BE49-F238E27FC236}">
-                  <a16:creationId xmlns:a16="http://schemas.microsoft.com/office/drawing/2014/main" xmlns="" id="{9EF3D168-0CA1-445F-B075-7A90BA76372D}"/>
+                  <a16:creationId xmlns="" xmlns:a16="http://schemas.microsoft.com/office/drawing/2014/main" id="{9EF3D168-0CA1-445F-B075-7A90BA76372D}"/>
                 </a:ext>
               </a:extLst>
             </p:cNvPr>
@@ -12592,7 +12592,7 @@
             <p:cNvPr id="55" name="Freeform 85">
               <a:extLst>
                 <a:ext uri="{FF2B5EF4-FFF2-40B4-BE49-F238E27FC236}">
-                  <a16:creationId xmlns:a16="http://schemas.microsoft.com/office/drawing/2014/main" xmlns="" id="{CB383AD1-FB3B-41B9-8023-9FAC097CB552}"/>
+                  <a16:creationId xmlns="" xmlns:a16="http://schemas.microsoft.com/office/drawing/2014/main" id="{CB383AD1-FB3B-41B9-8023-9FAC097CB552}"/>
                 </a:ext>
               </a:extLst>
             </p:cNvPr>
@@ -12682,7 +12682,7 @@
             </a:ln>
             <a:extLst>
               <a:ext uri="{91240B29-F687-4F45-9708-019B960494DF}">
-                <a14:hiddenLine xmlns:a14="http://schemas.microsoft.com/office/drawing/2010/main" xmlns="" w="9525">
+                <a14:hiddenLine xmlns="" xmlns:a14="http://schemas.microsoft.com/office/drawing/2010/main" w="9525">
                   <a:solidFill>
                     <a:srgbClr val="000000"/>
                   </a:solidFill>
@@ -12710,7 +12710,7 @@
             <p:cNvPr id="56" name="Freeform 86">
               <a:extLst>
                 <a:ext uri="{FF2B5EF4-FFF2-40B4-BE49-F238E27FC236}">
-                  <a16:creationId xmlns:a16="http://schemas.microsoft.com/office/drawing/2014/main" xmlns="" id="{2C3AEDE5-B92B-4CB4-8C06-AF1960E04532}"/>
+                  <a16:creationId xmlns="" xmlns:a16="http://schemas.microsoft.com/office/drawing/2014/main" id="{2C3AEDE5-B92B-4CB4-8C06-AF1960E04532}"/>
                 </a:ext>
               </a:extLst>
             </p:cNvPr>
@@ -12816,7 +12816,7 @@
             </a:ln>
             <a:extLst>
               <a:ext uri="{91240B29-F687-4F45-9708-019B960494DF}">
-                <a14:hiddenLine xmlns:a14="http://schemas.microsoft.com/office/drawing/2010/main" xmlns="" w="9525">
+                <a14:hiddenLine xmlns="" xmlns:a14="http://schemas.microsoft.com/office/drawing/2010/main" w="9525">
                   <a:solidFill>
                     <a:srgbClr val="000000"/>
                   </a:solidFill>
@@ -12844,7 +12844,7 @@
             <p:cNvPr id="57" name="Freeform 87">
               <a:extLst>
                 <a:ext uri="{FF2B5EF4-FFF2-40B4-BE49-F238E27FC236}">
-                  <a16:creationId xmlns:a16="http://schemas.microsoft.com/office/drawing/2014/main" xmlns="" id="{6CCDE468-C7D8-42FA-B606-E4EC7FE2A5E1}"/>
+                  <a16:creationId xmlns="" xmlns:a16="http://schemas.microsoft.com/office/drawing/2014/main" id="{6CCDE468-C7D8-42FA-B606-E4EC7FE2A5E1}"/>
                 </a:ext>
               </a:extLst>
             </p:cNvPr>
@@ -12934,7 +12934,7 @@
             </a:ln>
             <a:extLst>
               <a:ext uri="{91240B29-F687-4F45-9708-019B960494DF}">
-                <a14:hiddenLine xmlns:a14="http://schemas.microsoft.com/office/drawing/2010/main" xmlns="" w="9525">
+                <a14:hiddenLine xmlns="" xmlns:a14="http://schemas.microsoft.com/office/drawing/2010/main" w="9525">
                   <a:solidFill>
                     <a:srgbClr val="000000"/>
                   </a:solidFill>
@@ -12963,7 +12963,7 @@
           <p:cNvPr id="5" name="Group 147">
             <a:extLst>
               <a:ext uri="{FF2B5EF4-FFF2-40B4-BE49-F238E27FC236}">
-                <a16:creationId xmlns:a16="http://schemas.microsoft.com/office/drawing/2014/main" xmlns="" id="{53A5BA53-2CAB-45DC-9270-5FFC3F40F659}"/>
+                <a16:creationId xmlns="" xmlns:a16="http://schemas.microsoft.com/office/drawing/2014/main" id="{53A5BA53-2CAB-45DC-9270-5FFC3F40F659}"/>
               </a:ext>
             </a:extLst>
           </p:cNvPr>
@@ -12988,7 +12988,7 @@
             <p:cNvPr id="59" name="Freeform 148">
               <a:extLst>
                 <a:ext uri="{FF2B5EF4-FFF2-40B4-BE49-F238E27FC236}">
-                  <a16:creationId xmlns:a16="http://schemas.microsoft.com/office/drawing/2014/main" xmlns="" id="{F0506DB7-309F-4BB2-A07D-7FB13C4CD77F}"/>
+                  <a16:creationId xmlns="" xmlns:a16="http://schemas.microsoft.com/office/drawing/2014/main" id="{F0506DB7-309F-4BB2-A07D-7FB13C4CD77F}"/>
                 </a:ext>
               </a:extLst>
             </p:cNvPr>
@@ -13188,7 +13188,7 @@
             </a:ln>
             <a:extLst>
               <a:ext uri="{91240B29-F687-4F45-9708-019B960494DF}">
-                <a14:hiddenLine xmlns:a14="http://schemas.microsoft.com/office/drawing/2010/main" xmlns="" w="9525">
+                <a14:hiddenLine xmlns="" xmlns:a14="http://schemas.microsoft.com/office/drawing/2010/main" w="9525">
                   <a:solidFill>
                     <a:srgbClr val="000000"/>
                   </a:solidFill>
@@ -13216,7 +13216,7 @@
             <p:cNvPr id="60" name="Rectangle 149">
               <a:extLst>
                 <a:ext uri="{FF2B5EF4-FFF2-40B4-BE49-F238E27FC236}">
-                  <a16:creationId xmlns:a16="http://schemas.microsoft.com/office/drawing/2014/main" xmlns="" id="{C56D37D2-ABF0-4C57-A354-398986098BF9}"/>
+                  <a16:creationId xmlns="" xmlns:a16="http://schemas.microsoft.com/office/drawing/2014/main" id="{C56D37D2-ABF0-4C57-A354-398986098BF9}"/>
                 </a:ext>
               </a:extLst>
             </p:cNvPr>
@@ -13239,7 +13239,7 @@
             </a:ln>
             <a:extLst>
               <a:ext uri="{91240B29-F687-4F45-9708-019B960494DF}">
-                <a14:hiddenLine xmlns:a14="http://schemas.microsoft.com/office/drawing/2010/main" xmlns="" w="9525">
+                <a14:hiddenLine xmlns="" xmlns:a14="http://schemas.microsoft.com/office/drawing/2010/main" w="9525">
                   <a:solidFill>
                     <a:srgbClr val="000000"/>
                   </a:solidFill>
@@ -13267,7 +13267,7 @@
             <p:cNvPr id="61" name="Freeform 150">
               <a:extLst>
                 <a:ext uri="{FF2B5EF4-FFF2-40B4-BE49-F238E27FC236}">
-                  <a16:creationId xmlns:a16="http://schemas.microsoft.com/office/drawing/2014/main" xmlns="" id="{8E9F6187-DF61-4C6C-BAC2-05FF7085974C}"/>
+                  <a16:creationId xmlns="" xmlns:a16="http://schemas.microsoft.com/office/drawing/2014/main" id="{8E9F6187-DF61-4C6C-BAC2-05FF7085974C}"/>
                 </a:ext>
               </a:extLst>
             </p:cNvPr>
@@ -13398,7 +13398,7 @@
             </a:ln>
             <a:extLst>
               <a:ext uri="{91240B29-F687-4F45-9708-019B960494DF}">
-                <a14:hiddenLine xmlns:a14="http://schemas.microsoft.com/office/drawing/2010/main" xmlns="" w="9525">
+                <a14:hiddenLine xmlns="" xmlns:a14="http://schemas.microsoft.com/office/drawing/2010/main" w="9525">
                   <a:solidFill>
                     <a:srgbClr val="000000"/>
                   </a:solidFill>
@@ -13426,7 +13426,7 @@
             <p:cNvPr id="62" name="Freeform 151">
               <a:extLst>
                 <a:ext uri="{FF2B5EF4-FFF2-40B4-BE49-F238E27FC236}">
-                  <a16:creationId xmlns:a16="http://schemas.microsoft.com/office/drawing/2014/main" xmlns="" id="{B0762694-8AA3-492B-8F65-3CD11F86CAE2}"/>
+                  <a16:creationId xmlns="" xmlns:a16="http://schemas.microsoft.com/office/drawing/2014/main" id="{B0762694-8AA3-492B-8F65-3CD11F86CAE2}"/>
                 </a:ext>
               </a:extLst>
             </p:cNvPr>
@@ -13557,7 +13557,7 @@
             </a:ln>
             <a:extLst>
               <a:ext uri="{91240B29-F687-4F45-9708-019B960494DF}">
-                <a14:hiddenLine xmlns:a14="http://schemas.microsoft.com/office/drawing/2010/main" xmlns="" w="9525">
+                <a14:hiddenLine xmlns="" xmlns:a14="http://schemas.microsoft.com/office/drawing/2010/main" w="9525">
                   <a:solidFill>
                     <a:srgbClr val="000000"/>
                   </a:solidFill>
@@ -13585,7 +13585,7 @@
             <p:cNvPr id="63" name="Freeform 152">
               <a:extLst>
                 <a:ext uri="{FF2B5EF4-FFF2-40B4-BE49-F238E27FC236}">
-                  <a16:creationId xmlns:a16="http://schemas.microsoft.com/office/drawing/2014/main" xmlns="" id="{1656F631-3C81-4D0A-B426-3B234E8CDB3E}"/>
+                  <a16:creationId xmlns="" xmlns:a16="http://schemas.microsoft.com/office/drawing/2014/main" id="{1656F631-3C81-4D0A-B426-3B234E8CDB3E}"/>
                 </a:ext>
               </a:extLst>
             </p:cNvPr>
@@ -13700,7 +13700,7 @@
             </a:ln>
             <a:extLst>
               <a:ext uri="{91240B29-F687-4F45-9708-019B960494DF}">
-                <a14:hiddenLine xmlns:a14="http://schemas.microsoft.com/office/drawing/2010/main" xmlns="" w="9525">
+                <a14:hiddenLine xmlns="" xmlns:a14="http://schemas.microsoft.com/office/drawing/2010/main" w="9525">
                   <a:solidFill>
                     <a:srgbClr val="000000"/>
                   </a:solidFill>
@@ -13728,7 +13728,7 @@
             <p:cNvPr id="64" name="Rectangle 153">
               <a:extLst>
                 <a:ext uri="{FF2B5EF4-FFF2-40B4-BE49-F238E27FC236}">
-                  <a16:creationId xmlns:a16="http://schemas.microsoft.com/office/drawing/2014/main" xmlns="" id="{A539AC52-11BD-4983-ABE7-ABB8B961FD9B}"/>
+                  <a16:creationId xmlns="" xmlns:a16="http://schemas.microsoft.com/office/drawing/2014/main" id="{A539AC52-11BD-4983-ABE7-ABB8B961FD9B}"/>
                 </a:ext>
               </a:extLst>
             </p:cNvPr>
@@ -13751,7 +13751,7 @@
             </a:ln>
             <a:extLst>
               <a:ext uri="{91240B29-F687-4F45-9708-019B960494DF}">
-                <a14:hiddenLine xmlns:a14="http://schemas.microsoft.com/office/drawing/2010/main" xmlns="" w="9525">
+                <a14:hiddenLine xmlns="" xmlns:a14="http://schemas.microsoft.com/office/drawing/2010/main" w="9525">
                   <a:solidFill>
                     <a:srgbClr val="000000"/>
                   </a:solidFill>
@@ -13779,7 +13779,7 @@
             <p:cNvPr id="65" name="Rectangle 154">
               <a:extLst>
                 <a:ext uri="{FF2B5EF4-FFF2-40B4-BE49-F238E27FC236}">
-                  <a16:creationId xmlns:a16="http://schemas.microsoft.com/office/drawing/2014/main" xmlns="" id="{310349B9-A99A-4644-8886-29EF1F72DAAB}"/>
+                  <a16:creationId xmlns="" xmlns:a16="http://schemas.microsoft.com/office/drawing/2014/main" id="{310349B9-A99A-4644-8886-29EF1F72DAAB}"/>
                 </a:ext>
               </a:extLst>
             </p:cNvPr>
@@ -13802,7 +13802,7 @@
             </a:ln>
             <a:extLst>
               <a:ext uri="{91240B29-F687-4F45-9708-019B960494DF}">
-                <a14:hiddenLine xmlns:a14="http://schemas.microsoft.com/office/drawing/2010/main" xmlns="" w="9525">
+                <a14:hiddenLine xmlns="" xmlns:a14="http://schemas.microsoft.com/office/drawing/2010/main" w="9525">
                   <a:solidFill>
                     <a:srgbClr val="000000"/>
                   </a:solidFill>
@@ -13830,7 +13830,7 @@
             <p:cNvPr id="66" name="Freeform 155">
               <a:extLst>
                 <a:ext uri="{FF2B5EF4-FFF2-40B4-BE49-F238E27FC236}">
-                  <a16:creationId xmlns:a16="http://schemas.microsoft.com/office/drawing/2014/main" xmlns="" id="{4403DD47-F659-4FDA-92DC-1C3FEC65967D}"/>
+                  <a16:creationId xmlns="" xmlns:a16="http://schemas.microsoft.com/office/drawing/2014/main" id="{4403DD47-F659-4FDA-92DC-1C3FEC65967D}"/>
                 </a:ext>
               </a:extLst>
             </p:cNvPr>
@@ -14129,7 +14129,7 @@
             </a:ln>
             <a:extLst>
               <a:ext uri="{91240B29-F687-4F45-9708-019B960494DF}">
-                <a14:hiddenLine xmlns:a14="http://schemas.microsoft.com/office/drawing/2010/main" xmlns="" w="9525">
+                <a14:hiddenLine xmlns="" xmlns:a14="http://schemas.microsoft.com/office/drawing/2010/main" w="9525">
                   <a:solidFill>
                     <a:srgbClr val="000000"/>
                   </a:solidFill>
@@ -14157,7 +14157,7 @@
             <p:cNvPr id="67" name="Freeform 156">
               <a:extLst>
                 <a:ext uri="{FF2B5EF4-FFF2-40B4-BE49-F238E27FC236}">
-                  <a16:creationId xmlns:a16="http://schemas.microsoft.com/office/drawing/2014/main" xmlns="" id="{3FD51272-0389-4286-97AF-149595C851F0}"/>
+                  <a16:creationId xmlns="" xmlns:a16="http://schemas.microsoft.com/office/drawing/2014/main" id="{3FD51272-0389-4286-97AF-149595C851F0}"/>
                 </a:ext>
               </a:extLst>
             </p:cNvPr>
@@ -14426,7 +14426,7 @@
             </a:ln>
             <a:extLst>
               <a:ext uri="{91240B29-F687-4F45-9708-019B960494DF}">
-                <a14:hiddenLine xmlns:a14="http://schemas.microsoft.com/office/drawing/2010/main" xmlns="" w="9525">
+                <a14:hiddenLine xmlns="" xmlns:a14="http://schemas.microsoft.com/office/drawing/2010/main" w="9525">
                   <a:solidFill>
                     <a:srgbClr val="000000"/>
                   </a:solidFill>
@@ -14454,7 +14454,7 @@
             <p:cNvPr id="68" name="Freeform 157">
               <a:extLst>
                 <a:ext uri="{FF2B5EF4-FFF2-40B4-BE49-F238E27FC236}">
-                  <a16:creationId xmlns:a16="http://schemas.microsoft.com/office/drawing/2014/main" xmlns="" id="{E9CA7956-F37C-4AEF-9C04-64458CAB09A7}"/>
+                  <a16:creationId xmlns="" xmlns:a16="http://schemas.microsoft.com/office/drawing/2014/main" id="{E9CA7956-F37C-4AEF-9C04-64458CAB09A7}"/>
                 </a:ext>
               </a:extLst>
             </p:cNvPr>
@@ -14528,7 +14528,7 @@
             </a:ln>
             <a:extLst>
               <a:ext uri="{91240B29-F687-4F45-9708-019B960494DF}">
-                <a14:hiddenLine xmlns:a14="http://schemas.microsoft.com/office/drawing/2010/main" xmlns="" w="9525">
+                <a14:hiddenLine xmlns="" xmlns:a14="http://schemas.microsoft.com/office/drawing/2010/main" w="9525">
                   <a:solidFill>
                     <a:srgbClr val="000000"/>
                   </a:solidFill>
@@ -14557,7 +14557,7 @@
           <p:cNvPr id="7" name="그룹 68">
             <a:extLst>
               <a:ext uri="{FF2B5EF4-FFF2-40B4-BE49-F238E27FC236}">
-                <a16:creationId xmlns:a16="http://schemas.microsoft.com/office/drawing/2014/main" xmlns="" id="{D10A58C8-FE1A-4CEB-A833-40FA7FAF33A5}"/>
+                <a16:creationId xmlns="" xmlns:a16="http://schemas.microsoft.com/office/drawing/2014/main" id="{D10A58C8-FE1A-4CEB-A833-40FA7FAF33A5}"/>
               </a:ext>
             </a:extLst>
           </p:cNvPr>
@@ -14583,7 +14583,7 @@
             <p:cNvPr id="70" name="Freeform 150">
               <a:extLst>
                 <a:ext uri="{FF2B5EF4-FFF2-40B4-BE49-F238E27FC236}">
-                  <a16:creationId xmlns:a16="http://schemas.microsoft.com/office/drawing/2014/main" xmlns="" id="{18462080-FFF7-40FC-80E3-39FB76240831}"/>
+                  <a16:creationId xmlns="" xmlns:a16="http://schemas.microsoft.com/office/drawing/2014/main" id="{18462080-FFF7-40FC-80E3-39FB76240831}"/>
                 </a:ext>
               </a:extLst>
             </p:cNvPr>
@@ -15072,7 +15072,7 @@
             </a:ln>
             <a:extLst>
               <a:ext uri="{91240B29-F687-4F45-9708-019B960494DF}">
-                <a14:hiddenLine xmlns:a14="http://schemas.microsoft.com/office/drawing/2010/main" xmlns="" w="9525">
+                <a14:hiddenLine xmlns="" xmlns:a14="http://schemas.microsoft.com/office/drawing/2010/main" w="9525">
                   <a:solidFill>
                     <a:srgbClr val="000000"/>
                   </a:solidFill>
@@ -15100,7 +15100,7 @@
             <p:cNvPr id="71" name="Freeform 151">
               <a:extLst>
                 <a:ext uri="{FF2B5EF4-FFF2-40B4-BE49-F238E27FC236}">
-                  <a16:creationId xmlns:a16="http://schemas.microsoft.com/office/drawing/2014/main" xmlns="" id="{C8DE90B4-CAF8-4B22-9C59-7E251CB2257B}"/>
+                  <a16:creationId xmlns="" xmlns:a16="http://schemas.microsoft.com/office/drawing/2014/main" id="{C8DE90B4-CAF8-4B22-9C59-7E251CB2257B}"/>
                 </a:ext>
               </a:extLst>
             </p:cNvPr>
@@ -15329,7 +15329,7 @@
             </a:ln>
             <a:extLst>
               <a:ext uri="{91240B29-F687-4F45-9708-019B960494DF}">
-                <a14:hiddenLine xmlns:a14="http://schemas.microsoft.com/office/drawing/2010/main" xmlns="" w="9525">
+                <a14:hiddenLine xmlns="" xmlns:a14="http://schemas.microsoft.com/office/drawing/2010/main" w="9525">
                   <a:solidFill>
                     <a:srgbClr val="000000"/>
                   </a:solidFill>
@@ -15357,7 +15357,7 @@
             <p:cNvPr id="72" name="Freeform 152">
               <a:extLst>
                 <a:ext uri="{FF2B5EF4-FFF2-40B4-BE49-F238E27FC236}">
-                  <a16:creationId xmlns:a16="http://schemas.microsoft.com/office/drawing/2014/main" xmlns="" id="{EFE95F96-F344-4711-85F2-BD036AC67171}"/>
+                  <a16:creationId xmlns="" xmlns:a16="http://schemas.microsoft.com/office/drawing/2014/main" id="{EFE95F96-F344-4711-85F2-BD036AC67171}"/>
                 </a:ext>
               </a:extLst>
             </p:cNvPr>
@@ -15526,7 +15526,7 @@
             </a:ln>
             <a:extLst>
               <a:ext uri="{91240B29-F687-4F45-9708-019B960494DF}">
-                <a14:hiddenLine xmlns:a14="http://schemas.microsoft.com/office/drawing/2010/main" xmlns="" w="9525">
+                <a14:hiddenLine xmlns="" xmlns:a14="http://schemas.microsoft.com/office/drawing/2010/main" w="9525">
                   <a:solidFill>
                     <a:srgbClr val="000000"/>
                   </a:solidFill>
@@ -15554,7 +15554,7 @@
             <p:cNvPr id="73" name="Freeform 153">
               <a:extLst>
                 <a:ext uri="{FF2B5EF4-FFF2-40B4-BE49-F238E27FC236}">
-                  <a16:creationId xmlns:a16="http://schemas.microsoft.com/office/drawing/2014/main" xmlns="" id="{1C2938E8-4D74-476E-A854-B8B1699DDA18}"/>
+                  <a16:creationId xmlns="" xmlns:a16="http://schemas.microsoft.com/office/drawing/2014/main" id="{1C2938E8-4D74-476E-A854-B8B1699DDA18}"/>
                 </a:ext>
               </a:extLst>
             </p:cNvPr>
@@ -15696,7 +15696,7 @@
             </a:ln>
             <a:extLst>
               <a:ext uri="{91240B29-F687-4F45-9708-019B960494DF}">
-                <a14:hiddenLine xmlns:a14="http://schemas.microsoft.com/office/drawing/2010/main" xmlns="" w="9525">
+                <a14:hiddenLine xmlns="" xmlns:a14="http://schemas.microsoft.com/office/drawing/2010/main" w="9525">
                   <a:solidFill>
                     <a:srgbClr val="000000"/>
                   </a:solidFill>
@@ -15724,7 +15724,7 @@
             <p:cNvPr id="74" name="Freeform 154">
               <a:extLst>
                 <a:ext uri="{FF2B5EF4-FFF2-40B4-BE49-F238E27FC236}">
-                  <a16:creationId xmlns:a16="http://schemas.microsoft.com/office/drawing/2014/main" xmlns="" id="{536FB8F4-D5B2-49BA-9FD6-D7010EA2B90B}"/>
+                  <a16:creationId xmlns="" xmlns:a16="http://schemas.microsoft.com/office/drawing/2014/main" id="{536FB8F4-D5B2-49BA-9FD6-D7010EA2B90B}"/>
                 </a:ext>
               </a:extLst>
             </p:cNvPr>
@@ -15855,7 +15855,7 @@
             </a:ln>
             <a:extLst>
               <a:ext uri="{91240B29-F687-4F45-9708-019B960494DF}">
-                <a14:hiddenLine xmlns:a14="http://schemas.microsoft.com/office/drawing/2010/main" xmlns="" w="9525">
+                <a14:hiddenLine xmlns="" xmlns:a14="http://schemas.microsoft.com/office/drawing/2010/main" w="9525">
                   <a:solidFill>
                     <a:srgbClr val="000000"/>
                   </a:solidFill>
@@ -15883,7 +15883,7 @@
             <p:cNvPr id="75" name="Freeform 155">
               <a:extLst>
                 <a:ext uri="{FF2B5EF4-FFF2-40B4-BE49-F238E27FC236}">
-                  <a16:creationId xmlns:a16="http://schemas.microsoft.com/office/drawing/2014/main" xmlns="" id="{12D5F48A-CF1D-498D-A256-7D2DD8EE7330}"/>
+                  <a16:creationId xmlns="" xmlns:a16="http://schemas.microsoft.com/office/drawing/2014/main" id="{12D5F48A-CF1D-498D-A256-7D2DD8EE7330}"/>
                 </a:ext>
               </a:extLst>
             </p:cNvPr>
@@ -16014,7 +16014,7 @@
             </a:ln>
             <a:extLst>
               <a:ext uri="{91240B29-F687-4F45-9708-019B960494DF}">
-                <a14:hiddenLine xmlns:a14="http://schemas.microsoft.com/office/drawing/2010/main" xmlns="" w="9525">
+                <a14:hiddenLine xmlns="" xmlns:a14="http://schemas.microsoft.com/office/drawing/2010/main" w="9525">
                   <a:solidFill>
                     <a:srgbClr val="000000"/>
                   </a:solidFill>
@@ -16042,7 +16042,7 @@
             <p:cNvPr id="76" name="Freeform 156">
               <a:extLst>
                 <a:ext uri="{FF2B5EF4-FFF2-40B4-BE49-F238E27FC236}">
-                  <a16:creationId xmlns:a16="http://schemas.microsoft.com/office/drawing/2014/main" xmlns="" id="{475740F4-7B44-42DE-A14E-D632B40D3D61}"/>
+                  <a16:creationId xmlns="" xmlns:a16="http://schemas.microsoft.com/office/drawing/2014/main" id="{475740F4-7B44-42DE-A14E-D632B40D3D61}"/>
                 </a:ext>
               </a:extLst>
             </p:cNvPr>
@@ -16251,7 +16251,7 @@
             </a:ln>
             <a:extLst>
               <a:ext uri="{91240B29-F687-4F45-9708-019B960494DF}">
-                <a14:hiddenLine xmlns:a14="http://schemas.microsoft.com/office/drawing/2010/main" xmlns="" w="9525">
+                <a14:hiddenLine xmlns="" xmlns:a14="http://schemas.microsoft.com/office/drawing/2010/main" w="9525">
                   <a:solidFill>
                     <a:srgbClr val="000000"/>
                   </a:solidFill>
@@ -16279,7 +16279,7 @@
             <p:cNvPr id="77" name="Freeform 157">
               <a:extLst>
                 <a:ext uri="{FF2B5EF4-FFF2-40B4-BE49-F238E27FC236}">
-                  <a16:creationId xmlns:a16="http://schemas.microsoft.com/office/drawing/2014/main" xmlns="" id="{1F565CB9-0C93-4811-BEC7-31D064EB683D}"/>
+                  <a16:creationId xmlns="" xmlns:a16="http://schemas.microsoft.com/office/drawing/2014/main" id="{1F565CB9-0C93-4811-BEC7-31D064EB683D}"/>
                 </a:ext>
               </a:extLst>
             </p:cNvPr>
@@ -16488,7 +16488,7 @@
             </a:ln>
             <a:extLst>
               <a:ext uri="{91240B29-F687-4F45-9708-019B960494DF}">
-                <a14:hiddenLine xmlns:a14="http://schemas.microsoft.com/office/drawing/2010/main" xmlns="" w="9525">
+                <a14:hiddenLine xmlns="" xmlns:a14="http://schemas.microsoft.com/office/drawing/2010/main" w="9525">
                   <a:solidFill>
                     <a:srgbClr val="000000"/>
                   </a:solidFill>
@@ -16516,7 +16516,7 @@
             <p:cNvPr id="78" name="Rectangle 158">
               <a:extLst>
                 <a:ext uri="{FF2B5EF4-FFF2-40B4-BE49-F238E27FC236}">
-                  <a16:creationId xmlns:a16="http://schemas.microsoft.com/office/drawing/2014/main" xmlns="" id="{7F6B018A-E546-43B6-9B16-0BC0DA2FB9CB}"/>
+                  <a16:creationId xmlns="" xmlns:a16="http://schemas.microsoft.com/office/drawing/2014/main" id="{7F6B018A-E546-43B6-9B16-0BC0DA2FB9CB}"/>
                 </a:ext>
               </a:extLst>
             </p:cNvPr>
@@ -16539,7 +16539,7 @@
             </a:ln>
             <a:extLst>
               <a:ext uri="{91240B29-F687-4F45-9708-019B960494DF}">
-                <a14:hiddenLine xmlns:a14="http://schemas.microsoft.com/office/drawing/2010/main" xmlns="" w="9525">
+                <a14:hiddenLine xmlns="" xmlns:a14="http://schemas.microsoft.com/office/drawing/2010/main" w="9525">
                   <a:solidFill>
                     <a:srgbClr val="000000"/>
                   </a:solidFill>
@@ -16567,7 +16567,7 @@
             <p:cNvPr id="79" name="Rectangle 159">
               <a:extLst>
                 <a:ext uri="{FF2B5EF4-FFF2-40B4-BE49-F238E27FC236}">
-                  <a16:creationId xmlns:a16="http://schemas.microsoft.com/office/drawing/2014/main" xmlns="" id="{EB95A7CD-E596-43B1-A139-77B22E6ED636}"/>
+                  <a16:creationId xmlns="" xmlns:a16="http://schemas.microsoft.com/office/drawing/2014/main" id="{EB95A7CD-E596-43B1-A139-77B22E6ED636}"/>
                 </a:ext>
               </a:extLst>
             </p:cNvPr>
@@ -16590,7 +16590,7 @@
             </a:ln>
             <a:extLst>
               <a:ext uri="{91240B29-F687-4F45-9708-019B960494DF}">
-                <a14:hiddenLine xmlns:a14="http://schemas.microsoft.com/office/drawing/2010/main" xmlns="" w="9525">
+                <a14:hiddenLine xmlns="" xmlns:a14="http://schemas.microsoft.com/office/drawing/2010/main" w="9525">
                   <a:solidFill>
                     <a:srgbClr val="000000"/>
                   </a:solidFill>
@@ -16618,7 +16618,7 @@
             <p:cNvPr id="80" name="Freeform 160">
               <a:extLst>
                 <a:ext uri="{FF2B5EF4-FFF2-40B4-BE49-F238E27FC236}">
-                  <a16:creationId xmlns:a16="http://schemas.microsoft.com/office/drawing/2014/main" xmlns="" id="{15E58481-E214-4750-BD43-2AC9A904BBF8}"/>
+                  <a16:creationId xmlns="" xmlns:a16="http://schemas.microsoft.com/office/drawing/2014/main" id="{15E58481-E214-4750-BD43-2AC9A904BBF8}"/>
                 </a:ext>
               </a:extLst>
             </p:cNvPr>
@@ -16738,7 +16738,7 @@
             </a:ln>
             <a:extLst>
               <a:ext uri="{91240B29-F687-4F45-9708-019B960494DF}">
-                <a14:hiddenLine xmlns:a14="http://schemas.microsoft.com/office/drawing/2010/main" xmlns="" w="9525">
+                <a14:hiddenLine xmlns="" xmlns:a14="http://schemas.microsoft.com/office/drawing/2010/main" w="9525">
                   <a:solidFill>
                     <a:srgbClr val="000000"/>
                   </a:solidFill>
@@ -16766,7 +16766,7 @@
             <p:cNvPr id="81" name="Freeform 161">
               <a:extLst>
                 <a:ext uri="{FF2B5EF4-FFF2-40B4-BE49-F238E27FC236}">
-                  <a16:creationId xmlns:a16="http://schemas.microsoft.com/office/drawing/2014/main" xmlns="" id="{F1620D86-AE57-4662-B9B0-191E52E2F3E6}"/>
+                  <a16:creationId xmlns="" xmlns:a16="http://schemas.microsoft.com/office/drawing/2014/main" id="{F1620D86-AE57-4662-B9B0-191E52E2F3E6}"/>
                 </a:ext>
               </a:extLst>
             </p:cNvPr>
@@ -16886,7 +16886,7 @@
             </a:ln>
             <a:extLst>
               <a:ext uri="{91240B29-F687-4F45-9708-019B960494DF}">
-                <a14:hiddenLine xmlns:a14="http://schemas.microsoft.com/office/drawing/2010/main" xmlns="" w="9525">
+                <a14:hiddenLine xmlns="" xmlns:a14="http://schemas.microsoft.com/office/drawing/2010/main" w="9525">
                   <a:solidFill>
                     <a:srgbClr val="000000"/>
                   </a:solidFill>
@@ -16914,7 +16914,7 @@
             <p:cNvPr id="82" name="Freeform 162">
               <a:extLst>
                 <a:ext uri="{FF2B5EF4-FFF2-40B4-BE49-F238E27FC236}">
-                  <a16:creationId xmlns:a16="http://schemas.microsoft.com/office/drawing/2014/main" xmlns="" id="{619C17A9-D86A-4401-BA14-A9DB9AD56BB7}"/>
+                  <a16:creationId xmlns="" xmlns:a16="http://schemas.microsoft.com/office/drawing/2014/main" id="{619C17A9-D86A-4401-BA14-A9DB9AD56BB7}"/>
                 </a:ext>
               </a:extLst>
             </p:cNvPr>
@@ -17045,7 +17045,7 @@
             </a:ln>
             <a:extLst>
               <a:ext uri="{91240B29-F687-4F45-9708-019B960494DF}">
-                <a14:hiddenLine xmlns:a14="http://schemas.microsoft.com/office/drawing/2010/main" xmlns="" w="9525">
+                <a14:hiddenLine xmlns="" xmlns:a14="http://schemas.microsoft.com/office/drawing/2010/main" w="9525">
                   <a:solidFill>
                     <a:srgbClr val="000000"/>
                   </a:solidFill>
@@ -17073,7 +17073,7 @@
             <p:cNvPr id="83" name="Freeform 163">
               <a:extLst>
                 <a:ext uri="{FF2B5EF4-FFF2-40B4-BE49-F238E27FC236}">
-                  <a16:creationId xmlns:a16="http://schemas.microsoft.com/office/drawing/2014/main" xmlns="" id="{76854ECE-0734-45FC-96AC-13F8D34D464C}"/>
+                  <a16:creationId xmlns="" xmlns:a16="http://schemas.microsoft.com/office/drawing/2014/main" id="{76854ECE-0734-45FC-96AC-13F8D34D464C}"/>
                 </a:ext>
               </a:extLst>
             </p:cNvPr>
@@ -17204,7 +17204,7 @@
             </a:ln>
             <a:extLst>
               <a:ext uri="{91240B29-F687-4F45-9708-019B960494DF}">
-                <a14:hiddenLine xmlns:a14="http://schemas.microsoft.com/office/drawing/2010/main" xmlns="" w="9525">
+                <a14:hiddenLine xmlns="" xmlns:a14="http://schemas.microsoft.com/office/drawing/2010/main" w="9525">
                   <a:solidFill>
                     <a:srgbClr val="000000"/>
                   </a:solidFill>
@@ -17232,7 +17232,7 @@
             <p:cNvPr id="84" name="Rectangle 164">
               <a:extLst>
                 <a:ext uri="{FF2B5EF4-FFF2-40B4-BE49-F238E27FC236}">
-                  <a16:creationId xmlns:a16="http://schemas.microsoft.com/office/drawing/2014/main" xmlns="" id="{1F31AA59-8E0D-4253-B1EE-D6C257A4D27B}"/>
+                  <a16:creationId xmlns="" xmlns:a16="http://schemas.microsoft.com/office/drawing/2014/main" id="{1F31AA59-8E0D-4253-B1EE-D6C257A4D27B}"/>
                 </a:ext>
               </a:extLst>
             </p:cNvPr>
@@ -17255,7 +17255,7 @@
             </a:ln>
             <a:extLst>
               <a:ext uri="{91240B29-F687-4F45-9708-019B960494DF}">
-                <a14:hiddenLine xmlns:a14="http://schemas.microsoft.com/office/drawing/2010/main" xmlns="" w="9525">
+                <a14:hiddenLine xmlns="" xmlns:a14="http://schemas.microsoft.com/office/drawing/2010/main" w="9525">
                   <a:solidFill>
                     <a:srgbClr val="000000"/>
                   </a:solidFill>
@@ -17283,7 +17283,7 @@
             <p:cNvPr id="85" name="Freeform 165">
               <a:extLst>
                 <a:ext uri="{FF2B5EF4-FFF2-40B4-BE49-F238E27FC236}">
-                  <a16:creationId xmlns:a16="http://schemas.microsoft.com/office/drawing/2014/main" xmlns="" id="{3FD899C2-A785-4206-9A32-CAE83D1F9144}"/>
+                  <a16:creationId xmlns="" xmlns:a16="http://schemas.microsoft.com/office/drawing/2014/main" id="{3FD899C2-A785-4206-9A32-CAE83D1F9144}"/>
                 </a:ext>
               </a:extLst>
             </p:cNvPr>
@@ -17357,7 +17357,7 @@
             </a:ln>
             <a:extLst>
               <a:ext uri="{91240B29-F687-4F45-9708-019B960494DF}">
-                <a14:hiddenLine xmlns:a14="http://schemas.microsoft.com/office/drawing/2010/main" xmlns="" w="9525">
+                <a14:hiddenLine xmlns="" xmlns:a14="http://schemas.microsoft.com/office/drawing/2010/main" w="9525">
                   <a:solidFill>
                     <a:srgbClr val="000000"/>
                   </a:solidFill>
@@ -17385,7 +17385,7 @@
             <p:cNvPr id="86" name="Freeform 166">
               <a:extLst>
                 <a:ext uri="{FF2B5EF4-FFF2-40B4-BE49-F238E27FC236}">
-                  <a16:creationId xmlns:a16="http://schemas.microsoft.com/office/drawing/2014/main" xmlns="" id="{CEECCBFE-1F1C-4D1D-81BE-0D40E2EED928}"/>
+                  <a16:creationId xmlns="" xmlns:a16="http://schemas.microsoft.com/office/drawing/2014/main" id="{CEECCBFE-1F1C-4D1D-81BE-0D40E2EED928}"/>
                 </a:ext>
               </a:extLst>
             </p:cNvPr>
@@ -17459,7 +17459,7 @@
             </a:ln>
             <a:extLst>
               <a:ext uri="{91240B29-F687-4F45-9708-019B960494DF}">
-                <a14:hiddenLine xmlns:a14="http://schemas.microsoft.com/office/drawing/2010/main" xmlns="" w="9525">
+                <a14:hiddenLine xmlns="" xmlns:a14="http://schemas.microsoft.com/office/drawing/2010/main" w="9525">
                   <a:solidFill>
                     <a:srgbClr val="000000"/>
                   </a:solidFill>
@@ -17488,7 +17488,7 @@
           <p:cNvPr id="9" name="그룹 86">
             <a:extLst>
               <a:ext uri="{FF2B5EF4-FFF2-40B4-BE49-F238E27FC236}">
-                <a16:creationId xmlns:a16="http://schemas.microsoft.com/office/drawing/2014/main" xmlns="" id="{1B370538-4CFA-4C5A-8EB1-AF9F89B5A4A8}"/>
+                <a16:creationId xmlns="" xmlns:a16="http://schemas.microsoft.com/office/drawing/2014/main" id="{1B370538-4CFA-4C5A-8EB1-AF9F89B5A4A8}"/>
               </a:ext>
             </a:extLst>
           </p:cNvPr>
@@ -17511,7 +17511,7 @@
             <p:cNvPr id="88" name="Freeform 57">
               <a:extLst>
                 <a:ext uri="{FF2B5EF4-FFF2-40B4-BE49-F238E27FC236}">
-                  <a16:creationId xmlns:a16="http://schemas.microsoft.com/office/drawing/2014/main" xmlns="" id="{B9896DBC-63EA-4918-9AE5-F13B58E679A5}"/>
+                  <a16:creationId xmlns="" xmlns:a16="http://schemas.microsoft.com/office/drawing/2014/main" id="{B9896DBC-63EA-4918-9AE5-F13B58E679A5}"/>
                 </a:ext>
               </a:extLst>
             </p:cNvPr>
@@ -17642,7 +17642,7 @@
             </a:ln>
             <a:extLst>
               <a:ext uri="{91240B29-F687-4F45-9708-019B960494DF}">
-                <a14:hiddenLine xmlns:a14="http://schemas.microsoft.com/office/drawing/2010/main" xmlns="" w="9525">
+                <a14:hiddenLine xmlns="" xmlns:a14="http://schemas.microsoft.com/office/drawing/2010/main" w="9525">
                   <a:solidFill>
                     <a:srgbClr val="000000"/>
                   </a:solidFill>
@@ -17670,7 +17670,7 @@
             <p:cNvPr id="89" name="Freeform 58">
               <a:extLst>
                 <a:ext uri="{FF2B5EF4-FFF2-40B4-BE49-F238E27FC236}">
-                  <a16:creationId xmlns:a16="http://schemas.microsoft.com/office/drawing/2014/main" xmlns="" id="{6DB5B764-C256-4D12-A833-99710E30272B}"/>
+                  <a16:creationId xmlns="" xmlns:a16="http://schemas.microsoft.com/office/drawing/2014/main" id="{6DB5B764-C256-4D12-A833-99710E30272B}"/>
                 </a:ext>
               </a:extLst>
             </p:cNvPr>
@@ -17801,7 +17801,7 @@
             </a:ln>
             <a:extLst>
               <a:ext uri="{91240B29-F687-4F45-9708-019B960494DF}">
-                <a14:hiddenLine xmlns:a14="http://schemas.microsoft.com/office/drawing/2010/main" xmlns="" w="9525">
+                <a14:hiddenLine xmlns="" xmlns:a14="http://schemas.microsoft.com/office/drawing/2010/main" w="9525">
                   <a:solidFill>
                     <a:srgbClr val="000000"/>
                   </a:solidFill>
@@ -17829,7 +17829,7 @@
             <p:cNvPr id="90" name="Freeform 59">
               <a:extLst>
                 <a:ext uri="{FF2B5EF4-FFF2-40B4-BE49-F238E27FC236}">
-                  <a16:creationId xmlns:a16="http://schemas.microsoft.com/office/drawing/2014/main" xmlns="" id="{0F582427-4522-4251-81A8-D0A128D9CA28}"/>
+                  <a16:creationId xmlns="" xmlns:a16="http://schemas.microsoft.com/office/drawing/2014/main" id="{0F582427-4522-4251-81A8-D0A128D9CA28}"/>
                 </a:ext>
               </a:extLst>
             </p:cNvPr>
@@ -17911,7 +17911,7 @@
             </a:ln>
             <a:extLst>
               <a:ext uri="{91240B29-F687-4F45-9708-019B960494DF}">
-                <a14:hiddenLine xmlns:a14="http://schemas.microsoft.com/office/drawing/2010/main" xmlns="" w="9525">
+                <a14:hiddenLine xmlns="" xmlns:a14="http://schemas.microsoft.com/office/drawing/2010/main" w="9525">
                   <a:solidFill>
                     <a:srgbClr val="000000"/>
                   </a:solidFill>
@@ -17939,7 +17939,7 @@
             <p:cNvPr id="91" name="Freeform 60">
               <a:extLst>
                 <a:ext uri="{FF2B5EF4-FFF2-40B4-BE49-F238E27FC236}">
-                  <a16:creationId xmlns:a16="http://schemas.microsoft.com/office/drawing/2014/main" xmlns="" id="{96282995-3937-4E2B-B408-A435438A910C}"/>
+                  <a16:creationId xmlns="" xmlns:a16="http://schemas.microsoft.com/office/drawing/2014/main" id="{96282995-3937-4E2B-B408-A435438A910C}"/>
                 </a:ext>
               </a:extLst>
             </p:cNvPr>
@@ -18039,7 +18039,7 @@
             </a:ln>
             <a:extLst>
               <a:ext uri="{91240B29-F687-4F45-9708-019B960494DF}">
-                <a14:hiddenLine xmlns:a14="http://schemas.microsoft.com/office/drawing/2010/main" xmlns="" w="9525">
+                <a14:hiddenLine xmlns="" xmlns:a14="http://schemas.microsoft.com/office/drawing/2010/main" w="9525">
                   <a:solidFill>
                     <a:srgbClr val="000000"/>
                   </a:solidFill>
@@ -18067,7 +18067,7 @@
             <p:cNvPr id="92" name="Freeform 61">
               <a:extLst>
                 <a:ext uri="{FF2B5EF4-FFF2-40B4-BE49-F238E27FC236}">
-                  <a16:creationId xmlns:a16="http://schemas.microsoft.com/office/drawing/2014/main" xmlns="" id="{652AE064-FD70-4967-9E68-054E544DA204}"/>
+                  <a16:creationId xmlns="" xmlns:a16="http://schemas.microsoft.com/office/drawing/2014/main" id="{652AE064-FD70-4967-9E68-054E544DA204}"/>
                 </a:ext>
               </a:extLst>
             </p:cNvPr>
@@ -18198,7 +18198,7 @@
             </a:ln>
             <a:extLst>
               <a:ext uri="{91240B29-F687-4F45-9708-019B960494DF}">
-                <a14:hiddenLine xmlns:a14="http://schemas.microsoft.com/office/drawing/2010/main" xmlns="" w="9525">
+                <a14:hiddenLine xmlns="" xmlns:a14="http://schemas.microsoft.com/office/drawing/2010/main" w="9525">
                   <a:solidFill>
                     <a:srgbClr val="000000"/>
                   </a:solidFill>
@@ -18226,7 +18226,7 @@
             <p:cNvPr id="93" name="Freeform 62">
               <a:extLst>
                 <a:ext uri="{FF2B5EF4-FFF2-40B4-BE49-F238E27FC236}">
-                  <a16:creationId xmlns:a16="http://schemas.microsoft.com/office/drawing/2014/main" xmlns="" id="{17754A0F-A3D6-4533-8174-39C876018322}"/>
+                  <a16:creationId xmlns="" xmlns:a16="http://schemas.microsoft.com/office/drawing/2014/main" id="{17754A0F-A3D6-4533-8174-39C876018322}"/>
                 </a:ext>
               </a:extLst>
             </p:cNvPr>
@@ -18357,7 +18357,7 @@
             </a:ln>
             <a:extLst>
               <a:ext uri="{91240B29-F687-4F45-9708-019B960494DF}">
-                <a14:hiddenLine xmlns:a14="http://schemas.microsoft.com/office/drawing/2010/main" xmlns="" w="9525">
+                <a14:hiddenLine xmlns="" xmlns:a14="http://schemas.microsoft.com/office/drawing/2010/main" w="9525">
                   <a:solidFill>
                     <a:srgbClr val="000000"/>
                   </a:solidFill>
@@ -18385,7 +18385,7 @@
             <p:cNvPr id="94" name="Freeform 63">
               <a:extLst>
                 <a:ext uri="{FF2B5EF4-FFF2-40B4-BE49-F238E27FC236}">
-                  <a16:creationId xmlns:a16="http://schemas.microsoft.com/office/drawing/2014/main" xmlns="" id="{510DB1E1-E7D7-4DF2-A144-5C4301A69F2F}"/>
+                  <a16:creationId xmlns="" xmlns:a16="http://schemas.microsoft.com/office/drawing/2014/main" id="{510DB1E1-E7D7-4DF2-A144-5C4301A69F2F}"/>
                 </a:ext>
               </a:extLst>
             </p:cNvPr>
@@ -18467,7 +18467,7 @@
             </a:ln>
             <a:extLst>
               <a:ext uri="{91240B29-F687-4F45-9708-019B960494DF}">
-                <a14:hiddenLine xmlns:a14="http://schemas.microsoft.com/office/drawing/2010/main" xmlns="" w="9525">
+                <a14:hiddenLine xmlns="" xmlns:a14="http://schemas.microsoft.com/office/drawing/2010/main" w="9525">
                   <a:solidFill>
                     <a:srgbClr val="000000"/>
                   </a:solidFill>
@@ -18495,7 +18495,7 @@
             <p:cNvPr id="95" name="Freeform 64">
               <a:extLst>
                 <a:ext uri="{FF2B5EF4-FFF2-40B4-BE49-F238E27FC236}">
-                  <a16:creationId xmlns:a16="http://schemas.microsoft.com/office/drawing/2014/main" xmlns="" id="{562D9F36-8554-48BC-BF66-0FC7A525F8A2}"/>
+                  <a16:creationId xmlns="" xmlns:a16="http://schemas.microsoft.com/office/drawing/2014/main" id="{562D9F36-8554-48BC-BF66-0FC7A525F8A2}"/>
                 </a:ext>
               </a:extLst>
             </p:cNvPr>
@@ -18595,7 +18595,7 @@
             </a:ln>
             <a:extLst>
               <a:ext uri="{91240B29-F687-4F45-9708-019B960494DF}">
-                <a14:hiddenLine xmlns:a14="http://schemas.microsoft.com/office/drawing/2010/main" xmlns="" w="9525">
+                <a14:hiddenLine xmlns="" xmlns:a14="http://schemas.microsoft.com/office/drawing/2010/main" w="9525">
                   <a:solidFill>
                     <a:srgbClr val="000000"/>
                   </a:solidFill>
@@ -18623,7 +18623,7 @@
             <p:cNvPr id="96" name="Freeform 65">
               <a:extLst>
                 <a:ext uri="{FF2B5EF4-FFF2-40B4-BE49-F238E27FC236}">
-                  <a16:creationId xmlns:a16="http://schemas.microsoft.com/office/drawing/2014/main" xmlns="" id="{861D1DF4-DAA0-4B56-A6A8-F4F5A1B2F179}"/>
+                  <a16:creationId xmlns="" xmlns:a16="http://schemas.microsoft.com/office/drawing/2014/main" id="{861D1DF4-DAA0-4B56-A6A8-F4F5A1B2F179}"/>
                 </a:ext>
               </a:extLst>
             </p:cNvPr>
@@ -18754,7 +18754,7 @@
             </a:ln>
             <a:extLst>
               <a:ext uri="{91240B29-F687-4F45-9708-019B960494DF}">
-                <a14:hiddenLine xmlns:a14="http://schemas.microsoft.com/office/drawing/2010/main" xmlns="" w="9525">
+                <a14:hiddenLine xmlns="" xmlns:a14="http://schemas.microsoft.com/office/drawing/2010/main" w="9525">
                   <a:solidFill>
                     <a:srgbClr val="000000"/>
                   </a:solidFill>
@@ -18782,7 +18782,7 @@
             <p:cNvPr id="97" name="Freeform 66">
               <a:extLst>
                 <a:ext uri="{FF2B5EF4-FFF2-40B4-BE49-F238E27FC236}">
-                  <a16:creationId xmlns:a16="http://schemas.microsoft.com/office/drawing/2014/main" xmlns="" id="{C92C387A-966C-4F4D-A091-07EDD9109DDB}"/>
+                  <a16:creationId xmlns="" xmlns:a16="http://schemas.microsoft.com/office/drawing/2014/main" id="{C92C387A-966C-4F4D-A091-07EDD9109DDB}"/>
                 </a:ext>
               </a:extLst>
             </p:cNvPr>
@@ -18913,7 +18913,7 @@
             </a:ln>
             <a:extLst>
               <a:ext uri="{91240B29-F687-4F45-9708-019B960494DF}">
-                <a14:hiddenLine xmlns:a14="http://schemas.microsoft.com/office/drawing/2010/main" xmlns="" w="9525">
+                <a14:hiddenLine xmlns="" xmlns:a14="http://schemas.microsoft.com/office/drawing/2010/main" w="9525">
                   <a:solidFill>
                     <a:srgbClr val="000000"/>
                   </a:solidFill>
@@ -18941,7 +18941,7 @@
             <p:cNvPr id="98" name="Freeform 67">
               <a:extLst>
                 <a:ext uri="{FF2B5EF4-FFF2-40B4-BE49-F238E27FC236}">
-                  <a16:creationId xmlns:a16="http://schemas.microsoft.com/office/drawing/2014/main" xmlns="" id="{FBFA5A72-27FB-4A61-B0BF-84850E169972}"/>
+                  <a16:creationId xmlns="" xmlns:a16="http://schemas.microsoft.com/office/drawing/2014/main" id="{FBFA5A72-27FB-4A61-B0BF-84850E169972}"/>
                 </a:ext>
               </a:extLst>
             </p:cNvPr>
@@ -19023,7 +19023,7 @@
             </a:ln>
             <a:extLst>
               <a:ext uri="{91240B29-F687-4F45-9708-019B960494DF}">
-                <a14:hiddenLine xmlns:a14="http://schemas.microsoft.com/office/drawing/2010/main" xmlns="" w="9525">
+                <a14:hiddenLine xmlns="" xmlns:a14="http://schemas.microsoft.com/office/drawing/2010/main" w="9525">
                   <a:solidFill>
                     <a:srgbClr val="000000"/>
                   </a:solidFill>
@@ -19051,7 +19051,7 @@
             <p:cNvPr id="99" name="Freeform 68">
               <a:extLst>
                 <a:ext uri="{FF2B5EF4-FFF2-40B4-BE49-F238E27FC236}">
-                  <a16:creationId xmlns:a16="http://schemas.microsoft.com/office/drawing/2014/main" xmlns="" id="{BF72B12C-963F-4698-9B37-50603BF760D3}"/>
+                  <a16:creationId xmlns="" xmlns:a16="http://schemas.microsoft.com/office/drawing/2014/main" id="{BF72B12C-963F-4698-9B37-50603BF760D3}"/>
                 </a:ext>
               </a:extLst>
             </p:cNvPr>
@@ -19151,7 +19151,7 @@
             </a:ln>
             <a:extLst>
               <a:ext uri="{91240B29-F687-4F45-9708-019B960494DF}">
-                <a14:hiddenLine xmlns:a14="http://schemas.microsoft.com/office/drawing/2010/main" xmlns="" w="9525">
+                <a14:hiddenLine xmlns="" xmlns:a14="http://schemas.microsoft.com/office/drawing/2010/main" w="9525">
                   <a:solidFill>
                     <a:srgbClr val="000000"/>
                   </a:solidFill>
@@ -19179,7 +19179,7 @@
             <p:cNvPr id="100" name="Freeform 69">
               <a:extLst>
                 <a:ext uri="{FF2B5EF4-FFF2-40B4-BE49-F238E27FC236}">
-                  <a16:creationId xmlns:a16="http://schemas.microsoft.com/office/drawing/2014/main" xmlns="" id="{6C4023D3-1A71-43EB-A2AD-564F66E8AE7A}"/>
+                  <a16:creationId xmlns="" xmlns:a16="http://schemas.microsoft.com/office/drawing/2014/main" id="{6C4023D3-1A71-43EB-A2AD-564F66E8AE7A}"/>
                 </a:ext>
               </a:extLst>
             </p:cNvPr>
@@ -19269,7 +19269,7 @@
             </a:ln>
             <a:extLst>
               <a:ext uri="{91240B29-F687-4F45-9708-019B960494DF}">
-                <a14:hiddenLine xmlns:a14="http://schemas.microsoft.com/office/drawing/2010/main" xmlns="" w="9525">
+                <a14:hiddenLine xmlns="" xmlns:a14="http://schemas.microsoft.com/office/drawing/2010/main" w="9525">
                   <a:solidFill>
                     <a:srgbClr val="000000"/>
                   </a:solidFill>
@@ -19297,7 +19297,7 @@
             <p:cNvPr id="101" name="Freeform 70">
               <a:extLst>
                 <a:ext uri="{FF2B5EF4-FFF2-40B4-BE49-F238E27FC236}">
-                  <a16:creationId xmlns:a16="http://schemas.microsoft.com/office/drawing/2014/main" xmlns="" id="{BF8C9DA1-B657-4B92-BE75-6C48BA9B2B4B}"/>
+                  <a16:creationId xmlns="" xmlns:a16="http://schemas.microsoft.com/office/drawing/2014/main" id="{BF8C9DA1-B657-4B92-BE75-6C48BA9B2B4B}"/>
                 </a:ext>
               </a:extLst>
             </p:cNvPr>
@@ -19371,7 +19371,7 @@
             </a:ln>
             <a:extLst>
               <a:ext uri="{91240B29-F687-4F45-9708-019B960494DF}">
-                <a14:hiddenLine xmlns:a14="http://schemas.microsoft.com/office/drawing/2010/main" xmlns="" w="9525">
+                <a14:hiddenLine xmlns="" xmlns:a14="http://schemas.microsoft.com/office/drawing/2010/main" w="9525">
                   <a:solidFill>
                     <a:srgbClr val="000000"/>
                   </a:solidFill>
@@ -19399,7 +19399,7 @@
             <p:cNvPr id="102" name="Oval 71">
               <a:extLst>
                 <a:ext uri="{FF2B5EF4-FFF2-40B4-BE49-F238E27FC236}">
-                  <a16:creationId xmlns:a16="http://schemas.microsoft.com/office/drawing/2014/main" xmlns="" id="{F4B33954-5428-4B63-9456-D93AC258CE19}"/>
+                  <a16:creationId xmlns="" xmlns:a16="http://schemas.microsoft.com/office/drawing/2014/main" id="{F4B33954-5428-4B63-9456-D93AC258CE19}"/>
                 </a:ext>
               </a:extLst>
             </p:cNvPr>
@@ -19422,7 +19422,7 @@
             </a:ln>
             <a:extLst>
               <a:ext uri="{91240B29-F687-4F45-9708-019B960494DF}">
-                <a14:hiddenLine xmlns:a14="http://schemas.microsoft.com/office/drawing/2010/main" xmlns="" w="9525">
+                <a14:hiddenLine xmlns="" xmlns:a14="http://schemas.microsoft.com/office/drawing/2010/main" w="9525">
                   <a:solidFill>
                     <a:srgbClr val="000000"/>
                   </a:solidFill>
@@ -19450,7 +19450,7 @@
             <p:cNvPr id="103" name="Rectangle 72">
               <a:extLst>
                 <a:ext uri="{FF2B5EF4-FFF2-40B4-BE49-F238E27FC236}">
-                  <a16:creationId xmlns:a16="http://schemas.microsoft.com/office/drawing/2014/main" xmlns="" id="{7E8692CB-BDA4-4F23-9FE4-D8BAF2E55675}"/>
+                  <a16:creationId xmlns="" xmlns:a16="http://schemas.microsoft.com/office/drawing/2014/main" id="{7E8692CB-BDA4-4F23-9FE4-D8BAF2E55675}"/>
                 </a:ext>
               </a:extLst>
             </p:cNvPr>
@@ -19473,7 +19473,7 @@
             </a:ln>
             <a:extLst>
               <a:ext uri="{91240B29-F687-4F45-9708-019B960494DF}">
-                <a14:hiddenLine xmlns:a14="http://schemas.microsoft.com/office/drawing/2010/main" xmlns="" w="9525">
+                <a14:hiddenLine xmlns="" xmlns:a14="http://schemas.microsoft.com/office/drawing/2010/main" w="9525">
                   <a:solidFill>
                     <a:srgbClr val="000000"/>
                   </a:solidFill>
@@ -19501,7 +19501,7 @@
             <p:cNvPr id="104" name="Rectangle 73">
               <a:extLst>
                 <a:ext uri="{FF2B5EF4-FFF2-40B4-BE49-F238E27FC236}">
-                  <a16:creationId xmlns:a16="http://schemas.microsoft.com/office/drawing/2014/main" xmlns="" id="{78E33EE2-7F6E-467C-BABB-B5C95710A878}"/>
+                  <a16:creationId xmlns="" xmlns:a16="http://schemas.microsoft.com/office/drawing/2014/main" id="{78E33EE2-7F6E-467C-BABB-B5C95710A878}"/>
                 </a:ext>
               </a:extLst>
             </p:cNvPr>
@@ -19524,7 +19524,7 @@
             </a:ln>
             <a:extLst>
               <a:ext uri="{91240B29-F687-4F45-9708-019B960494DF}">
-                <a14:hiddenLine xmlns:a14="http://schemas.microsoft.com/office/drawing/2010/main" xmlns="" w="9525">
+                <a14:hiddenLine xmlns="" xmlns:a14="http://schemas.microsoft.com/office/drawing/2010/main" w="9525">
                   <a:solidFill>
                     <a:srgbClr val="000000"/>
                   </a:solidFill>
@@ -19552,7 +19552,7 @@
             <p:cNvPr id="105" name="Rectangle 74">
               <a:extLst>
                 <a:ext uri="{FF2B5EF4-FFF2-40B4-BE49-F238E27FC236}">
-                  <a16:creationId xmlns:a16="http://schemas.microsoft.com/office/drawing/2014/main" xmlns="" id="{556BC712-31CF-4FF1-BBC1-3D7A37F19F1E}"/>
+                  <a16:creationId xmlns="" xmlns:a16="http://schemas.microsoft.com/office/drawing/2014/main" id="{556BC712-31CF-4FF1-BBC1-3D7A37F19F1E}"/>
                 </a:ext>
               </a:extLst>
             </p:cNvPr>
@@ -19575,7 +19575,7 @@
             </a:ln>
             <a:extLst>
               <a:ext uri="{91240B29-F687-4F45-9708-019B960494DF}">
-                <a14:hiddenLine xmlns:a14="http://schemas.microsoft.com/office/drawing/2010/main" xmlns="" w="9525">
+                <a14:hiddenLine xmlns="" xmlns:a14="http://schemas.microsoft.com/office/drawing/2010/main" w="9525">
                   <a:solidFill>
                     <a:srgbClr val="000000"/>
                   </a:solidFill>
@@ -19603,7 +19603,7 @@
             <p:cNvPr id="106" name="Rectangle 75">
               <a:extLst>
                 <a:ext uri="{FF2B5EF4-FFF2-40B4-BE49-F238E27FC236}">
-                  <a16:creationId xmlns:a16="http://schemas.microsoft.com/office/drawing/2014/main" xmlns="" id="{5CEF3B5E-B494-4FCC-9325-83B800392A17}"/>
+                  <a16:creationId xmlns="" xmlns:a16="http://schemas.microsoft.com/office/drawing/2014/main" id="{5CEF3B5E-B494-4FCC-9325-83B800392A17}"/>
                 </a:ext>
               </a:extLst>
             </p:cNvPr>
@@ -19626,7 +19626,7 @@
             </a:ln>
             <a:extLst>
               <a:ext uri="{91240B29-F687-4F45-9708-019B960494DF}">
-                <a14:hiddenLine xmlns:a14="http://schemas.microsoft.com/office/drawing/2010/main" xmlns="" w="9525">
+                <a14:hiddenLine xmlns="" xmlns:a14="http://schemas.microsoft.com/office/drawing/2010/main" w="9525">
                   <a:solidFill>
                     <a:srgbClr val="000000"/>
                   </a:solidFill>
@@ -19655,7 +19655,7 @@
           <p:cNvPr id="108" name="평행 사변형 107">
             <a:extLst>
               <a:ext uri="{FF2B5EF4-FFF2-40B4-BE49-F238E27FC236}">
-                <a16:creationId xmlns:a16="http://schemas.microsoft.com/office/drawing/2014/main" xmlns="" id="{B4F37707-1FFA-4DB7-BB54-8F1E1932C1A3}"/>
+                <a16:creationId xmlns="" xmlns:a16="http://schemas.microsoft.com/office/drawing/2014/main" id="{B4F37707-1FFA-4DB7-BB54-8F1E1932C1A3}"/>
               </a:ext>
             </a:extLst>
           </p:cNvPr>
@@ -19709,7 +19709,7 @@
           <p:cNvPr id="110" name="평행 사변형 109">
             <a:extLst>
               <a:ext uri="{FF2B5EF4-FFF2-40B4-BE49-F238E27FC236}">
-                <a16:creationId xmlns:a16="http://schemas.microsoft.com/office/drawing/2014/main" xmlns="" id="{FD07CF1A-D4BB-424F-ADF9-ED2C3389F09A}"/>
+                <a16:creationId xmlns="" xmlns:a16="http://schemas.microsoft.com/office/drawing/2014/main" id="{FD07CF1A-D4BB-424F-ADF9-ED2C3389F09A}"/>
               </a:ext>
             </a:extLst>
           </p:cNvPr>
@@ -19763,7 +19763,7 @@
           <p:cNvPr id="112" name="평행 사변형 111">
             <a:extLst>
               <a:ext uri="{FF2B5EF4-FFF2-40B4-BE49-F238E27FC236}">
-                <a16:creationId xmlns:a16="http://schemas.microsoft.com/office/drawing/2014/main" xmlns="" id="{CEA5F03A-0820-45BE-A7FE-EEC8F50AD4D8}"/>
+                <a16:creationId xmlns="" xmlns:a16="http://schemas.microsoft.com/office/drawing/2014/main" id="{CEA5F03A-0820-45BE-A7FE-EEC8F50AD4D8}"/>
               </a:ext>
             </a:extLst>
           </p:cNvPr>
@@ -19817,7 +19817,7 @@
           <p:cNvPr id="115" name="자유형: 도형 114">
             <a:extLst>
               <a:ext uri="{FF2B5EF4-FFF2-40B4-BE49-F238E27FC236}">
-                <a16:creationId xmlns:a16="http://schemas.microsoft.com/office/drawing/2014/main" xmlns="" id="{E31346AB-95A6-4797-9ADE-7E4090A82357}"/>
+                <a16:creationId xmlns="" xmlns:a16="http://schemas.microsoft.com/office/drawing/2014/main" id="{E31346AB-95A6-4797-9ADE-7E4090A82357}"/>
               </a:ext>
             </a:extLst>
           </p:cNvPr>
@@ -19922,7 +19922,7 @@
           <p:cNvPr id="107" name="TextBox 106">
             <a:extLst>
               <a:ext uri="{FF2B5EF4-FFF2-40B4-BE49-F238E27FC236}">
-                <a16:creationId xmlns:a16="http://schemas.microsoft.com/office/drawing/2014/main" xmlns="" id="{269FE0EF-38E0-4B41-9E67-BFA233F92B3F}"/>
+                <a16:creationId xmlns="" xmlns:a16="http://schemas.microsoft.com/office/drawing/2014/main" id="{269FE0EF-38E0-4B41-9E67-BFA233F92B3F}"/>
               </a:ext>
             </a:extLst>
           </p:cNvPr>
@@ -19975,7 +19975,7 @@
     </p:spTree>
     <p:extLst>
       <p:ext uri="{BB962C8B-B14F-4D97-AF65-F5344CB8AC3E}">
-        <p14:creationId xmlns:p14="http://schemas.microsoft.com/office/powerpoint/2010/main" xmlns="" val="2896636348"/>
+        <p14:creationId xmlns="" xmlns:p14="http://schemas.microsoft.com/office/powerpoint/2010/main" val="2896636348"/>
       </p:ext>
     </p:extLst>
   </p:cSld>
@@ -20014,7 +20014,7 @@
           <p:cNvPr id="4" name="TextBox 3">
             <a:extLst>
               <a:ext uri="{FF2B5EF4-FFF2-40B4-BE49-F238E27FC236}">
-                <a16:creationId xmlns:a16="http://schemas.microsoft.com/office/drawing/2014/main" xmlns="" id="{AF15595A-4DC1-4D06-B4D9-43DA2F5E6601}"/>
+                <a16:creationId xmlns="" xmlns:a16="http://schemas.microsoft.com/office/drawing/2014/main" id="{AF15595A-4DC1-4D06-B4D9-43DA2F5E6601}"/>
               </a:ext>
             </a:extLst>
           </p:cNvPr>
@@ -20070,7 +20070,7 @@
           <p:cNvPr id="6" name="TextBox 5">
             <a:extLst>
               <a:ext uri="{FF2B5EF4-FFF2-40B4-BE49-F238E27FC236}">
-                <a16:creationId xmlns:a16="http://schemas.microsoft.com/office/drawing/2014/main" xmlns="" id="{F3529106-B869-4FB1-A9B3-16280FCA314C}"/>
+                <a16:creationId xmlns="" xmlns:a16="http://schemas.microsoft.com/office/drawing/2014/main" id="{F3529106-B869-4FB1-A9B3-16280FCA314C}"/>
               </a:ext>
             </a:extLst>
           </p:cNvPr>
@@ -20122,7 +20122,7 @@
           <p:cNvPr id="2" name="그룹 22">
             <a:extLst>
               <a:ext uri="{FF2B5EF4-FFF2-40B4-BE49-F238E27FC236}">
-                <a16:creationId xmlns:a16="http://schemas.microsoft.com/office/drawing/2014/main" xmlns="" id="{D823FFAC-3A03-4EC8-9678-216D3E80497D}"/>
+                <a16:creationId xmlns="" xmlns:a16="http://schemas.microsoft.com/office/drawing/2014/main" id="{D823FFAC-3A03-4EC8-9678-216D3E80497D}"/>
               </a:ext>
             </a:extLst>
           </p:cNvPr>
@@ -20142,7 +20142,7 @@
             <p:cNvPr id="10" name="Google Shape;408;p21">
               <a:extLst>
                 <a:ext uri="{FF2B5EF4-FFF2-40B4-BE49-F238E27FC236}">
-                  <a16:creationId xmlns:a16="http://schemas.microsoft.com/office/drawing/2014/main" xmlns="" id="{3BD6E8B1-EB00-4486-8D71-6EFF022DE541}"/>
+                  <a16:creationId xmlns="" xmlns:a16="http://schemas.microsoft.com/office/drawing/2014/main" id="{3BD6E8B1-EB00-4486-8D71-6EFF022DE541}"/>
                 </a:ext>
               </a:extLst>
             </p:cNvPr>
@@ -20209,7 +20209,7 @@
             <p:cNvPr id="12" name="Google Shape;409;p21">
               <a:extLst>
                 <a:ext uri="{FF2B5EF4-FFF2-40B4-BE49-F238E27FC236}">
-                  <a16:creationId xmlns:a16="http://schemas.microsoft.com/office/drawing/2014/main" xmlns="" id="{BF0B9D7B-24F6-4EC0-A96E-9BDCA994F11C}"/>
+                  <a16:creationId xmlns="" xmlns:a16="http://schemas.microsoft.com/office/drawing/2014/main" id="{BF0B9D7B-24F6-4EC0-A96E-9BDCA994F11C}"/>
                 </a:ext>
               </a:extLst>
             </p:cNvPr>
@@ -20272,7 +20272,7 @@
           <p:cNvPr id="3" name="그룹 21">
             <a:extLst>
               <a:ext uri="{FF2B5EF4-FFF2-40B4-BE49-F238E27FC236}">
-                <a16:creationId xmlns:a16="http://schemas.microsoft.com/office/drawing/2014/main" xmlns="" id="{8AFF46A9-D6EC-4190-9870-942BE436CE76}"/>
+                <a16:creationId xmlns="" xmlns:a16="http://schemas.microsoft.com/office/drawing/2014/main" id="{8AFF46A9-D6EC-4190-9870-942BE436CE76}"/>
               </a:ext>
             </a:extLst>
           </p:cNvPr>
@@ -20292,7 +20292,7 @@
             <p:cNvPr id="14" name="Google Shape;408;p21">
               <a:extLst>
                 <a:ext uri="{FF2B5EF4-FFF2-40B4-BE49-F238E27FC236}">
-                  <a16:creationId xmlns:a16="http://schemas.microsoft.com/office/drawing/2014/main" xmlns="" id="{FD52CC8C-FA46-4D8D-93F1-3764DFEEFD99}"/>
+                  <a16:creationId xmlns="" xmlns:a16="http://schemas.microsoft.com/office/drawing/2014/main" id="{FD52CC8C-FA46-4D8D-93F1-3764DFEEFD99}"/>
                 </a:ext>
               </a:extLst>
             </p:cNvPr>
@@ -20343,7 +20343,7 @@
             <p:cNvPr id="16" name="Google Shape;409;p21">
               <a:extLst>
                 <a:ext uri="{FF2B5EF4-FFF2-40B4-BE49-F238E27FC236}">
-                  <a16:creationId xmlns:a16="http://schemas.microsoft.com/office/drawing/2014/main" xmlns="" id="{2D374D68-434C-4123-80F6-6F87E34140A7}"/>
+                  <a16:creationId xmlns="" xmlns:a16="http://schemas.microsoft.com/office/drawing/2014/main" id="{2D374D68-434C-4123-80F6-6F87E34140A7}"/>
                 </a:ext>
               </a:extLst>
             </p:cNvPr>
@@ -20390,7 +20390,7 @@
           <p:cNvPr id="5" name="그룹 20">
             <a:extLst>
               <a:ext uri="{FF2B5EF4-FFF2-40B4-BE49-F238E27FC236}">
-                <a16:creationId xmlns:a16="http://schemas.microsoft.com/office/drawing/2014/main" xmlns="" id="{3A621151-F292-417B-9F0E-F08EC08AB05D}"/>
+                <a16:creationId xmlns="" xmlns:a16="http://schemas.microsoft.com/office/drawing/2014/main" id="{3A621151-F292-417B-9F0E-F08EC08AB05D}"/>
               </a:ext>
             </a:extLst>
           </p:cNvPr>
@@ -20410,7 +20410,7 @@
             <p:cNvPr id="18" name="Google Shape;408;p21">
               <a:extLst>
                 <a:ext uri="{FF2B5EF4-FFF2-40B4-BE49-F238E27FC236}">
-                  <a16:creationId xmlns:a16="http://schemas.microsoft.com/office/drawing/2014/main" xmlns="" id="{492A18C1-E6D2-4D50-B0FA-2149EF4A5775}"/>
+                  <a16:creationId xmlns="" xmlns:a16="http://schemas.microsoft.com/office/drawing/2014/main" id="{492A18C1-E6D2-4D50-B0FA-2149EF4A5775}"/>
                 </a:ext>
               </a:extLst>
             </p:cNvPr>
@@ -20461,7 +20461,7 @@
             <p:cNvPr id="20" name="Google Shape;409;p21">
               <a:extLst>
                 <a:ext uri="{FF2B5EF4-FFF2-40B4-BE49-F238E27FC236}">
-                  <a16:creationId xmlns:a16="http://schemas.microsoft.com/office/drawing/2014/main" xmlns="" id="{B6C65D2E-2696-4FF7-B653-B19DE6236D5F}"/>
+                  <a16:creationId xmlns="" xmlns:a16="http://schemas.microsoft.com/office/drawing/2014/main" id="{B6C65D2E-2696-4FF7-B653-B19DE6236D5F}"/>
                 </a:ext>
               </a:extLst>
             </p:cNvPr>
@@ -20513,7 +20513,7 @@
           <p:cNvPr id="26" name="평행 사변형 25">
             <a:extLst>
               <a:ext uri="{FF2B5EF4-FFF2-40B4-BE49-F238E27FC236}">
-                <a16:creationId xmlns:a16="http://schemas.microsoft.com/office/drawing/2014/main" xmlns="" id="{ACA7FA6B-0F6F-482A-86A1-4A525FE8B044}"/>
+                <a16:creationId xmlns="" xmlns:a16="http://schemas.microsoft.com/office/drawing/2014/main" id="{ACA7FA6B-0F6F-482A-86A1-4A525FE8B044}"/>
               </a:ext>
             </a:extLst>
           </p:cNvPr>
@@ -20569,7 +20569,7 @@
           <p:cNvPr id="32" name="자유형: 도형 31">
             <a:extLst>
               <a:ext uri="{FF2B5EF4-FFF2-40B4-BE49-F238E27FC236}">
-                <a16:creationId xmlns:a16="http://schemas.microsoft.com/office/drawing/2014/main" xmlns="" id="{74AD1E48-C50E-4CC7-9772-D0781285D505}"/>
+                <a16:creationId xmlns="" xmlns:a16="http://schemas.microsoft.com/office/drawing/2014/main" id="{74AD1E48-C50E-4CC7-9772-D0781285D505}"/>
               </a:ext>
             </a:extLst>
           </p:cNvPr>
@@ -20675,7 +20675,7 @@
           <p:cNvPr id="30" name="평행 사변형 29">
             <a:extLst>
               <a:ext uri="{FF2B5EF4-FFF2-40B4-BE49-F238E27FC236}">
-                <a16:creationId xmlns:a16="http://schemas.microsoft.com/office/drawing/2014/main" xmlns="" id="{F542A857-1C49-43D5-AD61-20B450FA4CF7}"/>
+                <a16:creationId xmlns="" xmlns:a16="http://schemas.microsoft.com/office/drawing/2014/main" id="{F542A857-1C49-43D5-AD61-20B450FA4CF7}"/>
               </a:ext>
             </a:extLst>
           </p:cNvPr>
@@ -20727,7 +20727,7 @@
     </p:spTree>
     <p:extLst>
       <p:ext uri="{BB962C8B-B14F-4D97-AF65-F5344CB8AC3E}">
-        <p14:creationId xmlns:p14="http://schemas.microsoft.com/office/powerpoint/2010/main" xmlns="" val="3426563175"/>
+        <p14:creationId xmlns="" xmlns:p14="http://schemas.microsoft.com/office/powerpoint/2010/main" val="3426563175"/>
       </p:ext>
     </p:extLst>
   </p:cSld>
@@ -20766,7 +20766,7 @@
           <p:cNvPr id="9" name="그림 개체 틀 8">
             <a:extLst>
               <a:ext uri="{FF2B5EF4-FFF2-40B4-BE49-F238E27FC236}">
-                <a16:creationId xmlns:a16="http://schemas.microsoft.com/office/drawing/2014/main" xmlns="" id="{AEBC4E8A-A687-43D2-BE5C-CEB35BF2057B}"/>
+                <a16:creationId xmlns="" xmlns:a16="http://schemas.microsoft.com/office/drawing/2014/main" id="{AEBC4E8A-A687-43D2-BE5C-CEB35BF2057B}"/>
               </a:ext>
             </a:extLst>
           </p:cNvPr>
@@ -20781,7 +20781,7 @@
           <a:blip r:embed="rId2" cstate="print">
             <a:extLst>
               <a:ext uri="{BEBA8EAE-BF5A-486C-A8C5-ECC9F3942E4B}">
-                <a14:imgProps xmlns:a14="http://schemas.microsoft.com/office/drawing/2010/main" xmlns="">
+                <a14:imgProps xmlns="" xmlns:a14="http://schemas.microsoft.com/office/drawing/2010/main">
                   <a14:imgLayer r:embed="rId3">
                     <a14:imgEffect>
                       <a14:colorTemperature colorTemp="8800"/>
@@ -20796,7 +20796,7 @@
                 </a14:imgProps>
               </a:ext>
               <a:ext uri="{28A0092B-C50C-407E-A947-70E740481C1C}">
-                <a14:useLocalDpi xmlns:a14="http://schemas.microsoft.com/office/drawing/2010/main" xmlns="" val="0"/>
+                <a14:useLocalDpi xmlns="" xmlns:a14="http://schemas.microsoft.com/office/drawing/2010/main" val="0"/>
               </a:ext>
             </a:extLst>
           </a:blip>
@@ -20815,7 +20815,7 @@
           <p:cNvPr id="11" name="평행 사변형 10">
             <a:extLst>
               <a:ext uri="{FF2B5EF4-FFF2-40B4-BE49-F238E27FC236}">
-                <a16:creationId xmlns:a16="http://schemas.microsoft.com/office/drawing/2014/main" xmlns="" id="{B1DEFA08-B9C4-48AB-ABDB-AA6794893511}"/>
+                <a16:creationId xmlns="" xmlns:a16="http://schemas.microsoft.com/office/drawing/2014/main" id="{B1DEFA08-B9C4-48AB-ABDB-AA6794893511}"/>
               </a:ext>
             </a:extLst>
           </p:cNvPr>
@@ -20869,7 +20869,7 @@
           <p:cNvPr id="15" name="자유형: 도형 14">
             <a:extLst>
               <a:ext uri="{FF2B5EF4-FFF2-40B4-BE49-F238E27FC236}">
-                <a16:creationId xmlns:a16="http://schemas.microsoft.com/office/drawing/2014/main" xmlns="" id="{8E4F301E-A05E-471F-A6FD-4ABF141C38A5}"/>
+                <a16:creationId xmlns="" xmlns:a16="http://schemas.microsoft.com/office/drawing/2014/main" id="{8E4F301E-A05E-471F-A6FD-4ABF141C38A5}"/>
               </a:ext>
             </a:extLst>
           </p:cNvPr>
@@ -20958,7 +20958,7 @@
           <p:cNvPr id="17" name="TextBox 16">
             <a:extLst>
               <a:ext uri="{FF2B5EF4-FFF2-40B4-BE49-F238E27FC236}">
-                <a16:creationId xmlns:a16="http://schemas.microsoft.com/office/drawing/2014/main" xmlns="" id="{E3DB504E-6273-414C-ACC9-33D9539ECA47}"/>
+                <a16:creationId xmlns="" xmlns:a16="http://schemas.microsoft.com/office/drawing/2014/main" id="{E3DB504E-6273-414C-ACC9-33D9539ECA47}"/>
               </a:ext>
             </a:extLst>
           </p:cNvPr>
@@ -21071,7 +21071,7 @@
           <p:cNvPr id="18" name="TextBox 17">
             <a:extLst>
               <a:ext uri="{FF2B5EF4-FFF2-40B4-BE49-F238E27FC236}">
-                <a16:creationId xmlns:a16="http://schemas.microsoft.com/office/drawing/2014/main" xmlns="" id="{23DFAC42-2774-42AB-885D-8D6EB822D83F}"/>
+                <a16:creationId xmlns="" xmlns:a16="http://schemas.microsoft.com/office/drawing/2014/main" id="{23DFAC42-2774-42AB-885D-8D6EB822D83F}"/>
               </a:ext>
             </a:extLst>
           </p:cNvPr>
@@ -21136,7 +21136,7 @@
           <p:cNvPr id="22" name="타원 21">
             <a:extLst>
               <a:ext uri="{FF2B5EF4-FFF2-40B4-BE49-F238E27FC236}">
-                <a16:creationId xmlns:a16="http://schemas.microsoft.com/office/drawing/2014/main" xmlns="" id="{C27B3955-06A4-4DBA-991B-BD209BC8D161}"/>
+                <a16:creationId xmlns="" xmlns:a16="http://schemas.microsoft.com/office/drawing/2014/main" id="{C27B3955-06A4-4DBA-991B-BD209BC8D161}"/>
               </a:ext>
             </a:extLst>
           </p:cNvPr>
@@ -21193,7 +21193,7 @@
           <p:cNvPr id="23" name="타원 22">
             <a:extLst>
               <a:ext uri="{FF2B5EF4-FFF2-40B4-BE49-F238E27FC236}">
-                <a16:creationId xmlns:a16="http://schemas.microsoft.com/office/drawing/2014/main" xmlns="" id="{A7A094B6-ED11-471C-9C56-0F5CE3CBAC58}"/>
+                <a16:creationId xmlns="" xmlns:a16="http://schemas.microsoft.com/office/drawing/2014/main" id="{A7A094B6-ED11-471C-9C56-0F5CE3CBAC58}"/>
               </a:ext>
             </a:extLst>
           </p:cNvPr>
@@ -21250,7 +21250,7 @@
           <p:cNvPr id="27" name="자유형: 도형 26">
             <a:extLst>
               <a:ext uri="{FF2B5EF4-FFF2-40B4-BE49-F238E27FC236}">
-                <a16:creationId xmlns:a16="http://schemas.microsoft.com/office/drawing/2014/main" xmlns="" id="{24D3BF43-89E1-4B63-A808-58C7F5506573}"/>
+                <a16:creationId xmlns="" xmlns:a16="http://schemas.microsoft.com/office/drawing/2014/main" id="{24D3BF43-89E1-4B63-A808-58C7F5506573}"/>
               </a:ext>
             </a:extLst>
           </p:cNvPr>
@@ -21364,7 +21364,7 @@
           <p:cNvPr id="12" name="TextBox 11">
             <a:extLst>
               <a:ext uri="{FF2B5EF4-FFF2-40B4-BE49-F238E27FC236}">
-                <a16:creationId xmlns:a16="http://schemas.microsoft.com/office/drawing/2014/main" xmlns="" id="{269FE0EF-38E0-4B41-9E67-BFA233F92B3F}"/>
+                <a16:creationId xmlns="" xmlns:a16="http://schemas.microsoft.com/office/drawing/2014/main" id="{269FE0EF-38E0-4B41-9E67-BFA233F92B3F}"/>
               </a:ext>
             </a:extLst>
           </p:cNvPr>
@@ -21465,7 +21465,7 @@
           <p:cNvPr id="14" name="TextBox 13">
             <a:extLst>
               <a:ext uri="{FF2B5EF4-FFF2-40B4-BE49-F238E27FC236}">
-                <a16:creationId xmlns:a16="http://schemas.microsoft.com/office/drawing/2014/main" xmlns="" id="{23DFAC42-2774-42AB-885D-8D6EB822D83F}"/>
+                <a16:creationId xmlns="" xmlns:a16="http://schemas.microsoft.com/office/drawing/2014/main" id="{23DFAC42-2774-42AB-885D-8D6EB822D83F}"/>
               </a:ext>
             </a:extLst>
           </p:cNvPr>
@@ -21576,7 +21576,7 @@
           <p:cNvPr id="19" name="TextBox 18">
             <a:extLst>
               <a:ext uri="{FF2B5EF4-FFF2-40B4-BE49-F238E27FC236}">
-                <a16:creationId xmlns:a16="http://schemas.microsoft.com/office/drawing/2014/main" xmlns="" id="{23DFAC42-2774-42AB-885D-8D6EB822D83F}"/>
+                <a16:creationId xmlns="" xmlns:a16="http://schemas.microsoft.com/office/drawing/2014/main" id="{23DFAC42-2774-42AB-885D-8D6EB822D83F}"/>
               </a:ext>
             </a:extLst>
           </p:cNvPr>
@@ -21703,7 +21703,7 @@
           <p:cNvPr id="24" name="타원 23">
             <a:extLst>
               <a:ext uri="{FF2B5EF4-FFF2-40B4-BE49-F238E27FC236}">
-                <a16:creationId xmlns:a16="http://schemas.microsoft.com/office/drawing/2014/main" xmlns="" id="{A7A094B6-ED11-471C-9C56-0F5CE3CBAC58}"/>
+                <a16:creationId xmlns="" xmlns:a16="http://schemas.microsoft.com/office/drawing/2014/main" id="{A7A094B6-ED11-471C-9C56-0F5CE3CBAC58}"/>
               </a:ext>
             </a:extLst>
           </p:cNvPr>
@@ -21763,7 +21763,7 @@
           <p:cNvPr id="25" name="타원 24">
             <a:extLst>
               <a:ext uri="{FF2B5EF4-FFF2-40B4-BE49-F238E27FC236}">
-                <a16:creationId xmlns:a16="http://schemas.microsoft.com/office/drawing/2014/main" xmlns="" id="{A7A094B6-ED11-471C-9C56-0F5CE3CBAC58}"/>
+                <a16:creationId xmlns="" xmlns:a16="http://schemas.microsoft.com/office/drawing/2014/main" id="{A7A094B6-ED11-471C-9C56-0F5CE3CBAC58}"/>
               </a:ext>
             </a:extLst>
           </p:cNvPr>
@@ -21823,7 +21823,7 @@
           <p:cNvPr id="26" name="타원 25">
             <a:extLst>
               <a:ext uri="{FF2B5EF4-FFF2-40B4-BE49-F238E27FC236}">
-                <a16:creationId xmlns:a16="http://schemas.microsoft.com/office/drawing/2014/main" xmlns="" id="{A7A094B6-ED11-471C-9C56-0F5CE3CBAC58}"/>
+                <a16:creationId xmlns="" xmlns:a16="http://schemas.microsoft.com/office/drawing/2014/main" id="{A7A094B6-ED11-471C-9C56-0F5CE3CBAC58}"/>
               </a:ext>
             </a:extLst>
           </p:cNvPr>
@@ -22039,7 +22039,7 @@
     </p:spTree>
     <p:extLst>
       <p:ext uri="{BB962C8B-B14F-4D97-AF65-F5344CB8AC3E}">
-        <p14:creationId xmlns:p14="http://schemas.microsoft.com/office/powerpoint/2010/main" xmlns="" val="3853570227"/>
+        <p14:creationId xmlns="" xmlns:p14="http://schemas.microsoft.com/office/powerpoint/2010/main" val="3853570227"/>
       </p:ext>
     </p:extLst>
   </p:cSld>
@@ -22078,7 +22078,7 @@
           <p:cNvPr id="2" name="그룹 22">
             <a:extLst>
               <a:ext uri="{FF2B5EF4-FFF2-40B4-BE49-F238E27FC236}">
-                <a16:creationId xmlns:a16="http://schemas.microsoft.com/office/drawing/2014/main" xmlns="" id="{D823FFAC-3A03-4EC8-9678-216D3E80497D}"/>
+                <a16:creationId xmlns="" xmlns:a16="http://schemas.microsoft.com/office/drawing/2014/main" id="{D823FFAC-3A03-4EC8-9678-216D3E80497D}"/>
               </a:ext>
             </a:extLst>
           </p:cNvPr>
@@ -22098,7 +22098,7 @@
             <p:cNvPr id="10" name="Google Shape;408;p21">
               <a:extLst>
                 <a:ext uri="{FF2B5EF4-FFF2-40B4-BE49-F238E27FC236}">
-                  <a16:creationId xmlns:a16="http://schemas.microsoft.com/office/drawing/2014/main" xmlns="" id="{3BD6E8B1-EB00-4486-8D71-6EFF022DE541}"/>
+                  <a16:creationId xmlns="" xmlns:a16="http://schemas.microsoft.com/office/drawing/2014/main" id="{3BD6E8B1-EB00-4486-8D71-6EFF022DE541}"/>
                 </a:ext>
               </a:extLst>
             </p:cNvPr>
@@ -22165,7 +22165,7 @@
             <p:cNvPr id="12" name="Google Shape;409;p21">
               <a:extLst>
                 <a:ext uri="{FF2B5EF4-FFF2-40B4-BE49-F238E27FC236}">
-                  <a16:creationId xmlns:a16="http://schemas.microsoft.com/office/drawing/2014/main" xmlns="" id="{BF0B9D7B-24F6-4EC0-A96E-9BDCA994F11C}"/>
+                  <a16:creationId xmlns="" xmlns:a16="http://schemas.microsoft.com/office/drawing/2014/main" id="{BF0B9D7B-24F6-4EC0-A96E-9BDCA994F11C}"/>
                 </a:ext>
               </a:extLst>
             </p:cNvPr>
@@ -22228,7 +22228,7 @@
           <p:cNvPr id="3" name="그룹 21">
             <a:extLst>
               <a:ext uri="{FF2B5EF4-FFF2-40B4-BE49-F238E27FC236}">
-                <a16:creationId xmlns:a16="http://schemas.microsoft.com/office/drawing/2014/main" xmlns="" id="{8AFF46A9-D6EC-4190-9870-942BE436CE76}"/>
+                <a16:creationId xmlns="" xmlns:a16="http://schemas.microsoft.com/office/drawing/2014/main" id="{8AFF46A9-D6EC-4190-9870-942BE436CE76}"/>
               </a:ext>
             </a:extLst>
           </p:cNvPr>
@@ -22248,7 +22248,7 @@
             <p:cNvPr id="14" name="Google Shape;408;p21">
               <a:extLst>
                 <a:ext uri="{FF2B5EF4-FFF2-40B4-BE49-F238E27FC236}">
-                  <a16:creationId xmlns:a16="http://schemas.microsoft.com/office/drawing/2014/main" xmlns="" id="{FD52CC8C-FA46-4D8D-93F1-3764DFEEFD99}"/>
+                  <a16:creationId xmlns="" xmlns:a16="http://schemas.microsoft.com/office/drawing/2014/main" id="{FD52CC8C-FA46-4D8D-93F1-3764DFEEFD99}"/>
                 </a:ext>
               </a:extLst>
             </p:cNvPr>
@@ -22299,7 +22299,7 @@
             <p:cNvPr id="16" name="Google Shape;409;p21">
               <a:extLst>
                 <a:ext uri="{FF2B5EF4-FFF2-40B4-BE49-F238E27FC236}">
-                  <a16:creationId xmlns:a16="http://schemas.microsoft.com/office/drawing/2014/main" xmlns="" id="{2D374D68-434C-4123-80F6-6F87E34140A7}"/>
+                  <a16:creationId xmlns="" xmlns:a16="http://schemas.microsoft.com/office/drawing/2014/main" id="{2D374D68-434C-4123-80F6-6F87E34140A7}"/>
                 </a:ext>
               </a:extLst>
             </p:cNvPr>
@@ -22346,7 +22346,7 @@
           <p:cNvPr id="26" name="평행 사변형 25">
             <a:extLst>
               <a:ext uri="{FF2B5EF4-FFF2-40B4-BE49-F238E27FC236}">
-                <a16:creationId xmlns:a16="http://schemas.microsoft.com/office/drawing/2014/main" xmlns="" id="{ACA7FA6B-0F6F-482A-86A1-4A525FE8B044}"/>
+                <a16:creationId xmlns="" xmlns:a16="http://schemas.microsoft.com/office/drawing/2014/main" id="{ACA7FA6B-0F6F-482A-86A1-4A525FE8B044}"/>
               </a:ext>
             </a:extLst>
           </p:cNvPr>
@@ -22402,7 +22402,7 @@
           <p:cNvPr id="32" name="자유형: 도형 31">
             <a:extLst>
               <a:ext uri="{FF2B5EF4-FFF2-40B4-BE49-F238E27FC236}">
-                <a16:creationId xmlns:a16="http://schemas.microsoft.com/office/drawing/2014/main" xmlns="" id="{74AD1E48-C50E-4CC7-9772-D0781285D505}"/>
+                <a16:creationId xmlns="" xmlns:a16="http://schemas.microsoft.com/office/drawing/2014/main" id="{74AD1E48-C50E-4CC7-9772-D0781285D505}"/>
               </a:ext>
             </a:extLst>
           </p:cNvPr>
@@ -22508,7 +22508,7 @@
           <p:cNvPr id="30" name="평행 사변형 29">
             <a:extLst>
               <a:ext uri="{FF2B5EF4-FFF2-40B4-BE49-F238E27FC236}">
-                <a16:creationId xmlns:a16="http://schemas.microsoft.com/office/drawing/2014/main" xmlns="" id="{F542A857-1C49-43D5-AD61-20B450FA4CF7}"/>
+                <a16:creationId xmlns="" xmlns:a16="http://schemas.microsoft.com/office/drawing/2014/main" id="{F542A857-1C49-43D5-AD61-20B450FA4CF7}"/>
               </a:ext>
             </a:extLst>
           </p:cNvPr>
@@ -22562,7 +22562,7 @@
           <p:cNvPr id="17" name="TextBox 16">
             <a:extLst>
               <a:ext uri="{FF2B5EF4-FFF2-40B4-BE49-F238E27FC236}">
-                <a16:creationId xmlns:a16="http://schemas.microsoft.com/office/drawing/2014/main" xmlns="" id="{269FE0EF-38E0-4B41-9E67-BFA233F92B3F}"/>
+                <a16:creationId xmlns="" xmlns:a16="http://schemas.microsoft.com/office/drawing/2014/main" id="{269FE0EF-38E0-4B41-9E67-BFA233F92B3F}"/>
               </a:ext>
             </a:extLst>
           </p:cNvPr>
@@ -22617,7 +22617,7 @@
           <p:cNvPr id="19" name="순서도: 데이터 18">
             <a:extLst>
               <a:ext uri="{FF2B5EF4-FFF2-40B4-BE49-F238E27FC236}">
-                <a16:creationId xmlns:a16="http://schemas.microsoft.com/office/drawing/2014/main" xmlns="" id="{32A37F53-9CC8-4E99-A828-DE9CBAB8861E}"/>
+                <a16:creationId xmlns="" xmlns:a16="http://schemas.microsoft.com/office/drawing/2014/main" id="{32A37F53-9CC8-4E99-A828-DE9CBAB8861E}"/>
               </a:ext>
             </a:extLst>
           </p:cNvPr>
@@ -22675,7 +22675,7 @@
           <p:cNvPr id="21" name="순서도: 데이터 20">
             <a:extLst>
               <a:ext uri="{FF2B5EF4-FFF2-40B4-BE49-F238E27FC236}">
-                <a16:creationId xmlns:a16="http://schemas.microsoft.com/office/drawing/2014/main" xmlns="" id="{4C97C058-7CC2-40CD-A0B7-B09E0BDC0052}"/>
+                <a16:creationId xmlns="" xmlns:a16="http://schemas.microsoft.com/office/drawing/2014/main" id="{4C97C058-7CC2-40CD-A0B7-B09E0BDC0052}"/>
               </a:ext>
             </a:extLst>
           </p:cNvPr>
@@ -22733,7 +22733,7 @@
           <p:cNvPr id="22" name="TextBox 21">
             <a:extLst>
               <a:ext uri="{FF2B5EF4-FFF2-40B4-BE49-F238E27FC236}">
-                <a16:creationId xmlns:a16="http://schemas.microsoft.com/office/drawing/2014/main" xmlns="" id="{99CAA9EA-D06E-46D8-96D2-A54D5AB77730}"/>
+                <a16:creationId xmlns="" xmlns:a16="http://schemas.microsoft.com/office/drawing/2014/main" id="{99CAA9EA-D06E-46D8-96D2-A54D5AB77730}"/>
               </a:ext>
             </a:extLst>
           </p:cNvPr>
@@ -22837,7 +22837,7 @@
           <p:cNvPr id="23" name="TextBox 22">
             <a:extLst>
               <a:ext uri="{FF2B5EF4-FFF2-40B4-BE49-F238E27FC236}">
-                <a16:creationId xmlns:a16="http://schemas.microsoft.com/office/drawing/2014/main" xmlns="" id="{A2716BE8-A326-476C-9E98-28427B29E7A3}"/>
+                <a16:creationId xmlns="" xmlns:a16="http://schemas.microsoft.com/office/drawing/2014/main" id="{A2716BE8-A326-476C-9E98-28427B29E7A3}"/>
               </a:ext>
             </a:extLst>
           </p:cNvPr>
@@ -22910,7 +22910,7 @@
           <p:cNvPr id="24" name="TextBox 23">
             <a:extLst>
               <a:ext uri="{FF2B5EF4-FFF2-40B4-BE49-F238E27FC236}">
-                <a16:creationId xmlns:a16="http://schemas.microsoft.com/office/drawing/2014/main" xmlns="" id="{B7E6B925-9FA1-4D62-AA6F-79E89772B3CB}"/>
+                <a16:creationId xmlns="" xmlns:a16="http://schemas.microsoft.com/office/drawing/2014/main" id="{B7E6B925-9FA1-4D62-AA6F-79E89772B3CB}"/>
               </a:ext>
             </a:extLst>
           </p:cNvPr>
@@ -22959,7 +22959,7 @@
           <p:cNvPr id="25" name="TextBox 24">
             <a:extLst>
               <a:ext uri="{FF2B5EF4-FFF2-40B4-BE49-F238E27FC236}">
-                <a16:creationId xmlns:a16="http://schemas.microsoft.com/office/drawing/2014/main" xmlns="" id="{62B85FDC-8B48-43BA-80EF-2B39BFBDBBA6}"/>
+                <a16:creationId xmlns="" xmlns:a16="http://schemas.microsoft.com/office/drawing/2014/main" id="{62B85FDC-8B48-43BA-80EF-2B39BFBDBBA6}"/>
               </a:ext>
             </a:extLst>
           </p:cNvPr>
@@ -23005,7 +23005,7 @@
           <p:cNvPr id="28" name="직선 연결선 27">
             <a:extLst>
               <a:ext uri="{FF2B5EF4-FFF2-40B4-BE49-F238E27FC236}">
-                <a16:creationId xmlns:a16="http://schemas.microsoft.com/office/drawing/2014/main" xmlns="" id="{175239A3-B318-412E-A7F0-9085CCDE7787}"/>
+                <a16:creationId xmlns="" xmlns:a16="http://schemas.microsoft.com/office/drawing/2014/main" id="{175239A3-B318-412E-A7F0-9085CCDE7787}"/>
               </a:ext>
             </a:extLst>
           </p:cNvPr>
@@ -23041,7 +23041,7 @@
           <p:cNvPr id="29" name="직선 연결선 28">
             <a:extLst>
               <a:ext uri="{FF2B5EF4-FFF2-40B4-BE49-F238E27FC236}">
-                <a16:creationId xmlns:a16="http://schemas.microsoft.com/office/drawing/2014/main" xmlns="" id="{89E37F87-29C0-429A-92A9-69274F65D1EC}"/>
+                <a16:creationId xmlns="" xmlns:a16="http://schemas.microsoft.com/office/drawing/2014/main" id="{89E37F87-29C0-429A-92A9-69274F65D1EC}"/>
               </a:ext>
             </a:extLst>
           </p:cNvPr>
@@ -23082,7 +23082,7 @@
           <p:cNvPr id="31" name="직선 연결선 30">
             <a:extLst>
               <a:ext uri="{FF2B5EF4-FFF2-40B4-BE49-F238E27FC236}">
-                <a16:creationId xmlns:a16="http://schemas.microsoft.com/office/drawing/2014/main" xmlns="" id="{4E7C1D28-265F-4712-8897-A2E49B3A8F70}"/>
+                <a16:creationId xmlns="" xmlns:a16="http://schemas.microsoft.com/office/drawing/2014/main" id="{4E7C1D28-265F-4712-8897-A2E49B3A8F70}"/>
               </a:ext>
             </a:extLst>
           </p:cNvPr>
@@ -23126,7 +23126,7 @@
           <p:cNvPr id="33" name="타원 32">
             <a:extLst>
               <a:ext uri="{FF2B5EF4-FFF2-40B4-BE49-F238E27FC236}">
-                <a16:creationId xmlns:a16="http://schemas.microsoft.com/office/drawing/2014/main" xmlns="" id="{0E2BFFF7-3D0C-471D-B513-9EADAE5E4349}"/>
+                <a16:creationId xmlns="" xmlns:a16="http://schemas.microsoft.com/office/drawing/2014/main" id="{0E2BFFF7-3D0C-471D-B513-9EADAE5E4349}"/>
               </a:ext>
             </a:extLst>
           </p:cNvPr>
@@ -23175,7 +23175,7 @@
           <p:cNvPr id="34" name="타원 33">
             <a:extLst>
               <a:ext uri="{FF2B5EF4-FFF2-40B4-BE49-F238E27FC236}">
-                <a16:creationId xmlns:a16="http://schemas.microsoft.com/office/drawing/2014/main" xmlns="" id="{E4BED305-335E-49FD-BB19-CB45EFE38762}"/>
+                <a16:creationId xmlns="" xmlns:a16="http://schemas.microsoft.com/office/drawing/2014/main" id="{E4BED305-335E-49FD-BB19-CB45EFE38762}"/>
               </a:ext>
             </a:extLst>
           </p:cNvPr>
@@ -23233,7 +23233,7 @@
           <p:cNvPr id="35" name="타원 34">
             <a:extLst>
               <a:ext uri="{FF2B5EF4-FFF2-40B4-BE49-F238E27FC236}">
-                <a16:creationId xmlns:a16="http://schemas.microsoft.com/office/drawing/2014/main" xmlns="" id="{233DCED1-4972-4414-93AE-F88A5AF40065}"/>
+                <a16:creationId xmlns="" xmlns:a16="http://schemas.microsoft.com/office/drawing/2014/main" id="{233DCED1-4972-4414-93AE-F88A5AF40065}"/>
               </a:ext>
             </a:extLst>
           </p:cNvPr>
@@ -23294,7 +23294,7 @@
           <p:cNvPr id="4" name="그룹 35">
             <a:extLst>
               <a:ext uri="{FF2B5EF4-FFF2-40B4-BE49-F238E27FC236}">
-                <a16:creationId xmlns:a16="http://schemas.microsoft.com/office/drawing/2014/main" xmlns="" id="{1078FC8D-C539-46BC-A592-E88E7F3F8B8D}"/>
+                <a16:creationId xmlns="" xmlns:a16="http://schemas.microsoft.com/office/drawing/2014/main" id="{1078FC8D-C539-46BC-A592-E88E7F3F8B8D}"/>
               </a:ext>
             </a:extLst>
           </p:cNvPr>
@@ -23317,7 +23317,7 @@
             <p:cNvPr id="37" name="Freeform 7">
               <a:extLst>
                 <a:ext uri="{FF2B5EF4-FFF2-40B4-BE49-F238E27FC236}">
-                  <a16:creationId xmlns:a16="http://schemas.microsoft.com/office/drawing/2014/main" xmlns="" id="{47B55454-D939-425D-9075-FF61D877EDC6}"/>
+                  <a16:creationId xmlns="" xmlns:a16="http://schemas.microsoft.com/office/drawing/2014/main" id="{47B55454-D939-425D-9075-FF61D877EDC6}"/>
                 </a:ext>
               </a:extLst>
             </p:cNvPr>
@@ -23448,7 +23448,7 @@
             </a:ln>
             <a:extLst>
               <a:ext uri="{91240B29-F687-4F45-9708-019B960494DF}">
-                <a14:hiddenLine xmlns:a14="http://schemas.microsoft.com/office/drawing/2010/main" xmlns="" w="9525">
+                <a14:hiddenLine xmlns="" xmlns:a14="http://schemas.microsoft.com/office/drawing/2010/main" w="9525">
                   <a:solidFill>
                     <a:srgbClr val="000000"/>
                   </a:solidFill>
@@ -23476,7 +23476,7 @@
             <p:cNvPr id="38" name="Freeform 8">
               <a:extLst>
                 <a:ext uri="{FF2B5EF4-FFF2-40B4-BE49-F238E27FC236}">
-                  <a16:creationId xmlns:a16="http://schemas.microsoft.com/office/drawing/2014/main" xmlns="" id="{D681A811-491F-4984-A359-A91823D0A829}"/>
+                  <a16:creationId xmlns="" xmlns:a16="http://schemas.microsoft.com/office/drawing/2014/main" id="{D681A811-491F-4984-A359-A91823D0A829}"/>
                 </a:ext>
               </a:extLst>
             </p:cNvPr>
@@ -23598,7 +23598,7 @@
             </a:ln>
             <a:extLst>
               <a:ext uri="{91240B29-F687-4F45-9708-019B960494DF}">
-                <a14:hiddenLine xmlns:a14="http://schemas.microsoft.com/office/drawing/2010/main" xmlns="" w="9525">
+                <a14:hiddenLine xmlns="" xmlns:a14="http://schemas.microsoft.com/office/drawing/2010/main" w="9525">
                   <a:solidFill>
                     <a:srgbClr val="000000"/>
                   </a:solidFill>
@@ -23626,7 +23626,7 @@
             <p:cNvPr id="39" name="Freeform 113">
               <a:extLst>
                 <a:ext uri="{FF2B5EF4-FFF2-40B4-BE49-F238E27FC236}">
-                  <a16:creationId xmlns:a16="http://schemas.microsoft.com/office/drawing/2014/main" xmlns="" id="{58EEE218-FA06-4CE5-9804-5B8E30A53331}"/>
+                  <a16:creationId xmlns="" xmlns:a16="http://schemas.microsoft.com/office/drawing/2014/main" id="{58EEE218-FA06-4CE5-9804-5B8E30A53331}"/>
                 </a:ext>
               </a:extLst>
             </p:cNvPr>
@@ -23726,7 +23726,7 @@
             </a:ln>
             <a:extLst>
               <a:ext uri="{91240B29-F687-4F45-9708-019B960494DF}">
-                <a14:hiddenLine xmlns:a14="http://schemas.microsoft.com/office/drawing/2010/main" xmlns="" w="9525">
+                <a14:hiddenLine xmlns="" xmlns:a14="http://schemas.microsoft.com/office/drawing/2010/main" w="9525">
                   <a:solidFill>
                     <a:srgbClr val="000000"/>
                   </a:solidFill>
@@ -23754,7 +23754,7 @@
             <p:cNvPr id="40" name="Freeform 114">
               <a:extLst>
                 <a:ext uri="{FF2B5EF4-FFF2-40B4-BE49-F238E27FC236}">
-                  <a16:creationId xmlns:a16="http://schemas.microsoft.com/office/drawing/2014/main" xmlns="" id="{7DFB7E78-04ED-4CE1-888C-3699D4702A5C}"/>
+                  <a16:creationId xmlns="" xmlns:a16="http://schemas.microsoft.com/office/drawing/2014/main" id="{7DFB7E78-04ED-4CE1-888C-3699D4702A5C}"/>
                 </a:ext>
               </a:extLst>
             </p:cNvPr>
@@ -23854,7 +23854,7 @@
             </a:ln>
             <a:extLst>
               <a:ext uri="{91240B29-F687-4F45-9708-019B960494DF}">
-                <a14:hiddenLine xmlns:a14="http://schemas.microsoft.com/office/drawing/2010/main" xmlns="" w="9525">
+                <a14:hiddenLine xmlns="" xmlns:a14="http://schemas.microsoft.com/office/drawing/2010/main" w="9525">
                   <a:solidFill>
                     <a:srgbClr val="000000"/>
                   </a:solidFill>
@@ -23882,7 +23882,7 @@
             <p:cNvPr id="41" name="Freeform 127">
               <a:extLst>
                 <a:ext uri="{FF2B5EF4-FFF2-40B4-BE49-F238E27FC236}">
-                  <a16:creationId xmlns:a16="http://schemas.microsoft.com/office/drawing/2014/main" xmlns="" id="{C43C498B-D037-4AE1-9C60-8F3C370B7DF6}"/>
+                  <a16:creationId xmlns="" xmlns:a16="http://schemas.microsoft.com/office/drawing/2014/main" id="{C43C498B-D037-4AE1-9C60-8F3C370B7DF6}"/>
                 </a:ext>
               </a:extLst>
             </p:cNvPr>
@@ -24013,7 +24013,7 @@
             </a:ln>
             <a:extLst>
               <a:ext uri="{91240B29-F687-4F45-9708-019B960494DF}">
-                <a14:hiddenLine xmlns:a14="http://schemas.microsoft.com/office/drawing/2010/main" xmlns="" w="9525">
+                <a14:hiddenLine xmlns="" xmlns:a14="http://schemas.microsoft.com/office/drawing/2010/main" w="9525">
                   <a:solidFill>
                     <a:srgbClr val="000000"/>
                   </a:solidFill>
@@ -24041,7 +24041,7 @@
             <p:cNvPr id="42" name="Rectangle 128">
               <a:extLst>
                 <a:ext uri="{FF2B5EF4-FFF2-40B4-BE49-F238E27FC236}">
-                  <a16:creationId xmlns:a16="http://schemas.microsoft.com/office/drawing/2014/main" xmlns="" id="{AB76BBED-6631-4EE1-A09A-E04799B351D4}"/>
+                  <a16:creationId xmlns="" xmlns:a16="http://schemas.microsoft.com/office/drawing/2014/main" id="{AB76BBED-6631-4EE1-A09A-E04799B351D4}"/>
                 </a:ext>
               </a:extLst>
             </p:cNvPr>
@@ -24064,7 +24064,7 @@
             </a:ln>
             <a:extLst>
               <a:ext uri="{91240B29-F687-4F45-9708-019B960494DF}">
-                <a14:hiddenLine xmlns:a14="http://schemas.microsoft.com/office/drawing/2010/main" xmlns="" w="9525">
+                <a14:hiddenLine xmlns="" xmlns:a14="http://schemas.microsoft.com/office/drawing/2010/main" w="9525">
                   <a:solidFill>
                     <a:srgbClr val="000000"/>
                   </a:solidFill>
@@ -24092,7 +24092,7 @@
             <p:cNvPr id="43" name="Freeform 129">
               <a:extLst>
                 <a:ext uri="{FF2B5EF4-FFF2-40B4-BE49-F238E27FC236}">
-                  <a16:creationId xmlns:a16="http://schemas.microsoft.com/office/drawing/2014/main" xmlns="" id="{528554B4-1B0E-415F-A6C0-CE58E64BD718}"/>
+                  <a16:creationId xmlns="" xmlns:a16="http://schemas.microsoft.com/office/drawing/2014/main" id="{528554B4-1B0E-415F-A6C0-CE58E64BD718}"/>
                 </a:ext>
               </a:extLst>
             </p:cNvPr>
@@ -24166,7 +24166,7 @@
             </a:ln>
             <a:extLst>
               <a:ext uri="{91240B29-F687-4F45-9708-019B960494DF}">
-                <a14:hiddenLine xmlns:a14="http://schemas.microsoft.com/office/drawing/2010/main" xmlns="" w="9525">
+                <a14:hiddenLine xmlns="" xmlns:a14="http://schemas.microsoft.com/office/drawing/2010/main" w="9525">
                   <a:solidFill>
                     <a:srgbClr val="000000"/>
                   </a:solidFill>
@@ -24194,7 +24194,7 @@
             <p:cNvPr id="44" name="Freeform 130">
               <a:extLst>
                 <a:ext uri="{FF2B5EF4-FFF2-40B4-BE49-F238E27FC236}">
-                  <a16:creationId xmlns:a16="http://schemas.microsoft.com/office/drawing/2014/main" xmlns="" id="{481830E6-AF94-4EF3-A17D-F30A821A3E25}"/>
+                  <a16:creationId xmlns="" xmlns:a16="http://schemas.microsoft.com/office/drawing/2014/main" id="{481830E6-AF94-4EF3-A17D-F30A821A3E25}"/>
                 </a:ext>
               </a:extLst>
             </p:cNvPr>
@@ -24268,7 +24268,7 @@
             </a:ln>
             <a:extLst>
               <a:ext uri="{91240B29-F687-4F45-9708-019B960494DF}">
-                <a14:hiddenLine xmlns:a14="http://schemas.microsoft.com/office/drawing/2010/main" xmlns="" w="9525">
+                <a14:hiddenLine xmlns="" xmlns:a14="http://schemas.microsoft.com/office/drawing/2010/main" w="9525">
                   <a:solidFill>
                     <a:srgbClr val="000000"/>
                   </a:solidFill>
@@ -24296,7 +24296,7 @@
             <p:cNvPr id="45" name="Rectangle 131">
               <a:extLst>
                 <a:ext uri="{FF2B5EF4-FFF2-40B4-BE49-F238E27FC236}">
-                  <a16:creationId xmlns:a16="http://schemas.microsoft.com/office/drawing/2014/main" xmlns="" id="{D3498D82-5ED4-4D5A-8003-262A569E882A}"/>
+                  <a16:creationId xmlns="" xmlns:a16="http://schemas.microsoft.com/office/drawing/2014/main" id="{D3498D82-5ED4-4D5A-8003-262A569E882A}"/>
                 </a:ext>
               </a:extLst>
             </p:cNvPr>
@@ -24319,7 +24319,7 @@
             </a:ln>
             <a:extLst>
               <a:ext uri="{91240B29-F687-4F45-9708-019B960494DF}">
-                <a14:hiddenLine xmlns:a14="http://schemas.microsoft.com/office/drawing/2010/main" xmlns="" w="9525">
+                <a14:hiddenLine xmlns="" xmlns:a14="http://schemas.microsoft.com/office/drawing/2010/main" w="9525">
                   <a:solidFill>
                     <a:srgbClr val="000000"/>
                   </a:solidFill>
@@ -24347,7 +24347,7 @@
             <p:cNvPr id="46" name="Oval 132">
               <a:extLst>
                 <a:ext uri="{FF2B5EF4-FFF2-40B4-BE49-F238E27FC236}">
-                  <a16:creationId xmlns:a16="http://schemas.microsoft.com/office/drawing/2014/main" xmlns="" id="{3D91B633-E3ED-42BD-8C2E-B372E85D7409}"/>
+                  <a16:creationId xmlns="" xmlns:a16="http://schemas.microsoft.com/office/drawing/2014/main" id="{3D91B633-E3ED-42BD-8C2E-B372E85D7409}"/>
                 </a:ext>
               </a:extLst>
             </p:cNvPr>
@@ -24370,7 +24370,7 @@
             </a:ln>
             <a:extLst>
               <a:ext uri="{91240B29-F687-4F45-9708-019B960494DF}">
-                <a14:hiddenLine xmlns:a14="http://schemas.microsoft.com/office/drawing/2010/main" xmlns="" w="9525">
+                <a14:hiddenLine xmlns="" xmlns:a14="http://schemas.microsoft.com/office/drawing/2010/main" w="9525">
                   <a:solidFill>
                     <a:srgbClr val="000000"/>
                   </a:solidFill>
@@ -24399,7 +24399,7 @@
           <p:cNvPr id="5" name="Group 19">
             <a:extLst>
               <a:ext uri="{FF2B5EF4-FFF2-40B4-BE49-F238E27FC236}">
-                <a16:creationId xmlns:a16="http://schemas.microsoft.com/office/drawing/2014/main" xmlns="" id="{2A370AAC-EE9B-4800-9529-12877E43BCA9}"/>
+                <a16:creationId xmlns="" xmlns:a16="http://schemas.microsoft.com/office/drawing/2014/main" id="{2A370AAC-EE9B-4800-9529-12877E43BCA9}"/>
               </a:ext>
             </a:extLst>
           </p:cNvPr>
@@ -24424,7 +24424,7 @@
             <p:cNvPr id="48" name="Freeform 20">
               <a:extLst>
                 <a:ext uri="{FF2B5EF4-FFF2-40B4-BE49-F238E27FC236}">
-                  <a16:creationId xmlns:a16="http://schemas.microsoft.com/office/drawing/2014/main" xmlns="" id="{53C0CF26-5DF0-48C2-B5EC-3B3FA0EEAE36}"/>
+                  <a16:creationId xmlns="" xmlns:a16="http://schemas.microsoft.com/office/drawing/2014/main" id="{53C0CF26-5DF0-48C2-B5EC-3B3FA0EEAE36}"/>
                 </a:ext>
               </a:extLst>
             </p:cNvPr>
@@ -24624,7 +24624,7 @@
             </a:ln>
             <a:extLst>
               <a:ext uri="{91240B29-F687-4F45-9708-019B960494DF}">
-                <a14:hiddenLine xmlns:a14="http://schemas.microsoft.com/office/drawing/2010/main" xmlns="" w="9525">
+                <a14:hiddenLine xmlns="" xmlns:a14="http://schemas.microsoft.com/office/drawing/2010/main" w="9525">
                   <a:solidFill>
                     <a:srgbClr val="000000"/>
                   </a:solidFill>
@@ -24652,7 +24652,7 @@
             <p:cNvPr id="49" name="Rectangle 21">
               <a:extLst>
                 <a:ext uri="{FF2B5EF4-FFF2-40B4-BE49-F238E27FC236}">
-                  <a16:creationId xmlns:a16="http://schemas.microsoft.com/office/drawing/2014/main" xmlns="" id="{98FF0991-D86F-40C6-B024-6ED27AF10ECF}"/>
+                  <a16:creationId xmlns="" xmlns:a16="http://schemas.microsoft.com/office/drawing/2014/main" id="{98FF0991-D86F-40C6-B024-6ED27AF10ECF}"/>
                 </a:ext>
               </a:extLst>
             </p:cNvPr>
@@ -24675,7 +24675,7 @@
             </a:ln>
             <a:extLst>
               <a:ext uri="{91240B29-F687-4F45-9708-019B960494DF}">
-                <a14:hiddenLine xmlns:a14="http://schemas.microsoft.com/office/drawing/2010/main" xmlns="" w="9525">
+                <a14:hiddenLine xmlns="" xmlns:a14="http://schemas.microsoft.com/office/drawing/2010/main" w="9525">
                   <a:solidFill>
                     <a:srgbClr val="000000"/>
                   </a:solidFill>
@@ -24703,7 +24703,7 @@
             <p:cNvPr id="50" name="Rectangle 22">
               <a:extLst>
                 <a:ext uri="{FF2B5EF4-FFF2-40B4-BE49-F238E27FC236}">
-                  <a16:creationId xmlns:a16="http://schemas.microsoft.com/office/drawing/2014/main" xmlns="" id="{0B9BF93D-F3E3-4C4E-8E24-97D72252FF68}"/>
+                  <a16:creationId xmlns="" xmlns:a16="http://schemas.microsoft.com/office/drawing/2014/main" id="{0B9BF93D-F3E3-4C4E-8E24-97D72252FF68}"/>
                 </a:ext>
               </a:extLst>
             </p:cNvPr>
@@ -24726,7 +24726,7 @@
             </a:ln>
             <a:extLst>
               <a:ext uri="{91240B29-F687-4F45-9708-019B960494DF}">
-                <a14:hiddenLine xmlns:a14="http://schemas.microsoft.com/office/drawing/2010/main" xmlns="" w="9525">
+                <a14:hiddenLine xmlns="" xmlns:a14="http://schemas.microsoft.com/office/drawing/2010/main" w="9525">
                   <a:solidFill>
                     <a:srgbClr val="000000"/>
                   </a:solidFill>
@@ -24754,7 +24754,7 @@
             <p:cNvPr id="51" name="Rectangle 23">
               <a:extLst>
                 <a:ext uri="{FF2B5EF4-FFF2-40B4-BE49-F238E27FC236}">
-                  <a16:creationId xmlns:a16="http://schemas.microsoft.com/office/drawing/2014/main" xmlns="" id="{9EE37B2F-6A7E-4619-A856-8E4E2C37434E}"/>
+                  <a16:creationId xmlns="" xmlns:a16="http://schemas.microsoft.com/office/drawing/2014/main" id="{9EE37B2F-6A7E-4619-A856-8E4E2C37434E}"/>
                 </a:ext>
               </a:extLst>
             </p:cNvPr>
@@ -24777,7 +24777,7 @@
             </a:ln>
             <a:extLst>
               <a:ext uri="{91240B29-F687-4F45-9708-019B960494DF}">
-                <a14:hiddenLine xmlns:a14="http://schemas.microsoft.com/office/drawing/2010/main" xmlns="" w="9525">
+                <a14:hiddenLine xmlns="" xmlns:a14="http://schemas.microsoft.com/office/drawing/2010/main" w="9525">
                   <a:solidFill>
                     <a:srgbClr val="000000"/>
                   </a:solidFill>
@@ -24805,7 +24805,7 @@
             <p:cNvPr id="52" name="Freeform 24">
               <a:extLst>
                 <a:ext uri="{FF2B5EF4-FFF2-40B4-BE49-F238E27FC236}">
-                  <a16:creationId xmlns:a16="http://schemas.microsoft.com/office/drawing/2014/main" xmlns="" id="{E6B4ABFC-F9A7-419B-9787-4E489DCAC586}"/>
+                  <a16:creationId xmlns="" xmlns:a16="http://schemas.microsoft.com/office/drawing/2014/main" id="{E6B4ABFC-F9A7-419B-9787-4E489DCAC586}"/>
                 </a:ext>
               </a:extLst>
             </p:cNvPr>
@@ -24920,7 +24920,7 @@
             </a:ln>
             <a:extLst>
               <a:ext uri="{91240B29-F687-4F45-9708-019B960494DF}">
-                <a14:hiddenLine xmlns:a14="http://schemas.microsoft.com/office/drawing/2010/main" xmlns="" w="9525">
+                <a14:hiddenLine xmlns="" xmlns:a14="http://schemas.microsoft.com/office/drawing/2010/main" w="9525">
                   <a:solidFill>
                     <a:srgbClr val="000000"/>
                   </a:solidFill>
@@ -24948,7 +24948,7 @@
             <p:cNvPr id="53" name="Rectangle 25">
               <a:extLst>
                 <a:ext uri="{FF2B5EF4-FFF2-40B4-BE49-F238E27FC236}">
-                  <a16:creationId xmlns:a16="http://schemas.microsoft.com/office/drawing/2014/main" xmlns="" id="{F17EC326-05FF-4AF9-A6FA-A2B8C318EAB9}"/>
+                  <a16:creationId xmlns="" xmlns:a16="http://schemas.microsoft.com/office/drawing/2014/main" id="{F17EC326-05FF-4AF9-A6FA-A2B8C318EAB9}"/>
                 </a:ext>
               </a:extLst>
             </p:cNvPr>
@@ -24971,7 +24971,7 @@
             </a:ln>
             <a:extLst>
               <a:ext uri="{91240B29-F687-4F45-9708-019B960494DF}">
-                <a14:hiddenLine xmlns:a14="http://schemas.microsoft.com/office/drawing/2010/main" xmlns="" w="9525">
+                <a14:hiddenLine xmlns="" xmlns:a14="http://schemas.microsoft.com/office/drawing/2010/main" w="9525">
                   <a:solidFill>
                     <a:srgbClr val="000000"/>
                   </a:solidFill>
@@ -24999,7 +24999,7 @@
             <p:cNvPr id="54" name="Rectangle 26">
               <a:extLst>
                 <a:ext uri="{FF2B5EF4-FFF2-40B4-BE49-F238E27FC236}">
-                  <a16:creationId xmlns:a16="http://schemas.microsoft.com/office/drawing/2014/main" xmlns="" id="{99B63D11-4947-42A2-8805-B78E20B4F055}"/>
+                  <a16:creationId xmlns="" xmlns:a16="http://schemas.microsoft.com/office/drawing/2014/main" id="{99B63D11-4947-42A2-8805-B78E20B4F055}"/>
                 </a:ext>
               </a:extLst>
             </p:cNvPr>
@@ -25022,7 +25022,7 @@
             </a:ln>
             <a:extLst>
               <a:ext uri="{91240B29-F687-4F45-9708-019B960494DF}">
-                <a14:hiddenLine xmlns:a14="http://schemas.microsoft.com/office/drawing/2010/main" xmlns="" w="9525">
+                <a14:hiddenLine xmlns="" xmlns:a14="http://schemas.microsoft.com/office/drawing/2010/main" w="9525">
                   <a:solidFill>
                     <a:srgbClr val="000000"/>
                   </a:solidFill>
@@ -25050,7 +25050,7 @@
             <p:cNvPr id="55" name="Freeform 27">
               <a:extLst>
                 <a:ext uri="{FF2B5EF4-FFF2-40B4-BE49-F238E27FC236}">
-                  <a16:creationId xmlns:a16="http://schemas.microsoft.com/office/drawing/2014/main" xmlns="" id="{E4464E9D-4EB7-4847-A102-5125C5E9469A}"/>
+                  <a16:creationId xmlns="" xmlns:a16="http://schemas.microsoft.com/office/drawing/2014/main" id="{E4464E9D-4EB7-4847-A102-5125C5E9469A}"/>
                 </a:ext>
               </a:extLst>
             </p:cNvPr>
@@ -25440,7 +25440,7 @@
             </a:ln>
             <a:extLst>
               <a:ext uri="{91240B29-F687-4F45-9708-019B960494DF}">
-                <a14:hiddenLine xmlns:a14="http://schemas.microsoft.com/office/drawing/2010/main" xmlns="" w="9525">
+                <a14:hiddenLine xmlns="" xmlns:a14="http://schemas.microsoft.com/office/drawing/2010/main" w="9525">
                   <a:solidFill>
                     <a:srgbClr val="000000"/>
                   </a:solidFill>
@@ -25468,7 +25468,7 @@
             <p:cNvPr id="56" name="Freeform 28">
               <a:extLst>
                 <a:ext uri="{FF2B5EF4-FFF2-40B4-BE49-F238E27FC236}">
-                  <a16:creationId xmlns:a16="http://schemas.microsoft.com/office/drawing/2014/main" xmlns="" id="{533EB9E2-CCA1-4031-8A3C-0ACD3C758D34}"/>
+                  <a16:creationId xmlns="" xmlns:a16="http://schemas.microsoft.com/office/drawing/2014/main" id="{533EB9E2-CCA1-4031-8A3C-0ACD3C758D34}"/>
                 </a:ext>
               </a:extLst>
             </p:cNvPr>
@@ -25858,7 +25858,7 @@
             </a:ln>
             <a:extLst>
               <a:ext uri="{91240B29-F687-4F45-9708-019B960494DF}">
-                <a14:hiddenLine xmlns:a14="http://schemas.microsoft.com/office/drawing/2010/main" xmlns="" w="9525">
+                <a14:hiddenLine xmlns="" xmlns:a14="http://schemas.microsoft.com/office/drawing/2010/main" w="9525">
                   <a:solidFill>
                     <a:srgbClr val="000000"/>
                   </a:solidFill>
@@ -25886,7 +25886,7 @@
             <p:cNvPr id="57" name="Freeform 29">
               <a:extLst>
                 <a:ext uri="{FF2B5EF4-FFF2-40B4-BE49-F238E27FC236}">
-                  <a16:creationId xmlns:a16="http://schemas.microsoft.com/office/drawing/2014/main" xmlns="" id="{8E00BF7B-4D77-47CA-A1E6-D9D2A21A9B40}"/>
+                  <a16:creationId xmlns="" xmlns:a16="http://schemas.microsoft.com/office/drawing/2014/main" id="{8E00BF7B-4D77-47CA-A1E6-D9D2A21A9B40}"/>
                 </a:ext>
               </a:extLst>
             </p:cNvPr>
@@ -26276,7 +26276,7 @@
             </a:ln>
             <a:extLst>
               <a:ext uri="{91240B29-F687-4F45-9708-019B960494DF}">
-                <a14:hiddenLine xmlns:a14="http://schemas.microsoft.com/office/drawing/2010/main" xmlns="" w="9525">
+                <a14:hiddenLine xmlns="" xmlns:a14="http://schemas.microsoft.com/office/drawing/2010/main" w="9525">
                   <a:solidFill>
                     <a:srgbClr val="000000"/>
                   </a:solidFill>
@@ -26305,7 +26305,7 @@
           <p:cNvPr id="6" name="Group 32">
             <a:extLst>
               <a:ext uri="{FF2B5EF4-FFF2-40B4-BE49-F238E27FC236}">
-                <a16:creationId xmlns:a16="http://schemas.microsoft.com/office/drawing/2014/main" xmlns="" id="{FD11B34C-1843-4000-ACB0-D6E663C1E029}"/>
+                <a16:creationId xmlns="" xmlns:a16="http://schemas.microsoft.com/office/drawing/2014/main" id="{FD11B34C-1843-4000-ACB0-D6E663C1E029}"/>
               </a:ext>
             </a:extLst>
           </p:cNvPr>
@@ -26330,7 +26330,7 @@
             <p:cNvPr id="59" name="Rectangle 33">
               <a:extLst>
                 <a:ext uri="{FF2B5EF4-FFF2-40B4-BE49-F238E27FC236}">
-                  <a16:creationId xmlns:a16="http://schemas.microsoft.com/office/drawing/2014/main" xmlns="" id="{9B2AD77C-F02D-423F-A4FF-95A8BB5D1AC6}"/>
+                  <a16:creationId xmlns="" xmlns:a16="http://schemas.microsoft.com/office/drawing/2014/main" id="{9B2AD77C-F02D-423F-A4FF-95A8BB5D1AC6}"/>
                 </a:ext>
               </a:extLst>
             </p:cNvPr>
@@ -26353,7 +26353,7 @@
             </a:ln>
             <a:extLst>
               <a:ext uri="{91240B29-F687-4F45-9708-019B960494DF}">
-                <a14:hiddenLine xmlns:a14="http://schemas.microsoft.com/office/drawing/2010/main" xmlns="" w="9525">
+                <a14:hiddenLine xmlns="" xmlns:a14="http://schemas.microsoft.com/office/drawing/2010/main" w="9525">
                   <a:solidFill>
                     <a:srgbClr val="000000"/>
                   </a:solidFill>
@@ -26381,7 +26381,7 @@
             <p:cNvPr id="60" name="Freeform 34">
               <a:extLst>
                 <a:ext uri="{FF2B5EF4-FFF2-40B4-BE49-F238E27FC236}">
-                  <a16:creationId xmlns:a16="http://schemas.microsoft.com/office/drawing/2014/main" xmlns="" id="{29605DCD-2C62-4E03-977D-07B6429FE11F}"/>
+                  <a16:creationId xmlns="" xmlns:a16="http://schemas.microsoft.com/office/drawing/2014/main" id="{29605DCD-2C62-4E03-977D-07B6429FE11F}"/>
                 </a:ext>
               </a:extLst>
             </p:cNvPr>
@@ -26802,7 +26802,7 @@
             </a:ln>
             <a:extLst>
               <a:ext uri="{91240B29-F687-4F45-9708-019B960494DF}">
-                <a14:hiddenLine xmlns:a14="http://schemas.microsoft.com/office/drawing/2010/main" xmlns="" w="9525">
+                <a14:hiddenLine xmlns="" xmlns:a14="http://schemas.microsoft.com/office/drawing/2010/main" w="9525">
                   <a:solidFill>
                     <a:srgbClr val="000000"/>
                   </a:solidFill>
@@ -26830,7 +26830,7 @@
             <p:cNvPr id="61" name="Freeform 35">
               <a:extLst>
                 <a:ext uri="{FF2B5EF4-FFF2-40B4-BE49-F238E27FC236}">
-                  <a16:creationId xmlns:a16="http://schemas.microsoft.com/office/drawing/2014/main" xmlns="" id="{C1FA72F5-3C2A-42DE-9DD0-FFC59AF7D1D0}"/>
+                  <a16:creationId xmlns="" xmlns:a16="http://schemas.microsoft.com/office/drawing/2014/main" id="{C1FA72F5-3C2A-42DE-9DD0-FFC59AF7D1D0}"/>
                 </a:ext>
               </a:extLst>
             </p:cNvPr>
@@ -26936,7 +26936,7 @@
             </a:ln>
             <a:extLst>
               <a:ext uri="{91240B29-F687-4F45-9708-019B960494DF}">
-                <a14:hiddenLine xmlns:a14="http://schemas.microsoft.com/office/drawing/2010/main" xmlns="" w="9525">
+                <a14:hiddenLine xmlns="" xmlns:a14="http://schemas.microsoft.com/office/drawing/2010/main" w="9525">
                   <a:solidFill>
                     <a:srgbClr val="000000"/>
                   </a:solidFill>
@@ -26964,7 +26964,7 @@
             <p:cNvPr id="62" name="Freeform 36">
               <a:extLst>
                 <a:ext uri="{FF2B5EF4-FFF2-40B4-BE49-F238E27FC236}">
-                  <a16:creationId xmlns:a16="http://schemas.microsoft.com/office/drawing/2014/main" xmlns="" id="{88BEDDBE-A105-4B6D-ABF4-222FF5C348B0}"/>
+                  <a16:creationId xmlns="" xmlns:a16="http://schemas.microsoft.com/office/drawing/2014/main" id="{88BEDDBE-A105-4B6D-ABF4-222FF5C348B0}"/>
                 </a:ext>
               </a:extLst>
             </p:cNvPr>
@@ -27079,7 +27079,7 @@
             </a:ln>
             <a:extLst>
               <a:ext uri="{91240B29-F687-4F45-9708-019B960494DF}">
-                <a14:hiddenLine xmlns:a14="http://schemas.microsoft.com/office/drawing/2010/main" xmlns="" w="9525">
+                <a14:hiddenLine xmlns="" xmlns:a14="http://schemas.microsoft.com/office/drawing/2010/main" w="9525">
                   <a:solidFill>
                     <a:srgbClr val="000000"/>
                   </a:solidFill>
@@ -27107,7 +27107,7 @@
             <p:cNvPr id="63" name="Freeform 37">
               <a:extLst>
                 <a:ext uri="{FF2B5EF4-FFF2-40B4-BE49-F238E27FC236}">
-                  <a16:creationId xmlns:a16="http://schemas.microsoft.com/office/drawing/2014/main" xmlns="" id="{EF62830E-9EC3-46CC-AC12-70701FE48574}"/>
+                  <a16:creationId xmlns="" xmlns:a16="http://schemas.microsoft.com/office/drawing/2014/main" id="{EF62830E-9EC3-46CC-AC12-70701FE48574}"/>
                 </a:ext>
               </a:extLst>
             </p:cNvPr>
@@ -27222,7 +27222,7 @@
             </a:ln>
             <a:extLst>
               <a:ext uri="{91240B29-F687-4F45-9708-019B960494DF}">
-                <a14:hiddenLine xmlns:a14="http://schemas.microsoft.com/office/drawing/2010/main" xmlns="" w="9525">
+                <a14:hiddenLine xmlns="" xmlns:a14="http://schemas.microsoft.com/office/drawing/2010/main" w="9525">
                   <a:solidFill>
                     <a:srgbClr val="000000"/>
                   </a:solidFill>
@@ -27250,7 +27250,7 @@
             <p:cNvPr id="64" name="Freeform 38">
               <a:extLst>
                 <a:ext uri="{FF2B5EF4-FFF2-40B4-BE49-F238E27FC236}">
-                  <a16:creationId xmlns:a16="http://schemas.microsoft.com/office/drawing/2014/main" xmlns="" id="{64846AAC-C9EE-4835-A070-6EEA31E7F250}"/>
+                  <a16:creationId xmlns="" xmlns:a16="http://schemas.microsoft.com/office/drawing/2014/main" id="{64846AAC-C9EE-4835-A070-6EEA31E7F250}"/>
                 </a:ext>
               </a:extLst>
             </p:cNvPr>
@@ -27365,7 +27365,7 @@
             </a:ln>
             <a:extLst>
               <a:ext uri="{91240B29-F687-4F45-9708-019B960494DF}">
-                <a14:hiddenLine xmlns:a14="http://schemas.microsoft.com/office/drawing/2010/main" xmlns="" w="9525">
+                <a14:hiddenLine xmlns="" xmlns:a14="http://schemas.microsoft.com/office/drawing/2010/main" w="9525">
                   <a:solidFill>
                     <a:srgbClr val="000000"/>
                   </a:solidFill>
@@ -27394,7 +27394,7 @@
           <p:cNvPr id="66" name="순서도: 데이터 65">
             <a:extLst>
               <a:ext uri="{FF2B5EF4-FFF2-40B4-BE49-F238E27FC236}">
-                <a16:creationId xmlns:a16="http://schemas.microsoft.com/office/drawing/2014/main" xmlns="" id="{4803A44C-CBF0-47E0-BF52-2C13544EB465}"/>
+                <a16:creationId xmlns="" xmlns:a16="http://schemas.microsoft.com/office/drawing/2014/main" id="{4803A44C-CBF0-47E0-BF52-2C13544EB465}"/>
               </a:ext>
             </a:extLst>
           </p:cNvPr>
@@ -27455,7 +27455,7 @@
           <p:cNvPr id="67" name="TextBox 66">
             <a:extLst>
               <a:ext uri="{FF2B5EF4-FFF2-40B4-BE49-F238E27FC236}">
-                <a16:creationId xmlns:a16="http://schemas.microsoft.com/office/drawing/2014/main" xmlns="" id="{99982E1F-5070-4F60-BC39-A860705815DD}"/>
+                <a16:creationId xmlns="" xmlns:a16="http://schemas.microsoft.com/office/drawing/2014/main" id="{99982E1F-5070-4F60-BC39-A860705815DD}"/>
               </a:ext>
             </a:extLst>
           </p:cNvPr>
@@ -27524,7 +27524,7 @@
           <p:cNvPr id="68" name="TextBox 67">
             <a:extLst>
               <a:ext uri="{FF2B5EF4-FFF2-40B4-BE49-F238E27FC236}">
-                <a16:creationId xmlns:a16="http://schemas.microsoft.com/office/drawing/2014/main" xmlns="" id="{0569824C-DE46-4F4F-8BF3-B1929B62468E}"/>
+                <a16:creationId xmlns="" xmlns:a16="http://schemas.microsoft.com/office/drawing/2014/main" id="{0569824C-DE46-4F4F-8BF3-B1929B62468E}"/>
               </a:ext>
             </a:extLst>
           </p:cNvPr>
@@ -27568,7 +27568,7 @@
     </p:spTree>
     <p:extLst>
       <p:ext uri="{BB962C8B-B14F-4D97-AF65-F5344CB8AC3E}">
-        <p14:creationId xmlns:p14="http://schemas.microsoft.com/office/powerpoint/2010/main" xmlns="" val="3426563175"/>
+        <p14:creationId xmlns="" xmlns:p14="http://schemas.microsoft.com/office/powerpoint/2010/main" val="3426563175"/>
       </p:ext>
     </p:extLst>
   </p:cSld>
@@ -27607,7 +27607,7 @@
           <p:cNvPr id="4" name="TextBox 3">
             <a:extLst>
               <a:ext uri="{FF2B5EF4-FFF2-40B4-BE49-F238E27FC236}">
-                <a16:creationId xmlns:a16="http://schemas.microsoft.com/office/drawing/2014/main" xmlns="" id="{AF15595A-4DC1-4D06-B4D9-43DA2F5E6601}"/>
+                <a16:creationId xmlns="" xmlns:a16="http://schemas.microsoft.com/office/drawing/2014/main" id="{AF15595A-4DC1-4D06-B4D9-43DA2F5E6601}"/>
               </a:ext>
             </a:extLst>
           </p:cNvPr>
@@ -27654,7 +27654,7 @@
           <p:cNvPr id="6" name="TextBox 5">
             <a:extLst>
               <a:ext uri="{FF2B5EF4-FFF2-40B4-BE49-F238E27FC236}">
-                <a16:creationId xmlns:a16="http://schemas.microsoft.com/office/drawing/2014/main" xmlns="" id="{F3529106-B869-4FB1-A9B3-16280FCA314C}"/>
+                <a16:creationId xmlns="" xmlns:a16="http://schemas.microsoft.com/office/drawing/2014/main" id="{F3529106-B869-4FB1-A9B3-16280FCA314C}"/>
               </a:ext>
             </a:extLst>
           </p:cNvPr>
@@ -27698,7 +27698,7 @@
           <p:cNvPr id="2" name="그룹 22">
             <a:extLst>
               <a:ext uri="{FF2B5EF4-FFF2-40B4-BE49-F238E27FC236}">
-                <a16:creationId xmlns:a16="http://schemas.microsoft.com/office/drawing/2014/main" xmlns="" id="{D823FFAC-3A03-4EC8-9678-216D3E80497D}"/>
+                <a16:creationId xmlns="" xmlns:a16="http://schemas.microsoft.com/office/drawing/2014/main" id="{D823FFAC-3A03-4EC8-9678-216D3E80497D}"/>
               </a:ext>
             </a:extLst>
           </p:cNvPr>
@@ -27718,7 +27718,7 @@
             <p:cNvPr id="10" name="Google Shape;408;p21">
               <a:extLst>
                 <a:ext uri="{FF2B5EF4-FFF2-40B4-BE49-F238E27FC236}">
-                  <a16:creationId xmlns:a16="http://schemas.microsoft.com/office/drawing/2014/main" xmlns="" id="{3BD6E8B1-EB00-4486-8D71-6EFF022DE541}"/>
+                  <a16:creationId xmlns="" xmlns:a16="http://schemas.microsoft.com/office/drawing/2014/main" id="{3BD6E8B1-EB00-4486-8D71-6EFF022DE541}"/>
                 </a:ext>
               </a:extLst>
             </p:cNvPr>
@@ -27785,7 +27785,7 @@
             <p:cNvPr id="12" name="Google Shape;409;p21">
               <a:extLst>
                 <a:ext uri="{FF2B5EF4-FFF2-40B4-BE49-F238E27FC236}">
-                  <a16:creationId xmlns:a16="http://schemas.microsoft.com/office/drawing/2014/main" xmlns="" id="{BF0B9D7B-24F6-4EC0-A96E-9BDCA994F11C}"/>
+                  <a16:creationId xmlns="" xmlns:a16="http://schemas.microsoft.com/office/drawing/2014/main" id="{BF0B9D7B-24F6-4EC0-A96E-9BDCA994F11C}"/>
                 </a:ext>
               </a:extLst>
             </p:cNvPr>
@@ -27848,7 +27848,7 @@
           <p:cNvPr id="3" name="그룹 21">
             <a:extLst>
               <a:ext uri="{FF2B5EF4-FFF2-40B4-BE49-F238E27FC236}">
-                <a16:creationId xmlns:a16="http://schemas.microsoft.com/office/drawing/2014/main" xmlns="" id="{8AFF46A9-D6EC-4190-9870-942BE436CE76}"/>
+                <a16:creationId xmlns="" xmlns:a16="http://schemas.microsoft.com/office/drawing/2014/main" id="{8AFF46A9-D6EC-4190-9870-942BE436CE76}"/>
               </a:ext>
             </a:extLst>
           </p:cNvPr>
@@ -27868,7 +27868,7 @@
             <p:cNvPr id="14" name="Google Shape;408;p21">
               <a:extLst>
                 <a:ext uri="{FF2B5EF4-FFF2-40B4-BE49-F238E27FC236}">
-                  <a16:creationId xmlns:a16="http://schemas.microsoft.com/office/drawing/2014/main" xmlns="" id="{FD52CC8C-FA46-4D8D-93F1-3764DFEEFD99}"/>
+                  <a16:creationId xmlns="" xmlns:a16="http://schemas.microsoft.com/office/drawing/2014/main" id="{FD52CC8C-FA46-4D8D-93F1-3764DFEEFD99}"/>
                 </a:ext>
               </a:extLst>
             </p:cNvPr>
@@ -27919,7 +27919,7 @@
             <p:cNvPr id="16" name="Google Shape;409;p21">
               <a:extLst>
                 <a:ext uri="{FF2B5EF4-FFF2-40B4-BE49-F238E27FC236}">
-                  <a16:creationId xmlns:a16="http://schemas.microsoft.com/office/drawing/2014/main" xmlns="" id="{2D374D68-434C-4123-80F6-6F87E34140A7}"/>
+                  <a16:creationId xmlns="" xmlns:a16="http://schemas.microsoft.com/office/drawing/2014/main" id="{2D374D68-434C-4123-80F6-6F87E34140A7}"/>
                 </a:ext>
               </a:extLst>
             </p:cNvPr>
@@ -27966,7 +27966,7 @@
           <p:cNvPr id="5" name="그룹 20">
             <a:extLst>
               <a:ext uri="{FF2B5EF4-FFF2-40B4-BE49-F238E27FC236}">
-                <a16:creationId xmlns:a16="http://schemas.microsoft.com/office/drawing/2014/main" xmlns="" id="{3A621151-F292-417B-9F0E-F08EC08AB05D}"/>
+                <a16:creationId xmlns="" xmlns:a16="http://schemas.microsoft.com/office/drawing/2014/main" id="{3A621151-F292-417B-9F0E-F08EC08AB05D}"/>
               </a:ext>
             </a:extLst>
           </p:cNvPr>
@@ -27986,7 +27986,7 @@
             <p:cNvPr id="18" name="Google Shape;408;p21">
               <a:extLst>
                 <a:ext uri="{FF2B5EF4-FFF2-40B4-BE49-F238E27FC236}">
-                  <a16:creationId xmlns:a16="http://schemas.microsoft.com/office/drawing/2014/main" xmlns="" id="{492A18C1-E6D2-4D50-B0FA-2149EF4A5775}"/>
+                  <a16:creationId xmlns="" xmlns:a16="http://schemas.microsoft.com/office/drawing/2014/main" id="{492A18C1-E6D2-4D50-B0FA-2149EF4A5775}"/>
                 </a:ext>
               </a:extLst>
             </p:cNvPr>
@@ -28037,7 +28037,7 @@
             <p:cNvPr id="20" name="Google Shape;409;p21">
               <a:extLst>
                 <a:ext uri="{FF2B5EF4-FFF2-40B4-BE49-F238E27FC236}">
-                  <a16:creationId xmlns:a16="http://schemas.microsoft.com/office/drawing/2014/main" xmlns="" id="{B6C65D2E-2696-4FF7-B653-B19DE6236D5F}"/>
+                  <a16:creationId xmlns="" xmlns:a16="http://schemas.microsoft.com/office/drawing/2014/main" id="{B6C65D2E-2696-4FF7-B653-B19DE6236D5F}"/>
                 </a:ext>
               </a:extLst>
             </p:cNvPr>
@@ -28089,7 +28089,7 @@
           <p:cNvPr id="26" name="평행 사변형 25">
             <a:extLst>
               <a:ext uri="{FF2B5EF4-FFF2-40B4-BE49-F238E27FC236}">
-                <a16:creationId xmlns:a16="http://schemas.microsoft.com/office/drawing/2014/main" xmlns="" id="{ACA7FA6B-0F6F-482A-86A1-4A525FE8B044}"/>
+                <a16:creationId xmlns="" xmlns:a16="http://schemas.microsoft.com/office/drawing/2014/main" id="{ACA7FA6B-0F6F-482A-86A1-4A525FE8B044}"/>
               </a:ext>
             </a:extLst>
           </p:cNvPr>
@@ -28145,7 +28145,7 @@
           <p:cNvPr id="32" name="자유형: 도형 31">
             <a:extLst>
               <a:ext uri="{FF2B5EF4-FFF2-40B4-BE49-F238E27FC236}">
-                <a16:creationId xmlns:a16="http://schemas.microsoft.com/office/drawing/2014/main" xmlns="" id="{74AD1E48-C50E-4CC7-9772-D0781285D505}"/>
+                <a16:creationId xmlns="" xmlns:a16="http://schemas.microsoft.com/office/drawing/2014/main" id="{74AD1E48-C50E-4CC7-9772-D0781285D505}"/>
               </a:ext>
             </a:extLst>
           </p:cNvPr>
@@ -28251,7 +28251,7 @@
           <p:cNvPr id="30" name="평행 사변형 29">
             <a:extLst>
               <a:ext uri="{FF2B5EF4-FFF2-40B4-BE49-F238E27FC236}">
-                <a16:creationId xmlns:a16="http://schemas.microsoft.com/office/drawing/2014/main" xmlns="" id="{F542A857-1C49-43D5-AD61-20B450FA4CF7}"/>
+                <a16:creationId xmlns="" xmlns:a16="http://schemas.microsoft.com/office/drawing/2014/main" id="{F542A857-1C49-43D5-AD61-20B450FA4CF7}"/>
               </a:ext>
             </a:extLst>
           </p:cNvPr>
@@ -28303,7 +28303,7 @@
     </p:spTree>
     <p:extLst>
       <p:ext uri="{BB962C8B-B14F-4D97-AF65-F5344CB8AC3E}">
-        <p14:creationId xmlns:p14="http://schemas.microsoft.com/office/powerpoint/2010/main" xmlns="" val="3426563175"/>
+        <p14:creationId xmlns="" xmlns:p14="http://schemas.microsoft.com/office/powerpoint/2010/main" val="3426563175"/>
       </p:ext>
     </p:extLst>
   </p:cSld>
@@ -28342,7 +28342,7 @@
           <p:cNvPr id="4" name="TextBox 3">
             <a:extLst>
               <a:ext uri="{FF2B5EF4-FFF2-40B4-BE49-F238E27FC236}">
-                <a16:creationId xmlns:a16="http://schemas.microsoft.com/office/drawing/2014/main" xmlns="" id="{8A0691C3-7305-436E-92C4-7FABA5B3BC5A}"/>
+                <a16:creationId xmlns="" xmlns:a16="http://schemas.microsoft.com/office/drawing/2014/main" id="{8A0691C3-7305-436E-92C4-7FABA5B3BC5A}"/>
               </a:ext>
             </a:extLst>
           </p:cNvPr>
@@ -28388,7 +28388,7 @@
           <p:cNvPr id="5" name="직사각형 4">
             <a:extLst>
               <a:ext uri="{FF2B5EF4-FFF2-40B4-BE49-F238E27FC236}">
-                <a16:creationId xmlns:a16="http://schemas.microsoft.com/office/drawing/2014/main" xmlns="" id="{3FA1F2E3-7440-4B49-AE87-2FDBA05C8671}"/>
+                <a16:creationId xmlns="" xmlns:a16="http://schemas.microsoft.com/office/drawing/2014/main" id="{3FA1F2E3-7440-4B49-AE87-2FDBA05C8671}"/>
               </a:ext>
             </a:extLst>
           </p:cNvPr>
@@ -28561,7 +28561,7 @@
           <p:cNvPr id="7" name="TextBox 6">
             <a:extLst>
               <a:ext uri="{FF2B5EF4-FFF2-40B4-BE49-F238E27FC236}">
-                <a16:creationId xmlns:a16="http://schemas.microsoft.com/office/drawing/2014/main" xmlns="" id="{7E565093-0BD6-46FA-A189-B58EF5E1B2CD}"/>
+                <a16:creationId xmlns="" xmlns:a16="http://schemas.microsoft.com/office/drawing/2014/main" id="{7E565093-0BD6-46FA-A189-B58EF5E1B2CD}"/>
               </a:ext>
             </a:extLst>
           </p:cNvPr>
@@ -28610,7 +28610,7 @@
           <p:cNvPr id="10" name="평행 사변형 9">
             <a:extLst>
               <a:ext uri="{FF2B5EF4-FFF2-40B4-BE49-F238E27FC236}">
-                <a16:creationId xmlns:a16="http://schemas.microsoft.com/office/drawing/2014/main" xmlns="" id="{53A46C1D-7D86-42BC-A878-12D6CB78DA34}"/>
+                <a16:creationId xmlns="" xmlns:a16="http://schemas.microsoft.com/office/drawing/2014/main" id="{53A46C1D-7D86-42BC-A878-12D6CB78DA34}"/>
               </a:ext>
             </a:extLst>
           </p:cNvPr>
@@ -28664,7 +28664,7 @@
           <p:cNvPr id="11" name="평행 사변형 10">
             <a:extLst>
               <a:ext uri="{FF2B5EF4-FFF2-40B4-BE49-F238E27FC236}">
-                <a16:creationId xmlns:a16="http://schemas.microsoft.com/office/drawing/2014/main" xmlns="" id="{61531C94-85FA-48A7-A6CE-809D26AFE6AB}"/>
+                <a16:creationId xmlns="" xmlns:a16="http://schemas.microsoft.com/office/drawing/2014/main" id="{61531C94-85FA-48A7-A6CE-809D26AFE6AB}"/>
               </a:ext>
             </a:extLst>
           </p:cNvPr>
@@ -28718,7 +28718,7 @@
           <p:cNvPr id="12" name="평행 사변형 11">
             <a:extLst>
               <a:ext uri="{FF2B5EF4-FFF2-40B4-BE49-F238E27FC236}">
-                <a16:creationId xmlns:a16="http://schemas.microsoft.com/office/drawing/2014/main" xmlns="" id="{C29859C5-CD6B-4C3E-AD8B-B5BA2994B030}"/>
+                <a16:creationId xmlns="" xmlns:a16="http://schemas.microsoft.com/office/drawing/2014/main" id="{C29859C5-CD6B-4C3E-AD8B-B5BA2994B030}"/>
               </a:ext>
             </a:extLst>
           </p:cNvPr>
@@ -28772,7 +28772,7 @@
           <p:cNvPr id="13" name="평행 사변형 12">
             <a:extLst>
               <a:ext uri="{FF2B5EF4-FFF2-40B4-BE49-F238E27FC236}">
-                <a16:creationId xmlns:a16="http://schemas.microsoft.com/office/drawing/2014/main" xmlns="" id="{DC25EECF-69EB-4701-9C96-A4E3812AB167}"/>
+                <a16:creationId xmlns="" xmlns:a16="http://schemas.microsoft.com/office/drawing/2014/main" id="{DC25EECF-69EB-4701-9C96-A4E3812AB167}"/>
               </a:ext>
             </a:extLst>
           </p:cNvPr>
@@ -28826,7 +28826,7 @@
           <p:cNvPr id="14" name="평행 사변형 13">
             <a:extLst>
               <a:ext uri="{FF2B5EF4-FFF2-40B4-BE49-F238E27FC236}">
-                <a16:creationId xmlns:a16="http://schemas.microsoft.com/office/drawing/2014/main" xmlns="" id="{0A2259BE-6C3E-4DF2-B99D-5FE0C6F4ACE1}"/>
+                <a16:creationId xmlns="" xmlns:a16="http://schemas.microsoft.com/office/drawing/2014/main" id="{0A2259BE-6C3E-4DF2-B99D-5FE0C6F4ACE1}"/>
               </a:ext>
             </a:extLst>
           </p:cNvPr>
@@ -28880,7 +28880,7 @@
           <p:cNvPr id="15" name="평행 사변형 14">
             <a:extLst>
               <a:ext uri="{FF2B5EF4-FFF2-40B4-BE49-F238E27FC236}">
-                <a16:creationId xmlns:a16="http://schemas.microsoft.com/office/drawing/2014/main" xmlns="" id="{78299A58-AC0D-40B3-9297-FC8EA3834B4E}"/>
+                <a16:creationId xmlns="" xmlns:a16="http://schemas.microsoft.com/office/drawing/2014/main" id="{78299A58-AC0D-40B3-9297-FC8EA3834B4E}"/>
               </a:ext>
             </a:extLst>
           </p:cNvPr>
@@ -28934,7 +28934,7 @@
           <p:cNvPr id="8" name="TextBox 7">
             <a:extLst>
               <a:ext uri="{FF2B5EF4-FFF2-40B4-BE49-F238E27FC236}">
-                <a16:creationId xmlns:a16="http://schemas.microsoft.com/office/drawing/2014/main" xmlns="" id="{B58F1DD2-C4C5-4F9B-9952-12213981C29E}"/>
+                <a16:creationId xmlns="" xmlns:a16="http://schemas.microsoft.com/office/drawing/2014/main" id="{B58F1DD2-C4C5-4F9B-9952-12213981C29E}"/>
               </a:ext>
             </a:extLst>
           </p:cNvPr>
@@ -29016,7 +29016,25 @@
                 </a:solidFill>
                 <a:latin typeface="+mj-lt"/>
               </a:rPr>
-              <a:t>프로그램 기획의도</a:t>
+              <a:t>프로그램 </a:t>
+            </a:r>
+            <a:r>
+              <a:rPr lang="ko-KR" altLang="en-US" sz="2000" b="1" dirty="0" smtClean="0">
+                <a:solidFill>
+                  <a:schemeClr val="bg1"/>
+                </a:solidFill>
+                <a:latin typeface="+mj-lt"/>
+              </a:rPr>
+              <a:t>개발목</a:t>
+            </a:r>
+            <a:r>
+              <a:rPr lang="ko-KR" altLang="en-US" sz="2000" b="1" dirty="0" smtClean="0">
+                <a:solidFill>
+                  <a:schemeClr val="bg1"/>
+                </a:solidFill>
+                <a:latin typeface="+mj-lt"/>
+              </a:rPr>
+              <a:t>적</a:t>
             </a:r>
             <a:endParaRPr lang="en-US" altLang="ko-KR" sz="2000" b="1" dirty="0" smtClean="0">
               <a:solidFill>
@@ -29191,7 +29209,7 @@
     </p:spTree>
     <p:extLst>
       <p:ext uri="{BB962C8B-B14F-4D97-AF65-F5344CB8AC3E}">
-        <p14:creationId xmlns:p14="http://schemas.microsoft.com/office/powerpoint/2010/main" xmlns="" val="602580029"/>
+        <p14:creationId xmlns="" xmlns:p14="http://schemas.microsoft.com/office/powerpoint/2010/main" val="602580029"/>
       </p:ext>
     </p:extLst>
   </p:cSld>
@@ -29238,7 +29256,7 @@
           <p:cNvPr id="4" name="TextBox 3">
             <a:extLst>
               <a:ext uri="{FF2B5EF4-FFF2-40B4-BE49-F238E27FC236}">
-                <a16:creationId xmlns:a16="http://schemas.microsoft.com/office/drawing/2014/main" xmlns="" id="{AF15595A-4DC1-4D06-B4D9-43DA2F5E6601}"/>
+                <a16:creationId xmlns="" xmlns:a16="http://schemas.microsoft.com/office/drawing/2014/main" id="{AF15595A-4DC1-4D06-B4D9-43DA2F5E6601}"/>
               </a:ext>
             </a:extLst>
           </p:cNvPr>
@@ -29285,7 +29303,7 @@
           <p:cNvPr id="26" name="평행 사변형 25">
             <a:extLst>
               <a:ext uri="{FF2B5EF4-FFF2-40B4-BE49-F238E27FC236}">
-                <a16:creationId xmlns:a16="http://schemas.microsoft.com/office/drawing/2014/main" xmlns="" id="{ACA7FA6B-0F6F-482A-86A1-4A525FE8B044}"/>
+                <a16:creationId xmlns="" xmlns:a16="http://schemas.microsoft.com/office/drawing/2014/main" id="{ACA7FA6B-0F6F-482A-86A1-4A525FE8B044}"/>
               </a:ext>
             </a:extLst>
           </p:cNvPr>
@@ -29341,7 +29359,7 @@
           <p:cNvPr id="32" name="자유형: 도형 31">
             <a:extLst>
               <a:ext uri="{FF2B5EF4-FFF2-40B4-BE49-F238E27FC236}">
-                <a16:creationId xmlns:a16="http://schemas.microsoft.com/office/drawing/2014/main" xmlns="" id="{74AD1E48-C50E-4CC7-9772-D0781285D505}"/>
+                <a16:creationId xmlns="" xmlns:a16="http://schemas.microsoft.com/office/drawing/2014/main" id="{74AD1E48-C50E-4CC7-9772-D0781285D505}"/>
               </a:ext>
             </a:extLst>
           </p:cNvPr>
@@ -29447,7 +29465,7 @@
           <p:cNvPr id="30" name="평행 사변형 29">
             <a:extLst>
               <a:ext uri="{FF2B5EF4-FFF2-40B4-BE49-F238E27FC236}">
-                <a16:creationId xmlns:a16="http://schemas.microsoft.com/office/drawing/2014/main" xmlns="" id="{F542A857-1C49-43D5-AD61-20B450FA4CF7}"/>
+                <a16:creationId xmlns="" xmlns:a16="http://schemas.microsoft.com/office/drawing/2014/main" id="{F542A857-1C49-43D5-AD61-20B450FA4CF7}"/>
               </a:ext>
             </a:extLst>
           </p:cNvPr>
@@ -29499,7 +29517,7 @@
     </p:spTree>
     <p:extLst>
       <p:ext uri="{BB962C8B-B14F-4D97-AF65-F5344CB8AC3E}">
-        <p14:creationId xmlns:p14="http://schemas.microsoft.com/office/powerpoint/2010/main" xmlns="" val="3426563175"/>
+        <p14:creationId xmlns="" xmlns:p14="http://schemas.microsoft.com/office/powerpoint/2010/main" val="3426563175"/>
       </p:ext>
     </p:extLst>
   </p:cSld>
@@ -29538,7 +29556,7 @@
           <p:cNvPr id="4" name="TextBox 3">
             <a:extLst>
               <a:ext uri="{FF2B5EF4-FFF2-40B4-BE49-F238E27FC236}">
-                <a16:creationId xmlns:a16="http://schemas.microsoft.com/office/drawing/2014/main" xmlns="" id="{AF15595A-4DC1-4D06-B4D9-43DA2F5E6601}"/>
+                <a16:creationId xmlns="" xmlns:a16="http://schemas.microsoft.com/office/drawing/2014/main" id="{AF15595A-4DC1-4D06-B4D9-43DA2F5E6601}"/>
               </a:ext>
             </a:extLst>
           </p:cNvPr>
@@ -29585,7 +29603,7 @@
           <p:cNvPr id="6" name="TextBox 5">
             <a:extLst>
               <a:ext uri="{FF2B5EF4-FFF2-40B4-BE49-F238E27FC236}">
-                <a16:creationId xmlns:a16="http://schemas.microsoft.com/office/drawing/2014/main" xmlns="" id="{F3529106-B869-4FB1-A9B3-16280FCA314C}"/>
+                <a16:creationId xmlns="" xmlns:a16="http://schemas.microsoft.com/office/drawing/2014/main" id="{F3529106-B869-4FB1-A9B3-16280FCA314C}"/>
               </a:ext>
             </a:extLst>
           </p:cNvPr>
@@ -29637,7 +29655,7 @@
           <p:cNvPr id="2" name="그룹 22">
             <a:extLst>
               <a:ext uri="{FF2B5EF4-FFF2-40B4-BE49-F238E27FC236}">
-                <a16:creationId xmlns:a16="http://schemas.microsoft.com/office/drawing/2014/main" xmlns="" id="{D823FFAC-3A03-4EC8-9678-216D3E80497D}"/>
+                <a16:creationId xmlns="" xmlns:a16="http://schemas.microsoft.com/office/drawing/2014/main" id="{D823FFAC-3A03-4EC8-9678-216D3E80497D}"/>
               </a:ext>
             </a:extLst>
           </p:cNvPr>
@@ -29657,7 +29675,7 @@
             <p:cNvPr id="10" name="Google Shape;408;p21">
               <a:extLst>
                 <a:ext uri="{FF2B5EF4-FFF2-40B4-BE49-F238E27FC236}">
-                  <a16:creationId xmlns:a16="http://schemas.microsoft.com/office/drawing/2014/main" xmlns="" id="{3BD6E8B1-EB00-4486-8D71-6EFF022DE541}"/>
+                  <a16:creationId xmlns="" xmlns:a16="http://schemas.microsoft.com/office/drawing/2014/main" id="{3BD6E8B1-EB00-4486-8D71-6EFF022DE541}"/>
                 </a:ext>
               </a:extLst>
             </p:cNvPr>
@@ -29724,7 +29742,7 @@
             <p:cNvPr id="12" name="Google Shape;409;p21">
               <a:extLst>
                 <a:ext uri="{FF2B5EF4-FFF2-40B4-BE49-F238E27FC236}">
-                  <a16:creationId xmlns:a16="http://schemas.microsoft.com/office/drawing/2014/main" xmlns="" id="{BF0B9D7B-24F6-4EC0-A96E-9BDCA994F11C}"/>
+                  <a16:creationId xmlns="" xmlns:a16="http://schemas.microsoft.com/office/drawing/2014/main" id="{BF0B9D7B-24F6-4EC0-A96E-9BDCA994F11C}"/>
                 </a:ext>
               </a:extLst>
             </p:cNvPr>
@@ -29787,7 +29805,7 @@
           <p:cNvPr id="3" name="그룹 21">
             <a:extLst>
               <a:ext uri="{FF2B5EF4-FFF2-40B4-BE49-F238E27FC236}">
-                <a16:creationId xmlns:a16="http://schemas.microsoft.com/office/drawing/2014/main" xmlns="" id="{8AFF46A9-D6EC-4190-9870-942BE436CE76}"/>
+                <a16:creationId xmlns="" xmlns:a16="http://schemas.microsoft.com/office/drawing/2014/main" id="{8AFF46A9-D6EC-4190-9870-942BE436CE76}"/>
               </a:ext>
             </a:extLst>
           </p:cNvPr>
@@ -29807,7 +29825,7 @@
             <p:cNvPr id="14" name="Google Shape;408;p21">
               <a:extLst>
                 <a:ext uri="{FF2B5EF4-FFF2-40B4-BE49-F238E27FC236}">
-                  <a16:creationId xmlns:a16="http://schemas.microsoft.com/office/drawing/2014/main" xmlns="" id="{FD52CC8C-FA46-4D8D-93F1-3764DFEEFD99}"/>
+                  <a16:creationId xmlns="" xmlns:a16="http://schemas.microsoft.com/office/drawing/2014/main" id="{FD52CC8C-FA46-4D8D-93F1-3764DFEEFD99}"/>
                 </a:ext>
               </a:extLst>
             </p:cNvPr>
@@ -29858,7 +29876,7 @@
             <p:cNvPr id="16" name="Google Shape;409;p21">
               <a:extLst>
                 <a:ext uri="{FF2B5EF4-FFF2-40B4-BE49-F238E27FC236}">
-                  <a16:creationId xmlns:a16="http://schemas.microsoft.com/office/drawing/2014/main" xmlns="" id="{2D374D68-434C-4123-80F6-6F87E34140A7}"/>
+                  <a16:creationId xmlns="" xmlns:a16="http://schemas.microsoft.com/office/drawing/2014/main" id="{2D374D68-434C-4123-80F6-6F87E34140A7}"/>
                 </a:ext>
               </a:extLst>
             </p:cNvPr>
@@ -29905,7 +29923,7 @@
           <p:cNvPr id="5" name="그룹 20">
             <a:extLst>
               <a:ext uri="{FF2B5EF4-FFF2-40B4-BE49-F238E27FC236}">
-                <a16:creationId xmlns:a16="http://schemas.microsoft.com/office/drawing/2014/main" xmlns="" id="{3A621151-F292-417B-9F0E-F08EC08AB05D}"/>
+                <a16:creationId xmlns="" xmlns:a16="http://schemas.microsoft.com/office/drawing/2014/main" id="{3A621151-F292-417B-9F0E-F08EC08AB05D}"/>
               </a:ext>
             </a:extLst>
           </p:cNvPr>
@@ -29925,7 +29943,7 @@
             <p:cNvPr id="18" name="Google Shape;408;p21">
               <a:extLst>
                 <a:ext uri="{FF2B5EF4-FFF2-40B4-BE49-F238E27FC236}">
-                  <a16:creationId xmlns:a16="http://schemas.microsoft.com/office/drawing/2014/main" xmlns="" id="{492A18C1-E6D2-4D50-B0FA-2149EF4A5775}"/>
+                  <a16:creationId xmlns="" xmlns:a16="http://schemas.microsoft.com/office/drawing/2014/main" id="{492A18C1-E6D2-4D50-B0FA-2149EF4A5775}"/>
                 </a:ext>
               </a:extLst>
             </p:cNvPr>
@@ -29976,7 +29994,7 @@
             <p:cNvPr id="20" name="Google Shape;409;p21">
               <a:extLst>
                 <a:ext uri="{FF2B5EF4-FFF2-40B4-BE49-F238E27FC236}">
-                  <a16:creationId xmlns:a16="http://schemas.microsoft.com/office/drawing/2014/main" xmlns="" id="{B6C65D2E-2696-4FF7-B653-B19DE6236D5F}"/>
+                  <a16:creationId xmlns="" xmlns:a16="http://schemas.microsoft.com/office/drawing/2014/main" id="{B6C65D2E-2696-4FF7-B653-B19DE6236D5F}"/>
                 </a:ext>
               </a:extLst>
             </p:cNvPr>
@@ -30028,7 +30046,7 @@
           <p:cNvPr id="26" name="평행 사변형 25">
             <a:extLst>
               <a:ext uri="{FF2B5EF4-FFF2-40B4-BE49-F238E27FC236}">
-                <a16:creationId xmlns:a16="http://schemas.microsoft.com/office/drawing/2014/main" xmlns="" id="{ACA7FA6B-0F6F-482A-86A1-4A525FE8B044}"/>
+                <a16:creationId xmlns="" xmlns:a16="http://schemas.microsoft.com/office/drawing/2014/main" id="{ACA7FA6B-0F6F-482A-86A1-4A525FE8B044}"/>
               </a:ext>
             </a:extLst>
           </p:cNvPr>
@@ -30084,7 +30102,7 @@
           <p:cNvPr id="32" name="자유형: 도형 31">
             <a:extLst>
               <a:ext uri="{FF2B5EF4-FFF2-40B4-BE49-F238E27FC236}">
-                <a16:creationId xmlns:a16="http://schemas.microsoft.com/office/drawing/2014/main" xmlns="" id="{74AD1E48-C50E-4CC7-9772-D0781285D505}"/>
+                <a16:creationId xmlns="" xmlns:a16="http://schemas.microsoft.com/office/drawing/2014/main" id="{74AD1E48-C50E-4CC7-9772-D0781285D505}"/>
               </a:ext>
             </a:extLst>
           </p:cNvPr>
@@ -30190,7 +30208,7 @@
           <p:cNvPr id="30" name="평행 사변형 29">
             <a:extLst>
               <a:ext uri="{FF2B5EF4-FFF2-40B4-BE49-F238E27FC236}">
-                <a16:creationId xmlns:a16="http://schemas.microsoft.com/office/drawing/2014/main" xmlns="" id="{F542A857-1C49-43D5-AD61-20B450FA4CF7}"/>
+                <a16:creationId xmlns="" xmlns:a16="http://schemas.microsoft.com/office/drawing/2014/main" id="{F542A857-1C49-43D5-AD61-20B450FA4CF7}"/>
               </a:ext>
             </a:extLst>
           </p:cNvPr>
@@ -30242,7 +30260,7 @@
     </p:spTree>
     <p:extLst>
       <p:ext uri="{BB962C8B-B14F-4D97-AF65-F5344CB8AC3E}">
-        <p14:creationId xmlns:p14="http://schemas.microsoft.com/office/powerpoint/2010/main" xmlns="" val="3426563175"/>
+        <p14:creationId xmlns="" xmlns:p14="http://schemas.microsoft.com/office/powerpoint/2010/main" val="3426563175"/>
       </p:ext>
     </p:extLst>
   </p:cSld>
@@ -30281,7 +30299,7 @@
           <p:cNvPr id="2" name="그룹 22">
             <a:extLst>
               <a:ext uri="{FF2B5EF4-FFF2-40B4-BE49-F238E27FC236}">
-                <a16:creationId xmlns:a16="http://schemas.microsoft.com/office/drawing/2014/main" xmlns="" id="{D823FFAC-3A03-4EC8-9678-216D3E80497D}"/>
+                <a16:creationId xmlns="" xmlns:a16="http://schemas.microsoft.com/office/drawing/2014/main" id="{D823FFAC-3A03-4EC8-9678-216D3E80497D}"/>
               </a:ext>
             </a:extLst>
           </p:cNvPr>
@@ -30301,7 +30319,7 @@
             <p:cNvPr id="10" name="Google Shape;408;p21">
               <a:extLst>
                 <a:ext uri="{FF2B5EF4-FFF2-40B4-BE49-F238E27FC236}">
-                  <a16:creationId xmlns:a16="http://schemas.microsoft.com/office/drawing/2014/main" xmlns="" id="{3BD6E8B1-EB00-4486-8D71-6EFF022DE541}"/>
+                  <a16:creationId xmlns="" xmlns:a16="http://schemas.microsoft.com/office/drawing/2014/main" id="{3BD6E8B1-EB00-4486-8D71-6EFF022DE541}"/>
                 </a:ext>
               </a:extLst>
             </p:cNvPr>
@@ -30368,7 +30386,7 @@
             <p:cNvPr id="12" name="Google Shape;409;p21">
               <a:extLst>
                 <a:ext uri="{FF2B5EF4-FFF2-40B4-BE49-F238E27FC236}">
-                  <a16:creationId xmlns:a16="http://schemas.microsoft.com/office/drawing/2014/main" xmlns="" id="{BF0B9D7B-24F6-4EC0-A96E-9BDCA994F11C}"/>
+                  <a16:creationId xmlns="" xmlns:a16="http://schemas.microsoft.com/office/drawing/2014/main" id="{BF0B9D7B-24F6-4EC0-A96E-9BDCA994F11C}"/>
                 </a:ext>
               </a:extLst>
             </p:cNvPr>
@@ -30431,7 +30449,7 @@
           <p:cNvPr id="3" name="그룹 21">
             <a:extLst>
               <a:ext uri="{FF2B5EF4-FFF2-40B4-BE49-F238E27FC236}">
-                <a16:creationId xmlns:a16="http://schemas.microsoft.com/office/drawing/2014/main" xmlns="" id="{8AFF46A9-D6EC-4190-9870-942BE436CE76}"/>
+                <a16:creationId xmlns="" xmlns:a16="http://schemas.microsoft.com/office/drawing/2014/main" id="{8AFF46A9-D6EC-4190-9870-942BE436CE76}"/>
               </a:ext>
             </a:extLst>
           </p:cNvPr>
@@ -30451,7 +30469,7 @@
             <p:cNvPr id="14" name="Google Shape;408;p21">
               <a:extLst>
                 <a:ext uri="{FF2B5EF4-FFF2-40B4-BE49-F238E27FC236}">
-                  <a16:creationId xmlns:a16="http://schemas.microsoft.com/office/drawing/2014/main" xmlns="" id="{FD52CC8C-FA46-4D8D-93F1-3764DFEEFD99}"/>
+                  <a16:creationId xmlns="" xmlns:a16="http://schemas.microsoft.com/office/drawing/2014/main" id="{FD52CC8C-FA46-4D8D-93F1-3764DFEEFD99}"/>
                 </a:ext>
               </a:extLst>
             </p:cNvPr>
@@ -30502,7 +30520,7 @@
             <p:cNvPr id="16" name="Google Shape;409;p21">
               <a:extLst>
                 <a:ext uri="{FF2B5EF4-FFF2-40B4-BE49-F238E27FC236}">
-                  <a16:creationId xmlns:a16="http://schemas.microsoft.com/office/drawing/2014/main" xmlns="" id="{2D374D68-434C-4123-80F6-6F87E34140A7}"/>
+                  <a16:creationId xmlns="" xmlns:a16="http://schemas.microsoft.com/office/drawing/2014/main" id="{2D374D68-434C-4123-80F6-6F87E34140A7}"/>
                 </a:ext>
               </a:extLst>
             </p:cNvPr>
@@ -30549,7 +30567,7 @@
           <p:cNvPr id="26" name="평행 사변형 25">
             <a:extLst>
               <a:ext uri="{FF2B5EF4-FFF2-40B4-BE49-F238E27FC236}">
-                <a16:creationId xmlns:a16="http://schemas.microsoft.com/office/drawing/2014/main" xmlns="" id="{ACA7FA6B-0F6F-482A-86A1-4A525FE8B044}"/>
+                <a16:creationId xmlns="" xmlns:a16="http://schemas.microsoft.com/office/drawing/2014/main" id="{ACA7FA6B-0F6F-482A-86A1-4A525FE8B044}"/>
               </a:ext>
             </a:extLst>
           </p:cNvPr>
@@ -30605,7 +30623,7 @@
           <p:cNvPr id="32" name="자유형: 도형 31">
             <a:extLst>
               <a:ext uri="{FF2B5EF4-FFF2-40B4-BE49-F238E27FC236}">
-                <a16:creationId xmlns:a16="http://schemas.microsoft.com/office/drawing/2014/main" xmlns="" id="{74AD1E48-C50E-4CC7-9772-D0781285D505}"/>
+                <a16:creationId xmlns="" xmlns:a16="http://schemas.microsoft.com/office/drawing/2014/main" id="{74AD1E48-C50E-4CC7-9772-D0781285D505}"/>
               </a:ext>
             </a:extLst>
           </p:cNvPr>
@@ -30711,7 +30729,7 @@
           <p:cNvPr id="30" name="평행 사변형 29">
             <a:extLst>
               <a:ext uri="{FF2B5EF4-FFF2-40B4-BE49-F238E27FC236}">
-                <a16:creationId xmlns:a16="http://schemas.microsoft.com/office/drawing/2014/main" xmlns="" id="{F542A857-1C49-43D5-AD61-20B450FA4CF7}"/>
+                <a16:creationId xmlns="" xmlns:a16="http://schemas.microsoft.com/office/drawing/2014/main" id="{F542A857-1C49-43D5-AD61-20B450FA4CF7}"/>
               </a:ext>
             </a:extLst>
           </p:cNvPr>
@@ -30765,7 +30783,7 @@
           <p:cNvPr id="17" name="TextBox 16">
             <a:extLst>
               <a:ext uri="{FF2B5EF4-FFF2-40B4-BE49-F238E27FC236}">
-                <a16:creationId xmlns:a16="http://schemas.microsoft.com/office/drawing/2014/main" xmlns="" id="{269FE0EF-38E0-4B41-9E67-BFA233F92B3F}"/>
+                <a16:creationId xmlns="" xmlns:a16="http://schemas.microsoft.com/office/drawing/2014/main" id="{269FE0EF-38E0-4B41-9E67-BFA233F92B3F}"/>
               </a:ext>
             </a:extLst>
           </p:cNvPr>
@@ -30820,7 +30838,7 @@
           <p:cNvPr id="19" name="순서도: 데이터 18">
             <a:extLst>
               <a:ext uri="{FF2B5EF4-FFF2-40B4-BE49-F238E27FC236}">
-                <a16:creationId xmlns:a16="http://schemas.microsoft.com/office/drawing/2014/main" xmlns="" id="{32A37F53-9CC8-4E99-A828-DE9CBAB8861E}"/>
+                <a16:creationId xmlns="" xmlns:a16="http://schemas.microsoft.com/office/drawing/2014/main" id="{32A37F53-9CC8-4E99-A828-DE9CBAB8861E}"/>
               </a:ext>
             </a:extLst>
           </p:cNvPr>
@@ -30878,7 +30896,7 @@
           <p:cNvPr id="21" name="순서도: 데이터 20">
             <a:extLst>
               <a:ext uri="{FF2B5EF4-FFF2-40B4-BE49-F238E27FC236}">
-                <a16:creationId xmlns:a16="http://schemas.microsoft.com/office/drawing/2014/main" xmlns="" id="{4C97C058-7CC2-40CD-A0B7-B09E0BDC0052}"/>
+                <a16:creationId xmlns="" xmlns:a16="http://schemas.microsoft.com/office/drawing/2014/main" id="{4C97C058-7CC2-40CD-A0B7-B09E0BDC0052}"/>
               </a:ext>
             </a:extLst>
           </p:cNvPr>
@@ -30936,7 +30954,7 @@
           <p:cNvPr id="22" name="TextBox 21">
             <a:extLst>
               <a:ext uri="{FF2B5EF4-FFF2-40B4-BE49-F238E27FC236}">
-                <a16:creationId xmlns:a16="http://schemas.microsoft.com/office/drawing/2014/main" xmlns="" id="{99CAA9EA-D06E-46D8-96D2-A54D5AB77730}"/>
+                <a16:creationId xmlns="" xmlns:a16="http://schemas.microsoft.com/office/drawing/2014/main" id="{99CAA9EA-D06E-46D8-96D2-A54D5AB77730}"/>
               </a:ext>
             </a:extLst>
           </p:cNvPr>
@@ -31025,7 +31043,7 @@
           <p:cNvPr id="23" name="TextBox 22">
             <a:extLst>
               <a:ext uri="{FF2B5EF4-FFF2-40B4-BE49-F238E27FC236}">
-                <a16:creationId xmlns:a16="http://schemas.microsoft.com/office/drawing/2014/main" xmlns="" id="{A2716BE8-A326-476C-9E98-28427B29E7A3}"/>
+                <a16:creationId xmlns="" xmlns:a16="http://schemas.microsoft.com/office/drawing/2014/main" id="{A2716BE8-A326-476C-9E98-28427B29E7A3}"/>
               </a:ext>
             </a:extLst>
           </p:cNvPr>
@@ -31098,7 +31116,7 @@
           <p:cNvPr id="24" name="TextBox 23">
             <a:extLst>
               <a:ext uri="{FF2B5EF4-FFF2-40B4-BE49-F238E27FC236}">
-                <a16:creationId xmlns:a16="http://schemas.microsoft.com/office/drawing/2014/main" xmlns="" id="{B7E6B925-9FA1-4D62-AA6F-79E89772B3CB}"/>
+                <a16:creationId xmlns="" xmlns:a16="http://schemas.microsoft.com/office/drawing/2014/main" id="{B7E6B925-9FA1-4D62-AA6F-79E89772B3CB}"/>
               </a:ext>
             </a:extLst>
           </p:cNvPr>
@@ -31223,7 +31241,7 @@
           <p:cNvPr id="25" name="TextBox 24">
             <a:extLst>
               <a:ext uri="{FF2B5EF4-FFF2-40B4-BE49-F238E27FC236}">
-                <a16:creationId xmlns:a16="http://schemas.microsoft.com/office/drawing/2014/main" xmlns="" id="{62B85FDC-8B48-43BA-80EF-2B39BFBDBBA6}"/>
+                <a16:creationId xmlns="" xmlns:a16="http://schemas.microsoft.com/office/drawing/2014/main" id="{62B85FDC-8B48-43BA-80EF-2B39BFBDBBA6}"/>
               </a:ext>
             </a:extLst>
           </p:cNvPr>
@@ -31269,7 +31287,7 @@
           <p:cNvPr id="28" name="직선 연결선 27">
             <a:extLst>
               <a:ext uri="{FF2B5EF4-FFF2-40B4-BE49-F238E27FC236}">
-                <a16:creationId xmlns:a16="http://schemas.microsoft.com/office/drawing/2014/main" xmlns="" id="{175239A3-B318-412E-A7F0-9085CCDE7787}"/>
+                <a16:creationId xmlns="" xmlns:a16="http://schemas.microsoft.com/office/drawing/2014/main" id="{175239A3-B318-412E-A7F0-9085CCDE7787}"/>
               </a:ext>
             </a:extLst>
           </p:cNvPr>
@@ -31305,7 +31323,7 @@
           <p:cNvPr id="29" name="직선 연결선 28">
             <a:extLst>
               <a:ext uri="{FF2B5EF4-FFF2-40B4-BE49-F238E27FC236}">
-                <a16:creationId xmlns:a16="http://schemas.microsoft.com/office/drawing/2014/main" xmlns="" id="{89E37F87-29C0-429A-92A9-69274F65D1EC}"/>
+                <a16:creationId xmlns="" xmlns:a16="http://schemas.microsoft.com/office/drawing/2014/main" id="{89E37F87-29C0-429A-92A9-69274F65D1EC}"/>
               </a:ext>
             </a:extLst>
           </p:cNvPr>
@@ -31346,7 +31364,7 @@
           <p:cNvPr id="31" name="직선 연결선 30">
             <a:extLst>
               <a:ext uri="{FF2B5EF4-FFF2-40B4-BE49-F238E27FC236}">
-                <a16:creationId xmlns:a16="http://schemas.microsoft.com/office/drawing/2014/main" xmlns="" id="{4E7C1D28-265F-4712-8897-A2E49B3A8F70}"/>
+                <a16:creationId xmlns="" xmlns:a16="http://schemas.microsoft.com/office/drawing/2014/main" id="{4E7C1D28-265F-4712-8897-A2E49B3A8F70}"/>
               </a:ext>
             </a:extLst>
           </p:cNvPr>
@@ -31390,7 +31408,7 @@
           <p:cNvPr id="33" name="타원 32">
             <a:extLst>
               <a:ext uri="{FF2B5EF4-FFF2-40B4-BE49-F238E27FC236}">
-                <a16:creationId xmlns:a16="http://schemas.microsoft.com/office/drawing/2014/main" xmlns="" id="{0E2BFFF7-3D0C-471D-B513-9EADAE5E4349}"/>
+                <a16:creationId xmlns="" xmlns:a16="http://schemas.microsoft.com/office/drawing/2014/main" id="{0E2BFFF7-3D0C-471D-B513-9EADAE5E4349}"/>
               </a:ext>
             </a:extLst>
           </p:cNvPr>
@@ -31439,7 +31457,7 @@
           <p:cNvPr id="34" name="타원 33">
             <a:extLst>
               <a:ext uri="{FF2B5EF4-FFF2-40B4-BE49-F238E27FC236}">
-                <a16:creationId xmlns:a16="http://schemas.microsoft.com/office/drawing/2014/main" xmlns="" id="{E4BED305-335E-49FD-BB19-CB45EFE38762}"/>
+                <a16:creationId xmlns="" xmlns:a16="http://schemas.microsoft.com/office/drawing/2014/main" id="{E4BED305-335E-49FD-BB19-CB45EFE38762}"/>
               </a:ext>
             </a:extLst>
           </p:cNvPr>
@@ -31497,7 +31515,7 @@
           <p:cNvPr id="35" name="타원 34">
             <a:extLst>
               <a:ext uri="{FF2B5EF4-FFF2-40B4-BE49-F238E27FC236}">
-                <a16:creationId xmlns:a16="http://schemas.microsoft.com/office/drawing/2014/main" xmlns="" id="{233DCED1-4972-4414-93AE-F88A5AF40065}"/>
+                <a16:creationId xmlns="" xmlns:a16="http://schemas.microsoft.com/office/drawing/2014/main" id="{233DCED1-4972-4414-93AE-F88A5AF40065}"/>
               </a:ext>
             </a:extLst>
           </p:cNvPr>
@@ -31558,7 +31576,7 @@
           <p:cNvPr id="36" name="그룹 35">
             <a:extLst>
               <a:ext uri="{FF2B5EF4-FFF2-40B4-BE49-F238E27FC236}">
-                <a16:creationId xmlns:a16="http://schemas.microsoft.com/office/drawing/2014/main" xmlns="" id="{1078FC8D-C539-46BC-A592-E88E7F3F8B8D}"/>
+                <a16:creationId xmlns="" xmlns:a16="http://schemas.microsoft.com/office/drawing/2014/main" id="{1078FC8D-C539-46BC-A592-E88E7F3F8B8D}"/>
               </a:ext>
             </a:extLst>
           </p:cNvPr>
@@ -31581,7 +31599,7 @@
             <p:cNvPr id="37" name="Freeform 7">
               <a:extLst>
                 <a:ext uri="{FF2B5EF4-FFF2-40B4-BE49-F238E27FC236}">
-                  <a16:creationId xmlns:a16="http://schemas.microsoft.com/office/drawing/2014/main" xmlns="" id="{47B55454-D939-425D-9075-FF61D877EDC6}"/>
+                  <a16:creationId xmlns="" xmlns:a16="http://schemas.microsoft.com/office/drawing/2014/main" id="{47B55454-D939-425D-9075-FF61D877EDC6}"/>
                 </a:ext>
               </a:extLst>
             </p:cNvPr>
@@ -31712,7 +31730,7 @@
             </a:ln>
             <a:extLst>
               <a:ext uri="{91240B29-F687-4F45-9708-019B960494DF}">
-                <a14:hiddenLine xmlns:a14="http://schemas.microsoft.com/office/drawing/2010/main" xmlns="" w="9525">
+                <a14:hiddenLine xmlns="" xmlns:a14="http://schemas.microsoft.com/office/drawing/2010/main" w="9525">
                   <a:solidFill>
                     <a:srgbClr val="000000"/>
                   </a:solidFill>
@@ -31740,7 +31758,7 @@
             <p:cNvPr id="38" name="Freeform 8">
               <a:extLst>
                 <a:ext uri="{FF2B5EF4-FFF2-40B4-BE49-F238E27FC236}">
-                  <a16:creationId xmlns:a16="http://schemas.microsoft.com/office/drawing/2014/main" xmlns="" id="{D681A811-491F-4984-A359-A91823D0A829}"/>
+                  <a16:creationId xmlns="" xmlns:a16="http://schemas.microsoft.com/office/drawing/2014/main" id="{D681A811-491F-4984-A359-A91823D0A829}"/>
                 </a:ext>
               </a:extLst>
             </p:cNvPr>
@@ -31862,7 +31880,7 @@
             </a:ln>
             <a:extLst>
               <a:ext uri="{91240B29-F687-4F45-9708-019B960494DF}">
-                <a14:hiddenLine xmlns:a14="http://schemas.microsoft.com/office/drawing/2010/main" xmlns="" w="9525">
+                <a14:hiddenLine xmlns="" xmlns:a14="http://schemas.microsoft.com/office/drawing/2010/main" w="9525">
                   <a:solidFill>
                     <a:srgbClr val="000000"/>
                   </a:solidFill>
@@ -31890,7 +31908,7 @@
             <p:cNvPr id="39" name="Freeform 113">
               <a:extLst>
                 <a:ext uri="{FF2B5EF4-FFF2-40B4-BE49-F238E27FC236}">
-                  <a16:creationId xmlns:a16="http://schemas.microsoft.com/office/drawing/2014/main" xmlns="" id="{58EEE218-FA06-4CE5-9804-5B8E30A53331}"/>
+                  <a16:creationId xmlns="" xmlns:a16="http://schemas.microsoft.com/office/drawing/2014/main" id="{58EEE218-FA06-4CE5-9804-5B8E30A53331}"/>
                 </a:ext>
               </a:extLst>
             </p:cNvPr>
@@ -31990,7 +32008,7 @@
             </a:ln>
             <a:extLst>
               <a:ext uri="{91240B29-F687-4F45-9708-019B960494DF}">
-                <a14:hiddenLine xmlns:a14="http://schemas.microsoft.com/office/drawing/2010/main" xmlns="" w="9525">
+                <a14:hiddenLine xmlns="" xmlns:a14="http://schemas.microsoft.com/office/drawing/2010/main" w="9525">
                   <a:solidFill>
                     <a:srgbClr val="000000"/>
                   </a:solidFill>
@@ -32018,7 +32036,7 @@
             <p:cNvPr id="40" name="Freeform 114">
               <a:extLst>
                 <a:ext uri="{FF2B5EF4-FFF2-40B4-BE49-F238E27FC236}">
-                  <a16:creationId xmlns:a16="http://schemas.microsoft.com/office/drawing/2014/main" xmlns="" id="{7DFB7E78-04ED-4CE1-888C-3699D4702A5C}"/>
+                  <a16:creationId xmlns="" xmlns:a16="http://schemas.microsoft.com/office/drawing/2014/main" id="{7DFB7E78-04ED-4CE1-888C-3699D4702A5C}"/>
                 </a:ext>
               </a:extLst>
             </p:cNvPr>
@@ -32118,7 +32136,7 @@
             </a:ln>
             <a:extLst>
               <a:ext uri="{91240B29-F687-4F45-9708-019B960494DF}">
-                <a14:hiddenLine xmlns:a14="http://schemas.microsoft.com/office/drawing/2010/main" xmlns="" w="9525">
+                <a14:hiddenLine xmlns="" xmlns:a14="http://schemas.microsoft.com/office/drawing/2010/main" w="9525">
                   <a:solidFill>
                     <a:srgbClr val="000000"/>
                   </a:solidFill>
@@ -32146,7 +32164,7 @@
             <p:cNvPr id="41" name="Freeform 127">
               <a:extLst>
                 <a:ext uri="{FF2B5EF4-FFF2-40B4-BE49-F238E27FC236}">
-                  <a16:creationId xmlns:a16="http://schemas.microsoft.com/office/drawing/2014/main" xmlns="" id="{C43C498B-D037-4AE1-9C60-8F3C370B7DF6}"/>
+                  <a16:creationId xmlns="" xmlns:a16="http://schemas.microsoft.com/office/drawing/2014/main" id="{C43C498B-D037-4AE1-9C60-8F3C370B7DF6}"/>
                 </a:ext>
               </a:extLst>
             </p:cNvPr>
@@ -32277,7 +32295,7 @@
             </a:ln>
             <a:extLst>
               <a:ext uri="{91240B29-F687-4F45-9708-019B960494DF}">
-                <a14:hiddenLine xmlns:a14="http://schemas.microsoft.com/office/drawing/2010/main" xmlns="" w="9525">
+                <a14:hiddenLine xmlns="" xmlns:a14="http://schemas.microsoft.com/office/drawing/2010/main" w="9525">
                   <a:solidFill>
                     <a:srgbClr val="000000"/>
                   </a:solidFill>
@@ -32305,7 +32323,7 @@
             <p:cNvPr id="42" name="Rectangle 128">
               <a:extLst>
                 <a:ext uri="{FF2B5EF4-FFF2-40B4-BE49-F238E27FC236}">
-                  <a16:creationId xmlns:a16="http://schemas.microsoft.com/office/drawing/2014/main" xmlns="" id="{AB76BBED-6631-4EE1-A09A-E04799B351D4}"/>
+                  <a16:creationId xmlns="" xmlns:a16="http://schemas.microsoft.com/office/drawing/2014/main" id="{AB76BBED-6631-4EE1-A09A-E04799B351D4}"/>
                 </a:ext>
               </a:extLst>
             </p:cNvPr>
@@ -32328,7 +32346,7 @@
             </a:ln>
             <a:extLst>
               <a:ext uri="{91240B29-F687-4F45-9708-019B960494DF}">
-                <a14:hiddenLine xmlns:a14="http://schemas.microsoft.com/office/drawing/2010/main" xmlns="" w="9525">
+                <a14:hiddenLine xmlns="" xmlns:a14="http://schemas.microsoft.com/office/drawing/2010/main" w="9525">
                   <a:solidFill>
                     <a:srgbClr val="000000"/>
                   </a:solidFill>
@@ -32356,7 +32374,7 @@
             <p:cNvPr id="43" name="Freeform 129">
               <a:extLst>
                 <a:ext uri="{FF2B5EF4-FFF2-40B4-BE49-F238E27FC236}">
-                  <a16:creationId xmlns:a16="http://schemas.microsoft.com/office/drawing/2014/main" xmlns="" id="{528554B4-1B0E-415F-A6C0-CE58E64BD718}"/>
+                  <a16:creationId xmlns="" xmlns:a16="http://schemas.microsoft.com/office/drawing/2014/main" id="{528554B4-1B0E-415F-A6C0-CE58E64BD718}"/>
                 </a:ext>
               </a:extLst>
             </p:cNvPr>
@@ -32430,7 +32448,7 @@
             </a:ln>
             <a:extLst>
               <a:ext uri="{91240B29-F687-4F45-9708-019B960494DF}">
-                <a14:hiddenLine xmlns:a14="http://schemas.microsoft.com/office/drawing/2010/main" xmlns="" w="9525">
+                <a14:hiddenLine xmlns="" xmlns:a14="http://schemas.microsoft.com/office/drawing/2010/main" w="9525">
                   <a:solidFill>
                     <a:srgbClr val="000000"/>
                   </a:solidFill>
@@ -32458,7 +32476,7 @@
             <p:cNvPr id="44" name="Freeform 130">
               <a:extLst>
                 <a:ext uri="{FF2B5EF4-FFF2-40B4-BE49-F238E27FC236}">
-                  <a16:creationId xmlns:a16="http://schemas.microsoft.com/office/drawing/2014/main" xmlns="" id="{481830E6-AF94-4EF3-A17D-F30A821A3E25}"/>
+                  <a16:creationId xmlns="" xmlns:a16="http://schemas.microsoft.com/office/drawing/2014/main" id="{481830E6-AF94-4EF3-A17D-F30A821A3E25}"/>
                 </a:ext>
               </a:extLst>
             </p:cNvPr>
@@ -32532,7 +32550,7 @@
             </a:ln>
             <a:extLst>
               <a:ext uri="{91240B29-F687-4F45-9708-019B960494DF}">
-                <a14:hiddenLine xmlns:a14="http://schemas.microsoft.com/office/drawing/2010/main" xmlns="" w="9525">
+                <a14:hiddenLine xmlns="" xmlns:a14="http://schemas.microsoft.com/office/drawing/2010/main" w="9525">
                   <a:solidFill>
                     <a:srgbClr val="000000"/>
                   </a:solidFill>
@@ -32560,7 +32578,7 @@
             <p:cNvPr id="45" name="Rectangle 131">
               <a:extLst>
                 <a:ext uri="{FF2B5EF4-FFF2-40B4-BE49-F238E27FC236}">
-                  <a16:creationId xmlns:a16="http://schemas.microsoft.com/office/drawing/2014/main" xmlns="" id="{D3498D82-5ED4-4D5A-8003-262A569E882A}"/>
+                  <a16:creationId xmlns="" xmlns:a16="http://schemas.microsoft.com/office/drawing/2014/main" id="{D3498D82-5ED4-4D5A-8003-262A569E882A}"/>
                 </a:ext>
               </a:extLst>
             </p:cNvPr>
@@ -32583,7 +32601,7 @@
             </a:ln>
             <a:extLst>
               <a:ext uri="{91240B29-F687-4F45-9708-019B960494DF}">
-                <a14:hiddenLine xmlns:a14="http://schemas.microsoft.com/office/drawing/2010/main" xmlns="" w="9525">
+                <a14:hiddenLine xmlns="" xmlns:a14="http://schemas.microsoft.com/office/drawing/2010/main" w="9525">
                   <a:solidFill>
                     <a:srgbClr val="000000"/>
                   </a:solidFill>
@@ -32611,7 +32629,7 @@
             <p:cNvPr id="46" name="Oval 132">
               <a:extLst>
                 <a:ext uri="{FF2B5EF4-FFF2-40B4-BE49-F238E27FC236}">
-                  <a16:creationId xmlns:a16="http://schemas.microsoft.com/office/drawing/2014/main" xmlns="" id="{3D91B633-E3ED-42BD-8C2E-B372E85D7409}"/>
+                  <a16:creationId xmlns="" xmlns:a16="http://schemas.microsoft.com/office/drawing/2014/main" id="{3D91B633-E3ED-42BD-8C2E-B372E85D7409}"/>
                 </a:ext>
               </a:extLst>
             </p:cNvPr>
@@ -32634,7 +32652,7 @@
             </a:ln>
             <a:extLst>
               <a:ext uri="{91240B29-F687-4F45-9708-019B960494DF}">
-                <a14:hiddenLine xmlns:a14="http://schemas.microsoft.com/office/drawing/2010/main" xmlns="" w="9525">
+                <a14:hiddenLine xmlns="" xmlns:a14="http://schemas.microsoft.com/office/drawing/2010/main" w="9525">
                   <a:solidFill>
                     <a:srgbClr val="000000"/>
                   </a:solidFill>
@@ -32663,7 +32681,7 @@
           <p:cNvPr id="47" name="Group 19">
             <a:extLst>
               <a:ext uri="{FF2B5EF4-FFF2-40B4-BE49-F238E27FC236}">
-                <a16:creationId xmlns:a16="http://schemas.microsoft.com/office/drawing/2014/main" xmlns="" id="{2A370AAC-EE9B-4800-9529-12877E43BCA9}"/>
+                <a16:creationId xmlns="" xmlns:a16="http://schemas.microsoft.com/office/drawing/2014/main" id="{2A370AAC-EE9B-4800-9529-12877E43BCA9}"/>
               </a:ext>
             </a:extLst>
           </p:cNvPr>
@@ -32688,7 +32706,7 @@
             <p:cNvPr id="48" name="Freeform 20">
               <a:extLst>
                 <a:ext uri="{FF2B5EF4-FFF2-40B4-BE49-F238E27FC236}">
-                  <a16:creationId xmlns:a16="http://schemas.microsoft.com/office/drawing/2014/main" xmlns="" id="{53C0CF26-5DF0-48C2-B5EC-3B3FA0EEAE36}"/>
+                  <a16:creationId xmlns="" xmlns:a16="http://schemas.microsoft.com/office/drawing/2014/main" id="{53C0CF26-5DF0-48C2-B5EC-3B3FA0EEAE36}"/>
                 </a:ext>
               </a:extLst>
             </p:cNvPr>
@@ -32888,7 +32906,7 @@
             </a:ln>
             <a:extLst>
               <a:ext uri="{91240B29-F687-4F45-9708-019B960494DF}">
-                <a14:hiddenLine xmlns:a14="http://schemas.microsoft.com/office/drawing/2010/main" xmlns="" w="9525">
+                <a14:hiddenLine xmlns="" xmlns:a14="http://schemas.microsoft.com/office/drawing/2010/main" w="9525">
                   <a:solidFill>
                     <a:srgbClr val="000000"/>
                   </a:solidFill>
@@ -32916,7 +32934,7 @@
             <p:cNvPr id="49" name="Rectangle 21">
               <a:extLst>
                 <a:ext uri="{FF2B5EF4-FFF2-40B4-BE49-F238E27FC236}">
-                  <a16:creationId xmlns:a16="http://schemas.microsoft.com/office/drawing/2014/main" xmlns="" id="{98FF0991-D86F-40C6-B024-6ED27AF10ECF}"/>
+                  <a16:creationId xmlns="" xmlns:a16="http://schemas.microsoft.com/office/drawing/2014/main" id="{98FF0991-D86F-40C6-B024-6ED27AF10ECF}"/>
                 </a:ext>
               </a:extLst>
             </p:cNvPr>
@@ -32939,7 +32957,7 @@
             </a:ln>
             <a:extLst>
               <a:ext uri="{91240B29-F687-4F45-9708-019B960494DF}">
-                <a14:hiddenLine xmlns:a14="http://schemas.microsoft.com/office/drawing/2010/main" xmlns="" w="9525">
+                <a14:hiddenLine xmlns="" xmlns:a14="http://schemas.microsoft.com/office/drawing/2010/main" w="9525">
                   <a:solidFill>
                     <a:srgbClr val="000000"/>
                   </a:solidFill>
@@ -32967,7 +32985,7 @@
             <p:cNvPr id="50" name="Rectangle 22">
               <a:extLst>
                 <a:ext uri="{FF2B5EF4-FFF2-40B4-BE49-F238E27FC236}">
-                  <a16:creationId xmlns:a16="http://schemas.microsoft.com/office/drawing/2014/main" xmlns="" id="{0B9BF93D-F3E3-4C4E-8E24-97D72252FF68}"/>
+                  <a16:creationId xmlns="" xmlns:a16="http://schemas.microsoft.com/office/drawing/2014/main" id="{0B9BF93D-F3E3-4C4E-8E24-97D72252FF68}"/>
                 </a:ext>
               </a:extLst>
             </p:cNvPr>
@@ -32990,7 +33008,7 @@
             </a:ln>
             <a:extLst>
               <a:ext uri="{91240B29-F687-4F45-9708-019B960494DF}">
-                <a14:hiddenLine xmlns:a14="http://schemas.microsoft.com/office/drawing/2010/main" xmlns="" w="9525">
+                <a14:hiddenLine xmlns="" xmlns:a14="http://schemas.microsoft.com/office/drawing/2010/main" w="9525">
                   <a:solidFill>
                     <a:srgbClr val="000000"/>
                   </a:solidFill>
@@ -33018,7 +33036,7 @@
             <p:cNvPr id="51" name="Rectangle 23">
               <a:extLst>
                 <a:ext uri="{FF2B5EF4-FFF2-40B4-BE49-F238E27FC236}">
-                  <a16:creationId xmlns:a16="http://schemas.microsoft.com/office/drawing/2014/main" xmlns="" id="{9EE37B2F-6A7E-4619-A856-8E4E2C37434E}"/>
+                  <a16:creationId xmlns="" xmlns:a16="http://schemas.microsoft.com/office/drawing/2014/main" id="{9EE37B2F-6A7E-4619-A856-8E4E2C37434E}"/>
                 </a:ext>
               </a:extLst>
             </p:cNvPr>
@@ -33041,7 +33059,7 @@
             </a:ln>
             <a:extLst>
               <a:ext uri="{91240B29-F687-4F45-9708-019B960494DF}">
-                <a14:hiddenLine xmlns:a14="http://schemas.microsoft.com/office/drawing/2010/main" xmlns="" w="9525">
+                <a14:hiddenLine xmlns="" xmlns:a14="http://schemas.microsoft.com/office/drawing/2010/main" w="9525">
                   <a:solidFill>
                     <a:srgbClr val="000000"/>
                   </a:solidFill>
@@ -33069,7 +33087,7 @@
             <p:cNvPr id="52" name="Freeform 24">
               <a:extLst>
                 <a:ext uri="{FF2B5EF4-FFF2-40B4-BE49-F238E27FC236}">
-                  <a16:creationId xmlns:a16="http://schemas.microsoft.com/office/drawing/2014/main" xmlns="" id="{E6B4ABFC-F9A7-419B-9787-4E489DCAC586}"/>
+                  <a16:creationId xmlns="" xmlns:a16="http://schemas.microsoft.com/office/drawing/2014/main" id="{E6B4ABFC-F9A7-419B-9787-4E489DCAC586}"/>
                 </a:ext>
               </a:extLst>
             </p:cNvPr>
@@ -33184,7 +33202,7 @@
             </a:ln>
             <a:extLst>
               <a:ext uri="{91240B29-F687-4F45-9708-019B960494DF}">
-                <a14:hiddenLine xmlns:a14="http://schemas.microsoft.com/office/drawing/2010/main" xmlns="" w="9525">
+                <a14:hiddenLine xmlns="" xmlns:a14="http://schemas.microsoft.com/office/drawing/2010/main" w="9525">
                   <a:solidFill>
                     <a:srgbClr val="000000"/>
                   </a:solidFill>
@@ -33212,7 +33230,7 @@
             <p:cNvPr id="53" name="Rectangle 25">
               <a:extLst>
                 <a:ext uri="{FF2B5EF4-FFF2-40B4-BE49-F238E27FC236}">
-                  <a16:creationId xmlns:a16="http://schemas.microsoft.com/office/drawing/2014/main" xmlns="" id="{F17EC326-05FF-4AF9-A6FA-A2B8C318EAB9}"/>
+                  <a16:creationId xmlns="" xmlns:a16="http://schemas.microsoft.com/office/drawing/2014/main" id="{F17EC326-05FF-4AF9-A6FA-A2B8C318EAB9}"/>
                 </a:ext>
               </a:extLst>
             </p:cNvPr>
@@ -33235,7 +33253,7 @@
             </a:ln>
             <a:extLst>
               <a:ext uri="{91240B29-F687-4F45-9708-019B960494DF}">
-                <a14:hiddenLine xmlns:a14="http://schemas.microsoft.com/office/drawing/2010/main" xmlns="" w="9525">
+                <a14:hiddenLine xmlns="" xmlns:a14="http://schemas.microsoft.com/office/drawing/2010/main" w="9525">
                   <a:solidFill>
                     <a:srgbClr val="000000"/>
                   </a:solidFill>
@@ -33263,7 +33281,7 @@
             <p:cNvPr id="54" name="Rectangle 26">
               <a:extLst>
                 <a:ext uri="{FF2B5EF4-FFF2-40B4-BE49-F238E27FC236}">
-                  <a16:creationId xmlns:a16="http://schemas.microsoft.com/office/drawing/2014/main" xmlns="" id="{99B63D11-4947-42A2-8805-B78E20B4F055}"/>
+                  <a16:creationId xmlns="" xmlns:a16="http://schemas.microsoft.com/office/drawing/2014/main" id="{99B63D11-4947-42A2-8805-B78E20B4F055}"/>
                 </a:ext>
               </a:extLst>
             </p:cNvPr>
@@ -33286,7 +33304,7 @@
             </a:ln>
             <a:extLst>
               <a:ext uri="{91240B29-F687-4F45-9708-019B960494DF}">
-                <a14:hiddenLine xmlns:a14="http://schemas.microsoft.com/office/drawing/2010/main" xmlns="" w="9525">
+                <a14:hiddenLine xmlns="" xmlns:a14="http://schemas.microsoft.com/office/drawing/2010/main" w="9525">
                   <a:solidFill>
                     <a:srgbClr val="000000"/>
                   </a:solidFill>
@@ -33314,7 +33332,7 @@
             <p:cNvPr id="55" name="Freeform 27">
               <a:extLst>
                 <a:ext uri="{FF2B5EF4-FFF2-40B4-BE49-F238E27FC236}">
-                  <a16:creationId xmlns:a16="http://schemas.microsoft.com/office/drawing/2014/main" xmlns="" id="{E4464E9D-4EB7-4847-A102-5125C5E9469A}"/>
+                  <a16:creationId xmlns="" xmlns:a16="http://schemas.microsoft.com/office/drawing/2014/main" id="{E4464E9D-4EB7-4847-A102-5125C5E9469A}"/>
                 </a:ext>
               </a:extLst>
             </p:cNvPr>
@@ -33704,7 +33722,7 @@
             </a:ln>
             <a:extLst>
               <a:ext uri="{91240B29-F687-4F45-9708-019B960494DF}">
-                <a14:hiddenLine xmlns:a14="http://schemas.microsoft.com/office/drawing/2010/main" xmlns="" w="9525">
+                <a14:hiddenLine xmlns="" xmlns:a14="http://schemas.microsoft.com/office/drawing/2010/main" w="9525">
                   <a:solidFill>
                     <a:srgbClr val="000000"/>
                   </a:solidFill>
@@ -33732,7 +33750,7 @@
             <p:cNvPr id="56" name="Freeform 28">
               <a:extLst>
                 <a:ext uri="{FF2B5EF4-FFF2-40B4-BE49-F238E27FC236}">
-                  <a16:creationId xmlns:a16="http://schemas.microsoft.com/office/drawing/2014/main" xmlns="" id="{533EB9E2-CCA1-4031-8A3C-0ACD3C758D34}"/>
+                  <a16:creationId xmlns="" xmlns:a16="http://schemas.microsoft.com/office/drawing/2014/main" id="{533EB9E2-CCA1-4031-8A3C-0ACD3C758D34}"/>
                 </a:ext>
               </a:extLst>
             </p:cNvPr>
@@ -34122,7 +34140,7 @@
             </a:ln>
             <a:extLst>
               <a:ext uri="{91240B29-F687-4F45-9708-019B960494DF}">
-                <a14:hiddenLine xmlns:a14="http://schemas.microsoft.com/office/drawing/2010/main" xmlns="" w="9525">
+                <a14:hiddenLine xmlns="" xmlns:a14="http://schemas.microsoft.com/office/drawing/2010/main" w="9525">
                   <a:solidFill>
                     <a:srgbClr val="000000"/>
                   </a:solidFill>
@@ -34150,7 +34168,7 @@
             <p:cNvPr id="57" name="Freeform 29">
               <a:extLst>
                 <a:ext uri="{FF2B5EF4-FFF2-40B4-BE49-F238E27FC236}">
-                  <a16:creationId xmlns:a16="http://schemas.microsoft.com/office/drawing/2014/main" xmlns="" id="{8E00BF7B-4D77-47CA-A1E6-D9D2A21A9B40}"/>
+                  <a16:creationId xmlns="" xmlns:a16="http://schemas.microsoft.com/office/drawing/2014/main" id="{8E00BF7B-4D77-47CA-A1E6-D9D2A21A9B40}"/>
                 </a:ext>
               </a:extLst>
             </p:cNvPr>
@@ -34540,7 +34558,7 @@
             </a:ln>
             <a:extLst>
               <a:ext uri="{91240B29-F687-4F45-9708-019B960494DF}">
-                <a14:hiddenLine xmlns:a14="http://schemas.microsoft.com/office/drawing/2010/main" xmlns="" w="9525">
+                <a14:hiddenLine xmlns="" xmlns:a14="http://schemas.microsoft.com/office/drawing/2010/main" w="9525">
                   <a:solidFill>
                     <a:srgbClr val="000000"/>
                   </a:solidFill>
@@ -34569,7 +34587,7 @@
           <p:cNvPr id="58" name="Group 32">
             <a:extLst>
               <a:ext uri="{FF2B5EF4-FFF2-40B4-BE49-F238E27FC236}">
-                <a16:creationId xmlns:a16="http://schemas.microsoft.com/office/drawing/2014/main" xmlns="" id="{FD11B34C-1843-4000-ACB0-D6E663C1E029}"/>
+                <a16:creationId xmlns="" xmlns:a16="http://schemas.microsoft.com/office/drawing/2014/main" id="{FD11B34C-1843-4000-ACB0-D6E663C1E029}"/>
               </a:ext>
             </a:extLst>
           </p:cNvPr>
@@ -34594,7 +34612,7 @@
             <p:cNvPr id="59" name="Rectangle 33">
               <a:extLst>
                 <a:ext uri="{FF2B5EF4-FFF2-40B4-BE49-F238E27FC236}">
-                  <a16:creationId xmlns:a16="http://schemas.microsoft.com/office/drawing/2014/main" xmlns="" id="{9B2AD77C-F02D-423F-A4FF-95A8BB5D1AC6}"/>
+                  <a16:creationId xmlns="" xmlns:a16="http://schemas.microsoft.com/office/drawing/2014/main" id="{9B2AD77C-F02D-423F-A4FF-95A8BB5D1AC6}"/>
                 </a:ext>
               </a:extLst>
             </p:cNvPr>
@@ -34617,7 +34635,7 @@
             </a:ln>
             <a:extLst>
               <a:ext uri="{91240B29-F687-4F45-9708-019B960494DF}">
-                <a14:hiddenLine xmlns:a14="http://schemas.microsoft.com/office/drawing/2010/main" xmlns="" w="9525">
+                <a14:hiddenLine xmlns="" xmlns:a14="http://schemas.microsoft.com/office/drawing/2010/main" w="9525">
                   <a:solidFill>
                     <a:srgbClr val="000000"/>
                   </a:solidFill>
@@ -34645,7 +34663,7 @@
             <p:cNvPr id="60" name="Freeform 34">
               <a:extLst>
                 <a:ext uri="{FF2B5EF4-FFF2-40B4-BE49-F238E27FC236}">
-                  <a16:creationId xmlns:a16="http://schemas.microsoft.com/office/drawing/2014/main" xmlns="" id="{29605DCD-2C62-4E03-977D-07B6429FE11F}"/>
+                  <a16:creationId xmlns="" xmlns:a16="http://schemas.microsoft.com/office/drawing/2014/main" id="{29605DCD-2C62-4E03-977D-07B6429FE11F}"/>
                 </a:ext>
               </a:extLst>
             </p:cNvPr>
@@ -35066,7 +35084,7 @@
             </a:ln>
             <a:extLst>
               <a:ext uri="{91240B29-F687-4F45-9708-019B960494DF}">
-                <a14:hiddenLine xmlns:a14="http://schemas.microsoft.com/office/drawing/2010/main" xmlns="" w="9525">
+                <a14:hiddenLine xmlns="" xmlns:a14="http://schemas.microsoft.com/office/drawing/2010/main" w="9525">
                   <a:solidFill>
                     <a:srgbClr val="000000"/>
                   </a:solidFill>
@@ -35094,7 +35112,7 @@
             <p:cNvPr id="61" name="Freeform 35">
               <a:extLst>
                 <a:ext uri="{FF2B5EF4-FFF2-40B4-BE49-F238E27FC236}">
-                  <a16:creationId xmlns:a16="http://schemas.microsoft.com/office/drawing/2014/main" xmlns="" id="{C1FA72F5-3C2A-42DE-9DD0-FFC59AF7D1D0}"/>
+                  <a16:creationId xmlns="" xmlns:a16="http://schemas.microsoft.com/office/drawing/2014/main" id="{C1FA72F5-3C2A-42DE-9DD0-FFC59AF7D1D0}"/>
                 </a:ext>
               </a:extLst>
             </p:cNvPr>
@@ -35200,7 +35218,7 @@
             </a:ln>
             <a:extLst>
               <a:ext uri="{91240B29-F687-4F45-9708-019B960494DF}">
-                <a14:hiddenLine xmlns:a14="http://schemas.microsoft.com/office/drawing/2010/main" xmlns="" w="9525">
+                <a14:hiddenLine xmlns="" xmlns:a14="http://schemas.microsoft.com/office/drawing/2010/main" w="9525">
                   <a:solidFill>
                     <a:srgbClr val="000000"/>
                   </a:solidFill>
@@ -35228,7 +35246,7 @@
             <p:cNvPr id="62" name="Freeform 36">
               <a:extLst>
                 <a:ext uri="{FF2B5EF4-FFF2-40B4-BE49-F238E27FC236}">
-                  <a16:creationId xmlns:a16="http://schemas.microsoft.com/office/drawing/2014/main" xmlns="" id="{88BEDDBE-A105-4B6D-ABF4-222FF5C348B0}"/>
+                  <a16:creationId xmlns="" xmlns:a16="http://schemas.microsoft.com/office/drawing/2014/main" id="{88BEDDBE-A105-4B6D-ABF4-222FF5C348B0}"/>
                 </a:ext>
               </a:extLst>
             </p:cNvPr>
@@ -35343,7 +35361,7 @@
             </a:ln>
             <a:extLst>
               <a:ext uri="{91240B29-F687-4F45-9708-019B960494DF}">
-                <a14:hiddenLine xmlns:a14="http://schemas.microsoft.com/office/drawing/2010/main" xmlns="" w="9525">
+                <a14:hiddenLine xmlns="" xmlns:a14="http://schemas.microsoft.com/office/drawing/2010/main" w="9525">
                   <a:solidFill>
                     <a:srgbClr val="000000"/>
                   </a:solidFill>
@@ -35371,7 +35389,7 @@
             <p:cNvPr id="63" name="Freeform 37">
               <a:extLst>
                 <a:ext uri="{FF2B5EF4-FFF2-40B4-BE49-F238E27FC236}">
-                  <a16:creationId xmlns:a16="http://schemas.microsoft.com/office/drawing/2014/main" xmlns="" id="{EF62830E-9EC3-46CC-AC12-70701FE48574}"/>
+                  <a16:creationId xmlns="" xmlns:a16="http://schemas.microsoft.com/office/drawing/2014/main" id="{EF62830E-9EC3-46CC-AC12-70701FE48574}"/>
                 </a:ext>
               </a:extLst>
             </p:cNvPr>
@@ -35486,7 +35504,7 @@
             </a:ln>
             <a:extLst>
               <a:ext uri="{91240B29-F687-4F45-9708-019B960494DF}">
-                <a14:hiddenLine xmlns:a14="http://schemas.microsoft.com/office/drawing/2010/main" xmlns="" w="9525">
+                <a14:hiddenLine xmlns="" xmlns:a14="http://schemas.microsoft.com/office/drawing/2010/main" w="9525">
                   <a:solidFill>
                     <a:srgbClr val="000000"/>
                   </a:solidFill>
@@ -35514,7 +35532,7 @@
             <p:cNvPr id="64" name="Freeform 38">
               <a:extLst>
                 <a:ext uri="{FF2B5EF4-FFF2-40B4-BE49-F238E27FC236}">
-                  <a16:creationId xmlns:a16="http://schemas.microsoft.com/office/drawing/2014/main" xmlns="" id="{64846AAC-C9EE-4835-A070-6EEA31E7F250}"/>
+                  <a16:creationId xmlns="" xmlns:a16="http://schemas.microsoft.com/office/drawing/2014/main" id="{64846AAC-C9EE-4835-A070-6EEA31E7F250}"/>
                 </a:ext>
               </a:extLst>
             </p:cNvPr>
@@ -35629,7 +35647,7 @@
             </a:ln>
             <a:extLst>
               <a:ext uri="{91240B29-F687-4F45-9708-019B960494DF}">
-                <a14:hiddenLine xmlns:a14="http://schemas.microsoft.com/office/drawing/2010/main" xmlns="" w="9525">
+                <a14:hiddenLine xmlns="" xmlns:a14="http://schemas.microsoft.com/office/drawing/2010/main" w="9525">
                   <a:solidFill>
                     <a:srgbClr val="000000"/>
                   </a:solidFill>
@@ -35658,7 +35676,7 @@
           <p:cNvPr id="66" name="순서도: 데이터 65">
             <a:extLst>
               <a:ext uri="{FF2B5EF4-FFF2-40B4-BE49-F238E27FC236}">
-                <a16:creationId xmlns:a16="http://schemas.microsoft.com/office/drawing/2014/main" xmlns="" id="{4803A44C-CBF0-47E0-BF52-2C13544EB465}"/>
+                <a16:creationId xmlns="" xmlns:a16="http://schemas.microsoft.com/office/drawing/2014/main" id="{4803A44C-CBF0-47E0-BF52-2C13544EB465}"/>
               </a:ext>
             </a:extLst>
           </p:cNvPr>
@@ -35719,7 +35737,7 @@
           <p:cNvPr id="67" name="TextBox 66">
             <a:extLst>
               <a:ext uri="{FF2B5EF4-FFF2-40B4-BE49-F238E27FC236}">
-                <a16:creationId xmlns:a16="http://schemas.microsoft.com/office/drawing/2014/main" xmlns="" id="{99982E1F-5070-4F60-BC39-A860705815DD}"/>
+                <a16:creationId xmlns="" xmlns:a16="http://schemas.microsoft.com/office/drawing/2014/main" id="{99982E1F-5070-4F60-BC39-A860705815DD}"/>
               </a:ext>
             </a:extLst>
           </p:cNvPr>
@@ -35808,7 +35826,7 @@
           <p:cNvPr id="68" name="TextBox 67">
             <a:extLst>
               <a:ext uri="{FF2B5EF4-FFF2-40B4-BE49-F238E27FC236}">
-                <a16:creationId xmlns:a16="http://schemas.microsoft.com/office/drawing/2014/main" xmlns="" id="{0569824C-DE46-4F4F-8BF3-B1929B62468E}"/>
+                <a16:creationId xmlns="" xmlns:a16="http://schemas.microsoft.com/office/drawing/2014/main" id="{0569824C-DE46-4F4F-8BF3-B1929B62468E}"/>
               </a:ext>
             </a:extLst>
           </p:cNvPr>
@@ -35852,7 +35870,7 @@
     </p:spTree>
     <p:extLst>
       <p:ext uri="{BB962C8B-B14F-4D97-AF65-F5344CB8AC3E}">
-        <p14:creationId xmlns:p14="http://schemas.microsoft.com/office/powerpoint/2010/main" xmlns="" val="3426563175"/>
+        <p14:creationId xmlns="" xmlns:p14="http://schemas.microsoft.com/office/powerpoint/2010/main" val="3426563175"/>
       </p:ext>
     </p:extLst>
   </p:cSld>
@@ -35891,7 +35909,7 @@
           <p:cNvPr id="6" name="TextBox 5">
             <a:extLst>
               <a:ext uri="{FF2B5EF4-FFF2-40B4-BE49-F238E27FC236}">
-                <a16:creationId xmlns:a16="http://schemas.microsoft.com/office/drawing/2014/main" xmlns="" id="{F3529106-B869-4FB1-A9B3-16280FCA314C}"/>
+                <a16:creationId xmlns="" xmlns:a16="http://schemas.microsoft.com/office/drawing/2014/main" id="{F3529106-B869-4FB1-A9B3-16280FCA314C}"/>
               </a:ext>
             </a:extLst>
           </p:cNvPr>
@@ -35951,7 +35969,7 @@
           <p:cNvPr id="2" name="그룹 22">
             <a:extLst>
               <a:ext uri="{FF2B5EF4-FFF2-40B4-BE49-F238E27FC236}">
-                <a16:creationId xmlns:a16="http://schemas.microsoft.com/office/drawing/2014/main" xmlns="" id="{D823FFAC-3A03-4EC8-9678-216D3E80497D}"/>
+                <a16:creationId xmlns="" xmlns:a16="http://schemas.microsoft.com/office/drawing/2014/main" id="{D823FFAC-3A03-4EC8-9678-216D3E80497D}"/>
               </a:ext>
             </a:extLst>
           </p:cNvPr>
@@ -35971,7 +35989,7 @@
             <p:cNvPr id="10" name="Google Shape;408;p21">
               <a:extLst>
                 <a:ext uri="{FF2B5EF4-FFF2-40B4-BE49-F238E27FC236}">
-                  <a16:creationId xmlns:a16="http://schemas.microsoft.com/office/drawing/2014/main" xmlns="" id="{3BD6E8B1-EB00-4486-8D71-6EFF022DE541}"/>
+                  <a16:creationId xmlns="" xmlns:a16="http://schemas.microsoft.com/office/drawing/2014/main" id="{3BD6E8B1-EB00-4486-8D71-6EFF022DE541}"/>
                 </a:ext>
               </a:extLst>
             </p:cNvPr>
@@ -36038,7 +36056,7 @@
             <p:cNvPr id="12" name="Google Shape;409;p21">
               <a:extLst>
                 <a:ext uri="{FF2B5EF4-FFF2-40B4-BE49-F238E27FC236}">
-                  <a16:creationId xmlns:a16="http://schemas.microsoft.com/office/drawing/2014/main" xmlns="" id="{BF0B9D7B-24F6-4EC0-A96E-9BDCA994F11C}"/>
+                  <a16:creationId xmlns="" xmlns:a16="http://schemas.microsoft.com/office/drawing/2014/main" id="{BF0B9D7B-24F6-4EC0-A96E-9BDCA994F11C}"/>
                 </a:ext>
               </a:extLst>
             </p:cNvPr>
@@ -36101,7 +36119,7 @@
           <p:cNvPr id="3" name="그룹 21">
             <a:extLst>
               <a:ext uri="{FF2B5EF4-FFF2-40B4-BE49-F238E27FC236}">
-                <a16:creationId xmlns:a16="http://schemas.microsoft.com/office/drawing/2014/main" xmlns="" id="{8AFF46A9-D6EC-4190-9870-942BE436CE76}"/>
+                <a16:creationId xmlns="" xmlns:a16="http://schemas.microsoft.com/office/drawing/2014/main" id="{8AFF46A9-D6EC-4190-9870-942BE436CE76}"/>
               </a:ext>
             </a:extLst>
           </p:cNvPr>
@@ -36121,7 +36139,7 @@
             <p:cNvPr id="14" name="Google Shape;408;p21">
               <a:extLst>
                 <a:ext uri="{FF2B5EF4-FFF2-40B4-BE49-F238E27FC236}">
-                  <a16:creationId xmlns:a16="http://schemas.microsoft.com/office/drawing/2014/main" xmlns="" id="{FD52CC8C-FA46-4D8D-93F1-3764DFEEFD99}"/>
+                  <a16:creationId xmlns="" xmlns:a16="http://schemas.microsoft.com/office/drawing/2014/main" id="{FD52CC8C-FA46-4D8D-93F1-3764DFEEFD99}"/>
                 </a:ext>
               </a:extLst>
             </p:cNvPr>
@@ -36172,7 +36190,7 @@
             <p:cNvPr id="16" name="Google Shape;409;p21">
               <a:extLst>
                 <a:ext uri="{FF2B5EF4-FFF2-40B4-BE49-F238E27FC236}">
-                  <a16:creationId xmlns:a16="http://schemas.microsoft.com/office/drawing/2014/main" xmlns="" id="{2D374D68-434C-4123-80F6-6F87E34140A7}"/>
+                  <a16:creationId xmlns="" xmlns:a16="http://schemas.microsoft.com/office/drawing/2014/main" id="{2D374D68-434C-4123-80F6-6F87E34140A7}"/>
                 </a:ext>
               </a:extLst>
             </p:cNvPr>
@@ -36219,7 +36237,7 @@
           <p:cNvPr id="4" name="그룹 20">
             <a:extLst>
               <a:ext uri="{FF2B5EF4-FFF2-40B4-BE49-F238E27FC236}">
-                <a16:creationId xmlns:a16="http://schemas.microsoft.com/office/drawing/2014/main" xmlns="" id="{3A621151-F292-417B-9F0E-F08EC08AB05D}"/>
+                <a16:creationId xmlns="" xmlns:a16="http://schemas.microsoft.com/office/drawing/2014/main" id="{3A621151-F292-417B-9F0E-F08EC08AB05D}"/>
               </a:ext>
             </a:extLst>
           </p:cNvPr>
@@ -36239,7 +36257,7 @@
             <p:cNvPr id="18" name="Google Shape;408;p21">
               <a:extLst>
                 <a:ext uri="{FF2B5EF4-FFF2-40B4-BE49-F238E27FC236}">
-                  <a16:creationId xmlns:a16="http://schemas.microsoft.com/office/drawing/2014/main" xmlns="" id="{492A18C1-E6D2-4D50-B0FA-2149EF4A5775}"/>
+                  <a16:creationId xmlns="" xmlns:a16="http://schemas.microsoft.com/office/drawing/2014/main" id="{492A18C1-E6D2-4D50-B0FA-2149EF4A5775}"/>
                 </a:ext>
               </a:extLst>
             </p:cNvPr>
@@ -36290,7 +36308,7 @@
             <p:cNvPr id="20" name="Google Shape;409;p21">
               <a:extLst>
                 <a:ext uri="{FF2B5EF4-FFF2-40B4-BE49-F238E27FC236}">
-                  <a16:creationId xmlns:a16="http://schemas.microsoft.com/office/drawing/2014/main" xmlns="" id="{B6C65D2E-2696-4FF7-B653-B19DE6236D5F}"/>
+                  <a16:creationId xmlns="" xmlns:a16="http://schemas.microsoft.com/office/drawing/2014/main" id="{B6C65D2E-2696-4FF7-B653-B19DE6236D5F}"/>
                 </a:ext>
               </a:extLst>
             </p:cNvPr>
@@ -36342,7 +36360,7 @@
           <p:cNvPr id="26" name="평행 사변형 25">
             <a:extLst>
               <a:ext uri="{FF2B5EF4-FFF2-40B4-BE49-F238E27FC236}">
-                <a16:creationId xmlns:a16="http://schemas.microsoft.com/office/drawing/2014/main" xmlns="" id="{ACA7FA6B-0F6F-482A-86A1-4A525FE8B044}"/>
+                <a16:creationId xmlns="" xmlns:a16="http://schemas.microsoft.com/office/drawing/2014/main" id="{ACA7FA6B-0F6F-482A-86A1-4A525FE8B044}"/>
               </a:ext>
             </a:extLst>
           </p:cNvPr>
@@ -36398,7 +36416,7 @@
           <p:cNvPr id="32" name="자유형: 도형 31">
             <a:extLst>
               <a:ext uri="{FF2B5EF4-FFF2-40B4-BE49-F238E27FC236}">
-                <a16:creationId xmlns:a16="http://schemas.microsoft.com/office/drawing/2014/main" xmlns="" id="{74AD1E48-C50E-4CC7-9772-D0781285D505}"/>
+                <a16:creationId xmlns="" xmlns:a16="http://schemas.microsoft.com/office/drawing/2014/main" id="{74AD1E48-C50E-4CC7-9772-D0781285D505}"/>
               </a:ext>
             </a:extLst>
           </p:cNvPr>
@@ -36504,7 +36522,7 @@
           <p:cNvPr id="30" name="평행 사변형 29">
             <a:extLst>
               <a:ext uri="{FF2B5EF4-FFF2-40B4-BE49-F238E27FC236}">
-                <a16:creationId xmlns:a16="http://schemas.microsoft.com/office/drawing/2014/main" xmlns="" id="{F542A857-1C49-43D5-AD61-20B450FA4CF7}"/>
+                <a16:creationId xmlns="" xmlns:a16="http://schemas.microsoft.com/office/drawing/2014/main" id="{F542A857-1C49-43D5-AD61-20B450FA4CF7}"/>
               </a:ext>
             </a:extLst>
           </p:cNvPr>
@@ -36556,7 +36574,7 @@
     </p:spTree>
     <p:extLst>
       <p:ext uri="{BB962C8B-B14F-4D97-AF65-F5344CB8AC3E}">
-        <p14:creationId xmlns:p14="http://schemas.microsoft.com/office/powerpoint/2010/main" xmlns="" val="3426563175"/>
+        <p14:creationId xmlns="" xmlns:p14="http://schemas.microsoft.com/office/powerpoint/2010/main" val="3426563175"/>
       </p:ext>
     </p:extLst>
   </p:cSld>
@@ -36595,7 +36613,7 @@
           <p:cNvPr id="4" name="평행 사변형 3">
             <a:extLst>
               <a:ext uri="{FF2B5EF4-FFF2-40B4-BE49-F238E27FC236}">
-                <a16:creationId xmlns:a16="http://schemas.microsoft.com/office/drawing/2014/main" xmlns="" id="{48993775-DF73-4E1A-8E6B-73503FFD63BF}"/>
+                <a16:creationId xmlns="" xmlns:a16="http://schemas.microsoft.com/office/drawing/2014/main" id="{48993775-DF73-4E1A-8E6B-73503FFD63BF}"/>
               </a:ext>
             </a:extLst>
           </p:cNvPr>
@@ -36665,7 +36683,7 @@
           <p:cNvPr id="5" name="왼쪽 대괄호 4">
             <a:extLst>
               <a:ext uri="{FF2B5EF4-FFF2-40B4-BE49-F238E27FC236}">
-                <a16:creationId xmlns:a16="http://schemas.microsoft.com/office/drawing/2014/main" xmlns="" id="{B2193CA2-CD33-40C0-8A02-89D45D563E73}"/>
+                <a16:creationId xmlns="" xmlns:a16="http://schemas.microsoft.com/office/drawing/2014/main" id="{B2193CA2-CD33-40C0-8A02-89D45D563E73}"/>
               </a:ext>
             </a:extLst>
           </p:cNvPr>
@@ -36723,7 +36741,7 @@
           <p:cNvPr id="7" name="직선 화살표 연결선 6">
             <a:extLst>
               <a:ext uri="{FF2B5EF4-FFF2-40B4-BE49-F238E27FC236}">
-                <a16:creationId xmlns:a16="http://schemas.microsoft.com/office/drawing/2014/main" xmlns="" id="{9936C2DD-800D-4009-BED9-6635AC564B7A}"/>
+                <a16:creationId xmlns="" xmlns:a16="http://schemas.microsoft.com/office/drawing/2014/main" id="{9936C2DD-800D-4009-BED9-6635AC564B7A}"/>
               </a:ext>
             </a:extLst>
           </p:cNvPr>
@@ -36768,7 +36786,7 @@
           <p:cNvPr id="10" name="직사각형 9">
             <a:extLst>
               <a:ext uri="{FF2B5EF4-FFF2-40B4-BE49-F238E27FC236}">
-                <a16:creationId xmlns:a16="http://schemas.microsoft.com/office/drawing/2014/main" xmlns="" id="{9C2BFE86-7EBF-471E-9183-9A259413363C}"/>
+                <a16:creationId xmlns="" xmlns:a16="http://schemas.microsoft.com/office/drawing/2014/main" id="{9C2BFE86-7EBF-471E-9183-9A259413363C}"/>
               </a:ext>
             </a:extLst>
           </p:cNvPr>
@@ -36844,7 +36862,7 @@
           <p:cNvPr id="17" name="직사각형 16">
             <a:extLst>
               <a:ext uri="{FF2B5EF4-FFF2-40B4-BE49-F238E27FC236}">
-                <a16:creationId xmlns:a16="http://schemas.microsoft.com/office/drawing/2014/main" xmlns="" id="{EFFD2377-C7A2-481F-9060-E0ECCAB322F8}"/>
+                <a16:creationId xmlns="" xmlns:a16="http://schemas.microsoft.com/office/drawing/2014/main" id="{EFFD2377-C7A2-481F-9060-E0ECCAB322F8}"/>
               </a:ext>
             </a:extLst>
           </p:cNvPr>
@@ -36920,7 +36938,7 @@
           <p:cNvPr id="18" name="사각형: 둥근 모서리 71">
             <a:extLst>
               <a:ext uri="{FF2B5EF4-FFF2-40B4-BE49-F238E27FC236}">
-                <a16:creationId xmlns:a16="http://schemas.microsoft.com/office/drawing/2014/main" xmlns="" id="{8C721765-DC79-4774-A17F-41C9FB98198E}"/>
+                <a16:creationId xmlns="" xmlns:a16="http://schemas.microsoft.com/office/drawing/2014/main" id="{8C721765-DC79-4774-A17F-41C9FB98198E}"/>
               </a:ext>
             </a:extLst>
           </p:cNvPr>
@@ -37012,7 +37030,7 @@
           <p:cNvPr id="19" name="직선 화살표 연결선 18">
             <a:extLst>
               <a:ext uri="{FF2B5EF4-FFF2-40B4-BE49-F238E27FC236}">
-                <a16:creationId xmlns:a16="http://schemas.microsoft.com/office/drawing/2014/main" xmlns="" id="{2C75CE1E-4DB2-4135-A696-BB76D68EFB59}"/>
+                <a16:creationId xmlns="" xmlns:a16="http://schemas.microsoft.com/office/drawing/2014/main" id="{2C75CE1E-4DB2-4135-A696-BB76D68EFB59}"/>
               </a:ext>
             </a:extLst>
           </p:cNvPr>
@@ -37057,7 +37075,7 @@
           <p:cNvPr id="21" name="직사각형 20">
             <a:extLst>
               <a:ext uri="{FF2B5EF4-FFF2-40B4-BE49-F238E27FC236}">
-                <a16:creationId xmlns:a16="http://schemas.microsoft.com/office/drawing/2014/main" xmlns="" id="{F7D40680-F7A7-44D4-980B-ABFF86E06D63}"/>
+                <a16:creationId xmlns="" xmlns:a16="http://schemas.microsoft.com/office/drawing/2014/main" id="{F7D40680-F7A7-44D4-980B-ABFF86E06D63}"/>
               </a:ext>
             </a:extLst>
           </p:cNvPr>
@@ -37133,7 +37151,7 @@
           <p:cNvPr id="35" name="평행 사변형 34">
             <a:extLst>
               <a:ext uri="{FF2B5EF4-FFF2-40B4-BE49-F238E27FC236}">
-                <a16:creationId xmlns:a16="http://schemas.microsoft.com/office/drawing/2014/main" xmlns="" id="{6D520370-0C27-400C-B994-9CBFCC44009F}"/>
+                <a16:creationId xmlns="" xmlns:a16="http://schemas.microsoft.com/office/drawing/2014/main" id="{6D520370-0C27-400C-B994-9CBFCC44009F}"/>
               </a:ext>
             </a:extLst>
           </p:cNvPr>
@@ -37187,7 +37205,7 @@
           <p:cNvPr id="39" name="자유형: 도형 38">
             <a:extLst>
               <a:ext uri="{FF2B5EF4-FFF2-40B4-BE49-F238E27FC236}">
-                <a16:creationId xmlns:a16="http://schemas.microsoft.com/office/drawing/2014/main" xmlns="" id="{1B866A1F-91A0-4798-85D0-14EC1642745F}"/>
+                <a16:creationId xmlns="" xmlns:a16="http://schemas.microsoft.com/office/drawing/2014/main" id="{1B866A1F-91A0-4798-85D0-14EC1642745F}"/>
               </a:ext>
             </a:extLst>
           </p:cNvPr>
@@ -37292,7 +37310,7 @@
           <p:cNvPr id="37" name="평행 사변형 36">
             <a:extLst>
               <a:ext uri="{FF2B5EF4-FFF2-40B4-BE49-F238E27FC236}">
-                <a16:creationId xmlns:a16="http://schemas.microsoft.com/office/drawing/2014/main" xmlns="" id="{722AACE9-A088-4802-81AF-0E83A855E145}"/>
+                <a16:creationId xmlns="" xmlns:a16="http://schemas.microsoft.com/office/drawing/2014/main" id="{722AACE9-A088-4802-81AF-0E83A855E145}"/>
               </a:ext>
             </a:extLst>
           </p:cNvPr>
@@ -37346,7 +37364,7 @@
           <p:cNvPr id="26" name="TextBox 25">
             <a:extLst>
               <a:ext uri="{FF2B5EF4-FFF2-40B4-BE49-F238E27FC236}">
-                <a16:creationId xmlns:a16="http://schemas.microsoft.com/office/drawing/2014/main" xmlns="" id="{269FE0EF-38E0-4B41-9E67-BFA233F92B3F}"/>
+                <a16:creationId xmlns="" xmlns:a16="http://schemas.microsoft.com/office/drawing/2014/main" id="{269FE0EF-38E0-4B41-9E67-BFA233F92B3F}"/>
               </a:ext>
             </a:extLst>
           </p:cNvPr>
@@ -37379,13 +37397,31 @@
               <a:t>1. </a:t>
             </a:r>
             <a:r>
-              <a:rPr lang="ko-KR" altLang="en-US" sz="3600" dirty="0" smtClean="0">
+              <a:rPr lang="ko-KR" altLang="en-US" sz="3600" smtClean="0">
                 <a:solidFill>
                   <a:schemeClr val="accent1"/>
                 </a:solidFill>
                 <a:latin typeface="+mj-lt"/>
               </a:rPr>
-              <a:t>프로그램 기획의도</a:t>
+              <a:t>프로그램 </a:t>
+            </a:r>
+            <a:r>
+              <a:rPr lang="ko-KR" altLang="en-US" sz="3600" smtClean="0">
+                <a:solidFill>
+                  <a:schemeClr val="accent1"/>
+                </a:solidFill>
+                <a:latin typeface="+mj-lt"/>
+              </a:rPr>
+              <a:t>개발목</a:t>
+            </a:r>
+            <a:r>
+              <a:rPr lang="ko-KR" altLang="en-US" sz="3600" smtClean="0">
+                <a:solidFill>
+                  <a:schemeClr val="accent1"/>
+                </a:solidFill>
+                <a:latin typeface="+mj-lt"/>
+              </a:rPr>
+              <a:t>적</a:t>
             </a:r>
             <a:endParaRPr lang="ko-KR" altLang="en-US" sz="3600" dirty="0">
               <a:solidFill>
@@ -37401,7 +37437,7 @@
           <p:cNvPr id="32" name="직선 화살표 연결선 31">
             <a:extLst>
               <a:ext uri="{FF2B5EF4-FFF2-40B4-BE49-F238E27FC236}">
-                <a16:creationId xmlns:a16="http://schemas.microsoft.com/office/drawing/2014/main" xmlns="" id="{2C75CE1E-4DB2-4135-A696-BB76D68EFB59}"/>
+                <a16:creationId xmlns="" xmlns:a16="http://schemas.microsoft.com/office/drawing/2014/main" id="{2C75CE1E-4DB2-4135-A696-BB76D68EFB59}"/>
               </a:ext>
             </a:extLst>
           </p:cNvPr>
@@ -37444,7 +37480,7 @@
     </p:spTree>
     <p:extLst>
       <p:ext uri="{BB962C8B-B14F-4D97-AF65-F5344CB8AC3E}">
-        <p14:creationId xmlns:p14="http://schemas.microsoft.com/office/powerpoint/2010/main" xmlns="" val="2382961555"/>
+        <p14:creationId xmlns="" xmlns:p14="http://schemas.microsoft.com/office/powerpoint/2010/main" val="2382961555"/>
       </p:ext>
     </p:extLst>
   </p:cSld>
@@ -37483,7 +37519,7 @@
           <p:cNvPr id="7" name="차트 6">
             <a:extLst>
               <a:ext uri="{FF2B5EF4-FFF2-40B4-BE49-F238E27FC236}">
-                <a16:creationId xmlns:a16="http://schemas.microsoft.com/office/drawing/2014/main" xmlns="" id="{896F63DA-8D01-4EFC-97BC-6362766DAAC6}"/>
+                <a16:creationId xmlns="" xmlns:a16="http://schemas.microsoft.com/office/drawing/2014/main" id="{896F63DA-8D01-4EFC-97BC-6362766DAAC6}"/>
               </a:ext>
             </a:extLst>
           </p:cNvPr>
@@ -37491,7 +37527,7 @@
           <p:nvPr>
             <p:extLst>
               <p:ext uri="{D42A27DB-BD31-4B8C-83A1-F6EECF244321}">
-                <p14:modId xmlns:p14="http://schemas.microsoft.com/office/powerpoint/2010/main" xmlns="" val="1377187778"/>
+                <p14:modId xmlns="" xmlns:p14="http://schemas.microsoft.com/office/powerpoint/2010/main" val="1377187778"/>
               </p:ext>
             </p:extLst>
           </p:nvPr>
@@ -37511,7 +37547,7 @@
           <p:cNvPr id="28" name="평행 사변형 27">
             <a:extLst>
               <a:ext uri="{FF2B5EF4-FFF2-40B4-BE49-F238E27FC236}">
-                <a16:creationId xmlns:a16="http://schemas.microsoft.com/office/drawing/2014/main" xmlns="" id="{3192B6A5-F01E-4764-94E7-45AB80929267}"/>
+                <a16:creationId xmlns="" xmlns:a16="http://schemas.microsoft.com/office/drawing/2014/main" id="{3192B6A5-F01E-4764-94E7-45AB80929267}"/>
               </a:ext>
             </a:extLst>
           </p:cNvPr>
@@ -37565,7 +37601,7 @@
           <p:cNvPr id="32" name="평행 사변형 31">
             <a:extLst>
               <a:ext uri="{FF2B5EF4-FFF2-40B4-BE49-F238E27FC236}">
-                <a16:creationId xmlns:a16="http://schemas.microsoft.com/office/drawing/2014/main" xmlns="" id="{28CB3711-6DCE-42A2-A71B-DCCD57CDF540}"/>
+                <a16:creationId xmlns="" xmlns:a16="http://schemas.microsoft.com/office/drawing/2014/main" id="{28CB3711-6DCE-42A2-A71B-DCCD57CDF540}"/>
               </a:ext>
             </a:extLst>
           </p:cNvPr>
@@ -37739,7 +37775,7 @@
           <p:cNvPr id="23" name="TextBox 22">
             <a:extLst>
               <a:ext uri="{FF2B5EF4-FFF2-40B4-BE49-F238E27FC236}">
-                <a16:creationId xmlns:a16="http://schemas.microsoft.com/office/drawing/2014/main" xmlns="" id="{269FE0EF-38E0-4B41-9E67-BFA233F92B3F}"/>
+                <a16:creationId xmlns="" xmlns:a16="http://schemas.microsoft.com/office/drawing/2014/main" id="{269FE0EF-38E0-4B41-9E67-BFA233F92B3F}"/>
               </a:ext>
             </a:extLst>
           </p:cNvPr>
@@ -37808,7 +37844,7 @@
     </p:spTree>
     <p:extLst>
       <p:ext uri="{BB962C8B-B14F-4D97-AF65-F5344CB8AC3E}">
-        <p14:creationId xmlns:p14="http://schemas.microsoft.com/office/powerpoint/2010/main" xmlns="" val="2968761044"/>
+        <p14:creationId xmlns="" xmlns:p14="http://schemas.microsoft.com/office/powerpoint/2010/main" val="2968761044"/>
       </p:ext>
     </p:extLst>
   </p:cSld>
@@ -37847,7 +37883,7 @@
           <p:cNvPr id="5" name="왼쪽 대괄호 4">
             <a:extLst>
               <a:ext uri="{FF2B5EF4-FFF2-40B4-BE49-F238E27FC236}">
-                <a16:creationId xmlns:a16="http://schemas.microsoft.com/office/drawing/2014/main" xmlns="" id="{B2193CA2-CD33-40C0-8A02-89D45D563E73}"/>
+                <a16:creationId xmlns="" xmlns:a16="http://schemas.microsoft.com/office/drawing/2014/main" id="{B2193CA2-CD33-40C0-8A02-89D45D563E73}"/>
               </a:ext>
             </a:extLst>
           </p:cNvPr>
@@ -37905,7 +37941,7 @@
           <p:cNvPr id="7" name="직선 화살표 연결선 6">
             <a:extLst>
               <a:ext uri="{FF2B5EF4-FFF2-40B4-BE49-F238E27FC236}">
-                <a16:creationId xmlns:a16="http://schemas.microsoft.com/office/drawing/2014/main" xmlns="" id="{9936C2DD-800D-4009-BED9-6635AC564B7A}"/>
+                <a16:creationId xmlns="" xmlns:a16="http://schemas.microsoft.com/office/drawing/2014/main" id="{9936C2DD-800D-4009-BED9-6635AC564B7A}"/>
               </a:ext>
             </a:extLst>
           </p:cNvPr>
@@ -37950,7 +37986,7 @@
           <p:cNvPr id="8" name="직선 화살표 연결선 7">
             <a:extLst>
               <a:ext uri="{FF2B5EF4-FFF2-40B4-BE49-F238E27FC236}">
-                <a16:creationId xmlns:a16="http://schemas.microsoft.com/office/drawing/2014/main" xmlns="" id="{5A0F6884-E86C-45B5-88AC-3D7B0179A7C2}"/>
+                <a16:creationId xmlns="" xmlns:a16="http://schemas.microsoft.com/office/drawing/2014/main" id="{5A0F6884-E86C-45B5-88AC-3D7B0179A7C2}"/>
               </a:ext>
             </a:extLst>
           </p:cNvPr>
@@ -37995,7 +38031,7 @@
           <p:cNvPr id="10" name="직사각형 9">
             <a:extLst>
               <a:ext uri="{FF2B5EF4-FFF2-40B4-BE49-F238E27FC236}">
-                <a16:creationId xmlns:a16="http://schemas.microsoft.com/office/drawing/2014/main" xmlns="" id="{9C2BFE86-7EBF-471E-9183-9A259413363C}"/>
+                <a16:creationId xmlns="" xmlns:a16="http://schemas.microsoft.com/office/drawing/2014/main" id="{9C2BFE86-7EBF-471E-9183-9A259413363C}"/>
               </a:ext>
             </a:extLst>
           </p:cNvPr>
@@ -38091,7 +38127,7 @@
           <p:cNvPr id="13" name="직선 화살표 연결선 12">
             <a:extLst>
               <a:ext uri="{FF2B5EF4-FFF2-40B4-BE49-F238E27FC236}">
-                <a16:creationId xmlns:a16="http://schemas.microsoft.com/office/drawing/2014/main" xmlns="" id="{156A97EB-63B6-4409-9FC4-C5B0211BF30D}"/>
+                <a16:creationId xmlns="" xmlns:a16="http://schemas.microsoft.com/office/drawing/2014/main" id="{156A97EB-63B6-4409-9FC4-C5B0211BF30D}"/>
               </a:ext>
             </a:extLst>
           </p:cNvPr>
@@ -38136,7 +38172,7 @@
           <p:cNvPr id="17" name="직사각형 16">
             <a:extLst>
               <a:ext uri="{FF2B5EF4-FFF2-40B4-BE49-F238E27FC236}">
-                <a16:creationId xmlns:a16="http://schemas.microsoft.com/office/drawing/2014/main" xmlns="" id="{EFFD2377-C7A2-481F-9060-E0ECCAB322F8}"/>
+                <a16:creationId xmlns="" xmlns:a16="http://schemas.microsoft.com/office/drawing/2014/main" id="{EFFD2377-C7A2-481F-9060-E0ECCAB322F8}"/>
               </a:ext>
             </a:extLst>
           </p:cNvPr>
@@ -38222,7 +38258,7 @@
           <p:cNvPr id="19" name="직선 화살표 연결선 18">
             <a:extLst>
               <a:ext uri="{FF2B5EF4-FFF2-40B4-BE49-F238E27FC236}">
-                <a16:creationId xmlns:a16="http://schemas.microsoft.com/office/drawing/2014/main" xmlns="" id="{2C75CE1E-4DB2-4135-A696-BB76D68EFB59}"/>
+                <a16:creationId xmlns="" xmlns:a16="http://schemas.microsoft.com/office/drawing/2014/main" id="{2C75CE1E-4DB2-4135-A696-BB76D68EFB59}"/>
               </a:ext>
             </a:extLst>
           </p:cNvPr>
@@ -38267,7 +38303,7 @@
           <p:cNvPr id="21" name="직사각형 20">
             <a:extLst>
               <a:ext uri="{FF2B5EF4-FFF2-40B4-BE49-F238E27FC236}">
-                <a16:creationId xmlns:a16="http://schemas.microsoft.com/office/drawing/2014/main" xmlns="" id="{F7D40680-F7A7-44D4-980B-ABFF86E06D63}"/>
+                <a16:creationId xmlns="" xmlns:a16="http://schemas.microsoft.com/office/drawing/2014/main" id="{F7D40680-F7A7-44D4-980B-ABFF86E06D63}"/>
               </a:ext>
             </a:extLst>
           </p:cNvPr>
@@ -38353,7 +38389,7 @@
           <p:cNvPr id="23" name="직선 화살표 연결선 22">
             <a:extLst>
               <a:ext uri="{FF2B5EF4-FFF2-40B4-BE49-F238E27FC236}">
-                <a16:creationId xmlns:a16="http://schemas.microsoft.com/office/drawing/2014/main" xmlns="" id="{2BDEA61B-E2DA-41EF-947E-EC1B0AC0E933}"/>
+                <a16:creationId xmlns="" xmlns:a16="http://schemas.microsoft.com/office/drawing/2014/main" id="{2BDEA61B-E2DA-41EF-947E-EC1B0AC0E933}"/>
               </a:ext>
             </a:extLst>
           </p:cNvPr>
@@ -38398,7 +38434,7 @@
           <p:cNvPr id="25" name="직사각형 24">
             <a:extLst>
               <a:ext uri="{FF2B5EF4-FFF2-40B4-BE49-F238E27FC236}">
-                <a16:creationId xmlns:a16="http://schemas.microsoft.com/office/drawing/2014/main" xmlns="" id="{98F6AEC8-2502-4140-AAC5-D5F767000CE0}"/>
+                <a16:creationId xmlns="" xmlns:a16="http://schemas.microsoft.com/office/drawing/2014/main" id="{98F6AEC8-2502-4140-AAC5-D5F767000CE0}"/>
               </a:ext>
             </a:extLst>
           </p:cNvPr>
@@ -38484,7 +38520,7 @@
           <p:cNvPr id="28" name="직선 화살표 연결선 27">
             <a:extLst>
               <a:ext uri="{FF2B5EF4-FFF2-40B4-BE49-F238E27FC236}">
-                <a16:creationId xmlns:a16="http://schemas.microsoft.com/office/drawing/2014/main" xmlns="" id="{12B819AA-8666-40ED-8FFA-D4646A820500}"/>
+                <a16:creationId xmlns="" xmlns:a16="http://schemas.microsoft.com/office/drawing/2014/main" id="{12B819AA-8666-40ED-8FFA-D4646A820500}"/>
               </a:ext>
             </a:extLst>
           </p:cNvPr>
@@ -38529,7 +38565,7 @@
           <p:cNvPr id="35" name="평행 사변형 34">
             <a:extLst>
               <a:ext uri="{FF2B5EF4-FFF2-40B4-BE49-F238E27FC236}">
-                <a16:creationId xmlns:a16="http://schemas.microsoft.com/office/drawing/2014/main" xmlns="" id="{6D520370-0C27-400C-B994-9CBFCC44009F}"/>
+                <a16:creationId xmlns="" xmlns:a16="http://schemas.microsoft.com/office/drawing/2014/main" id="{6D520370-0C27-400C-B994-9CBFCC44009F}"/>
               </a:ext>
             </a:extLst>
           </p:cNvPr>
@@ -38583,7 +38619,7 @@
           <p:cNvPr id="39" name="자유형: 도형 38">
             <a:extLst>
               <a:ext uri="{FF2B5EF4-FFF2-40B4-BE49-F238E27FC236}">
-                <a16:creationId xmlns:a16="http://schemas.microsoft.com/office/drawing/2014/main" xmlns="" id="{1B866A1F-91A0-4798-85D0-14EC1642745F}"/>
+                <a16:creationId xmlns="" xmlns:a16="http://schemas.microsoft.com/office/drawing/2014/main" id="{1B866A1F-91A0-4798-85D0-14EC1642745F}"/>
               </a:ext>
             </a:extLst>
           </p:cNvPr>
@@ -38688,7 +38724,7 @@
           <p:cNvPr id="37" name="평행 사변형 36">
             <a:extLst>
               <a:ext uri="{FF2B5EF4-FFF2-40B4-BE49-F238E27FC236}">
-                <a16:creationId xmlns:a16="http://schemas.microsoft.com/office/drawing/2014/main" xmlns="" id="{722AACE9-A088-4802-81AF-0E83A855E145}"/>
+                <a16:creationId xmlns="" xmlns:a16="http://schemas.microsoft.com/office/drawing/2014/main" id="{722AACE9-A088-4802-81AF-0E83A855E145}"/>
               </a:ext>
             </a:extLst>
           </p:cNvPr>
@@ -38742,7 +38778,7 @@
           <p:cNvPr id="26" name="TextBox 25">
             <a:extLst>
               <a:ext uri="{FF2B5EF4-FFF2-40B4-BE49-F238E27FC236}">
-                <a16:creationId xmlns:a16="http://schemas.microsoft.com/office/drawing/2014/main" xmlns="" id="{269FE0EF-38E0-4B41-9E67-BFA233F92B3F}"/>
+                <a16:creationId xmlns="" xmlns:a16="http://schemas.microsoft.com/office/drawing/2014/main" id="{269FE0EF-38E0-4B41-9E67-BFA233F92B3F}"/>
               </a:ext>
             </a:extLst>
           </p:cNvPr>
@@ -38797,7 +38833,7 @@
           <p:cNvPr id="24" name="직사각형 23">
             <a:extLst>
               <a:ext uri="{FF2B5EF4-FFF2-40B4-BE49-F238E27FC236}">
-                <a16:creationId xmlns:a16="http://schemas.microsoft.com/office/drawing/2014/main" xmlns="" id="{9C2BFE86-7EBF-471E-9183-9A259413363C}"/>
+                <a16:creationId xmlns="" xmlns:a16="http://schemas.microsoft.com/office/drawing/2014/main" id="{9C2BFE86-7EBF-471E-9183-9A259413363C}"/>
               </a:ext>
             </a:extLst>
           </p:cNvPr>
@@ -38873,7 +38909,7 @@
           <p:cNvPr id="30" name="직선 화살표 연결선 29">
             <a:extLst>
               <a:ext uri="{FF2B5EF4-FFF2-40B4-BE49-F238E27FC236}">
-                <a16:creationId xmlns:a16="http://schemas.microsoft.com/office/drawing/2014/main" xmlns="" id="{9936C2DD-800D-4009-BED9-6635AC564B7A}"/>
+                <a16:creationId xmlns="" xmlns:a16="http://schemas.microsoft.com/office/drawing/2014/main" id="{9936C2DD-800D-4009-BED9-6635AC564B7A}"/>
               </a:ext>
             </a:extLst>
           </p:cNvPr>
@@ -38918,7 +38954,7 @@
           <p:cNvPr id="31" name="직사각형 30">
             <a:extLst>
               <a:ext uri="{FF2B5EF4-FFF2-40B4-BE49-F238E27FC236}">
-                <a16:creationId xmlns:a16="http://schemas.microsoft.com/office/drawing/2014/main" xmlns="" id="{9C2BFE86-7EBF-471E-9183-9A259413363C}"/>
+                <a16:creationId xmlns="" xmlns:a16="http://schemas.microsoft.com/office/drawing/2014/main" id="{9C2BFE86-7EBF-471E-9183-9A259413363C}"/>
               </a:ext>
             </a:extLst>
           </p:cNvPr>
@@ -38994,7 +39030,7 @@
           <p:cNvPr id="32" name="직선 화살표 연결선 31">
             <a:extLst>
               <a:ext uri="{FF2B5EF4-FFF2-40B4-BE49-F238E27FC236}">
-                <a16:creationId xmlns:a16="http://schemas.microsoft.com/office/drawing/2014/main" xmlns="" id="{9936C2DD-800D-4009-BED9-6635AC564B7A}"/>
+                <a16:creationId xmlns="" xmlns:a16="http://schemas.microsoft.com/office/drawing/2014/main" id="{9936C2DD-800D-4009-BED9-6635AC564B7A}"/>
               </a:ext>
             </a:extLst>
           </p:cNvPr>
@@ -39039,7 +39075,7 @@
           <p:cNvPr id="33" name="직사각형 32">
             <a:extLst>
               <a:ext uri="{FF2B5EF4-FFF2-40B4-BE49-F238E27FC236}">
-                <a16:creationId xmlns:a16="http://schemas.microsoft.com/office/drawing/2014/main" xmlns="" id="{98F6AEC8-2502-4140-AAC5-D5F767000CE0}"/>
+                <a16:creationId xmlns="" xmlns:a16="http://schemas.microsoft.com/office/drawing/2014/main" id="{98F6AEC8-2502-4140-AAC5-D5F767000CE0}"/>
               </a:ext>
             </a:extLst>
           </p:cNvPr>
@@ -39125,7 +39161,7 @@
           <p:cNvPr id="52" name="직선 화살표 연결선 51">
             <a:extLst>
               <a:ext uri="{FF2B5EF4-FFF2-40B4-BE49-F238E27FC236}">
-                <a16:creationId xmlns:a16="http://schemas.microsoft.com/office/drawing/2014/main" xmlns="" id="{5A0F6884-E86C-45B5-88AC-3D7B0179A7C2}"/>
+                <a16:creationId xmlns="" xmlns:a16="http://schemas.microsoft.com/office/drawing/2014/main" id="{5A0F6884-E86C-45B5-88AC-3D7B0179A7C2}"/>
               </a:ext>
             </a:extLst>
           </p:cNvPr>
@@ -39265,7 +39301,7 @@
     </p:spTree>
     <p:extLst>
       <p:ext uri="{BB962C8B-B14F-4D97-AF65-F5344CB8AC3E}">
-        <p14:creationId xmlns:p14="http://schemas.microsoft.com/office/powerpoint/2010/main" xmlns="" val="2382961555"/>
+        <p14:creationId xmlns="" xmlns:p14="http://schemas.microsoft.com/office/powerpoint/2010/main" val="2382961555"/>
       </p:ext>
     </p:extLst>
   </p:cSld>
@@ -39304,7 +39340,7 @@
           <p:cNvPr id="21" name="TextBox 20">
             <a:extLst>
               <a:ext uri="{FF2B5EF4-FFF2-40B4-BE49-F238E27FC236}">
-                <a16:creationId xmlns:a16="http://schemas.microsoft.com/office/drawing/2014/main" xmlns="" id="{5E549F9D-38D0-4043-A463-70B5F6791EE2}"/>
+                <a16:creationId xmlns="" xmlns:a16="http://schemas.microsoft.com/office/drawing/2014/main" id="{5E549F9D-38D0-4043-A463-70B5F6791EE2}"/>
               </a:ext>
             </a:extLst>
           </p:cNvPr>
@@ -39359,7 +39395,7 @@
           <p:cNvPr id="23" name="평행 사변형 22">
             <a:extLst>
               <a:ext uri="{FF2B5EF4-FFF2-40B4-BE49-F238E27FC236}">
-                <a16:creationId xmlns:a16="http://schemas.microsoft.com/office/drawing/2014/main" xmlns="" id="{14AD1029-81C5-4182-9216-4BEF0CF7D760}"/>
+                <a16:creationId xmlns="" xmlns:a16="http://schemas.microsoft.com/office/drawing/2014/main" id="{14AD1029-81C5-4182-9216-4BEF0CF7D760}"/>
               </a:ext>
             </a:extLst>
           </p:cNvPr>
@@ -39413,7 +39449,7 @@
           <p:cNvPr id="24" name="평행 사변형 23">
             <a:extLst>
               <a:ext uri="{FF2B5EF4-FFF2-40B4-BE49-F238E27FC236}">
-                <a16:creationId xmlns:a16="http://schemas.microsoft.com/office/drawing/2014/main" xmlns="" id="{00E6DD0A-B90E-46B4-A996-050B9DD266C1}"/>
+                <a16:creationId xmlns="" xmlns:a16="http://schemas.microsoft.com/office/drawing/2014/main" id="{00E6DD0A-B90E-46B4-A996-050B9DD266C1}"/>
               </a:ext>
             </a:extLst>
           </p:cNvPr>
@@ -39467,7 +39503,7 @@
           <p:cNvPr id="25" name="TextBox 24">
             <a:extLst>
               <a:ext uri="{FF2B5EF4-FFF2-40B4-BE49-F238E27FC236}">
-                <a16:creationId xmlns:a16="http://schemas.microsoft.com/office/drawing/2014/main" xmlns="" id="{269FE0EF-38E0-4B41-9E67-BFA233F92B3F}"/>
+                <a16:creationId xmlns="" xmlns:a16="http://schemas.microsoft.com/office/drawing/2014/main" id="{269FE0EF-38E0-4B41-9E67-BFA233F92B3F}"/>
               </a:ext>
             </a:extLst>
           </p:cNvPr>
@@ -39849,7 +39885,7 @@
     </p:spTree>
     <p:extLst>
       <p:ext uri="{BB962C8B-B14F-4D97-AF65-F5344CB8AC3E}">
-        <p14:creationId xmlns:p14="http://schemas.microsoft.com/office/powerpoint/2010/main" xmlns="" val="1993388007"/>
+        <p14:creationId xmlns="" xmlns:p14="http://schemas.microsoft.com/office/powerpoint/2010/main" val="1993388007"/>
       </p:ext>
     </p:extLst>
   </p:cSld>
@@ -40061,7 +40097,7 @@
   <a:extraClrSchemeLst/>
   <a:extLst>
     <a:ext uri="{05A4C25C-085E-4340-85A3-A5531E510DB2}">
-      <thm15:themeFamily xmlns:thm15="http://schemas.microsoft.com/office/thememl/2012/main" xmlns="" name="Office Theme" id="{62F939B6-93AF-4DB8-9C6B-D6C7DFDC589F}" vid="{4A3C46E8-61CC-4603-A589-7422A47A8E4A}"/>
+      <thm15:themeFamily xmlns="" xmlns:thm15="http://schemas.microsoft.com/office/thememl/2012/main" name="Office Theme" id="{62F939B6-93AF-4DB8-9C6B-D6C7DFDC589F}" vid="{4A3C46E8-61CC-4603-A589-7422A47A8E4A}"/>
     </a:ext>
   </a:extLst>
 </a:theme>
